--- a/ICWMM2018/poster.pptx
+++ b/ICWMM2018/poster.pptx
@@ -5,22 +5,23 @@
     <p:sldMasterId id="2147483660" r:id="rId2"/>
   </p:sldMasterIdLst>
   <p:notesMasterIdLst>
-    <p:notesMasterId r:id="rId4"/>
+    <p:notesMasterId r:id="rId5"/>
   </p:notesMasterIdLst>
   <p:handoutMasterIdLst>
-    <p:handoutMasterId r:id="rId5"/>
+    <p:handoutMasterId r:id="rId6"/>
   </p:handoutMasterIdLst>
   <p:sldIdLst>
     <p:sldId id="256" r:id="rId3"/>
+    <p:sldId id="257" r:id="rId4"/>
   </p:sldIdLst>
-  <p:sldSz cx="43891200" cy="32918400"/>
-  <p:notesSz cx="6858000" cy="9144000"/>
+  <p:sldSz cx="27432000" cy="16459200"/>
+  <p:notesSz cx="26974800" cy="16002000"/>
   <p:defaultTextStyle>
     <a:defPPr>
       <a:defRPr lang="en-US"/>
     </a:defPPr>
-    <a:lvl1pPr marL="0" algn="l" defTabSz="3686861" rtl="0" eaLnBrk="1" latinLnBrk="0" hangingPunct="1">
-      <a:defRPr sz="7258" kern="1200">
+    <a:lvl1pPr marL="0" algn="l" defTabSz="1923435" rtl="0" eaLnBrk="1" latinLnBrk="0" hangingPunct="1">
+      <a:defRPr sz="3786" kern="1200">
         <a:solidFill>
           <a:schemeClr val="tx1"/>
         </a:solidFill>
@@ -29,8 +30,8 @@
         <a:cs typeface="+mn-cs"/>
       </a:defRPr>
     </a:lvl1pPr>
-    <a:lvl2pPr marL="1843430" algn="l" defTabSz="3686861" rtl="0" eaLnBrk="1" latinLnBrk="0" hangingPunct="1">
-      <a:defRPr sz="7258" kern="1200">
+    <a:lvl2pPr marL="961717" algn="l" defTabSz="1923435" rtl="0" eaLnBrk="1" latinLnBrk="0" hangingPunct="1">
+      <a:defRPr sz="3786" kern="1200">
         <a:solidFill>
           <a:schemeClr val="tx1"/>
         </a:solidFill>
@@ -39,8 +40,8 @@
         <a:cs typeface="+mn-cs"/>
       </a:defRPr>
     </a:lvl2pPr>
-    <a:lvl3pPr marL="3686861" algn="l" defTabSz="3686861" rtl="0" eaLnBrk="1" latinLnBrk="0" hangingPunct="1">
-      <a:defRPr sz="7258" kern="1200">
+    <a:lvl3pPr marL="1923435" algn="l" defTabSz="1923435" rtl="0" eaLnBrk="1" latinLnBrk="0" hangingPunct="1">
+      <a:defRPr sz="3786" kern="1200">
         <a:solidFill>
           <a:schemeClr val="tx1"/>
         </a:solidFill>
@@ -49,8 +50,8 @@
         <a:cs typeface="+mn-cs"/>
       </a:defRPr>
     </a:lvl3pPr>
-    <a:lvl4pPr marL="5530291" algn="l" defTabSz="3686861" rtl="0" eaLnBrk="1" latinLnBrk="0" hangingPunct="1">
-      <a:defRPr sz="7258" kern="1200">
+    <a:lvl4pPr marL="2885153" algn="l" defTabSz="1923435" rtl="0" eaLnBrk="1" latinLnBrk="0" hangingPunct="1">
+      <a:defRPr sz="3786" kern="1200">
         <a:solidFill>
           <a:schemeClr val="tx1"/>
         </a:solidFill>
@@ -59,8 +60,8 @@
         <a:cs typeface="+mn-cs"/>
       </a:defRPr>
     </a:lvl4pPr>
-    <a:lvl5pPr marL="7373722" algn="l" defTabSz="3686861" rtl="0" eaLnBrk="1" latinLnBrk="0" hangingPunct="1">
-      <a:defRPr sz="7258" kern="1200">
+    <a:lvl5pPr marL="3846871" algn="l" defTabSz="1923435" rtl="0" eaLnBrk="1" latinLnBrk="0" hangingPunct="1">
+      <a:defRPr sz="3786" kern="1200">
         <a:solidFill>
           <a:schemeClr val="tx1"/>
         </a:solidFill>
@@ -69,8 +70,8 @@
         <a:cs typeface="+mn-cs"/>
       </a:defRPr>
     </a:lvl5pPr>
-    <a:lvl6pPr marL="9217152" algn="l" defTabSz="3686861" rtl="0" eaLnBrk="1" latinLnBrk="0" hangingPunct="1">
-      <a:defRPr sz="7258" kern="1200">
+    <a:lvl6pPr marL="4808588" algn="l" defTabSz="1923435" rtl="0" eaLnBrk="1" latinLnBrk="0" hangingPunct="1">
+      <a:defRPr sz="3786" kern="1200">
         <a:solidFill>
           <a:schemeClr val="tx1"/>
         </a:solidFill>
@@ -79,8 +80,8 @@
         <a:cs typeface="+mn-cs"/>
       </a:defRPr>
     </a:lvl6pPr>
-    <a:lvl7pPr marL="11060582" algn="l" defTabSz="3686861" rtl="0" eaLnBrk="1" latinLnBrk="0" hangingPunct="1">
-      <a:defRPr sz="7258" kern="1200">
+    <a:lvl7pPr marL="5770306" algn="l" defTabSz="1923435" rtl="0" eaLnBrk="1" latinLnBrk="0" hangingPunct="1">
+      <a:defRPr sz="3786" kern="1200">
         <a:solidFill>
           <a:schemeClr val="tx1"/>
         </a:solidFill>
@@ -89,8 +90,8 @@
         <a:cs typeface="+mn-cs"/>
       </a:defRPr>
     </a:lvl7pPr>
-    <a:lvl8pPr marL="12904013" algn="l" defTabSz="3686861" rtl="0" eaLnBrk="1" latinLnBrk="0" hangingPunct="1">
-      <a:defRPr sz="7258" kern="1200">
+    <a:lvl8pPr marL="6732024" algn="l" defTabSz="1923435" rtl="0" eaLnBrk="1" latinLnBrk="0" hangingPunct="1">
+      <a:defRPr sz="3786" kern="1200">
         <a:solidFill>
           <a:schemeClr val="tx1"/>
         </a:solidFill>
@@ -99,8 +100,8 @@
         <a:cs typeface="+mn-cs"/>
       </a:defRPr>
     </a:lvl8pPr>
-    <a:lvl9pPr marL="14747443" algn="l" defTabSz="3686861" rtl="0" eaLnBrk="1" latinLnBrk="0" hangingPunct="1">
-      <a:defRPr sz="7258" kern="1200">
+    <a:lvl9pPr marL="7693741" algn="l" defTabSz="1923435" rtl="0" eaLnBrk="1" latinLnBrk="0" hangingPunct="1">
+      <a:defRPr sz="3786" kern="1200">
         <a:solidFill>
           <a:schemeClr val="tx1"/>
         </a:solidFill>
@@ -123,2462 +124,6 @@
 
 <file path=ppt/revisionInfo.xml><?xml version="1.0" encoding="utf-8"?>
 <p1510:revInfo xmlns:a="http://schemas.openxmlformats.org/drawingml/2006/main" xmlns:r="http://schemas.openxmlformats.org/officeDocument/2006/relationships" xmlns:p1510="http://schemas.microsoft.com/office/powerpoint/2015/10/main"/>
-</file>
-
-<file path=ppt/charts/chart1.xml><?xml version="1.0" encoding="utf-8"?>
-<c:chartSpace xmlns:c="http://schemas.openxmlformats.org/drawingml/2006/chart" xmlns:a="http://schemas.openxmlformats.org/drawingml/2006/main" xmlns:r="http://schemas.openxmlformats.org/officeDocument/2006/relationships" xmlns:c16r2="http://schemas.microsoft.com/office/drawing/2015/06/chart">
-  <c:date1904 val="0"/>
-  <c:lang val="en-US"/>
-  <c:roundedCorners val="0"/>
-  <mc:AlternateContent xmlns:mc="http://schemas.openxmlformats.org/markup-compatibility/2006">
-    <mc:Choice xmlns:c14="http://schemas.microsoft.com/office/drawing/2007/8/2/chart" Requires="c14">
-      <c14:style val="102"/>
-    </mc:Choice>
-    <mc:Fallback>
-      <c:style val="2"/>
-    </mc:Fallback>
-  </mc:AlternateContent>
-  <c:chart>
-    <c:title>
-      <c:overlay val="0"/>
-      <c:spPr>
-        <a:noFill/>
-        <a:ln>
-          <a:noFill/>
-        </a:ln>
-        <a:effectLst/>
-      </c:spPr>
-      <c:txPr>
-        <a:bodyPr rot="0" spcFirstLastPara="1" vertOverflow="ellipsis" vert="horz" wrap="square" anchor="ctr" anchorCtr="1"/>
-        <a:lstStyle/>
-        <a:p>
-          <a:pPr>
-            <a:defRPr sz="1862" b="0" i="0" u="none" strike="noStrike" kern="1200" spc="0" baseline="0">
-              <a:solidFill>
-                <a:schemeClr val="tx1">
-                  <a:lumMod val="65000"/>
-                  <a:lumOff val="35000"/>
-                </a:schemeClr>
-              </a:solidFill>
-              <a:latin typeface="+mn-lt"/>
-              <a:ea typeface="+mn-ea"/>
-              <a:cs typeface="+mn-cs"/>
-            </a:defRPr>
-          </a:pPr>
-          <a:endParaRPr lang="en-US"/>
-        </a:p>
-      </c:txPr>
-    </c:title>
-    <c:autoTitleDeleted val="0"/>
-    <c:plotArea>
-      <c:layout/>
-      <c:lineChart>
-        <c:grouping val="standard"/>
-        <c:varyColors val="0"/>
-        <c:ser>
-          <c:idx val="0"/>
-          <c:order val="0"/>
-          <c:tx>
-            <c:strRef>
-              <c:f>Sheet1!$B$1</c:f>
-              <c:strCache>
-                <c:ptCount val="1"/>
-                <c:pt idx="0">
-                  <c:v>Series 1</c:v>
-                </c:pt>
-              </c:strCache>
-            </c:strRef>
-          </c:tx>
-          <c:spPr>
-            <a:ln w="28575" cap="rnd">
-              <a:solidFill>
-                <a:schemeClr val="accent1"/>
-              </a:solidFill>
-              <a:round/>
-            </a:ln>
-            <a:effectLst/>
-          </c:spPr>
-          <c:marker>
-            <c:symbol val="none"/>
-          </c:marker>
-          <c:dLbls>
-            <c:dLbl>
-              <c:idx val="3"/>
-              <c:dLblPos val="r"/>
-              <c:showLegendKey val="0"/>
-              <c:showVal val="1"/>
-              <c:showCatName val="0"/>
-              <c:showSerName val="1"/>
-              <c:showPercent val="0"/>
-              <c:showBubbleSize val="0"/>
-              <c:extLst>
-                <c:ext xmlns:c15="http://schemas.microsoft.com/office/drawing/2012/chart" uri="{CE6537A1-D6FC-4f65-9D91-7224C49458BB}"/>
-                <c:ext xmlns:c16="http://schemas.microsoft.com/office/drawing/2014/chart" uri="{C3380CC4-5D6E-409C-BE32-E72D297353CC}">
-                  <c16:uniqueId val="{00000000-CDBC-45A8-A47C-1CD661A6D02D}"/>
-                </c:ext>
-              </c:extLst>
-            </c:dLbl>
-            <c:spPr>
-              <a:noFill/>
-              <a:ln>
-                <a:noFill/>
-              </a:ln>
-              <a:effectLst/>
-            </c:spPr>
-            <c:txPr>
-              <a:bodyPr rot="0" spcFirstLastPara="1" vertOverflow="ellipsis" vert="horz" wrap="square" lIns="38100" tIns="19050" rIns="38100" bIns="19050" anchor="ctr" anchorCtr="1">
-                <a:spAutoFit/>
-              </a:bodyPr>
-              <a:lstStyle/>
-              <a:p>
-                <a:pPr>
-                  <a:defRPr sz="1197" b="0" i="0" u="none" strike="noStrike" kern="1200" baseline="0">
-                    <a:solidFill>
-                      <a:schemeClr val="tx1">
-                        <a:lumMod val="75000"/>
-                        <a:lumOff val="25000"/>
-                      </a:schemeClr>
-                    </a:solidFill>
-                    <a:latin typeface="+mn-lt"/>
-                    <a:ea typeface="+mn-ea"/>
-                    <a:cs typeface="+mn-cs"/>
-                  </a:defRPr>
-                </a:pPr>
-                <a:endParaRPr lang="en-US"/>
-              </a:p>
-            </c:txPr>
-            <c:showLegendKey val="0"/>
-            <c:showVal val="0"/>
-            <c:showCatName val="0"/>
-            <c:showSerName val="0"/>
-            <c:showPercent val="0"/>
-            <c:showBubbleSize val="0"/>
-            <c:extLst>
-              <c:ext xmlns:c15="http://schemas.microsoft.com/office/drawing/2012/chart" uri="{CE6537A1-D6FC-4f65-9D91-7224C49458BB}">
-                <c15:showLeaderLines val="1"/>
-                <c15:leaderLines>
-                  <c:spPr>
-                    <a:ln w="9525" cap="flat" cmpd="sng" algn="ctr">
-                      <a:solidFill>
-                        <a:schemeClr val="tx1">
-                          <a:lumMod val="35000"/>
-                          <a:lumOff val="65000"/>
-                        </a:schemeClr>
-                      </a:solidFill>
-                      <a:round/>
-                    </a:ln>
-                    <a:effectLst/>
-                  </c:spPr>
-                </c15:leaderLines>
-              </c:ext>
-            </c:extLst>
-          </c:dLbls>
-          <c:cat>
-            <c:strRef>
-              <c:f>Sheet1!$A$2:$A$5</c:f>
-              <c:strCache>
-                <c:ptCount val="4"/>
-                <c:pt idx="0">
-                  <c:v>Category 1</c:v>
-                </c:pt>
-                <c:pt idx="1">
-                  <c:v>Category 2</c:v>
-                </c:pt>
-                <c:pt idx="2">
-                  <c:v>Category 3</c:v>
-                </c:pt>
-                <c:pt idx="3">
-                  <c:v>Category 4</c:v>
-                </c:pt>
-              </c:strCache>
-            </c:strRef>
-          </c:cat>
-          <c:val>
-            <c:numRef>
-              <c:f>Sheet1!$B$2:$B$5</c:f>
-              <c:numCache>
-                <c:formatCode>General</c:formatCode>
-                <c:ptCount val="4"/>
-                <c:pt idx="0">
-                  <c:v>4.3</c:v>
-                </c:pt>
-                <c:pt idx="1">
-                  <c:v>2.5</c:v>
-                </c:pt>
-                <c:pt idx="2">
-                  <c:v>3.5</c:v>
-                </c:pt>
-                <c:pt idx="3">
-                  <c:v>4.5</c:v>
-                </c:pt>
-              </c:numCache>
-            </c:numRef>
-          </c:val>
-          <c:smooth val="0"/>
-          <c:extLst>
-            <c:ext xmlns:c16="http://schemas.microsoft.com/office/drawing/2014/chart" uri="{C3380CC4-5D6E-409C-BE32-E72D297353CC}">
-              <c16:uniqueId val="{00000001-CDBC-45A8-A47C-1CD661A6D02D}"/>
-            </c:ext>
-          </c:extLst>
-        </c:ser>
-        <c:ser>
-          <c:idx val="1"/>
-          <c:order val="1"/>
-          <c:tx>
-            <c:strRef>
-              <c:f>Sheet1!$C$1</c:f>
-              <c:strCache>
-                <c:ptCount val="1"/>
-                <c:pt idx="0">
-                  <c:v>Series 2</c:v>
-                </c:pt>
-              </c:strCache>
-            </c:strRef>
-          </c:tx>
-          <c:spPr>
-            <a:ln w="28575" cap="rnd">
-              <a:solidFill>
-                <a:schemeClr val="accent2"/>
-              </a:solidFill>
-              <a:round/>
-            </a:ln>
-            <a:effectLst/>
-          </c:spPr>
-          <c:marker>
-            <c:symbol val="none"/>
-          </c:marker>
-          <c:dLbls>
-            <c:dLbl>
-              <c:idx val="3"/>
-              <c:dLblPos val="r"/>
-              <c:showLegendKey val="0"/>
-              <c:showVal val="1"/>
-              <c:showCatName val="0"/>
-              <c:showSerName val="1"/>
-              <c:showPercent val="0"/>
-              <c:showBubbleSize val="0"/>
-              <c:extLst>
-                <c:ext xmlns:c15="http://schemas.microsoft.com/office/drawing/2012/chart" uri="{CE6537A1-D6FC-4f65-9D91-7224C49458BB}"/>
-                <c:ext xmlns:c16="http://schemas.microsoft.com/office/drawing/2014/chart" uri="{C3380CC4-5D6E-409C-BE32-E72D297353CC}">
-                  <c16:uniqueId val="{00000002-CDBC-45A8-A47C-1CD661A6D02D}"/>
-                </c:ext>
-              </c:extLst>
-            </c:dLbl>
-            <c:spPr>
-              <a:noFill/>
-              <a:ln>
-                <a:noFill/>
-              </a:ln>
-              <a:effectLst/>
-            </c:spPr>
-            <c:txPr>
-              <a:bodyPr rot="0" spcFirstLastPara="1" vertOverflow="ellipsis" vert="horz" wrap="square" lIns="38100" tIns="19050" rIns="38100" bIns="19050" anchor="ctr" anchorCtr="1">
-                <a:spAutoFit/>
-              </a:bodyPr>
-              <a:lstStyle/>
-              <a:p>
-                <a:pPr>
-                  <a:defRPr sz="1197" b="0" i="0" u="none" strike="noStrike" kern="1200" baseline="0">
-                    <a:solidFill>
-                      <a:schemeClr val="tx1">
-                        <a:lumMod val="75000"/>
-                        <a:lumOff val="25000"/>
-                      </a:schemeClr>
-                    </a:solidFill>
-                    <a:latin typeface="+mn-lt"/>
-                    <a:ea typeface="+mn-ea"/>
-                    <a:cs typeface="+mn-cs"/>
-                  </a:defRPr>
-                </a:pPr>
-                <a:endParaRPr lang="en-US"/>
-              </a:p>
-            </c:txPr>
-            <c:showLegendKey val="0"/>
-            <c:showVal val="0"/>
-            <c:showCatName val="0"/>
-            <c:showSerName val="0"/>
-            <c:showPercent val="0"/>
-            <c:showBubbleSize val="0"/>
-            <c:extLst>
-              <c:ext xmlns:c15="http://schemas.microsoft.com/office/drawing/2012/chart" uri="{CE6537A1-D6FC-4f65-9D91-7224C49458BB}">
-                <c15:showLeaderLines val="1"/>
-                <c15:leaderLines>
-                  <c:spPr>
-                    <a:ln w="9525" cap="flat" cmpd="sng" algn="ctr">
-                      <a:solidFill>
-                        <a:schemeClr val="tx1">
-                          <a:lumMod val="35000"/>
-                          <a:lumOff val="65000"/>
-                        </a:schemeClr>
-                      </a:solidFill>
-                      <a:round/>
-                    </a:ln>
-                    <a:effectLst/>
-                  </c:spPr>
-                </c15:leaderLines>
-              </c:ext>
-            </c:extLst>
-          </c:dLbls>
-          <c:cat>
-            <c:strRef>
-              <c:f>Sheet1!$A$2:$A$5</c:f>
-              <c:strCache>
-                <c:ptCount val="4"/>
-                <c:pt idx="0">
-                  <c:v>Category 1</c:v>
-                </c:pt>
-                <c:pt idx="1">
-                  <c:v>Category 2</c:v>
-                </c:pt>
-                <c:pt idx="2">
-                  <c:v>Category 3</c:v>
-                </c:pt>
-                <c:pt idx="3">
-                  <c:v>Category 4</c:v>
-                </c:pt>
-              </c:strCache>
-            </c:strRef>
-          </c:cat>
-          <c:val>
-            <c:numRef>
-              <c:f>Sheet1!$C$2:$C$5</c:f>
-              <c:numCache>
-                <c:formatCode>General</c:formatCode>
-                <c:ptCount val="4"/>
-                <c:pt idx="0">
-                  <c:v>2.4</c:v>
-                </c:pt>
-                <c:pt idx="1">
-                  <c:v>4.4000000000000004</c:v>
-                </c:pt>
-                <c:pt idx="2">
-                  <c:v>1.8</c:v>
-                </c:pt>
-                <c:pt idx="3">
-                  <c:v>2.8</c:v>
-                </c:pt>
-              </c:numCache>
-            </c:numRef>
-          </c:val>
-          <c:smooth val="0"/>
-          <c:extLst>
-            <c:ext xmlns:c16="http://schemas.microsoft.com/office/drawing/2014/chart" uri="{C3380CC4-5D6E-409C-BE32-E72D297353CC}">
-              <c16:uniqueId val="{00000003-CDBC-45A8-A47C-1CD661A6D02D}"/>
-            </c:ext>
-          </c:extLst>
-        </c:ser>
-        <c:ser>
-          <c:idx val="2"/>
-          <c:order val="2"/>
-          <c:tx>
-            <c:strRef>
-              <c:f>Sheet1!$D$1</c:f>
-              <c:strCache>
-                <c:ptCount val="1"/>
-                <c:pt idx="0">
-                  <c:v>Series 3</c:v>
-                </c:pt>
-              </c:strCache>
-            </c:strRef>
-          </c:tx>
-          <c:spPr>
-            <a:ln w="28575" cap="rnd">
-              <a:solidFill>
-                <a:schemeClr val="accent3"/>
-              </a:solidFill>
-              <a:round/>
-            </a:ln>
-            <a:effectLst/>
-          </c:spPr>
-          <c:marker>
-            <c:symbol val="none"/>
-          </c:marker>
-          <c:dLbls>
-            <c:dLbl>
-              <c:idx val="3"/>
-              <c:dLblPos val="r"/>
-              <c:showLegendKey val="0"/>
-              <c:showVal val="1"/>
-              <c:showCatName val="0"/>
-              <c:showSerName val="1"/>
-              <c:showPercent val="0"/>
-              <c:showBubbleSize val="0"/>
-              <c:extLst>
-                <c:ext xmlns:c15="http://schemas.microsoft.com/office/drawing/2012/chart" uri="{CE6537A1-D6FC-4f65-9D91-7224C49458BB}"/>
-                <c:ext xmlns:c16="http://schemas.microsoft.com/office/drawing/2014/chart" uri="{C3380CC4-5D6E-409C-BE32-E72D297353CC}">
-                  <c16:uniqueId val="{00000004-CDBC-45A8-A47C-1CD661A6D02D}"/>
-                </c:ext>
-              </c:extLst>
-            </c:dLbl>
-            <c:spPr>
-              <a:noFill/>
-              <a:ln>
-                <a:noFill/>
-              </a:ln>
-              <a:effectLst/>
-            </c:spPr>
-            <c:txPr>
-              <a:bodyPr rot="0" spcFirstLastPara="1" vertOverflow="ellipsis" vert="horz" wrap="square" lIns="38100" tIns="19050" rIns="38100" bIns="19050" anchor="ctr" anchorCtr="1">
-                <a:spAutoFit/>
-              </a:bodyPr>
-              <a:lstStyle/>
-              <a:p>
-                <a:pPr>
-                  <a:defRPr sz="1197" b="0" i="0" u="none" strike="noStrike" kern="1200" baseline="0">
-                    <a:solidFill>
-                      <a:schemeClr val="tx1">
-                        <a:lumMod val="75000"/>
-                        <a:lumOff val="25000"/>
-                      </a:schemeClr>
-                    </a:solidFill>
-                    <a:latin typeface="+mn-lt"/>
-                    <a:ea typeface="+mn-ea"/>
-                    <a:cs typeface="+mn-cs"/>
-                  </a:defRPr>
-                </a:pPr>
-                <a:endParaRPr lang="en-US"/>
-              </a:p>
-            </c:txPr>
-            <c:showLegendKey val="0"/>
-            <c:showVal val="0"/>
-            <c:showCatName val="0"/>
-            <c:showSerName val="0"/>
-            <c:showPercent val="0"/>
-            <c:showBubbleSize val="0"/>
-            <c:extLst>
-              <c:ext xmlns:c15="http://schemas.microsoft.com/office/drawing/2012/chart" uri="{CE6537A1-D6FC-4f65-9D91-7224C49458BB}">
-                <c15:showLeaderLines val="1"/>
-                <c15:leaderLines>
-                  <c:spPr>
-                    <a:ln w="9525" cap="flat" cmpd="sng" algn="ctr">
-                      <a:solidFill>
-                        <a:schemeClr val="tx1">
-                          <a:lumMod val="35000"/>
-                          <a:lumOff val="65000"/>
-                        </a:schemeClr>
-                      </a:solidFill>
-                      <a:round/>
-                    </a:ln>
-                    <a:effectLst/>
-                  </c:spPr>
-                </c15:leaderLines>
-              </c:ext>
-            </c:extLst>
-          </c:dLbls>
-          <c:cat>
-            <c:strRef>
-              <c:f>Sheet1!$A$2:$A$5</c:f>
-              <c:strCache>
-                <c:ptCount val="4"/>
-                <c:pt idx="0">
-                  <c:v>Category 1</c:v>
-                </c:pt>
-                <c:pt idx="1">
-                  <c:v>Category 2</c:v>
-                </c:pt>
-                <c:pt idx="2">
-                  <c:v>Category 3</c:v>
-                </c:pt>
-                <c:pt idx="3">
-                  <c:v>Category 4</c:v>
-                </c:pt>
-              </c:strCache>
-            </c:strRef>
-          </c:cat>
-          <c:val>
-            <c:numRef>
-              <c:f>Sheet1!$D$2:$D$5</c:f>
-              <c:numCache>
-                <c:formatCode>General</c:formatCode>
-                <c:ptCount val="4"/>
-                <c:pt idx="0">
-                  <c:v>2</c:v>
-                </c:pt>
-                <c:pt idx="1">
-                  <c:v>2</c:v>
-                </c:pt>
-                <c:pt idx="2">
-                  <c:v>3</c:v>
-                </c:pt>
-                <c:pt idx="3">
-                  <c:v>5</c:v>
-                </c:pt>
-              </c:numCache>
-            </c:numRef>
-          </c:val>
-          <c:smooth val="0"/>
-          <c:extLst>
-            <c:ext xmlns:c16="http://schemas.microsoft.com/office/drawing/2014/chart" uri="{C3380CC4-5D6E-409C-BE32-E72D297353CC}">
-              <c16:uniqueId val="{00000005-CDBC-45A8-A47C-1CD661A6D02D}"/>
-            </c:ext>
-          </c:extLst>
-        </c:ser>
-        <c:dLbls>
-          <c:showLegendKey val="0"/>
-          <c:showVal val="0"/>
-          <c:showCatName val="0"/>
-          <c:showSerName val="0"/>
-          <c:showPercent val="0"/>
-          <c:showBubbleSize val="0"/>
-        </c:dLbls>
-        <c:smooth val="0"/>
-        <c:axId val="311546848"/>
-        <c:axId val="311547408"/>
-      </c:lineChart>
-      <c:catAx>
-        <c:axId val="311546848"/>
-        <c:scaling>
-          <c:orientation val="minMax"/>
-        </c:scaling>
-        <c:delete val="0"/>
-        <c:axPos val="b"/>
-        <c:numFmt formatCode="General" sourceLinked="1"/>
-        <c:majorTickMark val="none"/>
-        <c:minorTickMark val="none"/>
-        <c:tickLblPos val="nextTo"/>
-        <c:spPr>
-          <a:noFill/>
-          <a:ln w="9525" cap="flat" cmpd="sng" algn="ctr">
-            <a:solidFill>
-              <a:schemeClr val="tx1">
-                <a:lumMod val="15000"/>
-                <a:lumOff val="85000"/>
-              </a:schemeClr>
-            </a:solidFill>
-            <a:round/>
-          </a:ln>
-          <a:effectLst/>
-        </c:spPr>
-        <c:txPr>
-          <a:bodyPr rot="-60000000" spcFirstLastPara="1" vertOverflow="ellipsis" vert="horz" wrap="square" anchor="ctr" anchorCtr="1"/>
-          <a:lstStyle/>
-          <a:p>
-            <a:pPr>
-              <a:defRPr sz="1197" b="0" i="0" u="none" strike="noStrike" kern="1200" baseline="0">
-                <a:solidFill>
-                  <a:schemeClr val="tx1">
-                    <a:lumMod val="65000"/>
-                    <a:lumOff val="35000"/>
-                  </a:schemeClr>
-                </a:solidFill>
-                <a:latin typeface="+mn-lt"/>
-                <a:ea typeface="+mn-ea"/>
-                <a:cs typeface="+mn-cs"/>
-              </a:defRPr>
-            </a:pPr>
-            <a:endParaRPr lang="en-US"/>
-          </a:p>
-        </c:txPr>
-        <c:crossAx val="311547408"/>
-        <c:crosses val="autoZero"/>
-        <c:auto val="1"/>
-        <c:lblAlgn val="ctr"/>
-        <c:lblOffset val="100"/>
-        <c:noMultiLvlLbl val="0"/>
-      </c:catAx>
-      <c:valAx>
-        <c:axId val="311547408"/>
-        <c:scaling>
-          <c:orientation val="minMax"/>
-        </c:scaling>
-        <c:delete val="0"/>
-        <c:axPos val="l"/>
-        <c:majorGridlines>
-          <c:spPr>
-            <a:ln w="9525" cap="flat" cmpd="sng" algn="ctr">
-              <a:solidFill>
-                <a:schemeClr val="tx1">
-                  <a:lumMod val="15000"/>
-                  <a:lumOff val="85000"/>
-                </a:schemeClr>
-              </a:solidFill>
-              <a:round/>
-            </a:ln>
-            <a:effectLst/>
-          </c:spPr>
-        </c:majorGridlines>
-        <c:title>
-          <c:overlay val="0"/>
-          <c:spPr>
-            <a:noFill/>
-            <a:ln>
-              <a:noFill/>
-            </a:ln>
-            <a:effectLst/>
-          </c:spPr>
-          <c:txPr>
-            <a:bodyPr rot="-5400000" spcFirstLastPara="1" vertOverflow="ellipsis" vert="horz" wrap="square" anchor="ctr" anchorCtr="1"/>
-            <a:lstStyle/>
-            <a:p>
-              <a:pPr>
-                <a:defRPr sz="1330" b="0" i="0" u="none" strike="noStrike" kern="1200" baseline="0">
-                  <a:solidFill>
-                    <a:schemeClr val="tx1">
-                      <a:lumMod val="65000"/>
-                      <a:lumOff val="35000"/>
-                    </a:schemeClr>
-                  </a:solidFill>
-                  <a:latin typeface="+mn-lt"/>
-                  <a:ea typeface="+mn-ea"/>
-                  <a:cs typeface="+mn-cs"/>
-                </a:defRPr>
-              </a:pPr>
-              <a:endParaRPr lang="en-US"/>
-            </a:p>
-          </c:txPr>
-        </c:title>
-        <c:numFmt formatCode="General" sourceLinked="1"/>
-        <c:majorTickMark val="none"/>
-        <c:minorTickMark val="none"/>
-        <c:tickLblPos val="nextTo"/>
-        <c:spPr>
-          <a:noFill/>
-          <a:ln>
-            <a:noFill/>
-          </a:ln>
-          <a:effectLst/>
-        </c:spPr>
-        <c:txPr>
-          <a:bodyPr rot="-60000000" spcFirstLastPara="1" vertOverflow="ellipsis" vert="horz" wrap="square" anchor="ctr" anchorCtr="1"/>
-          <a:lstStyle/>
-          <a:p>
-            <a:pPr>
-              <a:defRPr sz="1197" b="0" i="0" u="none" strike="noStrike" kern="1200" baseline="0">
-                <a:solidFill>
-                  <a:schemeClr val="tx1">
-                    <a:lumMod val="65000"/>
-                    <a:lumOff val="35000"/>
-                  </a:schemeClr>
-                </a:solidFill>
-                <a:latin typeface="+mn-lt"/>
-                <a:ea typeface="+mn-ea"/>
-                <a:cs typeface="+mn-cs"/>
-              </a:defRPr>
-            </a:pPr>
-            <a:endParaRPr lang="en-US"/>
-          </a:p>
-        </c:txPr>
-        <c:crossAx val="311546848"/>
-        <c:crosses val="autoZero"/>
-        <c:crossBetween val="between"/>
-      </c:valAx>
-      <c:spPr>
-        <a:noFill/>
-        <a:ln>
-          <a:noFill/>
-        </a:ln>
-        <a:effectLst/>
-      </c:spPr>
-    </c:plotArea>
-    <c:plotVisOnly val="1"/>
-    <c:dispBlanksAs val="gap"/>
-    <c:showDLblsOverMax val="0"/>
-  </c:chart>
-  <c:spPr>
-    <a:noFill/>
-    <a:ln>
-      <a:noFill/>
-    </a:ln>
-    <a:effectLst/>
-  </c:spPr>
-  <c:txPr>
-    <a:bodyPr/>
-    <a:lstStyle/>
-    <a:p>
-      <a:pPr>
-        <a:defRPr/>
-      </a:pPr>
-      <a:endParaRPr lang="en-US"/>
-    </a:p>
-  </c:txPr>
-  <c:externalData r:id="rId3">
-    <c:autoUpdate val="0"/>
-  </c:externalData>
-</c:chartSpace>
-</file>
-
-<file path=ppt/charts/chart2.xml><?xml version="1.0" encoding="utf-8"?>
-<c:chartSpace xmlns:c="http://schemas.openxmlformats.org/drawingml/2006/chart" xmlns:a="http://schemas.openxmlformats.org/drawingml/2006/main" xmlns:r="http://schemas.openxmlformats.org/officeDocument/2006/relationships" xmlns:c16r2="http://schemas.microsoft.com/office/drawing/2015/06/chart">
-  <c:date1904 val="0"/>
-  <c:lang val="en-US"/>
-  <c:roundedCorners val="0"/>
-  <mc:AlternateContent xmlns:mc="http://schemas.openxmlformats.org/markup-compatibility/2006">
-    <mc:Choice xmlns:c14="http://schemas.microsoft.com/office/drawing/2007/8/2/chart" Requires="c14">
-      <c14:style val="102"/>
-    </mc:Choice>
-    <mc:Fallback>
-      <c:style val="2"/>
-    </mc:Fallback>
-  </mc:AlternateContent>
-  <c:chart>
-    <c:title>
-      <c:overlay val="0"/>
-      <c:spPr>
-        <a:noFill/>
-        <a:ln>
-          <a:noFill/>
-        </a:ln>
-        <a:effectLst/>
-      </c:spPr>
-      <c:txPr>
-        <a:bodyPr rot="0" spcFirstLastPara="1" vertOverflow="ellipsis" vert="horz" wrap="square" anchor="ctr" anchorCtr="1"/>
-        <a:lstStyle/>
-        <a:p>
-          <a:pPr>
-            <a:defRPr sz="1862" b="0" i="0" u="none" strike="noStrike" kern="1200" spc="0" baseline="0">
-              <a:solidFill>
-                <a:schemeClr val="tx1">
-                  <a:lumMod val="65000"/>
-                  <a:lumOff val="35000"/>
-                </a:schemeClr>
-              </a:solidFill>
-              <a:latin typeface="+mn-lt"/>
-              <a:ea typeface="+mn-ea"/>
-              <a:cs typeface="+mn-cs"/>
-            </a:defRPr>
-          </a:pPr>
-          <a:endParaRPr lang="en-US"/>
-        </a:p>
-      </c:txPr>
-    </c:title>
-    <c:autoTitleDeleted val="0"/>
-    <c:plotArea>
-      <c:layout/>
-      <c:lineChart>
-        <c:grouping val="standard"/>
-        <c:varyColors val="0"/>
-        <c:ser>
-          <c:idx val="0"/>
-          <c:order val="0"/>
-          <c:tx>
-            <c:strRef>
-              <c:f>Sheet1!$B$1</c:f>
-              <c:strCache>
-                <c:ptCount val="1"/>
-                <c:pt idx="0">
-                  <c:v>Series 1</c:v>
-                </c:pt>
-              </c:strCache>
-            </c:strRef>
-          </c:tx>
-          <c:spPr>
-            <a:ln w="28575" cap="rnd">
-              <a:solidFill>
-                <a:schemeClr val="accent1"/>
-              </a:solidFill>
-              <a:round/>
-            </a:ln>
-            <a:effectLst/>
-          </c:spPr>
-          <c:marker>
-            <c:symbol val="none"/>
-          </c:marker>
-          <c:dLbls>
-            <c:dLbl>
-              <c:idx val="3"/>
-              <c:dLblPos val="r"/>
-              <c:showLegendKey val="0"/>
-              <c:showVal val="1"/>
-              <c:showCatName val="0"/>
-              <c:showSerName val="1"/>
-              <c:showPercent val="0"/>
-              <c:showBubbleSize val="0"/>
-              <c:extLst>
-                <c:ext xmlns:c15="http://schemas.microsoft.com/office/drawing/2012/chart" uri="{CE6537A1-D6FC-4f65-9D91-7224C49458BB}"/>
-                <c:ext xmlns:c16="http://schemas.microsoft.com/office/drawing/2014/chart" uri="{C3380CC4-5D6E-409C-BE32-E72D297353CC}">
-                  <c16:uniqueId val="{00000000-8DB3-4C20-9D46-6338EC218D20}"/>
-                </c:ext>
-              </c:extLst>
-            </c:dLbl>
-            <c:spPr>
-              <a:noFill/>
-              <a:ln>
-                <a:noFill/>
-              </a:ln>
-              <a:effectLst/>
-            </c:spPr>
-            <c:txPr>
-              <a:bodyPr rot="0" spcFirstLastPara="1" vertOverflow="ellipsis" vert="horz" wrap="square" lIns="38100" tIns="19050" rIns="38100" bIns="19050" anchor="ctr" anchorCtr="1">
-                <a:spAutoFit/>
-              </a:bodyPr>
-              <a:lstStyle/>
-              <a:p>
-                <a:pPr>
-                  <a:defRPr sz="1197" b="0" i="0" u="none" strike="noStrike" kern="1200" baseline="0">
-                    <a:solidFill>
-                      <a:schemeClr val="tx1">
-                        <a:lumMod val="75000"/>
-                        <a:lumOff val="25000"/>
-                      </a:schemeClr>
-                    </a:solidFill>
-                    <a:latin typeface="+mn-lt"/>
-                    <a:ea typeface="+mn-ea"/>
-                    <a:cs typeface="+mn-cs"/>
-                  </a:defRPr>
-                </a:pPr>
-                <a:endParaRPr lang="en-US"/>
-              </a:p>
-            </c:txPr>
-            <c:showLegendKey val="0"/>
-            <c:showVal val="0"/>
-            <c:showCatName val="0"/>
-            <c:showSerName val="0"/>
-            <c:showPercent val="0"/>
-            <c:showBubbleSize val="0"/>
-            <c:extLst>
-              <c:ext xmlns:c15="http://schemas.microsoft.com/office/drawing/2012/chart" uri="{CE6537A1-D6FC-4f65-9D91-7224C49458BB}">
-                <c15:showLeaderLines val="1"/>
-                <c15:leaderLines>
-                  <c:spPr>
-                    <a:ln w="9525" cap="flat" cmpd="sng" algn="ctr">
-                      <a:solidFill>
-                        <a:schemeClr val="tx1">
-                          <a:lumMod val="35000"/>
-                          <a:lumOff val="65000"/>
-                        </a:schemeClr>
-                      </a:solidFill>
-                      <a:round/>
-                    </a:ln>
-                    <a:effectLst/>
-                  </c:spPr>
-                </c15:leaderLines>
-              </c:ext>
-            </c:extLst>
-          </c:dLbls>
-          <c:cat>
-            <c:strRef>
-              <c:f>Sheet1!$A$2:$A$5</c:f>
-              <c:strCache>
-                <c:ptCount val="4"/>
-                <c:pt idx="0">
-                  <c:v>Category 1</c:v>
-                </c:pt>
-                <c:pt idx="1">
-                  <c:v>Category 2</c:v>
-                </c:pt>
-                <c:pt idx="2">
-                  <c:v>Category 3</c:v>
-                </c:pt>
-                <c:pt idx="3">
-                  <c:v>Category 4</c:v>
-                </c:pt>
-              </c:strCache>
-            </c:strRef>
-          </c:cat>
-          <c:val>
-            <c:numRef>
-              <c:f>Sheet1!$B$2:$B$5</c:f>
-              <c:numCache>
-                <c:formatCode>General</c:formatCode>
-                <c:ptCount val="4"/>
-                <c:pt idx="0">
-                  <c:v>4.3</c:v>
-                </c:pt>
-                <c:pt idx="1">
-                  <c:v>2.5</c:v>
-                </c:pt>
-                <c:pt idx="2">
-                  <c:v>3.5</c:v>
-                </c:pt>
-                <c:pt idx="3">
-                  <c:v>4.5</c:v>
-                </c:pt>
-              </c:numCache>
-            </c:numRef>
-          </c:val>
-          <c:smooth val="0"/>
-          <c:extLst>
-            <c:ext xmlns:c16="http://schemas.microsoft.com/office/drawing/2014/chart" uri="{C3380CC4-5D6E-409C-BE32-E72D297353CC}">
-              <c16:uniqueId val="{00000001-8DB3-4C20-9D46-6338EC218D20}"/>
-            </c:ext>
-          </c:extLst>
-        </c:ser>
-        <c:ser>
-          <c:idx val="1"/>
-          <c:order val="1"/>
-          <c:tx>
-            <c:strRef>
-              <c:f>Sheet1!$C$1</c:f>
-              <c:strCache>
-                <c:ptCount val="1"/>
-                <c:pt idx="0">
-                  <c:v>Series 2</c:v>
-                </c:pt>
-              </c:strCache>
-            </c:strRef>
-          </c:tx>
-          <c:spPr>
-            <a:ln w="28575" cap="rnd">
-              <a:solidFill>
-                <a:schemeClr val="accent2"/>
-              </a:solidFill>
-              <a:round/>
-            </a:ln>
-            <a:effectLst/>
-          </c:spPr>
-          <c:marker>
-            <c:symbol val="none"/>
-          </c:marker>
-          <c:dLbls>
-            <c:dLbl>
-              <c:idx val="3"/>
-              <c:dLblPos val="r"/>
-              <c:showLegendKey val="0"/>
-              <c:showVal val="1"/>
-              <c:showCatName val="0"/>
-              <c:showSerName val="1"/>
-              <c:showPercent val="0"/>
-              <c:showBubbleSize val="0"/>
-              <c:extLst>
-                <c:ext xmlns:c15="http://schemas.microsoft.com/office/drawing/2012/chart" uri="{CE6537A1-D6FC-4f65-9D91-7224C49458BB}"/>
-                <c:ext xmlns:c16="http://schemas.microsoft.com/office/drawing/2014/chart" uri="{C3380CC4-5D6E-409C-BE32-E72D297353CC}">
-                  <c16:uniqueId val="{00000002-8DB3-4C20-9D46-6338EC218D20}"/>
-                </c:ext>
-              </c:extLst>
-            </c:dLbl>
-            <c:spPr>
-              <a:noFill/>
-              <a:ln>
-                <a:noFill/>
-              </a:ln>
-              <a:effectLst/>
-            </c:spPr>
-            <c:txPr>
-              <a:bodyPr rot="0" spcFirstLastPara="1" vertOverflow="ellipsis" vert="horz" wrap="square" lIns="38100" tIns="19050" rIns="38100" bIns="19050" anchor="ctr" anchorCtr="1">
-                <a:spAutoFit/>
-              </a:bodyPr>
-              <a:lstStyle/>
-              <a:p>
-                <a:pPr>
-                  <a:defRPr sz="1197" b="0" i="0" u="none" strike="noStrike" kern="1200" baseline="0">
-                    <a:solidFill>
-                      <a:schemeClr val="tx1">
-                        <a:lumMod val="75000"/>
-                        <a:lumOff val="25000"/>
-                      </a:schemeClr>
-                    </a:solidFill>
-                    <a:latin typeface="+mn-lt"/>
-                    <a:ea typeface="+mn-ea"/>
-                    <a:cs typeface="+mn-cs"/>
-                  </a:defRPr>
-                </a:pPr>
-                <a:endParaRPr lang="en-US"/>
-              </a:p>
-            </c:txPr>
-            <c:showLegendKey val="0"/>
-            <c:showVal val="0"/>
-            <c:showCatName val="0"/>
-            <c:showSerName val="0"/>
-            <c:showPercent val="0"/>
-            <c:showBubbleSize val="0"/>
-            <c:extLst>
-              <c:ext xmlns:c15="http://schemas.microsoft.com/office/drawing/2012/chart" uri="{CE6537A1-D6FC-4f65-9D91-7224C49458BB}">
-                <c15:showLeaderLines val="1"/>
-                <c15:leaderLines>
-                  <c:spPr>
-                    <a:ln w="9525" cap="flat" cmpd="sng" algn="ctr">
-                      <a:solidFill>
-                        <a:schemeClr val="tx1">
-                          <a:lumMod val="35000"/>
-                          <a:lumOff val="65000"/>
-                        </a:schemeClr>
-                      </a:solidFill>
-                      <a:round/>
-                    </a:ln>
-                    <a:effectLst/>
-                  </c:spPr>
-                </c15:leaderLines>
-              </c:ext>
-            </c:extLst>
-          </c:dLbls>
-          <c:cat>
-            <c:strRef>
-              <c:f>Sheet1!$A$2:$A$5</c:f>
-              <c:strCache>
-                <c:ptCount val="4"/>
-                <c:pt idx="0">
-                  <c:v>Category 1</c:v>
-                </c:pt>
-                <c:pt idx="1">
-                  <c:v>Category 2</c:v>
-                </c:pt>
-                <c:pt idx="2">
-                  <c:v>Category 3</c:v>
-                </c:pt>
-                <c:pt idx="3">
-                  <c:v>Category 4</c:v>
-                </c:pt>
-              </c:strCache>
-            </c:strRef>
-          </c:cat>
-          <c:val>
-            <c:numRef>
-              <c:f>Sheet1!$C$2:$C$5</c:f>
-              <c:numCache>
-                <c:formatCode>General</c:formatCode>
-                <c:ptCount val="4"/>
-                <c:pt idx="0">
-                  <c:v>2.4</c:v>
-                </c:pt>
-                <c:pt idx="1">
-                  <c:v>4.4000000000000004</c:v>
-                </c:pt>
-                <c:pt idx="2">
-                  <c:v>1.8</c:v>
-                </c:pt>
-                <c:pt idx="3">
-                  <c:v>2.8</c:v>
-                </c:pt>
-              </c:numCache>
-            </c:numRef>
-          </c:val>
-          <c:smooth val="0"/>
-          <c:extLst>
-            <c:ext xmlns:c16="http://schemas.microsoft.com/office/drawing/2014/chart" uri="{C3380CC4-5D6E-409C-BE32-E72D297353CC}">
-              <c16:uniqueId val="{00000003-8DB3-4C20-9D46-6338EC218D20}"/>
-            </c:ext>
-          </c:extLst>
-        </c:ser>
-        <c:ser>
-          <c:idx val="2"/>
-          <c:order val="2"/>
-          <c:tx>
-            <c:strRef>
-              <c:f>Sheet1!$D$1</c:f>
-              <c:strCache>
-                <c:ptCount val="1"/>
-                <c:pt idx="0">
-                  <c:v>Series 3</c:v>
-                </c:pt>
-              </c:strCache>
-            </c:strRef>
-          </c:tx>
-          <c:spPr>
-            <a:ln w="28575" cap="rnd">
-              <a:solidFill>
-                <a:schemeClr val="accent3"/>
-              </a:solidFill>
-              <a:round/>
-            </a:ln>
-            <a:effectLst/>
-          </c:spPr>
-          <c:marker>
-            <c:symbol val="none"/>
-          </c:marker>
-          <c:dLbls>
-            <c:dLbl>
-              <c:idx val="3"/>
-              <c:dLblPos val="r"/>
-              <c:showLegendKey val="0"/>
-              <c:showVal val="1"/>
-              <c:showCatName val="0"/>
-              <c:showSerName val="1"/>
-              <c:showPercent val="0"/>
-              <c:showBubbleSize val="0"/>
-              <c:extLst>
-                <c:ext xmlns:c15="http://schemas.microsoft.com/office/drawing/2012/chart" uri="{CE6537A1-D6FC-4f65-9D91-7224C49458BB}"/>
-                <c:ext xmlns:c16="http://schemas.microsoft.com/office/drawing/2014/chart" uri="{C3380CC4-5D6E-409C-BE32-E72D297353CC}">
-                  <c16:uniqueId val="{00000004-8DB3-4C20-9D46-6338EC218D20}"/>
-                </c:ext>
-              </c:extLst>
-            </c:dLbl>
-            <c:spPr>
-              <a:noFill/>
-              <a:ln>
-                <a:noFill/>
-              </a:ln>
-              <a:effectLst/>
-            </c:spPr>
-            <c:txPr>
-              <a:bodyPr rot="0" spcFirstLastPara="1" vertOverflow="ellipsis" vert="horz" wrap="square" lIns="38100" tIns="19050" rIns="38100" bIns="19050" anchor="ctr" anchorCtr="1">
-                <a:spAutoFit/>
-              </a:bodyPr>
-              <a:lstStyle/>
-              <a:p>
-                <a:pPr>
-                  <a:defRPr sz="1197" b="0" i="0" u="none" strike="noStrike" kern="1200" baseline="0">
-                    <a:solidFill>
-                      <a:schemeClr val="tx1">
-                        <a:lumMod val="75000"/>
-                        <a:lumOff val="25000"/>
-                      </a:schemeClr>
-                    </a:solidFill>
-                    <a:latin typeface="+mn-lt"/>
-                    <a:ea typeface="+mn-ea"/>
-                    <a:cs typeface="+mn-cs"/>
-                  </a:defRPr>
-                </a:pPr>
-                <a:endParaRPr lang="en-US"/>
-              </a:p>
-            </c:txPr>
-            <c:showLegendKey val="0"/>
-            <c:showVal val="0"/>
-            <c:showCatName val="0"/>
-            <c:showSerName val="0"/>
-            <c:showPercent val="0"/>
-            <c:showBubbleSize val="0"/>
-            <c:extLst>
-              <c:ext xmlns:c15="http://schemas.microsoft.com/office/drawing/2012/chart" uri="{CE6537A1-D6FC-4f65-9D91-7224C49458BB}">
-                <c15:showLeaderLines val="1"/>
-                <c15:leaderLines>
-                  <c:spPr>
-                    <a:ln w="9525" cap="flat" cmpd="sng" algn="ctr">
-                      <a:solidFill>
-                        <a:schemeClr val="tx1">
-                          <a:lumMod val="35000"/>
-                          <a:lumOff val="65000"/>
-                        </a:schemeClr>
-                      </a:solidFill>
-                      <a:round/>
-                    </a:ln>
-                    <a:effectLst/>
-                  </c:spPr>
-                </c15:leaderLines>
-              </c:ext>
-            </c:extLst>
-          </c:dLbls>
-          <c:cat>
-            <c:strRef>
-              <c:f>Sheet1!$A$2:$A$5</c:f>
-              <c:strCache>
-                <c:ptCount val="4"/>
-                <c:pt idx="0">
-                  <c:v>Category 1</c:v>
-                </c:pt>
-                <c:pt idx="1">
-                  <c:v>Category 2</c:v>
-                </c:pt>
-                <c:pt idx="2">
-                  <c:v>Category 3</c:v>
-                </c:pt>
-                <c:pt idx="3">
-                  <c:v>Category 4</c:v>
-                </c:pt>
-              </c:strCache>
-            </c:strRef>
-          </c:cat>
-          <c:val>
-            <c:numRef>
-              <c:f>Sheet1!$D$2:$D$5</c:f>
-              <c:numCache>
-                <c:formatCode>General</c:formatCode>
-                <c:ptCount val="4"/>
-                <c:pt idx="0">
-                  <c:v>2</c:v>
-                </c:pt>
-                <c:pt idx="1">
-                  <c:v>2</c:v>
-                </c:pt>
-                <c:pt idx="2">
-                  <c:v>3</c:v>
-                </c:pt>
-                <c:pt idx="3">
-                  <c:v>5</c:v>
-                </c:pt>
-              </c:numCache>
-            </c:numRef>
-          </c:val>
-          <c:smooth val="0"/>
-          <c:extLst>
-            <c:ext xmlns:c16="http://schemas.microsoft.com/office/drawing/2014/chart" uri="{C3380CC4-5D6E-409C-BE32-E72D297353CC}">
-              <c16:uniqueId val="{00000005-8DB3-4C20-9D46-6338EC218D20}"/>
-            </c:ext>
-          </c:extLst>
-        </c:ser>
-        <c:dLbls>
-          <c:showLegendKey val="0"/>
-          <c:showVal val="0"/>
-          <c:showCatName val="0"/>
-          <c:showSerName val="0"/>
-          <c:showPercent val="0"/>
-          <c:showBubbleSize val="0"/>
-        </c:dLbls>
-        <c:smooth val="0"/>
-        <c:axId val="416104144"/>
-        <c:axId val="416104704"/>
-      </c:lineChart>
-      <c:catAx>
-        <c:axId val="416104144"/>
-        <c:scaling>
-          <c:orientation val="minMax"/>
-        </c:scaling>
-        <c:delete val="0"/>
-        <c:axPos val="b"/>
-        <c:numFmt formatCode="General" sourceLinked="1"/>
-        <c:majorTickMark val="none"/>
-        <c:minorTickMark val="none"/>
-        <c:tickLblPos val="nextTo"/>
-        <c:spPr>
-          <a:noFill/>
-          <a:ln w="9525" cap="flat" cmpd="sng" algn="ctr">
-            <a:solidFill>
-              <a:schemeClr val="tx1">
-                <a:lumMod val="15000"/>
-                <a:lumOff val="85000"/>
-              </a:schemeClr>
-            </a:solidFill>
-            <a:round/>
-          </a:ln>
-          <a:effectLst/>
-        </c:spPr>
-        <c:txPr>
-          <a:bodyPr rot="-60000000" spcFirstLastPara="1" vertOverflow="ellipsis" vert="horz" wrap="square" anchor="ctr" anchorCtr="1"/>
-          <a:lstStyle/>
-          <a:p>
-            <a:pPr>
-              <a:defRPr sz="1197" b="0" i="0" u="none" strike="noStrike" kern="1200" baseline="0">
-                <a:solidFill>
-                  <a:schemeClr val="tx1">
-                    <a:lumMod val="65000"/>
-                    <a:lumOff val="35000"/>
-                  </a:schemeClr>
-                </a:solidFill>
-                <a:latin typeface="+mn-lt"/>
-                <a:ea typeface="+mn-ea"/>
-                <a:cs typeface="+mn-cs"/>
-              </a:defRPr>
-            </a:pPr>
-            <a:endParaRPr lang="en-US"/>
-          </a:p>
-        </c:txPr>
-        <c:crossAx val="416104704"/>
-        <c:crosses val="autoZero"/>
-        <c:auto val="1"/>
-        <c:lblAlgn val="ctr"/>
-        <c:lblOffset val="100"/>
-        <c:noMultiLvlLbl val="0"/>
-      </c:catAx>
-      <c:valAx>
-        <c:axId val="416104704"/>
-        <c:scaling>
-          <c:orientation val="minMax"/>
-        </c:scaling>
-        <c:delete val="0"/>
-        <c:axPos val="l"/>
-        <c:majorGridlines>
-          <c:spPr>
-            <a:ln w="9525" cap="flat" cmpd="sng" algn="ctr">
-              <a:solidFill>
-                <a:schemeClr val="tx1">
-                  <a:lumMod val="15000"/>
-                  <a:lumOff val="85000"/>
-                </a:schemeClr>
-              </a:solidFill>
-              <a:round/>
-            </a:ln>
-            <a:effectLst/>
-          </c:spPr>
-        </c:majorGridlines>
-        <c:title>
-          <c:overlay val="0"/>
-          <c:spPr>
-            <a:noFill/>
-            <a:ln>
-              <a:noFill/>
-            </a:ln>
-            <a:effectLst/>
-          </c:spPr>
-          <c:txPr>
-            <a:bodyPr rot="-5400000" spcFirstLastPara="1" vertOverflow="ellipsis" vert="horz" wrap="square" anchor="ctr" anchorCtr="1"/>
-            <a:lstStyle/>
-            <a:p>
-              <a:pPr>
-                <a:defRPr sz="1330" b="0" i="0" u="none" strike="noStrike" kern="1200" baseline="0">
-                  <a:solidFill>
-                    <a:schemeClr val="tx1">
-                      <a:lumMod val="65000"/>
-                      <a:lumOff val="35000"/>
-                    </a:schemeClr>
-                  </a:solidFill>
-                  <a:latin typeface="+mn-lt"/>
-                  <a:ea typeface="+mn-ea"/>
-                  <a:cs typeface="+mn-cs"/>
-                </a:defRPr>
-              </a:pPr>
-              <a:endParaRPr lang="en-US"/>
-            </a:p>
-          </c:txPr>
-        </c:title>
-        <c:numFmt formatCode="General" sourceLinked="1"/>
-        <c:majorTickMark val="none"/>
-        <c:minorTickMark val="none"/>
-        <c:tickLblPos val="nextTo"/>
-        <c:spPr>
-          <a:noFill/>
-          <a:ln>
-            <a:noFill/>
-          </a:ln>
-          <a:effectLst/>
-        </c:spPr>
-        <c:txPr>
-          <a:bodyPr rot="-60000000" spcFirstLastPara="1" vertOverflow="ellipsis" vert="horz" wrap="square" anchor="ctr" anchorCtr="1"/>
-          <a:lstStyle/>
-          <a:p>
-            <a:pPr>
-              <a:defRPr sz="1197" b="0" i="0" u="none" strike="noStrike" kern="1200" baseline="0">
-                <a:solidFill>
-                  <a:schemeClr val="tx1">
-                    <a:lumMod val="65000"/>
-                    <a:lumOff val="35000"/>
-                  </a:schemeClr>
-                </a:solidFill>
-                <a:latin typeface="+mn-lt"/>
-                <a:ea typeface="+mn-ea"/>
-                <a:cs typeface="+mn-cs"/>
-              </a:defRPr>
-            </a:pPr>
-            <a:endParaRPr lang="en-US"/>
-          </a:p>
-        </c:txPr>
-        <c:crossAx val="416104144"/>
-        <c:crosses val="autoZero"/>
-        <c:crossBetween val="between"/>
-      </c:valAx>
-      <c:spPr>
-        <a:noFill/>
-        <a:ln>
-          <a:noFill/>
-        </a:ln>
-        <a:effectLst/>
-      </c:spPr>
-    </c:plotArea>
-    <c:plotVisOnly val="1"/>
-    <c:dispBlanksAs val="gap"/>
-    <c:showDLblsOverMax val="0"/>
-  </c:chart>
-  <c:spPr>
-    <a:noFill/>
-    <a:ln>
-      <a:noFill/>
-    </a:ln>
-    <a:effectLst/>
-  </c:spPr>
-  <c:txPr>
-    <a:bodyPr/>
-    <a:lstStyle/>
-    <a:p>
-      <a:pPr>
-        <a:defRPr/>
-      </a:pPr>
-      <a:endParaRPr lang="en-US"/>
-    </a:p>
-  </c:txPr>
-  <c:externalData r:id="rId3">
-    <c:autoUpdate val="0"/>
-  </c:externalData>
-</c:chartSpace>
-</file>
-
-<file path=ppt/charts/colors1.xml><?xml version="1.0" encoding="utf-8"?>
-<cs:colorStyle xmlns:cs="http://schemas.microsoft.com/office/drawing/2012/chartStyle" xmlns:a="http://schemas.openxmlformats.org/drawingml/2006/main" meth="cycle" id="10">
-  <a:schemeClr val="accent1"/>
-  <a:schemeClr val="accent2"/>
-  <a:schemeClr val="accent3"/>
-  <a:schemeClr val="accent4"/>
-  <a:schemeClr val="accent5"/>
-  <a:schemeClr val="accent6"/>
-  <cs:variation/>
-  <cs:variation>
-    <a:lumMod val="60000"/>
-  </cs:variation>
-  <cs:variation>
-    <a:lumMod val="80000"/>
-    <a:lumOff val="20000"/>
-  </cs:variation>
-  <cs:variation>
-    <a:lumMod val="80000"/>
-  </cs:variation>
-  <cs:variation>
-    <a:lumMod val="60000"/>
-    <a:lumOff val="40000"/>
-  </cs:variation>
-  <cs:variation>
-    <a:lumMod val="50000"/>
-  </cs:variation>
-  <cs:variation>
-    <a:lumMod val="70000"/>
-    <a:lumOff val="30000"/>
-  </cs:variation>
-  <cs:variation>
-    <a:lumMod val="70000"/>
-  </cs:variation>
-  <cs:variation>
-    <a:lumMod val="50000"/>
-    <a:lumOff val="50000"/>
-  </cs:variation>
-</cs:colorStyle>
-</file>
-
-<file path=ppt/charts/colors2.xml><?xml version="1.0" encoding="utf-8"?>
-<cs:colorStyle xmlns:cs="http://schemas.microsoft.com/office/drawing/2012/chartStyle" xmlns:a="http://schemas.openxmlformats.org/drawingml/2006/main" meth="cycle" id="10">
-  <a:schemeClr val="accent1"/>
-  <a:schemeClr val="accent2"/>
-  <a:schemeClr val="accent3"/>
-  <a:schemeClr val="accent4"/>
-  <a:schemeClr val="accent5"/>
-  <a:schemeClr val="accent6"/>
-  <cs:variation/>
-  <cs:variation>
-    <a:lumMod val="60000"/>
-  </cs:variation>
-  <cs:variation>
-    <a:lumMod val="80000"/>
-    <a:lumOff val="20000"/>
-  </cs:variation>
-  <cs:variation>
-    <a:lumMod val="80000"/>
-  </cs:variation>
-  <cs:variation>
-    <a:lumMod val="60000"/>
-    <a:lumOff val="40000"/>
-  </cs:variation>
-  <cs:variation>
-    <a:lumMod val="50000"/>
-  </cs:variation>
-  <cs:variation>
-    <a:lumMod val="70000"/>
-    <a:lumOff val="30000"/>
-  </cs:variation>
-  <cs:variation>
-    <a:lumMod val="70000"/>
-  </cs:variation>
-  <cs:variation>
-    <a:lumMod val="50000"/>
-    <a:lumOff val="50000"/>
-  </cs:variation>
-</cs:colorStyle>
-</file>
-
-<file path=ppt/charts/style1.xml><?xml version="1.0" encoding="utf-8"?>
-<cs:chartStyle xmlns:cs="http://schemas.microsoft.com/office/drawing/2012/chartStyle" xmlns:a="http://schemas.openxmlformats.org/drawingml/2006/main" id="227">
-  <cs:axisTitle>
-    <cs:lnRef idx="0"/>
-    <cs:fillRef idx="0"/>
-    <cs:effectRef idx="0"/>
-    <cs:fontRef idx="minor">
-      <a:schemeClr val="tx1">
-        <a:lumMod val="65000"/>
-        <a:lumOff val="35000"/>
-      </a:schemeClr>
-    </cs:fontRef>
-    <cs:defRPr sz="1330" kern="1200"/>
-  </cs:axisTitle>
-  <cs:categoryAxis>
-    <cs:lnRef idx="0"/>
-    <cs:fillRef idx="0"/>
-    <cs:effectRef idx="0"/>
-    <cs:fontRef idx="minor">
-      <a:schemeClr val="tx1">
-        <a:lumMod val="65000"/>
-        <a:lumOff val="35000"/>
-      </a:schemeClr>
-    </cs:fontRef>
-    <cs:spPr>
-      <a:ln w="9525" cap="flat" cmpd="sng" algn="ctr">
-        <a:solidFill>
-          <a:schemeClr val="tx1">
-            <a:lumMod val="15000"/>
-            <a:lumOff val="85000"/>
-          </a:schemeClr>
-        </a:solidFill>
-        <a:round/>
-      </a:ln>
-    </cs:spPr>
-    <cs:defRPr sz="1197" kern="1200"/>
-  </cs:categoryAxis>
-  <cs:chartArea mods="allowNoFillOverride allowNoLineOverride">
-    <cs:lnRef idx="0"/>
-    <cs:fillRef idx="0"/>
-    <cs:effectRef idx="0"/>
-    <cs:fontRef idx="minor">
-      <a:schemeClr val="tx1"/>
-    </cs:fontRef>
-    <cs:spPr>
-      <a:solidFill>
-        <a:schemeClr val="bg1"/>
-      </a:solidFill>
-      <a:ln w="9525" cap="flat" cmpd="sng" algn="ctr">
-        <a:solidFill>
-          <a:schemeClr val="tx1">
-            <a:lumMod val="15000"/>
-            <a:lumOff val="85000"/>
-          </a:schemeClr>
-        </a:solidFill>
-        <a:round/>
-      </a:ln>
-    </cs:spPr>
-    <cs:defRPr sz="1330" kern="1200"/>
-  </cs:chartArea>
-  <cs:dataLabel>
-    <cs:lnRef idx="0"/>
-    <cs:fillRef idx="0"/>
-    <cs:effectRef idx="0"/>
-    <cs:fontRef idx="minor">
-      <a:schemeClr val="tx1">
-        <a:lumMod val="75000"/>
-        <a:lumOff val="25000"/>
-      </a:schemeClr>
-    </cs:fontRef>
-    <cs:defRPr sz="1197" kern="1200"/>
-  </cs:dataLabel>
-  <cs:dataLabelCallout>
-    <cs:lnRef idx="0"/>
-    <cs:fillRef idx="0"/>
-    <cs:effectRef idx="0"/>
-    <cs:fontRef idx="minor">
-      <a:schemeClr val="dk1">
-        <a:lumMod val="65000"/>
-        <a:lumOff val="35000"/>
-      </a:schemeClr>
-    </cs:fontRef>
-    <cs:spPr>
-      <a:solidFill>
-        <a:schemeClr val="lt1"/>
-      </a:solidFill>
-      <a:ln>
-        <a:solidFill>
-          <a:schemeClr val="dk1">
-            <a:lumMod val="25000"/>
-            <a:lumOff val="75000"/>
-          </a:schemeClr>
-        </a:solidFill>
-      </a:ln>
-    </cs:spPr>
-    <cs:defRPr sz="1197" kern="1200"/>
-    <cs:bodyPr rot="0" spcFirstLastPara="1" vertOverflow="clip" horzOverflow="clip" vert="horz" wrap="square" lIns="36576" tIns="18288" rIns="36576" bIns="18288" anchor="ctr" anchorCtr="1">
-      <a:spAutoFit/>
-    </cs:bodyPr>
-  </cs:dataLabelCallout>
-  <cs:dataPoint>
-    <cs:lnRef idx="0"/>
-    <cs:fillRef idx="1">
-      <cs:styleClr val="auto"/>
-    </cs:fillRef>
-    <cs:effectRef idx="0"/>
-    <cs:fontRef idx="minor">
-      <a:schemeClr val="tx1"/>
-    </cs:fontRef>
-    <cs:spPr>
-      <a:solidFill>
-        <a:schemeClr val="phClr"/>
-      </a:solidFill>
-    </cs:spPr>
-  </cs:dataPoint>
-  <cs:dataPoint3D>
-    <cs:lnRef idx="0"/>
-    <cs:fillRef idx="1">
-      <cs:styleClr val="auto"/>
-    </cs:fillRef>
-    <cs:effectRef idx="0"/>
-    <cs:fontRef idx="minor">
-      <a:schemeClr val="tx1"/>
-    </cs:fontRef>
-    <cs:spPr>
-      <a:solidFill>
-        <a:schemeClr val="phClr"/>
-      </a:solidFill>
-    </cs:spPr>
-  </cs:dataPoint3D>
-  <cs:dataPointLine>
-    <cs:lnRef idx="0">
-      <cs:styleClr val="auto"/>
-    </cs:lnRef>
-    <cs:fillRef idx="1"/>
-    <cs:effectRef idx="0"/>
-    <cs:fontRef idx="minor">
-      <a:schemeClr val="tx1"/>
-    </cs:fontRef>
-    <cs:spPr>
-      <a:ln w="28575" cap="rnd">
-        <a:solidFill>
-          <a:schemeClr val="phClr"/>
-        </a:solidFill>
-        <a:round/>
-      </a:ln>
-    </cs:spPr>
-  </cs:dataPointLine>
-  <cs:dataPointMarker>
-    <cs:lnRef idx="0">
-      <cs:styleClr val="auto"/>
-    </cs:lnRef>
-    <cs:fillRef idx="1">
-      <cs:styleClr val="auto"/>
-    </cs:fillRef>
-    <cs:effectRef idx="0"/>
-    <cs:fontRef idx="minor">
-      <a:schemeClr val="tx1"/>
-    </cs:fontRef>
-    <cs:spPr>
-      <a:solidFill>
-        <a:schemeClr val="phClr"/>
-      </a:solidFill>
-      <a:ln w="9525">
-        <a:solidFill>
-          <a:schemeClr val="phClr"/>
-        </a:solidFill>
-      </a:ln>
-    </cs:spPr>
-  </cs:dataPointMarker>
-  <cs:dataPointMarkerLayout symbol="circle" size="5"/>
-  <cs:dataPointWireframe>
-    <cs:lnRef idx="0">
-      <cs:styleClr val="auto"/>
-    </cs:lnRef>
-    <cs:fillRef idx="1"/>
-    <cs:effectRef idx="0"/>
-    <cs:fontRef idx="minor">
-      <a:schemeClr val="tx1"/>
-    </cs:fontRef>
-    <cs:spPr>
-      <a:ln w="9525" cap="rnd">
-        <a:solidFill>
-          <a:schemeClr val="phClr"/>
-        </a:solidFill>
-        <a:round/>
-      </a:ln>
-    </cs:spPr>
-  </cs:dataPointWireframe>
-  <cs:dataTable>
-    <cs:lnRef idx="0"/>
-    <cs:fillRef idx="0"/>
-    <cs:effectRef idx="0"/>
-    <cs:fontRef idx="minor">
-      <a:schemeClr val="tx1">
-        <a:lumMod val="65000"/>
-        <a:lumOff val="35000"/>
-      </a:schemeClr>
-    </cs:fontRef>
-    <cs:spPr>
-      <a:noFill/>
-      <a:ln w="9525" cap="flat" cmpd="sng" algn="ctr">
-        <a:solidFill>
-          <a:schemeClr val="tx1">
-            <a:lumMod val="15000"/>
-            <a:lumOff val="85000"/>
-          </a:schemeClr>
-        </a:solidFill>
-        <a:round/>
-      </a:ln>
-    </cs:spPr>
-    <cs:defRPr sz="1197" kern="1200"/>
-  </cs:dataTable>
-  <cs:downBar>
-    <cs:lnRef idx="0"/>
-    <cs:fillRef idx="0"/>
-    <cs:effectRef idx="0"/>
-    <cs:fontRef idx="minor">
-      <a:schemeClr val="dk1"/>
-    </cs:fontRef>
-    <cs:spPr>
-      <a:solidFill>
-        <a:schemeClr val="dk1">
-          <a:lumMod val="65000"/>
-          <a:lumOff val="35000"/>
-        </a:schemeClr>
-      </a:solidFill>
-      <a:ln w="9525">
-        <a:solidFill>
-          <a:schemeClr val="tx1">
-            <a:lumMod val="65000"/>
-            <a:lumOff val="35000"/>
-          </a:schemeClr>
-        </a:solidFill>
-      </a:ln>
-    </cs:spPr>
-  </cs:downBar>
-  <cs:dropLine>
-    <cs:lnRef idx="0"/>
-    <cs:fillRef idx="0"/>
-    <cs:effectRef idx="0"/>
-    <cs:fontRef idx="minor">
-      <a:schemeClr val="tx1"/>
-    </cs:fontRef>
-    <cs:spPr>
-      <a:ln w="9525" cap="flat" cmpd="sng" algn="ctr">
-        <a:solidFill>
-          <a:schemeClr val="tx1">
-            <a:lumMod val="35000"/>
-            <a:lumOff val="65000"/>
-          </a:schemeClr>
-        </a:solidFill>
-        <a:round/>
-      </a:ln>
-    </cs:spPr>
-  </cs:dropLine>
-  <cs:errorBar>
-    <cs:lnRef idx="0"/>
-    <cs:fillRef idx="0"/>
-    <cs:effectRef idx="0"/>
-    <cs:fontRef idx="minor">
-      <a:schemeClr val="tx1"/>
-    </cs:fontRef>
-    <cs:spPr>
-      <a:ln w="9525" cap="flat" cmpd="sng" algn="ctr">
-        <a:solidFill>
-          <a:schemeClr val="tx1">
-            <a:lumMod val="65000"/>
-            <a:lumOff val="35000"/>
-          </a:schemeClr>
-        </a:solidFill>
-        <a:round/>
-      </a:ln>
-    </cs:spPr>
-  </cs:errorBar>
-  <cs:floor>
-    <cs:lnRef idx="0"/>
-    <cs:fillRef idx="0"/>
-    <cs:effectRef idx="0"/>
-    <cs:fontRef idx="minor">
-      <a:schemeClr val="tx1"/>
-    </cs:fontRef>
-    <cs:spPr>
-      <a:noFill/>
-      <a:ln>
-        <a:noFill/>
-      </a:ln>
-    </cs:spPr>
-  </cs:floor>
-  <cs:gridlineMajor>
-    <cs:lnRef idx="0"/>
-    <cs:fillRef idx="0"/>
-    <cs:effectRef idx="0"/>
-    <cs:fontRef idx="minor">
-      <a:schemeClr val="tx1"/>
-    </cs:fontRef>
-    <cs:spPr>
-      <a:ln w="9525" cap="flat" cmpd="sng" algn="ctr">
-        <a:solidFill>
-          <a:schemeClr val="tx1">
-            <a:lumMod val="15000"/>
-            <a:lumOff val="85000"/>
-          </a:schemeClr>
-        </a:solidFill>
-        <a:round/>
-      </a:ln>
-    </cs:spPr>
-  </cs:gridlineMajor>
-  <cs:gridlineMinor>
-    <cs:lnRef idx="0"/>
-    <cs:fillRef idx="0"/>
-    <cs:effectRef idx="0"/>
-    <cs:fontRef idx="minor">
-      <a:schemeClr val="tx1"/>
-    </cs:fontRef>
-    <cs:spPr>
-      <a:ln w="9525" cap="flat" cmpd="sng" algn="ctr">
-        <a:solidFill>
-          <a:schemeClr val="tx1">
-            <a:lumMod val="5000"/>
-            <a:lumOff val="95000"/>
-          </a:schemeClr>
-        </a:solidFill>
-        <a:round/>
-      </a:ln>
-    </cs:spPr>
-  </cs:gridlineMinor>
-  <cs:hiLoLine>
-    <cs:lnRef idx="0"/>
-    <cs:fillRef idx="0"/>
-    <cs:effectRef idx="0"/>
-    <cs:fontRef idx="minor">
-      <a:schemeClr val="tx1"/>
-    </cs:fontRef>
-    <cs:spPr>
-      <a:ln w="9525" cap="flat" cmpd="sng" algn="ctr">
-        <a:solidFill>
-          <a:schemeClr val="tx1">
-            <a:lumMod val="75000"/>
-            <a:lumOff val="25000"/>
-          </a:schemeClr>
-        </a:solidFill>
-        <a:round/>
-      </a:ln>
-    </cs:spPr>
-  </cs:hiLoLine>
-  <cs:leaderLine>
-    <cs:lnRef idx="0"/>
-    <cs:fillRef idx="0"/>
-    <cs:effectRef idx="0"/>
-    <cs:fontRef idx="minor">
-      <a:schemeClr val="tx1"/>
-    </cs:fontRef>
-    <cs:spPr>
-      <a:ln w="9525" cap="flat" cmpd="sng" algn="ctr">
-        <a:solidFill>
-          <a:schemeClr val="tx1">
-            <a:lumMod val="35000"/>
-            <a:lumOff val="65000"/>
-          </a:schemeClr>
-        </a:solidFill>
-        <a:round/>
-      </a:ln>
-    </cs:spPr>
-  </cs:leaderLine>
-  <cs:legend>
-    <cs:lnRef idx="0"/>
-    <cs:fillRef idx="0"/>
-    <cs:effectRef idx="0"/>
-    <cs:fontRef idx="minor">
-      <a:schemeClr val="tx1">
-        <a:lumMod val="65000"/>
-        <a:lumOff val="35000"/>
-      </a:schemeClr>
-    </cs:fontRef>
-    <cs:defRPr sz="1197" kern="1200"/>
-  </cs:legend>
-  <cs:plotArea mods="allowNoFillOverride allowNoLineOverride">
-    <cs:lnRef idx="0"/>
-    <cs:fillRef idx="0"/>
-    <cs:effectRef idx="0"/>
-    <cs:fontRef idx="minor">
-      <a:schemeClr val="tx1"/>
-    </cs:fontRef>
-  </cs:plotArea>
-  <cs:plotArea3D mods="allowNoFillOverride allowNoLineOverride">
-    <cs:lnRef idx="0"/>
-    <cs:fillRef idx="0"/>
-    <cs:effectRef idx="0"/>
-    <cs:fontRef idx="minor">
-      <a:schemeClr val="tx1"/>
-    </cs:fontRef>
-  </cs:plotArea3D>
-  <cs:seriesAxis>
-    <cs:lnRef idx="0"/>
-    <cs:fillRef idx="0"/>
-    <cs:effectRef idx="0"/>
-    <cs:fontRef idx="minor">
-      <a:schemeClr val="tx1">
-        <a:lumMod val="65000"/>
-        <a:lumOff val="35000"/>
-      </a:schemeClr>
-    </cs:fontRef>
-    <cs:defRPr sz="1197" kern="1200"/>
-  </cs:seriesAxis>
-  <cs:seriesLine>
-    <cs:lnRef idx="0"/>
-    <cs:fillRef idx="0"/>
-    <cs:effectRef idx="0"/>
-    <cs:fontRef idx="minor">
-      <a:schemeClr val="tx1"/>
-    </cs:fontRef>
-    <cs:spPr>
-      <a:ln w="9525" cap="flat" cmpd="sng" algn="ctr">
-        <a:solidFill>
-          <a:schemeClr val="tx1">
-            <a:lumMod val="35000"/>
-            <a:lumOff val="65000"/>
-          </a:schemeClr>
-        </a:solidFill>
-        <a:round/>
-      </a:ln>
-    </cs:spPr>
-  </cs:seriesLine>
-  <cs:title>
-    <cs:lnRef idx="0"/>
-    <cs:fillRef idx="0"/>
-    <cs:effectRef idx="0"/>
-    <cs:fontRef idx="minor">
-      <a:schemeClr val="tx1">
-        <a:lumMod val="65000"/>
-        <a:lumOff val="35000"/>
-      </a:schemeClr>
-    </cs:fontRef>
-    <cs:defRPr sz="1862" b="0" kern="1200" spc="0" baseline="0"/>
-  </cs:title>
-  <cs:trendline>
-    <cs:lnRef idx="0">
-      <cs:styleClr val="auto"/>
-    </cs:lnRef>
-    <cs:fillRef idx="0"/>
-    <cs:effectRef idx="0"/>
-    <cs:fontRef idx="minor">
-      <a:schemeClr val="tx1"/>
-    </cs:fontRef>
-    <cs:spPr>
-      <a:ln w="19050" cap="rnd">
-        <a:solidFill>
-          <a:schemeClr val="phClr"/>
-        </a:solidFill>
-        <a:prstDash val="sysDot"/>
-      </a:ln>
-    </cs:spPr>
-  </cs:trendline>
-  <cs:trendlineLabel>
-    <cs:lnRef idx="0"/>
-    <cs:fillRef idx="0"/>
-    <cs:effectRef idx="0"/>
-    <cs:fontRef idx="minor">
-      <a:schemeClr val="tx1">
-        <a:lumMod val="65000"/>
-        <a:lumOff val="35000"/>
-      </a:schemeClr>
-    </cs:fontRef>
-    <cs:defRPr sz="1197" kern="1200"/>
-  </cs:trendlineLabel>
-  <cs:upBar>
-    <cs:lnRef idx="0"/>
-    <cs:fillRef idx="0"/>
-    <cs:effectRef idx="0"/>
-    <cs:fontRef idx="minor">
-      <a:schemeClr val="dk1"/>
-    </cs:fontRef>
-    <cs:spPr>
-      <a:solidFill>
-        <a:schemeClr val="lt1"/>
-      </a:solidFill>
-      <a:ln w="9525">
-        <a:solidFill>
-          <a:schemeClr val="tx1">
-            <a:lumMod val="15000"/>
-            <a:lumOff val="85000"/>
-          </a:schemeClr>
-        </a:solidFill>
-      </a:ln>
-    </cs:spPr>
-  </cs:upBar>
-  <cs:valueAxis>
-    <cs:lnRef idx="0"/>
-    <cs:fillRef idx="0"/>
-    <cs:effectRef idx="0"/>
-    <cs:fontRef idx="minor">
-      <a:schemeClr val="tx1">
-        <a:lumMod val="65000"/>
-        <a:lumOff val="35000"/>
-      </a:schemeClr>
-    </cs:fontRef>
-    <cs:defRPr sz="1197" kern="1200"/>
-  </cs:valueAxis>
-  <cs:wall>
-    <cs:lnRef idx="0"/>
-    <cs:fillRef idx="0"/>
-    <cs:effectRef idx="0"/>
-    <cs:fontRef idx="minor">
-      <a:schemeClr val="tx1"/>
-    </cs:fontRef>
-    <cs:spPr>
-      <a:noFill/>
-      <a:ln>
-        <a:noFill/>
-      </a:ln>
-    </cs:spPr>
-  </cs:wall>
-</cs:chartStyle>
-</file>
-
-<file path=ppt/charts/style2.xml><?xml version="1.0" encoding="utf-8"?>
-<cs:chartStyle xmlns:cs="http://schemas.microsoft.com/office/drawing/2012/chartStyle" xmlns:a="http://schemas.openxmlformats.org/drawingml/2006/main" id="227">
-  <cs:axisTitle>
-    <cs:lnRef idx="0"/>
-    <cs:fillRef idx="0"/>
-    <cs:effectRef idx="0"/>
-    <cs:fontRef idx="minor">
-      <a:schemeClr val="tx1">
-        <a:lumMod val="65000"/>
-        <a:lumOff val="35000"/>
-      </a:schemeClr>
-    </cs:fontRef>
-    <cs:defRPr sz="1330" kern="1200"/>
-  </cs:axisTitle>
-  <cs:categoryAxis>
-    <cs:lnRef idx="0"/>
-    <cs:fillRef idx="0"/>
-    <cs:effectRef idx="0"/>
-    <cs:fontRef idx="minor">
-      <a:schemeClr val="tx1">
-        <a:lumMod val="65000"/>
-        <a:lumOff val="35000"/>
-      </a:schemeClr>
-    </cs:fontRef>
-    <cs:spPr>
-      <a:ln w="9525" cap="flat" cmpd="sng" algn="ctr">
-        <a:solidFill>
-          <a:schemeClr val="tx1">
-            <a:lumMod val="15000"/>
-            <a:lumOff val="85000"/>
-          </a:schemeClr>
-        </a:solidFill>
-        <a:round/>
-      </a:ln>
-    </cs:spPr>
-    <cs:defRPr sz="1197" kern="1200"/>
-  </cs:categoryAxis>
-  <cs:chartArea mods="allowNoFillOverride allowNoLineOverride">
-    <cs:lnRef idx="0"/>
-    <cs:fillRef idx="0"/>
-    <cs:effectRef idx="0"/>
-    <cs:fontRef idx="minor">
-      <a:schemeClr val="tx1"/>
-    </cs:fontRef>
-    <cs:spPr>
-      <a:solidFill>
-        <a:schemeClr val="bg1"/>
-      </a:solidFill>
-      <a:ln w="9525" cap="flat" cmpd="sng" algn="ctr">
-        <a:solidFill>
-          <a:schemeClr val="tx1">
-            <a:lumMod val="15000"/>
-            <a:lumOff val="85000"/>
-          </a:schemeClr>
-        </a:solidFill>
-        <a:round/>
-      </a:ln>
-    </cs:spPr>
-    <cs:defRPr sz="1330" kern="1200"/>
-  </cs:chartArea>
-  <cs:dataLabel>
-    <cs:lnRef idx="0"/>
-    <cs:fillRef idx="0"/>
-    <cs:effectRef idx="0"/>
-    <cs:fontRef idx="minor">
-      <a:schemeClr val="tx1">
-        <a:lumMod val="75000"/>
-        <a:lumOff val="25000"/>
-      </a:schemeClr>
-    </cs:fontRef>
-    <cs:defRPr sz="1197" kern="1200"/>
-  </cs:dataLabel>
-  <cs:dataLabelCallout>
-    <cs:lnRef idx="0"/>
-    <cs:fillRef idx="0"/>
-    <cs:effectRef idx="0"/>
-    <cs:fontRef idx="minor">
-      <a:schemeClr val="dk1">
-        <a:lumMod val="65000"/>
-        <a:lumOff val="35000"/>
-      </a:schemeClr>
-    </cs:fontRef>
-    <cs:spPr>
-      <a:solidFill>
-        <a:schemeClr val="lt1"/>
-      </a:solidFill>
-      <a:ln>
-        <a:solidFill>
-          <a:schemeClr val="dk1">
-            <a:lumMod val="25000"/>
-            <a:lumOff val="75000"/>
-          </a:schemeClr>
-        </a:solidFill>
-      </a:ln>
-    </cs:spPr>
-    <cs:defRPr sz="1197" kern="1200"/>
-    <cs:bodyPr rot="0" spcFirstLastPara="1" vertOverflow="clip" horzOverflow="clip" vert="horz" wrap="square" lIns="36576" tIns="18288" rIns="36576" bIns="18288" anchor="ctr" anchorCtr="1">
-      <a:spAutoFit/>
-    </cs:bodyPr>
-  </cs:dataLabelCallout>
-  <cs:dataPoint>
-    <cs:lnRef idx="0"/>
-    <cs:fillRef idx="1">
-      <cs:styleClr val="auto"/>
-    </cs:fillRef>
-    <cs:effectRef idx="0"/>
-    <cs:fontRef idx="minor">
-      <a:schemeClr val="tx1"/>
-    </cs:fontRef>
-    <cs:spPr>
-      <a:solidFill>
-        <a:schemeClr val="phClr"/>
-      </a:solidFill>
-    </cs:spPr>
-  </cs:dataPoint>
-  <cs:dataPoint3D>
-    <cs:lnRef idx="0"/>
-    <cs:fillRef idx="1">
-      <cs:styleClr val="auto"/>
-    </cs:fillRef>
-    <cs:effectRef idx="0"/>
-    <cs:fontRef idx="minor">
-      <a:schemeClr val="tx1"/>
-    </cs:fontRef>
-    <cs:spPr>
-      <a:solidFill>
-        <a:schemeClr val="phClr"/>
-      </a:solidFill>
-    </cs:spPr>
-  </cs:dataPoint3D>
-  <cs:dataPointLine>
-    <cs:lnRef idx="0">
-      <cs:styleClr val="auto"/>
-    </cs:lnRef>
-    <cs:fillRef idx="1"/>
-    <cs:effectRef idx="0"/>
-    <cs:fontRef idx="minor">
-      <a:schemeClr val="tx1"/>
-    </cs:fontRef>
-    <cs:spPr>
-      <a:ln w="28575" cap="rnd">
-        <a:solidFill>
-          <a:schemeClr val="phClr"/>
-        </a:solidFill>
-        <a:round/>
-      </a:ln>
-    </cs:spPr>
-  </cs:dataPointLine>
-  <cs:dataPointMarker>
-    <cs:lnRef idx="0">
-      <cs:styleClr val="auto"/>
-    </cs:lnRef>
-    <cs:fillRef idx="1">
-      <cs:styleClr val="auto"/>
-    </cs:fillRef>
-    <cs:effectRef idx="0"/>
-    <cs:fontRef idx="minor">
-      <a:schemeClr val="tx1"/>
-    </cs:fontRef>
-    <cs:spPr>
-      <a:solidFill>
-        <a:schemeClr val="phClr"/>
-      </a:solidFill>
-      <a:ln w="9525">
-        <a:solidFill>
-          <a:schemeClr val="phClr"/>
-        </a:solidFill>
-      </a:ln>
-    </cs:spPr>
-  </cs:dataPointMarker>
-  <cs:dataPointMarkerLayout symbol="circle" size="5"/>
-  <cs:dataPointWireframe>
-    <cs:lnRef idx="0">
-      <cs:styleClr val="auto"/>
-    </cs:lnRef>
-    <cs:fillRef idx="1"/>
-    <cs:effectRef idx="0"/>
-    <cs:fontRef idx="minor">
-      <a:schemeClr val="tx1"/>
-    </cs:fontRef>
-    <cs:spPr>
-      <a:ln w="9525" cap="rnd">
-        <a:solidFill>
-          <a:schemeClr val="phClr"/>
-        </a:solidFill>
-        <a:round/>
-      </a:ln>
-    </cs:spPr>
-  </cs:dataPointWireframe>
-  <cs:dataTable>
-    <cs:lnRef idx="0"/>
-    <cs:fillRef idx="0"/>
-    <cs:effectRef idx="0"/>
-    <cs:fontRef idx="minor">
-      <a:schemeClr val="tx1">
-        <a:lumMod val="65000"/>
-        <a:lumOff val="35000"/>
-      </a:schemeClr>
-    </cs:fontRef>
-    <cs:spPr>
-      <a:noFill/>
-      <a:ln w="9525" cap="flat" cmpd="sng" algn="ctr">
-        <a:solidFill>
-          <a:schemeClr val="tx1">
-            <a:lumMod val="15000"/>
-            <a:lumOff val="85000"/>
-          </a:schemeClr>
-        </a:solidFill>
-        <a:round/>
-      </a:ln>
-    </cs:spPr>
-    <cs:defRPr sz="1197" kern="1200"/>
-  </cs:dataTable>
-  <cs:downBar>
-    <cs:lnRef idx="0"/>
-    <cs:fillRef idx="0"/>
-    <cs:effectRef idx="0"/>
-    <cs:fontRef idx="minor">
-      <a:schemeClr val="dk1"/>
-    </cs:fontRef>
-    <cs:spPr>
-      <a:solidFill>
-        <a:schemeClr val="dk1">
-          <a:lumMod val="65000"/>
-          <a:lumOff val="35000"/>
-        </a:schemeClr>
-      </a:solidFill>
-      <a:ln w="9525">
-        <a:solidFill>
-          <a:schemeClr val="tx1">
-            <a:lumMod val="65000"/>
-            <a:lumOff val="35000"/>
-          </a:schemeClr>
-        </a:solidFill>
-      </a:ln>
-    </cs:spPr>
-  </cs:downBar>
-  <cs:dropLine>
-    <cs:lnRef idx="0"/>
-    <cs:fillRef idx="0"/>
-    <cs:effectRef idx="0"/>
-    <cs:fontRef idx="minor">
-      <a:schemeClr val="tx1"/>
-    </cs:fontRef>
-    <cs:spPr>
-      <a:ln w="9525" cap="flat" cmpd="sng" algn="ctr">
-        <a:solidFill>
-          <a:schemeClr val="tx1">
-            <a:lumMod val="35000"/>
-            <a:lumOff val="65000"/>
-          </a:schemeClr>
-        </a:solidFill>
-        <a:round/>
-      </a:ln>
-    </cs:spPr>
-  </cs:dropLine>
-  <cs:errorBar>
-    <cs:lnRef idx="0"/>
-    <cs:fillRef idx="0"/>
-    <cs:effectRef idx="0"/>
-    <cs:fontRef idx="minor">
-      <a:schemeClr val="tx1"/>
-    </cs:fontRef>
-    <cs:spPr>
-      <a:ln w="9525" cap="flat" cmpd="sng" algn="ctr">
-        <a:solidFill>
-          <a:schemeClr val="tx1">
-            <a:lumMod val="65000"/>
-            <a:lumOff val="35000"/>
-          </a:schemeClr>
-        </a:solidFill>
-        <a:round/>
-      </a:ln>
-    </cs:spPr>
-  </cs:errorBar>
-  <cs:floor>
-    <cs:lnRef idx="0"/>
-    <cs:fillRef idx="0"/>
-    <cs:effectRef idx="0"/>
-    <cs:fontRef idx="minor">
-      <a:schemeClr val="tx1"/>
-    </cs:fontRef>
-    <cs:spPr>
-      <a:noFill/>
-      <a:ln>
-        <a:noFill/>
-      </a:ln>
-    </cs:spPr>
-  </cs:floor>
-  <cs:gridlineMajor>
-    <cs:lnRef idx="0"/>
-    <cs:fillRef idx="0"/>
-    <cs:effectRef idx="0"/>
-    <cs:fontRef idx="minor">
-      <a:schemeClr val="tx1"/>
-    </cs:fontRef>
-    <cs:spPr>
-      <a:ln w="9525" cap="flat" cmpd="sng" algn="ctr">
-        <a:solidFill>
-          <a:schemeClr val="tx1">
-            <a:lumMod val="15000"/>
-            <a:lumOff val="85000"/>
-          </a:schemeClr>
-        </a:solidFill>
-        <a:round/>
-      </a:ln>
-    </cs:spPr>
-  </cs:gridlineMajor>
-  <cs:gridlineMinor>
-    <cs:lnRef idx="0"/>
-    <cs:fillRef idx="0"/>
-    <cs:effectRef idx="0"/>
-    <cs:fontRef idx="minor">
-      <a:schemeClr val="tx1"/>
-    </cs:fontRef>
-    <cs:spPr>
-      <a:ln w="9525" cap="flat" cmpd="sng" algn="ctr">
-        <a:solidFill>
-          <a:schemeClr val="tx1">
-            <a:lumMod val="5000"/>
-            <a:lumOff val="95000"/>
-          </a:schemeClr>
-        </a:solidFill>
-        <a:round/>
-      </a:ln>
-    </cs:spPr>
-  </cs:gridlineMinor>
-  <cs:hiLoLine>
-    <cs:lnRef idx="0"/>
-    <cs:fillRef idx="0"/>
-    <cs:effectRef idx="0"/>
-    <cs:fontRef idx="minor">
-      <a:schemeClr val="tx1"/>
-    </cs:fontRef>
-    <cs:spPr>
-      <a:ln w="9525" cap="flat" cmpd="sng" algn="ctr">
-        <a:solidFill>
-          <a:schemeClr val="tx1">
-            <a:lumMod val="75000"/>
-            <a:lumOff val="25000"/>
-          </a:schemeClr>
-        </a:solidFill>
-        <a:round/>
-      </a:ln>
-    </cs:spPr>
-  </cs:hiLoLine>
-  <cs:leaderLine>
-    <cs:lnRef idx="0"/>
-    <cs:fillRef idx="0"/>
-    <cs:effectRef idx="0"/>
-    <cs:fontRef idx="minor">
-      <a:schemeClr val="tx1"/>
-    </cs:fontRef>
-    <cs:spPr>
-      <a:ln w="9525" cap="flat" cmpd="sng" algn="ctr">
-        <a:solidFill>
-          <a:schemeClr val="tx1">
-            <a:lumMod val="35000"/>
-            <a:lumOff val="65000"/>
-          </a:schemeClr>
-        </a:solidFill>
-        <a:round/>
-      </a:ln>
-    </cs:spPr>
-  </cs:leaderLine>
-  <cs:legend>
-    <cs:lnRef idx="0"/>
-    <cs:fillRef idx="0"/>
-    <cs:effectRef idx="0"/>
-    <cs:fontRef idx="minor">
-      <a:schemeClr val="tx1">
-        <a:lumMod val="65000"/>
-        <a:lumOff val="35000"/>
-      </a:schemeClr>
-    </cs:fontRef>
-    <cs:defRPr sz="1197" kern="1200"/>
-  </cs:legend>
-  <cs:plotArea mods="allowNoFillOverride allowNoLineOverride">
-    <cs:lnRef idx="0"/>
-    <cs:fillRef idx="0"/>
-    <cs:effectRef idx="0"/>
-    <cs:fontRef idx="minor">
-      <a:schemeClr val="tx1"/>
-    </cs:fontRef>
-  </cs:plotArea>
-  <cs:plotArea3D mods="allowNoFillOverride allowNoLineOverride">
-    <cs:lnRef idx="0"/>
-    <cs:fillRef idx="0"/>
-    <cs:effectRef idx="0"/>
-    <cs:fontRef idx="minor">
-      <a:schemeClr val="tx1"/>
-    </cs:fontRef>
-  </cs:plotArea3D>
-  <cs:seriesAxis>
-    <cs:lnRef idx="0"/>
-    <cs:fillRef idx="0"/>
-    <cs:effectRef idx="0"/>
-    <cs:fontRef idx="minor">
-      <a:schemeClr val="tx1">
-        <a:lumMod val="65000"/>
-        <a:lumOff val="35000"/>
-      </a:schemeClr>
-    </cs:fontRef>
-    <cs:defRPr sz="1197" kern="1200"/>
-  </cs:seriesAxis>
-  <cs:seriesLine>
-    <cs:lnRef idx="0"/>
-    <cs:fillRef idx="0"/>
-    <cs:effectRef idx="0"/>
-    <cs:fontRef idx="minor">
-      <a:schemeClr val="tx1"/>
-    </cs:fontRef>
-    <cs:spPr>
-      <a:ln w="9525" cap="flat" cmpd="sng" algn="ctr">
-        <a:solidFill>
-          <a:schemeClr val="tx1">
-            <a:lumMod val="35000"/>
-            <a:lumOff val="65000"/>
-          </a:schemeClr>
-        </a:solidFill>
-        <a:round/>
-      </a:ln>
-    </cs:spPr>
-  </cs:seriesLine>
-  <cs:title>
-    <cs:lnRef idx="0"/>
-    <cs:fillRef idx="0"/>
-    <cs:effectRef idx="0"/>
-    <cs:fontRef idx="minor">
-      <a:schemeClr val="tx1">
-        <a:lumMod val="65000"/>
-        <a:lumOff val="35000"/>
-      </a:schemeClr>
-    </cs:fontRef>
-    <cs:defRPr sz="1862" b="0" kern="1200" spc="0" baseline="0"/>
-  </cs:title>
-  <cs:trendline>
-    <cs:lnRef idx="0">
-      <cs:styleClr val="auto"/>
-    </cs:lnRef>
-    <cs:fillRef idx="0"/>
-    <cs:effectRef idx="0"/>
-    <cs:fontRef idx="minor">
-      <a:schemeClr val="tx1"/>
-    </cs:fontRef>
-    <cs:spPr>
-      <a:ln w="19050" cap="rnd">
-        <a:solidFill>
-          <a:schemeClr val="phClr"/>
-        </a:solidFill>
-        <a:prstDash val="sysDot"/>
-      </a:ln>
-    </cs:spPr>
-  </cs:trendline>
-  <cs:trendlineLabel>
-    <cs:lnRef idx="0"/>
-    <cs:fillRef idx="0"/>
-    <cs:effectRef idx="0"/>
-    <cs:fontRef idx="minor">
-      <a:schemeClr val="tx1">
-        <a:lumMod val="65000"/>
-        <a:lumOff val="35000"/>
-      </a:schemeClr>
-    </cs:fontRef>
-    <cs:defRPr sz="1197" kern="1200"/>
-  </cs:trendlineLabel>
-  <cs:upBar>
-    <cs:lnRef idx="0"/>
-    <cs:fillRef idx="0"/>
-    <cs:effectRef idx="0"/>
-    <cs:fontRef idx="minor">
-      <a:schemeClr val="dk1"/>
-    </cs:fontRef>
-    <cs:spPr>
-      <a:solidFill>
-        <a:schemeClr val="lt1"/>
-      </a:solidFill>
-      <a:ln w="9525">
-        <a:solidFill>
-          <a:schemeClr val="tx1">
-            <a:lumMod val="15000"/>
-            <a:lumOff val="85000"/>
-          </a:schemeClr>
-        </a:solidFill>
-      </a:ln>
-    </cs:spPr>
-  </cs:upBar>
-  <cs:valueAxis>
-    <cs:lnRef idx="0"/>
-    <cs:fillRef idx="0"/>
-    <cs:effectRef idx="0"/>
-    <cs:fontRef idx="minor">
-      <a:schemeClr val="tx1">
-        <a:lumMod val="65000"/>
-        <a:lumOff val="35000"/>
-      </a:schemeClr>
-    </cs:fontRef>
-    <cs:defRPr sz="1197" kern="1200"/>
-  </cs:valueAxis>
-  <cs:wall>
-    <cs:lnRef idx="0"/>
-    <cs:fillRef idx="0"/>
-    <cs:effectRef idx="0"/>
-    <cs:fontRef idx="minor">
-      <a:schemeClr val="tx1"/>
-    </cs:fontRef>
-    <cs:spPr>
-      <a:noFill/>
-      <a:ln>
-        <a:noFill/>
-      </a:ln>
-    </cs:spPr>
-  </cs:wall>
-</cs:chartStyle>
 </file>
 
 <file path=ppt/handoutMasters/handoutMaster1.xml><?xml version="1.0" encoding="utf-8"?>
@@ -2615,18 +160,18 @@
         </p:nvSpPr>
         <p:spPr>
           <a:xfrm>
-            <a:off x="0" y="0"/>
-            <a:ext cx="2971800" cy="458788"/>
+            <a:off x="3" y="11"/>
+            <a:ext cx="11689080" cy="802878"/>
           </a:xfrm>
           <a:prstGeom prst="rect">
             <a:avLst/>
           </a:prstGeom>
         </p:spPr>
         <p:txBody>
-          <a:bodyPr vert="horz" lIns="91440" tIns="45720" rIns="91440" bIns="45720" rtlCol="0"/>
+          <a:bodyPr vert="horz" lIns="245437" tIns="122718" rIns="245437" bIns="122718" rtlCol="0"/>
           <a:lstStyle>
             <a:lvl1pPr algn="l">
-              <a:defRPr sz="1200"/>
+              <a:defRPr sz="3600"/>
             </a:lvl1pPr>
           </a:lstStyle>
           <a:p>
@@ -2646,24 +191,24 @@
         </p:nvSpPr>
         <p:spPr>
           <a:xfrm>
-            <a:off x="3884613" y="0"/>
-            <a:ext cx="2971800" cy="458788"/>
+            <a:off x="15279477" y="11"/>
+            <a:ext cx="11689080" cy="802878"/>
           </a:xfrm>
           <a:prstGeom prst="rect">
             <a:avLst/>
           </a:prstGeom>
         </p:spPr>
         <p:txBody>
-          <a:bodyPr vert="horz" lIns="91440" tIns="45720" rIns="91440" bIns="45720" rtlCol="0"/>
+          <a:bodyPr vert="horz" lIns="245437" tIns="122718" rIns="245437" bIns="122718" rtlCol="0"/>
           <a:lstStyle>
             <a:lvl1pPr algn="r">
-              <a:defRPr sz="1200"/>
+              <a:defRPr sz="3600"/>
             </a:lvl1pPr>
           </a:lstStyle>
           <a:p>
             <a:fld id="{F1C0B079-A316-4C9B-B165-DF9EA8325D2C}" type="datetimeFigureOut">
               <a:rPr lang="en-US" smtClean="0"/>
-              <a:t>2/9/2018</a:t>
+              <a:t>2/20/2018</a:t>
             </a:fld>
             <a:endParaRPr lang="en-US"/>
           </a:p>
@@ -2681,18 +226,18 @@
         </p:nvSpPr>
         <p:spPr>
           <a:xfrm>
-            <a:off x="0" y="8685213"/>
-            <a:ext cx="2971800" cy="458787"/>
+            <a:off x="3" y="15199128"/>
+            <a:ext cx="11689080" cy="802876"/>
           </a:xfrm>
           <a:prstGeom prst="rect">
             <a:avLst/>
           </a:prstGeom>
         </p:spPr>
         <p:txBody>
-          <a:bodyPr vert="horz" lIns="91440" tIns="45720" rIns="91440" bIns="45720" rtlCol="0" anchor="b"/>
+          <a:bodyPr vert="horz" lIns="245437" tIns="122718" rIns="245437" bIns="122718" rtlCol="0" anchor="b"/>
           <a:lstStyle>
             <a:lvl1pPr algn="l">
-              <a:defRPr sz="1200"/>
+              <a:defRPr sz="3600"/>
             </a:lvl1pPr>
           </a:lstStyle>
           <a:p>
@@ -2712,18 +257,18 @@
         </p:nvSpPr>
         <p:spPr>
           <a:xfrm>
-            <a:off x="3884613" y="8685213"/>
-            <a:ext cx="2971800" cy="458787"/>
+            <a:off x="15279477" y="15199128"/>
+            <a:ext cx="11689080" cy="802876"/>
           </a:xfrm>
           <a:prstGeom prst="rect">
             <a:avLst/>
           </a:prstGeom>
         </p:spPr>
         <p:txBody>
-          <a:bodyPr vert="horz" lIns="91440" tIns="45720" rIns="91440" bIns="45720" rtlCol="0" anchor="b"/>
+          <a:bodyPr vert="horz" lIns="245437" tIns="122718" rIns="245437" bIns="122718" rtlCol="0" anchor="b"/>
           <a:lstStyle>
             <a:lvl1pPr algn="r">
-              <a:defRPr sz="1200"/>
+              <a:defRPr sz="3600"/>
             </a:lvl1pPr>
           </a:lstStyle>
           <a:p>
@@ -2780,18 +325,18 @@
         </p:nvSpPr>
         <p:spPr>
           <a:xfrm>
-            <a:off x="0" y="0"/>
-            <a:ext cx="2971800" cy="458788"/>
+            <a:off x="3" y="11"/>
+            <a:ext cx="11689080" cy="802878"/>
           </a:xfrm>
           <a:prstGeom prst="rect">
             <a:avLst/>
           </a:prstGeom>
         </p:spPr>
         <p:txBody>
-          <a:bodyPr vert="horz" lIns="91440" tIns="45720" rIns="91440" bIns="45720" rtlCol="0"/>
+          <a:bodyPr vert="horz" lIns="245437" tIns="122718" rIns="245437" bIns="122718" rtlCol="0"/>
           <a:lstStyle>
             <a:lvl1pPr algn="l">
-              <a:defRPr sz="1200"/>
+              <a:defRPr sz="3600"/>
             </a:lvl1pPr>
           </a:lstStyle>
           <a:p>
@@ -2811,24 +356,24 @@
         </p:nvSpPr>
         <p:spPr>
           <a:xfrm>
-            <a:off x="3884613" y="0"/>
-            <a:ext cx="2971800" cy="458788"/>
+            <a:off x="15279477" y="11"/>
+            <a:ext cx="11689080" cy="802878"/>
           </a:xfrm>
           <a:prstGeom prst="rect">
             <a:avLst/>
           </a:prstGeom>
         </p:spPr>
         <p:txBody>
-          <a:bodyPr vert="horz" lIns="91440" tIns="45720" rIns="91440" bIns="45720" rtlCol="0"/>
+          <a:bodyPr vert="horz" lIns="245437" tIns="122718" rIns="245437" bIns="122718" rtlCol="0"/>
           <a:lstStyle>
             <a:lvl1pPr algn="r">
-              <a:defRPr sz="1200"/>
+              <a:defRPr sz="3600"/>
             </a:lvl1pPr>
           </a:lstStyle>
           <a:p>
             <a:fld id="{38F28AB8-57D1-494F-9851-055AD867E790}" type="datetimeFigureOut">
               <a:rPr lang="en-US" smtClean="0"/>
-              <a:t>2/9/2018</a:t>
+              <a:t>2/20/2018</a:t>
             </a:fld>
             <a:endParaRPr lang="en-US"/>
           </a:p>
@@ -2846,8 +391,8 @@
         </p:nvSpPr>
         <p:spPr>
           <a:xfrm>
-            <a:off x="1371600" y="1143000"/>
-            <a:ext cx="4114800" cy="3086100"/>
+            <a:off x="8988425" y="2000250"/>
+            <a:ext cx="8997950" cy="5399088"/>
           </a:xfrm>
           <a:prstGeom prst="rect">
             <a:avLst/>
@@ -2860,7 +405,7 @@
           </a:ln>
         </p:spPr>
         <p:txBody>
-          <a:bodyPr vert="horz" lIns="91440" tIns="45720" rIns="91440" bIns="45720" rtlCol="0" anchor="ctr"/>
+          <a:bodyPr vert="horz" lIns="245437" tIns="122718" rIns="245437" bIns="122718" rtlCol="0" anchor="ctr"/>
           <a:lstStyle/>
           <a:p>
             <a:endParaRPr lang="en-US"/>
@@ -2879,15 +424,15 @@
         </p:nvSpPr>
         <p:spPr>
           <a:xfrm>
-            <a:off x="685800" y="4400550"/>
-            <a:ext cx="5486400" cy="3600450"/>
+            <a:off x="2697480" y="7700966"/>
+            <a:ext cx="21579840" cy="6300790"/>
           </a:xfrm>
           <a:prstGeom prst="rect">
             <a:avLst/>
           </a:prstGeom>
         </p:spPr>
         <p:txBody>
-          <a:bodyPr vert="horz" lIns="91440" tIns="45720" rIns="91440" bIns="45720" rtlCol="0"/>
+          <a:bodyPr vert="horz" lIns="245437" tIns="122718" rIns="245437" bIns="122718" rtlCol="0"/>
           <a:lstStyle/>
           <a:p>
             <a:pPr lvl="0"/>
@@ -2938,18 +483,18 @@
         </p:nvSpPr>
         <p:spPr>
           <a:xfrm>
-            <a:off x="0" y="8685213"/>
-            <a:ext cx="2971800" cy="458787"/>
+            <a:off x="3" y="15199128"/>
+            <a:ext cx="11689080" cy="802876"/>
           </a:xfrm>
           <a:prstGeom prst="rect">
             <a:avLst/>
           </a:prstGeom>
         </p:spPr>
         <p:txBody>
-          <a:bodyPr vert="horz" lIns="91440" tIns="45720" rIns="91440" bIns="45720" rtlCol="0" anchor="b"/>
+          <a:bodyPr vert="horz" lIns="245437" tIns="122718" rIns="245437" bIns="122718" rtlCol="0" anchor="b"/>
           <a:lstStyle>
             <a:lvl1pPr algn="l">
-              <a:defRPr sz="1200"/>
+              <a:defRPr sz="3600"/>
             </a:lvl1pPr>
           </a:lstStyle>
           <a:p>
@@ -2969,18 +514,18 @@
         </p:nvSpPr>
         <p:spPr>
           <a:xfrm>
-            <a:off x="3884613" y="8685213"/>
-            <a:ext cx="2971800" cy="458787"/>
+            <a:off x="15279477" y="15199128"/>
+            <a:ext cx="11689080" cy="802876"/>
           </a:xfrm>
           <a:prstGeom prst="rect">
             <a:avLst/>
           </a:prstGeom>
         </p:spPr>
         <p:txBody>
-          <a:bodyPr vert="horz" lIns="91440" tIns="45720" rIns="91440" bIns="45720" rtlCol="0" anchor="b"/>
+          <a:bodyPr vert="horz" lIns="245437" tIns="122718" rIns="245437" bIns="122718" rtlCol="0" anchor="b"/>
           <a:lstStyle>
             <a:lvl1pPr algn="r">
-              <a:defRPr sz="1200"/>
+              <a:defRPr sz="3600"/>
             </a:lvl1pPr>
           </a:lstStyle>
           <a:p>
@@ -3001,8 +546,8 @@
   </p:cSld>
   <p:clrMap bg1="lt1" tx1="dk1" bg2="lt2" tx2="dk2" accent1="accent1" accent2="accent2" accent3="accent3" accent4="accent4" accent5="accent5" accent6="accent6" hlink="hlink" folHlink="folHlink"/>
   <p:notesStyle>
-    <a:lvl1pPr marL="0" algn="l" defTabSz="914400" rtl="0" eaLnBrk="1" latinLnBrk="0" hangingPunct="1">
-      <a:defRPr sz="1200" kern="1200">
+    <a:lvl1pPr marL="0" algn="l" defTabSz="477042" rtl="0" eaLnBrk="1" latinLnBrk="0" hangingPunct="1">
+      <a:defRPr sz="626" kern="1200">
         <a:solidFill>
           <a:schemeClr val="tx1"/>
         </a:solidFill>
@@ -3011,8 +556,8 @@
         <a:cs typeface="+mn-cs"/>
       </a:defRPr>
     </a:lvl1pPr>
-    <a:lvl2pPr marL="457200" algn="l" defTabSz="914400" rtl="0" eaLnBrk="1" latinLnBrk="0" hangingPunct="1">
-      <a:defRPr sz="1200" kern="1200">
+    <a:lvl2pPr marL="238521" algn="l" defTabSz="477042" rtl="0" eaLnBrk="1" latinLnBrk="0" hangingPunct="1">
+      <a:defRPr sz="626" kern="1200">
         <a:solidFill>
           <a:schemeClr val="tx1"/>
         </a:solidFill>
@@ -3021,8 +566,8 @@
         <a:cs typeface="+mn-cs"/>
       </a:defRPr>
     </a:lvl2pPr>
-    <a:lvl3pPr marL="914400" algn="l" defTabSz="914400" rtl="0" eaLnBrk="1" latinLnBrk="0" hangingPunct="1">
-      <a:defRPr sz="1200" kern="1200">
+    <a:lvl3pPr marL="477042" algn="l" defTabSz="477042" rtl="0" eaLnBrk="1" latinLnBrk="0" hangingPunct="1">
+      <a:defRPr sz="626" kern="1200">
         <a:solidFill>
           <a:schemeClr val="tx1"/>
         </a:solidFill>
@@ -3031,8 +576,8 @@
         <a:cs typeface="+mn-cs"/>
       </a:defRPr>
     </a:lvl3pPr>
-    <a:lvl4pPr marL="1371600" algn="l" defTabSz="914400" rtl="0" eaLnBrk="1" latinLnBrk="0" hangingPunct="1">
-      <a:defRPr sz="1200" kern="1200">
+    <a:lvl4pPr marL="715564" algn="l" defTabSz="477042" rtl="0" eaLnBrk="1" latinLnBrk="0" hangingPunct="1">
+      <a:defRPr sz="626" kern="1200">
         <a:solidFill>
           <a:schemeClr val="tx1"/>
         </a:solidFill>
@@ -3041,8 +586,8 @@
         <a:cs typeface="+mn-cs"/>
       </a:defRPr>
     </a:lvl4pPr>
-    <a:lvl5pPr marL="1828800" algn="l" defTabSz="914400" rtl="0" eaLnBrk="1" latinLnBrk="0" hangingPunct="1">
-      <a:defRPr sz="1200" kern="1200">
+    <a:lvl5pPr marL="954085" algn="l" defTabSz="477042" rtl="0" eaLnBrk="1" latinLnBrk="0" hangingPunct="1">
+      <a:defRPr sz="626" kern="1200">
         <a:solidFill>
           <a:schemeClr val="tx1"/>
         </a:solidFill>
@@ -3051,8 +596,8 @@
         <a:cs typeface="+mn-cs"/>
       </a:defRPr>
     </a:lvl5pPr>
-    <a:lvl6pPr marL="2286000" algn="l" defTabSz="914400" rtl="0" eaLnBrk="1" latinLnBrk="0" hangingPunct="1">
-      <a:defRPr sz="1200" kern="1200">
+    <a:lvl6pPr marL="1192606" algn="l" defTabSz="477042" rtl="0" eaLnBrk="1" latinLnBrk="0" hangingPunct="1">
+      <a:defRPr sz="626" kern="1200">
         <a:solidFill>
           <a:schemeClr val="tx1"/>
         </a:solidFill>
@@ -3061,8 +606,8 @@
         <a:cs typeface="+mn-cs"/>
       </a:defRPr>
     </a:lvl6pPr>
-    <a:lvl7pPr marL="2743200" algn="l" defTabSz="914400" rtl="0" eaLnBrk="1" latinLnBrk="0" hangingPunct="1">
-      <a:defRPr sz="1200" kern="1200">
+    <a:lvl7pPr marL="1431127" algn="l" defTabSz="477042" rtl="0" eaLnBrk="1" latinLnBrk="0" hangingPunct="1">
+      <a:defRPr sz="626" kern="1200">
         <a:solidFill>
           <a:schemeClr val="tx1"/>
         </a:solidFill>
@@ -3071,8 +616,8 @@
         <a:cs typeface="+mn-cs"/>
       </a:defRPr>
     </a:lvl7pPr>
-    <a:lvl8pPr marL="3200400" algn="l" defTabSz="914400" rtl="0" eaLnBrk="1" latinLnBrk="0" hangingPunct="1">
-      <a:defRPr sz="1200" kern="1200">
+    <a:lvl8pPr marL="1669649" algn="l" defTabSz="477042" rtl="0" eaLnBrk="1" latinLnBrk="0" hangingPunct="1">
+      <a:defRPr sz="626" kern="1200">
         <a:solidFill>
           <a:schemeClr val="tx1"/>
         </a:solidFill>
@@ -3081,8 +626,8 @@
         <a:cs typeface="+mn-cs"/>
       </a:defRPr>
     </a:lvl8pPr>
-    <a:lvl9pPr marL="3657600" algn="l" defTabSz="914400" rtl="0" eaLnBrk="1" latinLnBrk="0" hangingPunct="1">
-      <a:defRPr sz="1200" kern="1200">
+    <a:lvl9pPr marL="1908170" algn="l" defTabSz="477042" rtl="0" eaLnBrk="1" latinLnBrk="0" hangingPunct="1">
+      <a:defRPr sz="626" kern="1200">
         <a:solidFill>
           <a:schemeClr val="tx1"/>
         </a:solidFill>
@@ -3124,8 +669,8 @@
         </p:nvSpPr>
         <p:spPr>
           <a:xfrm>
-            <a:off x="6400800" y="990600"/>
-            <a:ext cx="31089600" cy="2514540"/>
+            <a:off x="4000500" y="495300"/>
+            <a:ext cx="19431000" cy="1257270"/>
           </a:xfrm>
         </p:spPr>
         <p:txBody>
@@ -3151,8 +696,8 @@
         </p:nvSpPr>
         <p:spPr bwMode="auto">
           <a:xfrm>
-            <a:off x="6400800" y="3588603"/>
-            <a:ext cx="31089600" cy="830997"/>
+            <a:off x="4000500" y="1794304"/>
+            <a:ext cx="19431000" cy="415499"/>
           </a:xfrm>
         </p:spPr>
         <p:txBody>
@@ -3165,7 +710,7 @@
                 <a:spcPts val="0"/>
               </a:spcBef>
               <a:buNone/>
-              <a:defRPr sz="2400">
+              <a:defRPr sz="1200">
                 <a:solidFill>
                   <a:schemeClr val="bg1"/>
                 </a:solidFill>
@@ -3176,7 +721,7 @@
                 <a:spcPts val="0"/>
               </a:spcBef>
               <a:buNone/>
-              <a:defRPr sz="2400">
+              <a:defRPr sz="1200">
                 <a:solidFill>
                   <a:schemeClr val="bg1"/>
                 </a:solidFill>
@@ -3187,7 +732,7 @@
                 <a:spcPts val="0"/>
               </a:spcBef>
               <a:buNone/>
-              <a:defRPr sz="2400">
+              <a:defRPr sz="1200">
                 <a:solidFill>
                   <a:schemeClr val="bg1"/>
                 </a:solidFill>
@@ -3198,7 +743,7 @@
                 <a:spcPts val="0"/>
               </a:spcBef>
               <a:buNone/>
-              <a:defRPr sz="2400">
+              <a:defRPr sz="1200">
                 <a:solidFill>
                   <a:schemeClr val="bg1"/>
                 </a:solidFill>
@@ -3209,7 +754,7 @@
                 <a:spcPts val="0"/>
               </a:spcBef>
               <a:buNone/>
-              <a:defRPr sz="2400">
+              <a:defRPr sz="1200">
                 <a:solidFill>
                   <a:schemeClr val="bg1"/>
                 </a:solidFill>
@@ -3220,7 +765,7 @@
                 <a:spcPts val="0"/>
               </a:spcBef>
               <a:buNone/>
-              <a:defRPr sz="2400">
+              <a:defRPr sz="1200">
                 <a:solidFill>
                   <a:schemeClr val="bg1"/>
                 </a:solidFill>
@@ -3231,7 +776,7 @@
                 <a:spcPts val="0"/>
               </a:spcBef>
               <a:buNone/>
-              <a:defRPr sz="2400">
+              <a:defRPr sz="1200">
                 <a:solidFill>
                   <a:schemeClr val="bg1"/>
                 </a:solidFill>
@@ -3242,7 +787,7 @@
                 <a:spcPts val="0"/>
               </a:spcBef>
               <a:buNone/>
-              <a:defRPr sz="2400">
+              <a:defRPr sz="1200">
                 <a:solidFill>
                   <a:schemeClr val="bg1"/>
                 </a:solidFill>
@@ -3253,7 +798,7 @@
                 <a:spcPts val="0"/>
               </a:spcBef>
               <a:buNone/>
-              <a:defRPr sz="2400">
+              <a:defRPr sz="1200">
                 <a:solidFill>
                   <a:schemeClr val="bg1"/>
                 </a:solidFill>
@@ -3286,7 +831,7 @@
           <a:p>
             <a:fld id="{ECAA57DF-1C19-4726-AB84-014692BAD8F5}" type="datetimeFigureOut">
               <a:rPr lang="en-US" smtClean="0"/>
-              <a:t>2/9/2018</a:t>
+              <a:t>2/20/2018</a:t>
             </a:fld>
             <a:endParaRPr lang="en-US"/>
           </a:p>
@@ -3346,8 +891,8 @@
         </p:nvSpPr>
         <p:spPr>
           <a:xfrm>
-            <a:off x="1143000" y="5852160"/>
-            <a:ext cx="12801600" cy="1219200"/>
+            <a:off x="714375" y="2926080"/>
+            <a:ext cx="8001000" cy="609600"/>
           </a:xfrm>
           <a:prstGeom prst="round1Rect">
             <a:avLst/>
@@ -3366,7 +911,7 @@
                 <a:spcPts val="0"/>
               </a:spcBef>
               <a:buNone/>
-              <a:defRPr sz="6000" cap="all" baseline="0">
+              <a:defRPr sz="3000" cap="all" baseline="0">
                 <a:solidFill>
                   <a:schemeClr val="bg1"/>
                 </a:solidFill>
@@ -3378,7 +923,7 @@
                 <a:spcPts val="0"/>
               </a:spcBef>
               <a:buNone/>
-              <a:defRPr sz="6000" cap="all" baseline="0">
+              <a:defRPr sz="3000" cap="all" baseline="0">
                 <a:solidFill>
                   <a:schemeClr val="bg1"/>
                 </a:solidFill>
@@ -3390,7 +935,7 @@
                 <a:spcPts val="0"/>
               </a:spcBef>
               <a:buNone/>
-              <a:defRPr sz="6000" cap="all" baseline="0">
+              <a:defRPr sz="3000" cap="all" baseline="0">
                 <a:solidFill>
                   <a:schemeClr val="bg1"/>
                 </a:solidFill>
@@ -3402,7 +947,7 @@
                 <a:spcPts val="0"/>
               </a:spcBef>
               <a:buNone/>
-              <a:defRPr sz="6000" cap="all" baseline="0">
+              <a:defRPr sz="3000" cap="all" baseline="0">
                 <a:solidFill>
                   <a:schemeClr val="bg1"/>
                 </a:solidFill>
@@ -3414,7 +959,7 @@
                 <a:spcPts val="0"/>
               </a:spcBef>
               <a:buNone/>
-              <a:defRPr sz="6000" cap="all" baseline="0">
+              <a:defRPr sz="3000" cap="all" baseline="0">
                 <a:solidFill>
                   <a:schemeClr val="bg1"/>
                 </a:solidFill>
@@ -3426,7 +971,7 @@
                 <a:spcPts val="0"/>
               </a:spcBef>
               <a:buNone/>
-              <a:defRPr sz="6000" cap="all" baseline="0">
+              <a:defRPr sz="3000" cap="all" baseline="0">
                 <a:solidFill>
                   <a:schemeClr val="bg1"/>
                 </a:solidFill>
@@ -3438,7 +983,7 @@
                 <a:spcPts val="0"/>
               </a:spcBef>
               <a:buNone/>
-              <a:defRPr sz="6000" cap="all" baseline="0">
+              <a:defRPr sz="3000" cap="all" baseline="0">
                 <a:solidFill>
                   <a:schemeClr val="bg1"/>
                 </a:solidFill>
@@ -3450,7 +995,7 @@
                 <a:spcPts val="0"/>
               </a:spcBef>
               <a:buNone/>
-              <a:defRPr sz="6000" cap="all" baseline="0">
+              <a:defRPr sz="3000" cap="all" baseline="0">
                 <a:solidFill>
                   <a:schemeClr val="bg1"/>
                 </a:solidFill>
@@ -3462,7 +1007,7 @@
                 <a:spcPts val="0"/>
               </a:spcBef>
               <a:buNone/>
-              <a:defRPr sz="6000" cap="all" baseline="0">
+              <a:defRPr sz="3000" cap="all" baseline="0">
                 <a:solidFill>
                   <a:schemeClr val="bg1"/>
                 </a:solidFill>
@@ -3491,8 +1036,8 @@
         </p:nvSpPr>
         <p:spPr>
           <a:xfrm>
-            <a:off x="1143000" y="7071360"/>
-            <a:ext cx="12801600" cy="6858000"/>
+            <a:off x="714375" y="3535680"/>
+            <a:ext cx="8001000" cy="3429000"/>
           </a:xfrm>
         </p:spPr>
         <p:txBody>
@@ -3594,8 +1139,8 @@
         </p:nvSpPr>
         <p:spPr>
           <a:xfrm>
-            <a:off x="1143000" y="15032736"/>
-            <a:ext cx="12801600" cy="1219200"/>
+            <a:off x="714375" y="7516368"/>
+            <a:ext cx="8001000" cy="609600"/>
           </a:xfrm>
           <a:prstGeom prst="round1Rect">
             <a:avLst/>
@@ -3614,7 +1159,7 @@
                 <a:spcPts val="0"/>
               </a:spcBef>
               <a:buNone/>
-              <a:defRPr sz="6000" cap="all" baseline="0">
+              <a:defRPr sz="3000" cap="all" baseline="0">
                 <a:solidFill>
                   <a:schemeClr val="bg1"/>
                 </a:solidFill>
@@ -3626,7 +1171,7 @@
                 <a:spcPts val="0"/>
               </a:spcBef>
               <a:buNone/>
-              <a:defRPr sz="6000" cap="all" baseline="0">
+              <a:defRPr sz="3000" cap="all" baseline="0">
                 <a:solidFill>
                   <a:schemeClr val="bg1"/>
                 </a:solidFill>
@@ -3638,7 +1183,7 @@
                 <a:spcPts val="0"/>
               </a:spcBef>
               <a:buNone/>
-              <a:defRPr sz="6000" cap="all" baseline="0">
+              <a:defRPr sz="3000" cap="all" baseline="0">
                 <a:solidFill>
                   <a:schemeClr val="bg1"/>
                 </a:solidFill>
@@ -3650,7 +1195,7 @@
                 <a:spcPts val="0"/>
               </a:spcBef>
               <a:buNone/>
-              <a:defRPr sz="6000" cap="all" baseline="0">
+              <a:defRPr sz="3000" cap="all" baseline="0">
                 <a:solidFill>
                   <a:schemeClr val="bg1"/>
                 </a:solidFill>
@@ -3662,7 +1207,7 @@
                 <a:spcPts val="0"/>
               </a:spcBef>
               <a:buNone/>
-              <a:defRPr sz="6000" cap="all" baseline="0">
+              <a:defRPr sz="3000" cap="all" baseline="0">
                 <a:solidFill>
                   <a:schemeClr val="bg1"/>
                 </a:solidFill>
@@ -3674,7 +1219,7 @@
                 <a:spcPts val="0"/>
               </a:spcBef>
               <a:buNone/>
-              <a:defRPr sz="6000" cap="all" baseline="0">
+              <a:defRPr sz="3000" cap="all" baseline="0">
                 <a:solidFill>
                   <a:schemeClr val="bg1"/>
                 </a:solidFill>
@@ -3686,7 +1231,7 @@
                 <a:spcPts val="0"/>
               </a:spcBef>
               <a:buNone/>
-              <a:defRPr sz="6000" cap="all" baseline="0">
+              <a:defRPr sz="3000" cap="all" baseline="0">
                 <a:solidFill>
                   <a:schemeClr val="bg1"/>
                 </a:solidFill>
@@ -3698,7 +1243,7 @@
                 <a:spcPts val="0"/>
               </a:spcBef>
               <a:buNone/>
-              <a:defRPr sz="6000" cap="all" baseline="0">
+              <a:defRPr sz="3000" cap="all" baseline="0">
                 <a:solidFill>
                   <a:schemeClr val="bg1"/>
                 </a:solidFill>
@@ -3710,7 +1255,7 @@
                 <a:spcPts val="0"/>
               </a:spcBef>
               <a:buNone/>
-              <a:defRPr sz="6000" cap="all" baseline="0">
+              <a:defRPr sz="3000" cap="all" baseline="0">
                 <a:solidFill>
                   <a:schemeClr val="bg1"/>
                 </a:solidFill>
@@ -3739,8 +1284,8 @@
         </p:nvSpPr>
         <p:spPr>
           <a:xfrm>
-            <a:off x="1143000" y="16251936"/>
-            <a:ext cx="12801600" cy="9088165"/>
+            <a:off x="714375" y="8125971"/>
+            <a:ext cx="8001000" cy="4544083"/>
           </a:xfrm>
         </p:spPr>
         <p:txBody>
@@ -3842,8 +1387,8 @@
         </p:nvSpPr>
         <p:spPr>
           <a:xfrm>
-            <a:off x="1143000" y="25831800"/>
-            <a:ext cx="12801600" cy="1219200"/>
+            <a:off x="714375" y="12915900"/>
+            <a:ext cx="8001000" cy="609600"/>
           </a:xfrm>
           <a:prstGeom prst="round1Rect">
             <a:avLst/>
@@ -3862,7 +1407,7 @@
                 <a:spcPts val="0"/>
               </a:spcBef>
               <a:buNone/>
-              <a:defRPr sz="6000" cap="all" baseline="0">
+              <a:defRPr sz="3000" cap="all" baseline="0">
                 <a:solidFill>
                   <a:schemeClr val="bg1"/>
                 </a:solidFill>
@@ -3874,7 +1419,7 @@
                 <a:spcPts val="0"/>
               </a:spcBef>
               <a:buNone/>
-              <a:defRPr sz="6000" cap="all" baseline="0">
+              <a:defRPr sz="3000" cap="all" baseline="0">
                 <a:solidFill>
                   <a:schemeClr val="bg1"/>
                 </a:solidFill>
@@ -3886,7 +1431,7 @@
                 <a:spcPts val="0"/>
               </a:spcBef>
               <a:buNone/>
-              <a:defRPr sz="6000" cap="all" baseline="0">
+              <a:defRPr sz="3000" cap="all" baseline="0">
                 <a:solidFill>
                   <a:schemeClr val="bg1"/>
                 </a:solidFill>
@@ -3898,7 +1443,7 @@
                 <a:spcPts val="0"/>
               </a:spcBef>
               <a:buNone/>
-              <a:defRPr sz="6000" cap="all" baseline="0">
+              <a:defRPr sz="3000" cap="all" baseline="0">
                 <a:solidFill>
                   <a:schemeClr val="bg1"/>
                 </a:solidFill>
@@ -3910,7 +1455,7 @@
                 <a:spcPts val="0"/>
               </a:spcBef>
               <a:buNone/>
-              <a:defRPr sz="6000" cap="all" baseline="0">
+              <a:defRPr sz="3000" cap="all" baseline="0">
                 <a:solidFill>
                   <a:schemeClr val="bg1"/>
                 </a:solidFill>
@@ -3922,7 +1467,7 @@
                 <a:spcPts val="0"/>
               </a:spcBef>
               <a:buNone/>
-              <a:defRPr sz="6000" cap="all" baseline="0">
+              <a:defRPr sz="3000" cap="all" baseline="0">
                 <a:solidFill>
                   <a:schemeClr val="bg1"/>
                 </a:solidFill>
@@ -3934,7 +1479,7 @@
                 <a:spcPts val="0"/>
               </a:spcBef>
               <a:buNone/>
-              <a:defRPr sz="6000" cap="all" baseline="0">
+              <a:defRPr sz="3000" cap="all" baseline="0">
                 <a:solidFill>
                   <a:schemeClr val="bg1"/>
                 </a:solidFill>
@@ -3946,7 +1491,7 @@
                 <a:spcPts val="0"/>
               </a:spcBef>
               <a:buNone/>
-              <a:defRPr sz="6000" cap="all" baseline="0">
+              <a:defRPr sz="3000" cap="all" baseline="0">
                 <a:solidFill>
                   <a:schemeClr val="bg1"/>
                 </a:solidFill>
@@ -3958,7 +1503,7 @@
                 <a:spcPts val="0"/>
               </a:spcBef>
               <a:buNone/>
-              <a:defRPr sz="6000" cap="all" baseline="0">
+              <a:defRPr sz="3000" cap="all" baseline="0">
                 <a:solidFill>
                   <a:schemeClr val="bg1"/>
                 </a:solidFill>
@@ -3987,8 +1532,8 @@
         </p:nvSpPr>
         <p:spPr>
           <a:xfrm>
-            <a:off x="1143000" y="27057096"/>
-            <a:ext cx="12801600" cy="4572000"/>
+            <a:off x="714375" y="13528548"/>
+            <a:ext cx="8001000" cy="2286000"/>
           </a:xfrm>
         </p:spPr>
         <p:txBody>
@@ -4090,8 +1635,8 @@
         </p:nvSpPr>
         <p:spPr>
           <a:xfrm>
-            <a:off x="15544800" y="5852160"/>
-            <a:ext cx="12801600" cy="1219200"/>
+            <a:off x="9715500" y="2926080"/>
+            <a:ext cx="8001000" cy="609600"/>
           </a:xfrm>
           <a:prstGeom prst="round1Rect">
             <a:avLst/>
@@ -4110,7 +1655,7 @@
                 <a:spcPts val="0"/>
               </a:spcBef>
               <a:buNone/>
-              <a:defRPr sz="6000" cap="all" baseline="0">
+              <a:defRPr sz="3000" cap="all" baseline="0">
                 <a:solidFill>
                   <a:schemeClr val="bg1"/>
                 </a:solidFill>
@@ -4122,7 +1667,7 @@
                 <a:spcPts val="0"/>
               </a:spcBef>
               <a:buNone/>
-              <a:defRPr sz="6000" cap="all" baseline="0">
+              <a:defRPr sz="3000" cap="all" baseline="0">
                 <a:solidFill>
                   <a:schemeClr val="bg1"/>
                 </a:solidFill>
@@ -4134,7 +1679,7 @@
                 <a:spcPts val="0"/>
               </a:spcBef>
               <a:buNone/>
-              <a:defRPr sz="6000" cap="all" baseline="0">
+              <a:defRPr sz="3000" cap="all" baseline="0">
                 <a:solidFill>
                   <a:schemeClr val="bg1"/>
                 </a:solidFill>
@@ -4146,7 +1691,7 @@
                 <a:spcPts val="0"/>
               </a:spcBef>
               <a:buNone/>
-              <a:defRPr sz="6000" cap="all" baseline="0">
+              <a:defRPr sz="3000" cap="all" baseline="0">
                 <a:solidFill>
                   <a:schemeClr val="bg1"/>
                 </a:solidFill>
@@ -4158,7 +1703,7 @@
                 <a:spcPts val="0"/>
               </a:spcBef>
               <a:buNone/>
-              <a:defRPr sz="6000" cap="all" baseline="0">
+              <a:defRPr sz="3000" cap="all" baseline="0">
                 <a:solidFill>
                   <a:schemeClr val="bg1"/>
                 </a:solidFill>
@@ -4170,7 +1715,7 @@
                 <a:spcPts val="0"/>
               </a:spcBef>
               <a:buNone/>
-              <a:defRPr sz="6000" cap="all" baseline="0">
+              <a:defRPr sz="3000" cap="all" baseline="0">
                 <a:solidFill>
                   <a:schemeClr val="bg1"/>
                 </a:solidFill>
@@ -4182,7 +1727,7 @@
                 <a:spcPts val="0"/>
               </a:spcBef>
               <a:buNone/>
-              <a:defRPr sz="6000" cap="all" baseline="0">
+              <a:defRPr sz="3000" cap="all" baseline="0">
                 <a:solidFill>
                   <a:schemeClr val="bg1"/>
                 </a:solidFill>
@@ -4194,7 +1739,7 @@
                 <a:spcPts val="0"/>
               </a:spcBef>
               <a:buNone/>
-              <a:defRPr sz="6000" cap="all" baseline="0">
+              <a:defRPr sz="3000" cap="all" baseline="0">
                 <a:solidFill>
                   <a:schemeClr val="bg1"/>
                 </a:solidFill>
@@ -4206,7 +1751,7 @@
                 <a:spcPts val="0"/>
               </a:spcBef>
               <a:buNone/>
-              <a:defRPr sz="6000" cap="all" baseline="0">
+              <a:defRPr sz="3000" cap="all" baseline="0">
                 <a:solidFill>
                   <a:schemeClr val="bg1"/>
                 </a:solidFill>
@@ -4235,8 +1780,8 @@
         </p:nvSpPr>
         <p:spPr>
           <a:xfrm>
-            <a:off x="15544800" y="7071360"/>
-            <a:ext cx="12801600" cy="4572000"/>
+            <a:off x="9715500" y="3535680"/>
+            <a:ext cx="8001000" cy="2286000"/>
           </a:xfrm>
         </p:spPr>
         <p:txBody>
@@ -4338,8 +1883,8 @@
         </p:nvSpPr>
         <p:spPr>
           <a:xfrm>
-            <a:off x="15544800" y="11948160"/>
-            <a:ext cx="12801600" cy="6172200"/>
+            <a:off x="9715500" y="5974080"/>
+            <a:ext cx="8001000" cy="3086100"/>
           </a:xfrm>
         </p:spPr>
         <p:txBody>
@@ -4441,8 +1986,8 @@
         </p:nvSpPr>
         <p:spPr>
           <a:xfrm>
-            <a:off x="15544800" y="23469600"/>
-            <a:ext cx="12801600" cy="1752600"/>
+            <a:off x="9715500" y="11734800"/>
+            <a:ext cx="8001000" cy="876300"/>
           </a:xfrm>
         </p:spPr>
         <p:txBody>
@@ -4495,8 +2040,8 @@
         </p:nvSpPr>
         <p:spPr>
           <a:xfrm>
-            <a:off x="15544800" y="25831800"/>
-            <a:ext cx="12801600" cy="1219200"/>
+            <a:off x="9715500" y="12915900"/>
+            <a:ext cx="8001000" cy="609600"/>
           </a:xfrm>
           <a:prstGeom prst="round1Rect">
             <a:avLst/>
@@ -4515,7 +2060,7 @@
                 <a:spcPts val="0"/>
               </a:spcBef>
               <a:buNone/>
-              <a:defRPr sz="6000" cap="all" baseline="0">
+              <a:defRPr sz="3000" cap="all" baseline="0">
                 <a:solidFill>
                   <a:schemeClr val="bg1"/>
                 </a:solidFill>
@@ -4527,7 +2072,7 @@
                 <a:spcPts val="0"/>
               </a:spcBef>
               <a:buNone/>
-              <a:defRPr sz="6000" cap="all" baseline="0">
+              <a:defRPr sz="3000" cap="all" baseline="0">
                 <a:solidFill>
                   <a:schemeClr val="bg1"/>
                 </a:solidFill>
@@ -4539,7 +2084,7 @@
                 <a:spcPts val="0"/>
               </a:spcBef>
               <a:buNone/>
-              <a:defRPr sz="6000" cap="all" baseline="0">
+              <a:defRPr sz="3000" cap="all" baseline="0">
                 <a:solidFill>
                   <a:schemeClr val="bg1"/>
                 </a:solidFill>
@@ -4551,7 +2096,7 @@
                 <a:spcPts val="0"/>
               </a:spcBef>
               <a:buNone/>
-              <a:defRPr sz="6000" cap="all" baseline="0">
+              <a:defRPr sz="3000" cap="all" baseline="0">
                 <a:solidFill>
                   <a:schemeClr val="bg1"/>
                 </a:solidFill>
@@ -4563,7 +2108,7 @@
                 <a:spcPts val="0"/>
               </a:spcBef>
               <a:buNone/>
-              <a:defRPr sz="6000" cap="all" baseline="0">
+              <a:defRPr sz="3000" cap="all" baseline="0">
                 <a:solidFill>
                   <a:schemeClr val="bg1"/>
                 </a:solidFill>
@@ -4575,7 +2120,7 @@
                 <a:spcPts val="0"/>
               </a:spcBef>
               <a:buNone/>
-              <a:defRPr sz="6000" cap="all" baseline="0">
+              <a:defRPr sz="3000" cap="all" baseline="0">
                 <a:solidFill>
                   <a:schemeClr val="bg1"/>
                 </a:solidFill>
@@ -4587,7 +2132,7 @@
                 <a:spcPts val="0"/>
               </a:spcBef>
               <a:buNone/>
-              <a:defRPr sz="6000" cap="all" baseline="0">
+              <a:defRPr sz="3000" cap="all" baseline="0">
                 <a:solidFill>
                   <a:schemeClr val="bg1"/>
                 </a:solidFill>
@@ -4599,7 +2144,7 @@
                 <a:spcPts val="0"/>
               </a:spcBef>
               <a:buNone/>
-              <a:defRPr sz="6000" cap="all" baseline="0">
+              <a:defRPr sz="3000" cap="all" baseline="0">
                 <a:solidFill>
                   <a:schemeClr val="bg1"/>
                 </a:solidFill>
@@ -4611,7 +2156,7 @@
                 <a:spcPts val="0"/>
               </a:spcBef>
               <a:buNone/>
-              <a:defRPr sz="6000" cap="all" baseline="0">
+              <a:defRPr sz="3000" cap="all" baseline="0">
                 <a:solidFill>
                   <a:schemeClr val="bg1"/>
                 </a:solidFill>
@@ -4640,8 +2185,8 @@
         </p:nvSpPr>
         <p:spPr>
           <a:xfrm>
-            <a:off x="15544800" y="27057096"/>
-            <a:ext cx="12801600" cy="4572000"/>
+            <a:off x="9715500" y="13528548"/>
+            <a:ext cx="8001000" cy="2286000"/>
           </a:xfrm>
         </p:spPr>
         <p:txBody>
@@ -4743,8 +2288,8 @@
         </p:nvSpPr>
         <p:spPr>
           <a:xfrm>
-            <a:off x="29900880" y="5852160"/>
-            <a:ext cx="12801600" cy="1219200"/>
+            <a:off x="18688050" y="2926080"/>
+            <a:ext cx="8001000" cy="609600"/>
           </a:xfrm>
           <a:prstGeom prst="round1Rect">
             <a:avLst/>
@@ -4763,7 +2308,7 @@
                 <a:spcPts val="0"/>
               </a:spcBef>
               <a:buNone/>
-              <a:defRPr sz="6000" cap="all" baseline="0">
+              <a:defRPr sz="3000" cap="all" baseline="0">
                 <a:solidFill>
                   <a:schemeClr val="bg1"/>
                 </a:solidFill>
@@ -4775,7 +2320,7 @@
                 <a:spcPts val="0"/>
               </a:spcBef>
               <a:buNone/>
-              <a:defRPr sz="6000" cap="all" baseline="0">
+              <a:defRPr sz="3000" cap="all" baseline="0">
                 <a:solidFill>
                   <a:schemeClr val="bg1"/>
                 </a:solidFill>
@@ -4787,7 +2332,7 @@
                 <a:spcPts val="0"/>
               </a:spcBef>
               <a:buNone/>
-              <a:defRPr sz="6000" cap="all" baseline="0">
+              <a:defRPr sz="3000" cap="all" baseline="0">
                 <a:solidFill>
                   <a:schemeClr val="bg1"/>
                 </a:solidFill>
@@ -4799,7 +2344,7 @@
                 <a:spcPts val="0"/>
               </a:spcBef>
               <a:buNone/>
-              <a:defRPr sz="6000" cap="all" baseline="0">
+              <a:defRPr sz="3000" cap="all" baseline="0">
                 <a:solidFill>
                   <a:schemeClr val="bg1"/>
                 </a:solidFill>
@@ -4811,7 +2356,7 @@
                 <a:spcPts val="0"/>
               </a:spcBef>
               <a:buNone/>
-              <a:defRPr sz="6000" cap="all" baseline="0">
+              <a:defRPr sz="3000" cap="all" baseline="0">
                 <a:solidFill>
                   <a:schemeClr val="bg1"/>
                 </a:solidFill>
@@ -4823,7 +2368,7 @@
                 <a:spcPts val="0"/>
               </a:spcBef>
               <a:buNone/>
-              <a:defRPr sz="6000" cap="all" baseline="0">
+              <a:defRPr sz="3000" cap="all" baseline="0">
                 <a:solidFill>
                   <a:schemeClr val="bg1"/>
                 </a:solidFill>
@@ -4835,7 +2380,7 @@
                 <a:spcPts val="0"/>
               </a:spcBef>
               <a:buNone/>
-              <a:defRPr sz="6000" cap="all" baseline="0">
+              <a:defRPr sz="3000" cap="all" baseline="0">
                 <a:solidFill>
                   <a:schemeClr val="bg1"/>
                 </a:solidFill>
@@ -4847,7 +2392,7 @@
                 <a:spcPts val="0"/>
               </a:spcBef>
               <a:buNone/>
-              <a:defRPr sz="6000" cap="all" baseline="0">
+              <a:defRPr sz="3000" cap="all" baseline="0">
                 <a:solidFill>
                   <a:schemeClr val="bg1"/>
                 </a:solidFill>
@@ -4859,7 +2404,7 @@
                 <a:spcPts val="0"/>
               </a:spcBef>
               <a:buNone/>
-              <a:defRPr sz="6000" cap="all" baseline="0">
+              <a:defRPr sz="3000" cap="all" baseline="0">
                 <a:solidFill>
                   <a:schemeClr val="bg1"/>
                 </a:solidFill>
@@ -4888,8 +2433,8 @@
         </p:nvSpPr>
         <p:spPr>
           <a:xfrm>
-            <a:off x="29900880" y="7071360"/>
-            <a:ext cx="12801600" cy="7315200"/>
+            <a:off x="18688050" y="3535680"/>
+            <a:ext cx="8001000" cy="3657600"/>
           </a:xfrm>
         </p:spPr>
         <p:txBody>
@@ -4991,8 +2536,8 @@
         </p:nvSpPr>
         <p:spPr>
           <a:xfrm>
-            <a:off x="29900880" y="15837408"/>
-            <a:ext cx="12801600" cy="7315200"/>
+            <a:off x="18688050" y="7918704"/>
+            <a:ext cx="8001000" cy="3657600"/>
           </a:xfrm>
         </p:spPr>
         <p:txBody>
@@ -5094,8 +2639,8 @@
         </p:nvSpPr>
         <p:spPr>
           <a:xfrm>
-            <a:off x="29900880" y="25831800"/>
-            <a:ext cx="12801600" cy="1219200"/>
+            <a:off x="18688050" y="12915900"/>
+            <a:ext cx="8001000" cy="609600"/>
           </a:xfrm>
           <a:prstGeom prst="round1Rect">
             <a:avLst/>
@@ -5114,7 +2659,7 @@
                 <a:spcPts val="0"/>
               </a:spcBef>
               <a:buNone/>
-              <a:defRPr sz="6000" cap="all" baseline="0">
+              <a:defRPr sz="3000" cap="all" baseline="0">
                 <a:solidFill>
                   <a:schemeClr val="bg1"/>
                 </a:solidFill>
@@ -5126,7 +2671,7 @@
                 <a:spcPts val="0"/>
               </a:spcBef>
               <a:buNone/>
-              <a:defRPr sz="6000" cap="all" baseline="0">
+              <a:defRPr sz="3000" cap="all" baseline="0">
                 <a:solidFill>
                   <a:schemeClr val="bg1"/>
                 </a:solidFill>
@@ -5138,7 +2683,7 @@
                 <a:spcPts val="0"/>
               </a:spcBef>
               <a:buNone/>
-              <a:defRPr sz="6000" cap="all" baseline="0">
+              <a:defRPr sz="3000" cap="all" baseline="0">
                 <a:solidFill>
                   <a:schemeClr val="bg1"/>
                 </a:solidFill>
@@ -5150,7 +2695,7 @@
                 <a:spcPts val="0"/>
               </a:spcBef>
               <a:buNone/>
-              <a:defRPr sz="6000" cap="all" baseline="0">
+              <a:defRPr sz="3000" cap="all" baseline="0">
                 <a:solidFill>
                   <a:schemeClr val="bg1"/>
                 </a:solidFill>
@@ -5162,7 +2707,7 @@
                 <a:spcPts val="0"/>
               </a:spcBef>
               <a:buNone/>
-              <a:defRPr sz="6000" cap="all" baseline="0">
+              <a:defRPr sz="3000" cap="all" baseline="0">
                 <a:solidFill>
                   <a:schemeClr val="bg1"/>
                 </a:solidFill>
@@ -5174,7 +2719,7 @@
                 <a:spcPts val="0"/>
               </a:spcBef>
               <a:buNone/>
-              <a:defRPr sz="6000" cap="all" baseline="0">
+              <a:defRPr sz="3000" cap="all" baseline="0">
                 <a:solidFill>
                   <a:schemeClr val="bg1"/>
                 </a:solidFill>
@@ -5186,7 +2731,7 @@
                 <a:spcPts val="0"/>
               </a:spcBef>
               <a:buNone/>
-              <a:defRPr sz="6000" cap="all" baseline="0">
+              <a:defRPr sz="3000" cap="all" baseline="0">
                 <a:solidFill>
                   <a:schemeClr val="bg1"/>
                 </a:solidFill>
@@ -5198,7 +2743,7 @@
                 <a:spcPts val="0"/>
               </a:spcBef>
               <a:buNone/>
-              <a:defRPr sz="6000" cap="all" baseline="0">
+              <a:defRPr sz="3000" cap="all" baseline="0">
                 <a:solidFill>
                   <a:schemeClr val="bg1"/>
                 </a:solidFill>
@@ -5210,7 +2755,7 @@
                 <a:spcPts val="0"/>
               </a:spcBef>
               <a:buNone/>
-              <a:defRPr sz="6000" cap="all" baseline="0">
+              <a:defRPr sz="3000" cap="all" baseline="0">
                 <a:solidFill>
                   <a:schemeClr val="bg1"/>
                 </a:solidFill>
@@ -5239,8 +2784,8 @@
         </p:nvSpPr>
         <p:spPr>
           <a:xfrm>
-            <a:off x="29900880" y="27057096"/>
-            <a:ext cx="12801600" cy="4572000"/>
+            <a:off x="18688050" y="13528548"/>
+            <a:ext cx="8001000" cy="2286000"/>
           </a:xfrm>
         </p:spPr>
         <p:txBody>
@@ -5338,8 +2883,8 @@
         </p:nvSpPr>
         <p:spPr>
           <a:xfrm>
-            <a:off x="43891200" y="2552699"/>
-            <a:ext cx="12447270" cy="32918400"/>
+            <a:off x="27432003" y="1276350"/>
+            <a:ext cx="7779545" cy="16459200"/>
           </a:xfrm>
           <a:prstGeom prst="rect">
             <a:avLst/>
@@ -5370,16 +2915,16 @@
           </a:fontRef>
         </p:style>
         <p:txBody>
-          <a:bodyPr lIns="274320" rIns="274320" rtlCol="0" anchor="t"/>
+          <a:bodyPr lIns="137160" rIns="137160" rtlCol="0" anchor="t"/>
           <a:lstStyle/>
           <a:p>
             <a:pPr lvl="0">
               <a:spcBef>
-                <a:spcPts val="1200"/>
+                <a:spcPts val="600"/>
               </a:spcBef>
             </a:pPr>
             <a:r>
-              <a:rPr sz="9600" dirty="0">
+              <a:rPr sz="4800" dirty="0">
                 <a:solidFill>
                   <a:prstClr val="white">
                     <a:lumMod val="50000"/>
@@ -5394,11 +2939,11 @@
           <a:p>
             <a:pPr lvl="0">
               <a:spcBef>
-                <a:spcPts val="1200"/>
+                <a:spcPts val="600"/>
               </a:spcBef>
             </a:pPr>
             <a:r>
-              <a:rPr lang="en-US" sz="6600" dirty="0">
+              <a:rPr lang="en-US" sz="3300" dirty="0">
                 <a:solidFill>
                   <a:prstClr val="white">
                     <a:lumMod val="50000"/>
@@ -5413,10 +2958,10 @@
           <a:p>
             <a:pPr lvl="0">
               <a:spcBef>
-                <a:spcPts val="300"/>
+                <a:spcPts val="150"/>
               </a:spcBef>
             </a:pPr>
-            <a:endParaRPr sz="6000" dirty="0">
+            <a:endParaRPr sz="3000" dirty="0">
               <a:solidFill>
                 <a:prstClr val="white">
                   <a:lumMod val="50000"/>
@@ -5429,11 +2974,11 @@
           <a:p>
             <a:pPr lvl="0">
               <a:spcBef>
-                <a:spcPts val="1200"/>
+                <a:spcPts val="600"/>
               </a:spcBef>
             </a:pPr>
             <a:r>
-              <a:rPr sz="8800" dirty="0">
+              <a:rPr sz="4400" dirty="0">
                 <a:solidFill>
                   <a:prstClr val="white">
                     <a:lumMod val="50000"/>
@@ -5448,11 +2993,11 @@
           <a:p>
             <a:pPr lvl="0">
               <a:spcBef>
-                <a:spcPts val="1200"/>
+                <a:spcPts val="600"/>
               </a:spcBef>
             </a:pPr>
             <a:r>
-              <a:rPr sz="6600" dirty="0">
+              <a:rPr sz="3300" dirty="0">
                 <a:solidFill>
                   <a:prstClr val="white">
                     <a:lumMod val="50000"/>
@@ -5464,7 +3009,7 @@
               <a:t>The placeholders in this </a:t>
             </a:r>
             <a:r>
-              <a:rPr lang="en-US" sz="6600" dirty="0">
+              <a:rPr lang="en-US" sz="3300" dirty="0">
                 <a:solidFill>
                   <a:prstClr val="white">
                     <a:lumMod val="50000"/>
@@ -5476,7 +3021,7 @@
               <a:t>poster </a:t>
             </a:r>
             <a:r>
-              <a:rPr sz="6600" dirty="0">
+              <a:rPr sz="3300" dirty="0">
                 <a:solidFill>
                   <a:prstClr val="white">
                     <a:lumMod val="50000"/>
@@ -5488,7 +3033,7 @@
               <a:t>are formatted for you. </a:t>
             </a:r>
             <a:r>
-              <a:rPr lang="en-US" sz="6600" dirty="0">
+              <a:rPr lang="en-US" sz="3300" dirty="0">
                 <a:solidFill>
                   <a:prstClr val="white">
                     <a:lumMod val="50000"/>
@@ -5500,7 +3045,7 @@
               <a:t>Type</a:t>
             </a:r>
             <a:r>
-              <a:rPr lang="en-US" sz="6600" baseline="0" dirty="0">
+              <a:rPr lang="en-US" sz="3300" baseline="0" dirty="0">
                 <a:solidFill>
                   <a:prstClr val="white">
                     <a:lumMod val="50000"/>
@@ -5512,7 +3057,7 @@
               <a:t> in the placeholders </a:t>
             </a:r>
             <a:r>
-              <a:rPr lang="en-US" sz="6600" dirty="0">
+              <a:rPr lang="en-US" sz="3300" dirty="0">
                 <a:solidFill>
                   <a:prstClr val="white">
                     <a:lumMod val="50000"/>
@@ -5524,7 +3069,7 @@
               <a:t>to add text, or c</a:t>
             </a:r>
             <a:r>
-              <a:rPr lang="en-US" sz="6600" baseline="0" dirty="0">
+              <a:rPr lang="en-US" sz="3300" baseline="0" dirty="0">
                 <a:solidFill>
                   <a:prstClr val="white">
                     <a:lumMod val="50000"/>
@@ -5539,11 +3084,11 @@
           <a:p>
             <a:pPr lvl="0">
               <a:spcBef>
-                <a:spcPts val="2400"/>
+                <a:spcPts val="1200"/>
               </a:spcBef>
             </a:pPr>
             <a:r>
-              <a:rPr lang="en-US" sz="6600" dirty="0">
+              <a:rPr lang="en-US" sz="3300" dirty="0">
                 <a:solidFill>
                   <a:prstClr val="white">
                     <a:lumMod val="50000"/>
@@ -5555,7 +3100,7 @@
               <a:t>T</a:t>
             </a:r>
             <a:r>
-              <a:rPr sz="6600" dirty="0">
+              <a:rPr sz="3300" dirty="0">
                 <a:solidFill>
                   <a:prstClr val="white">
                     <a:lumMod val="50000"/>
@@ -5570,11 +3115,11 @@
           <a:p>
             <a:pPr lvl="0">
               <a:spcBef>
-                <a:spcPts val="2400"/>
+                <a:spcPts val="1200"/>
               </a:spcBef>
             </a:pPr>
             <a:r>
-              <a:rPr sz="6600" dirty="0">
+              <a:rPr sz="3300" dirty="0">
                 <a:solidFill>
                   <a:prstClr val="white">
                     <a:lumMod val="50000"/>
@@ -5586,7 +3131,7 @@
               <a:t>If you need more placeholders for titles, </a:t>
             </a:r>
             <a:r>
-              <a:rPr lang="en-US" sz="6600" dirty="0">
+              <a:rPr lang="en-US" sz="3300" dirty="0">
                 <a:solidFill>
                   <a:prstClr val="white">
                     <a:lumMod val="50000"/>
@@ -5598,7 +3143,7 @@
               <a:t>content</a:t>
             </a:r>
             <a:r>
-              <a:rPr sz="6600" dirty="0">
+              <a:rPr sz="3300" dirty="0">
                 <a:solidFill>
                   <a:prstClr val="white">
                     <a:lumMod val="50000"/>
@@ -5613,11 +3158,11 @@
           <a:p>
             <a:pPr lvl="0">
               <a:spcBef>
-                <a:spcPts val="2400"/>
+                <a:spcPts val="1200"/>
               </a:spcBef>
             </a:pPr>
             <a:r>
-              <a:rPr sz="6600" dirty="0">
+              <a:rPr sz="3300" dirty="0">
                 <a:solidFill>
                   <a:prstClr val="white">
                     <a:lumMod val="50000"/>
@@ -5629,7 +3174,7 @@
               <a:t>Want to use your own pictures instead of ours? No problem! Just </a:t>
             </a:r>
             <a:r>
-              <a:rPr lang="en-US" sz="6600" dirty="0">
+              <a:rPr lang="en-US" sz="3300" dirty="0">
                 <a:solidFill>
                   <a:prstClr val="white">
                     <a:lumMod val="50000"/>
@@ -5641,7 +3186,7 @@
               <a:t>right-</a:t>
             </a:r>
             <a:r>
-              <a:rPr sz="6600" dirty="0">
+              <a:rPr sz="3300" dirty="0">
                 <a:solidFill>
                   <a:prstClr val="white">
                     <a:lumMod val="50000"/>
@@ -5653,7 +3198,7 @@
               <a:t>click a picture</a:t>
             </a:r>
             <a:r>
-              <a:rPr lang="en-US" sz="6600" dirty="0">
+              <a:rPr lang="en-US" sz="3300" dirty="0">
                 <a:solidFill>
                   <a:prstClr val="white">
                     <a:lumMod val="50000"/>
@@ -5665,7 +3210,7 @@
               <a:t> and choose Change Picture. Maintain the</a:t>
             </a:r>
             <a:r>
-              <a:rPr lang="en-US" sz="6600" baseline="0" dirty="0">
+              <a:rPr lang="en-US" sz="3300" baseline="0" dirty="0">
                 <a:solidFill>
                   <a:prstClr val="white">
                     <a:lumMod val="50000"/>
@@ -5677,7 +3222,7 @@
               <a:t> proportion of pictures as you r</a:t>
             </a:r>
             <a:r>
-              <a:rPr lang="en-US" sz="6600" dirty="0">
+              <a:rPr lang="en-US" sz="3300" dirty="0">
                 <a:solidFill>
                   <a:prstClr val="white">
                     <a:lumMod val="50000"/>
@@ -5689,7 +3234,7 @@
               <a:t>esize</a:t>
             </a:r>
             <a:r>
-              <a:rPr lang="en-US" sz="6600" baseline="0" dirty="0">
+              <a:rPr lang="en-US" sz="3300" baseline="0" dirty="0">
                 <a:solidFill>
                   <a:prstClr val="white">
                     <a:lumMod val="50000"/>
@@ -5700,7 +3245,7 @@
               </a:rPr>
               <a:t> by dragging a corner.</a:t>
             </a:r>
-            <a:endParaRPr sz="6600" dirty="0">
+            <a:endParaRPr sz="3300" dirty="0">
               <a:solidFill>
                 <a:prstClr val="white">
                   <a:lumMod val="50000"/>
@@ -5725,12 +3270,12 @@
   <p:extLst mod="1">
     <p:ext uri="{DCECCB84-F9BA-43D5-87BE-67443E8EF086}">
       <p15:sldGuideLst xmlns:p15="http://schemas.microsoft.com/office/powerpoint/2012/main">
-        <p15:guide id="1" pos="9168" userDrawn="1">
+        <p15:guide id="1" pos="5730" userDrawn="1">
           <p15:clr>
             <a:srgbClr val="A4A3A4"/>
           </p15:clr>
         </p15:guide>
-        <p15:guide id="2" pos="18480" userDrawn="1">
+        <p15:guide id="2" pos="11550" userDrawn="1">
           <p15:clr>
             <a:srgbClr val="A4A3A4"/>
           </p15:clr>
@@ -5772,7 +3317,7 @@
         <p:spPr bwMode="invGray">
           <a:xfrm>
             <a:off x="0" y="0"/>
-            <a:ext cx="43891200" cy="5029200"/>
+            <a:ext cx="27432000" cy="2514600"/>
           </a:xfrm>
           <a:prstGeom prst="rect">
             <a:avLst/>
@@ -5805,7 +3350,7 @@
           <a:lstStyle/>
           <a:p>
             <a:pPr algn="ctr"/>
-            <a:endParaRPr lang="en-US"/>
+            <a:endParaRPr lang="en-US" sz="3629"/>
           </a:p>
         </p:txBody>
       </p:sp>
@@ -5821,8 +3366,8 @@
         </p:nvSpPr>
         <p:spPr bwMode="auto">
           <a:xfrm>
-            <a:off x="6400800" y="990600"/>
-            <a:ext cx="31089600" cy="2514540"/>
+            <a:off x="4000500" y="495300"/>
+            <a:ext cx="19431000" cy="1257270"/>
           </a:xfrm>
           <a:prstGeom prst="rect">
             <a:avLst/>
@@ -5854,8 +3399,8 @@
         </p:nvSpPr>
         <p:spPr>
           <a:xfrm>
-            <a:off x="6400800" y="6019800"/>
-            <a:ext cx="31089600" cy="23629622"/>
+            <a:off x="4000500" y="3009900"/>
+            <a:ext cx="19431000" cy="11814811"/>
           </a:xfrm>
           <a:prstGeom prst="rect">
             <a:avLst/>
@@ -5916,8 +3461,8 @@
         </p:nvSpPr>
         <p:spPr>
           <a:xfrm>
-            <a:off x="1143000" y="32114698"/>
-            <a:ext cx="9875520" cy="457200"/>
+            <a:off x="714375" y="16057349"/>
+            <a:ext cx="6172200" cy="228600"/>
           </a:xfrm>
           <a:prstGeom prst="rect">
             <a:avLst/>
@@ -5927,7 +3472,7 @@
           <a:bodyPr vert="horz" lIns="91440" tIns="45720" rIns="91440" bIns="45720" rtlCol="0" anchor="ctr"/>
           <a:lstStyle>
             <a:lvl1pPr algn="l">
-              <a:defRPr sz="1600">
+              <a:defRPr sz="800">
                 <a:solidFill>
                   <a:schemeClr val="tx1">
                     <a:tint val="75000"/>
@@ -5940,7 +3485,7 @@
             <a:fld id="{ECAA57DF-1C19-4726-AB84-014692BAD8F5}" type="datetimeFigureOut">
               <a:rPr lang="en-US" smtClean="0"/>
               <a:pPr/>
-              <a:t>2/9/2018</a:t>
+              <a:t>2/20/2018</a:t>
             </a:fld>
             <a:endParaRPr lang="en-US"/>
           </a:p>
@@ -5958,8 +3503,8 @@
         </p:nvSpPr>
         <p:spPr>
           <a:xfrm>
-            <a:off x="11018520" y="32114698"/>
-            <a:ext cx="21854160" cy="457200"/>
+            <a:off x="6886575" y="16057349"/>
+            <a:ext cx="13658850" cy="228600"/>
           </a:xfrm>
           <a:prstGeom prst="rect">
             <a:avLst/>
@@ -5969,7 +3514,7 @@
           <a:bodyPr vert="horz" lIns="91440" tIns="45720" rIns="91440" bIns="45720" rtlCol="0" anchor="ctr"/>
           <a:lstStyle>
             <a:lvl1pPr algn="ctr">
-              <a:defRPr sz="1600">
+              <a:defRPr sz="800">
                 <a:solidFill>
                   <a:schemeClr val="tx1">
                     <a:tint val="75000"/>
@@ -5995,8 +3540,8 @@
         </p:nvSpPr>
         <p:spPr>
           <a:xfrm>
-            <a:off x="32872680" y="32114698"/>
-            <a:ext cx="9875520" cy="457200"/>
+            <a:off x="20545425" y="16057349"/>
+            <a:ext cx="6172200" cy="228600"/>
           </a:xfrm>
           <a:prstGeom prst="rect">
             <a:avLst/>
@@ -6006,7 +3551,7 @@
           <a:bodyPr vert="horz" lIns="91440" tIns="45720" rIns="91440" bIns="45720" rtlCol="0" anchor="ctr"/>
           <a:lstStyle>
             <a:lvl1pPr algn="r">
-              <a:defRPr sz="1600">
+              <a:defRPr sz="800">
                 <a:solidFill>
                   <a:schemeClr val="tx1">
                     <a:tint val="75000"/>
@@ -6038,7 +3583,7 @@
   </p:sldLayoutIdLst>
   <p:txStyles>
     <p:titleStyle>
-      <a:lvl1pPr algn="l" defTabSz="4389120" rtl="0" eaLnBrk="1" latinLnBrk="0" hangingPunct="1">
+      <a:lvl1pPr algn="l" defTabSz="2194513" rtl="0" eaLnBrk="1" latinLnBrk="0" hangingPunct="1">
         <a:lnSpc>
           <a:spcPct val="90000"/>
         </a:lnSpc>
@@ -6046,7 +3591,7 @@
           <a:spcPct val="0"/>
         </a:spcBef>
         <a:buNone/>
-        <a:defRPr sz="8800" b="1" kern="1200">
+        <a:defRPr sz="4400" b="1" kern="1200">
           <a:solidFill>
             <a:schemeClr val="bg1"/>
           </a:solidFill>
@@ -6057,19 +3602,19 @@
       </a:lvl1pPr>
     </p:titleStyle>
     <p:bodyStyle>
-      <a:lvl1pPr marL="457200" indent="-457200" algn="l" defTabSz="4389120" rtl="0" eaLnBrk="1" latinLnBrk="0" hangingPunct="1">
+      <a:lvl1pPr marL="228595" indent="-228595" algn="l" defTabSz="2194513" rtl="0" eaLnBrk="1" latinLnBrk="0" hangingPunct="1">
         <a:lnSpc>
           <a:spcPct val="100000"/>
         </a:lnSpc>
         <a:spcBef>
-          <a:spcPts val="1200"/>
+          <a:spcPts val="600"/>
         </a:spcBef>
         <a:buClr>
           <a:schemeClr val="accent2"/>
         </a:buClr>
         <a:buFont typeface="Arial" panose="020B0604020202020204" pitchFamily="34" charset="0"/>
         <a:buChar char="•"/>
-        <a:defRPr sz="2800" kern="1200">
+        <a:defRPr sz="1400" kern="1200">
           <a:solidFill>
             <a:schemeClr val="tx1"/>
           </a:solidFill>
@@ -6078,19 +3623,19 @@
           <a:cs typeface="+mn-cs"/>
         </a:defRPr>
       </a:lvl1pPr>
-      <a:lvl2pPr marL="1097280" indent="-457200" algn="l" defTabSz="4389120" rtl="0" eaLnBrk="1" latinLnBrk="0" hangingPunct="1">
+      <a:lvl2pPr marL="548629" indent="-228595" algn="l" defTabSz="2194513" rtl="0" eaLnBrk="1" latinLnBrk="0" hangingPunct="1">
         <a:lnSpc>
           <a:spcPct val="100000"/>
         </a:lnSpc>
         <a:spcBef>
-          <a:spcPts val="1200"/>
+          <a:spcPts val="600"/>
         </a:spcBef>
         <a:buClr>
           <a:schemeClr val="accent2"/>
         </a:buClr>
         <a:buFont typeface="Arial" panose="020B0604020202020204" pitchFamily="34" charset="0"/>
         <a:buChar char="•"/>
-        <a:defRPr sz="2400" kern="1200">
+        <a:defRPr sz="1200" kern="1200">
           <a:solidFill>
             <a:schemeClr val="tx1"/>
           </a:solidFill>
@@ -6099,19 +3644,19 @@
           <a:cs typeface="+mn-cs"/>
         </a:defRPr>
       </a:lvl2pPr>
-      <a:lvl3pPr marL="1097280" indent="-457200" algn="l" defTabSz="4389120" rtl="0" eaLnBrk="1" latinLnBrk="0" hangingPunct="1">
+      <a:lvl3pPr marL="548629" indent="-228595" algn="l" defTabSz="2194513" rtl="0" eaLnBrk="1" latinLnBrk="0" hangingPunct="1">
         <a:lnSpc>
           <a:spcPct val="100000"/>
         </a:lnSpc>
         <a:spcBef>
-          <a:spcPts val="1200"/>
+          <a:spcPts val="600"/>
         </a:spcBef>
         <a:buClr>
           <a:schemeClr val="accent2"/>
         </a:buClr>
         <a:buFont typeface="Arial" panose="020B0604020202020204" pitchFamily="34" charset="0"/>
         <a:buChar char="•"/>
-        <a:defRPr sz="2400" kern="1200">
+        <a:defRPr sz="1200" kern="1200">
           <a:solidFill>
             <a:schemeClr val="tx1"/>
           </a:solidFill>
@@ -6120,19 +3665,19 @@
           <a:cs typeface="+mn-cs"/>
         </a:defRPr>
       </a:lvl3pPr>
-      <a:lvl4pPr marL="1097280" indent="-457200" algn="l" defTabSz="4389120" rtl="0" eaLnBrk="1" latinLnBrk="0" hangingPunct="1">
+      <a:lvl4pPr marL="548629" indent="-228595" algn="l" defTabSz="2194513" rtl="0" eaLnBrk="1" latinLnBrk="0" hangingPunct="1">
         <a:lnSpc>
           <a:spcPct val="100000"/>
         </a:lnSpc>
         <a:spcBef>
-          <a:spcPts val="1200"/>
+          <a:spcPts val="600"/>
         </a:spcBef>
         <a:buClr>
           <a:schemeClr val="accent2"/>
         </a:buClr>
         <a:buFont typeface="Arial" panose="020B0604020202020204" pitchFamily="34" charset="0"/>
         <a:buChar char="•"/>
-        <a:defRPr sz="2400" kern="1200">
+        <a:defRPr sz="1200" kern="1200">
           <a:solidFill>
             <a:schemeClr val="tx1"/>
           </a:solidFill>
@@ -6141,19 +3686,19 @@
           <a:cs typeface="+mn-cs"/>
         </a:defRPr>
       </a:lvl4pPr>
-      <a:lvl5pPr marL="1097280" indent="-457200" algn="l" defTabSz="4389120" rtl="0" eaLnBrk="1" latinLnBrk="0" hangingPunct="1">
+      <a:lvl5pPr marL="548629" indent="-228595" algn="l" defTabSz="2194513" rtl="0" eaLnBrk="1" latinLnBrk="0" hangingPunct="1">
         <a:lnSpc>
           <a:spcPct val="100000"/>
         </a:lnSpc>
         <a:spcBef>
-          <a:spcPts val="1200"/>
+          <a:spcPts val="600"/>
         </a:spcBef>
         <a:buClr>
           <a:schemeClr val="accent2"/>
         </a:buClr>
         <a:buFont typeface="Arial" panose="020B0604020202020204" pitchFamily="34" charset="0"/>
         <a:buChar char="•"/>
-        <a:defRPr sz="2400" kern="1200">
+        <a:defRPr sz="1200" kern="1200">
           <a:solidFill>
             <a:schemeClr val="tx1"/>
           </a:solidFill>
@@ -6162,19 +3707,19 @@
           <a:cs typeface="+mn-cs"/>
         </a:defRPr>
       </a:lvl5pPr>
-      <a:lvl6pPr marL="1097280" indent="-457200" algn="l" defTabSz="4389120" rtl="0" eaLnBrk="1" latinLnBrk="0" hangingPunct="1">
+      <a:lvl6pPr marL="548629" indent="-228595" algn="l" defTabSz="2194513" rtl="0" eaLnBrk="1" latinLnBrk="0" hangingPunct="1">
         <a:lnSpc>
           <a:spcPct val="100000"/>
         </a:lnSpc>
         <a:spcBef>
-          <a:spcPts val="1200"/>
+          <a:spcPts val="600"/>
         </a:spcBef>
         <a:buClr>
           <a:schemeClr val="accent2"/>
         </a:buClr>
         <a:buFont typeface="Arial" panose="020B0604020202020204" pitchFamily="34" charset="0"/>
         <a:buChar char="•"/>
-        <a:defRPr sz="2400" kern="1200">
+        <a:defRPr sz="1200" kern="1200">
           <a:solidFill>
             <a:schemeClr val="tx1"/>
           </a:solidFill>
@@ -6183,19 +3728,19 @@
           <a:cs typeface="+mn-cs"/>
         </a:defRPr>
       </a:lvl6pPr>
-      <a:lvl7pPr marL="1097280" indent="-457200" algn="l" defTabSz="4389120" rtl="0" eaLnBrk="1" latinLnBrk="0" hangingPunct="1">
+      <a:lvl7pPr marL="548629" indent="-228595" algn="l" defTabSz="2194513" rtl="0" eaLnBrk="1" latinLnBrk="0" hangingPunct="1">
         <a:lnSpc>
           <a:spcPct val="100000"/>
         </a:lnSpc>
         <a:spcBef>
-          <a:spcPts val="1200"/>
+          <a:spcPts val="600"/>
         </a:spcBef>
         <a:buClr>
           <a:schemeClr val="accent2"/>
         </a:buClr>
         <a:buFont typeface="Arial" panose="020B0604020202020204" pitchFamily="34" charset="0"/>
         <a:buChar char="•"/>
-        <a:defRPr sz="2400" kern="1200">
+        <a:defRPr sz="1200" kern="1200">
           <a:solidFill>
             <a:schemeClr val="tx1"/>
           </a:solidFill>
@@ -6204,19 +3749,19 @@
           <a:cs typeface="+mn-cs"/>
         </a:defRPr>
       </a:lvl7pPr>
-      <a:lvl8pPr marL="1097280" indent="-457200" algn="l" defTabSz="4389120" rtl="0" eaLnBrk="1" latinLnBrk="0" hangingPunct="1">
+      <a:lvl8pPr marL="548629" indent="-228595" algn="l" defTabSz="2194513" rtl="0" eaLnBrk="1" latinLnBrk="0" hangingPunct="1">
         <a:lnSpc>
           <a:spcPct val="100000"/>
         </a:lnSpc>
         <a:spcBef>
-          <a:spcPts val="1200"/>
+          <a:spcPts val="600"/>
         </a:spcBef>
         <a:buClr>
           <a:schemeClr val="accent2"/>
         </a:buClr>
         <a:buFont typeface="Arial" panose="020B0604020202020204" pitchFamily="34" charset="0"/>
         <a:buChar char="•"/>
-        <a:defRPr sz="2400" kern="1200">
+        <a:defRPr sz="1200" kern="1200">
           <a:solidFill>
             <a:schemeClr val="tx1"/>
           </a:solidFill>
@@ -6225,19 +3770,19 @@
           <a:cs typeface="+mn-cs"/>
         </a:defRPr>
       </a:lvl8pPr>
-      <a:lvl9pPr marL="1097280" indent="-457200" algn="l" defTabSz="4389120" rtl="0" eaLnBrk="1" latinLnBrk="0" hangingPunct="1">
+      <a:lvl9pPr marL="548629" indent="-228595" algn="l" defTabSz="2194513" rtl="0" eaLnBrk="1" latinLnBrk="0" hangingPunct="1">
         <a:lnSpc>
           <a:spcPct val="100000"/>
         </a:lnSpc>
         <a:spcBef>
-          <a:spcPts val="1200"/>
+          <a:spcPts val="600"/>
         </a:spcBef>
         <a:buClr>
           <a:schemeClr val="accent2"/>
         </a:buClr>
         <a:buFont typeface="Arial" panose="020B0604020202020204" pitchFamily="34" charset="0"/>
         <a:buChar char="•"/>
-        <a:defRPr sz="2400" kern="1200">
+        <a:defRPr sz="1200" kern="1200">
           <a:solidFill>
             <a:schemeClr val="tx1"/>
           </a:solidFill>
@@ -6251,8 +3796,8 @@
       <a:defPPr>
         <a:defRPr lang="en-US"/>
       </a:defPPr>
-      <a:lvl1pPr marL="0" algn="l" defTabSz="4389120" rtl="0" eaLnBrk="1" latinLnBrk="0" hangingPunct="1">
-        <a:defRPr sz="8640" kern="1200">
+      <a:lvl1pPr marL="0" algn="l" defTabSz="2194513" rtl="0" eaLnBrk="1" latinLnBrk="0" hangingPunct="1">
+        <a:defRPr sz="4320" kern="1200">
           <a:solidFill>
             <a:schemeClr val="tx1"/>
           </a:solidFill>
@@ -6261,8 +3806,8 @@
           <a:cs typeface="+mn-cs"/>
         </a:defRPr>
       </a:lvl1pPr>
-      <a:lvl2pPr marL="2194560" algn="l" defTabSz="4389120" rtl="0" eaLnBrk="1" latinLnBrk="0" hangingPunct="1">
-        <a:defRPr sz="8640" kern="1200">
+      <a:lvl2pPr marL="1097257" algn="l" defTabSz="2194513" rtl="0" eaLnBrk="1" latinLnBrk="0" hangingPunct="1">
+        <a:defRPr sz="4320" kern="1200">
           <a:solidFill>
             <a:schemeClr val="tx1"/>
           </a:solidFill>
@@ -6271,8 +3816,8 @@
           <a:cs typeface="+mn-cs"/>
         </a:defRPr>
       </a:lvl2pPr>
-      <a:lvl3pPr marL="4389120" algn="l" defTabSz="4389120" rtl="0" eaLnBrk="1" latinLnBrk="0" hangingPunct="1">
-        <a:defRPr sz="8640" kern="1200">
+      <a:lvl3pPr marL="2194513" algn="l" defTabSz="2194513" rtl="0" eaLnBrk="1" latinLnBrk="0" hangingPunct="1">
+        <a:defRPr sz="4320" kern="1200">
           <a:solidFill>
             <a:schemeClr val="tx1"/>
           </a:solidFill>
@@ -6281,8 +3826,8 @@
           <a:cs typeface="+mn-cs"/>
         </a:defRPr>
       </a:lvl3pPr>
-      <a:lvl4pPr marL="6583680" algn="l" defTabSz="4389120" rtl="0" eaLnBrk="1" latinLnBrk="0" hangingPunct="1">
-        <a:defRPr sz="8640" kern="1200">
+      <a:lvl4pPr marL="3291770" algn="l" defTabSz="2194513" rtl="0" eaLnBrk="1" latinLnBrk="0" hangingPunct="1">
+        <a:defRPr sz="4320" kern="1200">
           <a:solidFill>
             <a:schemeClr val="tx1"/>
           </a:solidFill>
@@ -6291,8 +3836,8 @@
           <a:cs typeface="+mn-cs"/>
         </a:defRPr>
       </a:lvl4pPr>
-      <a:lvl5pPr marL="8778240" algn="l" defTabSz="4389120" rtl="0" eaLnBrk="1" latinLnBrk="0" hangingPunct="1">
-        <a:defRPr sz="8640" kern="1200">
+      <a:lvl5pPr marL="4389026" algn="l" defTabSz="2194513" rtl="0" eaLnBrk="1" latinLnBrk="0" hangingPunct="1">
+        <a:defRPr sz="4320" kern="1200">
           <a:solidFill>
             <a:schemeClr val="tx1"/>
           </a:solidFill>
@@ -6301,8 +3846,8 @@
           <a:cs typeface="+mn-cs"/>
         </a:defRPr>
       </a:lvl5pPr>
-      <a:lvl6pPr marL="10972800" algn="l" defTabSz="4389120" rtl="0" eaLnBrk="1" latinLnBrk="0" hangingPunct="1">
-        <a:defRPr sz="8640" kern="1200">
+      <a:lvl6pPr marL="5486283" algn="l" defTabSz="2194513" rtl="0" eaLnBrk="1" latinLnBrk="0" hangingPunct="1">
+        <a:defRPr sz="4320" kern="1200">
           <a:solidFill>
             <a:schemeClr val="tx1"/>
           </a:solidFill>
@@ -6311,8 +3856,8 @@
           <a:cs typeface="+mn-cs"/>
         </a:defRPr>
       </a:lvl6pPr>
-      <a:lvl7pPr marL="13167360" algn="l" defTabSz="4389120" rtl="0" eaLnBrk="1" latinLnBrk="0" hangingPunct="1">
-        <a:defRPr sz="8640" kern="1200">
+      <a:lvl7pPr marL="6583539" algn="l" defTabSz="2194513" rtl="0" eaLnBrk="1" latinLnBrk="0" hangingPunct="1">
+        <a:defRPr sz="4320" kern="1200">
           <a:solidFill>
             <a:schemeClr val="tx1"/>
           </a:solidFill>
@@ -6321,8 +3866,8 @@
           <a:cs typeface="+mn-cs"/>
         </a:defRPr>
       </a:lvl7pPr>
-      <a:lvl8pPr marL="15361920" algn="l" defTabSz="4389120" rtl="0" eaLnBrk="1" latinLnBrk="0" hangingPunct="1">
-        <a:defRPr sz="8640" kern="1200">
+      <a:lvl8pPr marL="7680796" algn="l" defTabSz="2194513" rtl="0" eaLnBrk="1" latinLnBrk="0" hangingPunct="1">
+        <a:defRPr sz="4320" kern="1200">
           <a:solidFill>
             <a:schemeClr val="tx1"/>
           </a:solidFill>
@@ -6331,8 +3876,8 @@
           <a:cs typeface="+mn-cs"/>
         </a:defRPr>
       </a:lvl8pPr>
-      <a:lvl9pPr marL="17556480" algn="l" defTabSz="4389120" rtl="0" eaLnBrk="1" latinLnBrk="0" hangingPunct="1">
-        <a:defRPr sz="8640" kern="1200">
+      <a:lvl9pPr marL="8778052" algn="l" defTabSz="2194513" rtl="0" eaLnBrk="1" latinLnBrk="0" hangingPunct="1">
+        <a:defRPr sz="4320" kern="1200">
           <a:solidFill>
             <a:schemeClr val="tx1"/>
           </a:solidFill>
@@ -6346,22 +3891,22 @@
   <p:extLst mod="1">
     <p:ext uri="{27BBF7A9-308A-43DC-89C8-2F10F3537804}">
       <p15:sldGuideLst xmlns:p15="http://schemas.microsoft.com/office/powerpoint/2012/main">
-        <p15:guide id="1" orient="horz" pos="10368" userDrawn="1">
+        <p15:guide id="1" orient="horz" pos="5184" userDrawn="1">
           <p15:clr>
             <a:srgbClr val="A4A3A4"/>
           </p15:clr>
         </p15:guide>
-        <p15:guide id="2" pos="720" userDrawn="1">
+        <p15:guide id="2" pos="450" userDrawn="1">
           <p15:clr>
             <a:srgbClr val="A4A3A4"/>
           </p15:clr>
         </p15:guide>
-        <p15:guide id="3" pos="26928" userDrawn="1">
+        <p15:guide id="3" pos="16830" userDrawn="1">
           <p15:clr>
             <a:srgbClr val="A4A3A4"/>
           </p15:clr>
         </p15:guide>
-        <p15:guide id="4" pos="13824" userDrawn="1">
+        <p15:guide id="4" pos="8640" userDrawn="1">
           <p15:clr>
             <a:srgbClr val="A4A3A4"/>
           </p15:clr>
@@ -6401,8 +3946,8 @@
         </p:nvSpPr>
         <p:spPr>
           <a:xfrm>
-            <a:off x="3750945" y="1042107"/>
-            <a:ext cx="31089600" cy="2514540"/>
+            <a:off x="2724539" y="543415"/>
+            <a:ext cx="19381400" cy="1257270"/>
           </a:xfrm>
         </p:spPr>
         <p:txBody>
@@ -6411,9 +3956,10 @@
           </a:bodyPr>
           <a:lstStyle/>
           <a:p>
-            <a:r>
-              <a:rPr lang="en-US" dirty="0"/>
-              <a:t>Breaking Bad: robust Breakout detection based on E-Divisive with Medians (EDM) for modeling data quality control</a:t>
+            <a:pPr algn="ctr"/>
+            <a:r>
+              <a:rPr lang="en-US" dirty="0"/>
+              <a:t>Breaking Bad: Robust Breakout Detection Based on E-Divisive with Medians (EDM) for Modeling Data Quality Control</a:t>
             </a:r>
           </a:p>
         </p:txBody>
@@ -6430,8 +3976,8 @@
         </p:nvSpPr>
         <p:spPr>
           <a:xfrm>
-            <a:off x="3750945" y="3601368"/>
-            <a:ext cx="31089600" cy="830997"/>
+            <a:off x="4618673" y="1800685"/>
+            <a:ext cx="15544800" cy="415499"/>
           </a:xfrm>
         </p:spPr>
         <p:txBody>
@@ -6440,7 +3986,7 @@
           <a:p>
             <a:pPr algn="ctr"/>
             <a:r>
-              <a:rPr lang="en-US" sz="4000" dirty="0"/>
+              <a:rPr lang="en-US" sz="2000" dirty="0"/>
               <a:t>Hao Zhang, Ph.D., Philadelphia Water Department, Philadelphia, PA, USA</a:t>
             </a:r>
           </a:p>
@@ -6463,90 +4009,7 @@
           <a:p>
             <a:r>
               <a:rPr lang="en-US" dirty="0"/>
-              <a:t>abstract</a:t>
-            </a:r>
-          </a:p>
-        </p:txBody>
-      </p:sp>
-      <p:sp>
-        <p:nvSpPr>
-          <p:cNvPr id="11" name="Content Placeholder 10"/>
-          <p:cNvSpPr>
-            <a:spLocks noGrp="1"/>
-          </p:cNvSpPr>
-          <p:nvPr>
-            <p:ph sz="quarter" idx="24"/>
-          </p:nvPr>
-        </p:nvSpPr>
-        <p:spPr>
-          <a:xfrm>
-            <a:off x="1143000" y="7071360"/>
-            <a:ext cx="12801600" cy="7635240"/>
-          </a:xfrm>
-        </p:spPr>
-        <p:txBody>
-          <a:bodyPr>
-            <a:noAutofit/>
-          </a:bodyPr>
-          <a:lstStyle/>
-          <a:p>
-            <a:pPr marL="0" indent="0">
-              <a:buNone/>
-            </a:pPr>
-            <a:r>
-              <a:rPr lang="en-US" sz="2200" dirty="0"/>
-              <a:t>The Philadelphia water department (PWD) has been actively monitoring flow data at over 400 sites over Philadelphia since the 2000s. Data are collected twice a month through contractors. Due to the high solid content in sewage, flow data at sewer pipes (level, velocity) suffered from breakouts (mean shift, ramp up) over the time caused by sensor ragging, pipe clogging, etc. A stringent Quality Control (QC) protocol is conducted before the data can be used for Hydrologic &amp; Hydraulic modeling tasks. As one QC measure, the water level and velocity are examined to detect any potential breakout.</a:t>
-            </a:r>
-          </a:p>
-          <a:p>
-            <a:pPr marL="0" indent="0">
-              <a:buNone/>
-            </a:pPr>
-            <a:r>
-              <a:rPr lang="en-US" sz="2200" dirty="0"/>
-              <a:t>Since flow data fluctuates with rainfall-runoff events, the breakout detection algorithm must be robust to avoid the interference of runoff responses. Several breakout detection techniques were compared, and the E-Divisive with Medians (EDM) algorithm is adopted in this study. EDM recursively partitions a time series and uses a permutation test to determine change points, and has the following advantages: 1. EDM uses moving median as opposed to the mean, which is robust to the presence of anomalies; 2. EDM can detect both ‘mean shift’ (sudden change) and ‘ramping’ (gradual change) for multiple change points; 3. EDM takes a non-parametric approach, meaning the model will adapt to the data’s underlying distribution, and can detect when the distribution changes; 4. EDM is fast due to the usage of interval trees that efficiently approximates the median.</a:t>
-            </a:r>
-          </a:p>
-          <a:p>
-            <a:pPr marL="0" indent="0">
-              <a:buNone/>
-            </a:pPr>
-            <a:r>
-              <a:rPr lang="en-US" sz="2200" dirty="0"/>
-              <a:t>The breakout analysis is implemented in a program written in R, where the EDM algorithm is implemented via the ‘</a:t>
-            </a:r>
-            <a:r>
-              <a:rPr lang="en-US" sz="2200" dirty="0" err="1">
-                <a:latin typeface="Consolas" panose="020B0609020204030204" pitchFamily="49" charset="0"/>
-                <a:cs typeface="Consolas" panose="020B0609020204030204" pitchFamily="49" charset="0"/>
-              </a:rPr>
-              <a:t>breakoutDetection</a:t>
-            </a:r>
-            <a:r>
-              <a:rPr lang="en-US" sz="2200" dirty="0"/>
-              <a:t>’ package developed by Twitter Inc. engineers. Non-trivial parameters of the EDM model are carefully tuned to best match the expected outcome. This analysis provides an additional assurance to the data quality. Also, field crews (monitoring, Operation &amp; Maintenance, etc.) can quickly respond to the issue once a breakout has been detected. This analysis is also applicable for other monitored data, such as the trunk and outfall levels at drainage system regulators.</a:t>
-            </a:r>
-          </a:p>
-        </p:txBody>
-      </p:sp>
-      <p:sp>
-        <p:nvSpPr>
-          <p:cNvPr id="7" name="Text Placeholder 6"/>
-          <p:cNvSpPr>
-            <a:spLocks noGrp="1"/>
-          </p:cNvSpPr>
-          <p:nvPr>
-            <p:ph type="body" sz="quarter" idx="17"/>
-          </p:nvPr>
-        </p:nvSpPr>
-        <p:spPr/>
-        <p:txBody>
-          <a:bodyPr/>
-          <a:lstStyle/>
-          <a:p>
-            <a:r>
-              <a:rPr lang="en-US" dirty="0"/>
-              <a:t>background</a:t>
+              <a:t>INTRODUCTION</a:t>
             </a:r>
           </a:p>
         </p:txBody>
@@ -6561,35 +4024,127 @@
             <p:ph sz="quarter" idx="25"/>
           </p:nvPr>
         </p:nvSpPr>
-        <p:spPr/>
+        <p:spPr>
+          <a:xfrm>
+            <a:off x="767032" y="3441770"/>
+            <a:ext cx="4475529" cy="4702902"/>
+          </a:xfrm>
+        </p:spPr>
         <p:txBody>
-          <a:bodyPr/>
+          <a:bodyPr lIns="91440">
+            <a:noAutofit/>
+          </a:bodyPr>
           <a:lstStyle/>
           <a:p>
-            <a:pPr marL="0" indent="0">
-              <a:buNone/>
+            <a:pPr marL="0" algn="just">
+              <a:spcBef>
+                <a:spcPts val="300"/>
+              </a:spcBef>
+              <a:buFont typeface="Courier New" panose="02070309020205020404" pitchFamily="49" charset="0"/>
+              <a:buChar char="o"/>
             </a:pPr>
             <a:r>
-              <a:rPr lang="en-US" b="1" dirty="0"/>
-              <a:t>Sensor-monitored data may suffer from trend change due to: </a:t>
-            </a:r>
-          </a:p>
-          <a:p>
-            <a:r>
-              <a:rPr lang="en-US" b="1" dirty="0"/>
-              <a:t>sensor drifting </a:t>
-            </a:r>
-          </a:p>
-          <a:p>
-            <a:r>
-              <a:rPr lang="en-US" b="1" dirty="0"/>
-              <a:t>sensor ragging</a:t>
-            </a:r>
-          </a:p>
-          <a:p>
-            <a:r>
-              <a:rPr lang="en-US" b="1" dirty="0"/>
-              <a:t>pipe surcharging, etc. </a:t>
+              <a:rPr lang="en-US" dirty="0">
+                <a:latin typeface="Times New Roman" panose="02020603050405020304" pitchFamily="18" charset="0"/>
+                <a:cs typeface="Times New Roman" panose="02020603050405020304" pitchFamily="18" charset="0"/>
+              </a:rPr>
+              <a:t>The Philadelphia Water Department (PWD) maintains hydrologic and hydraulic (H&amp;H) models of the combined sewer collection system for planning, management and compliance purposes</a:t>
+            </a:r>
+          </a:p>
+          <a:p>
+            <a:pPr marL="0" algn="just">
+              <a:spcBef>
+                <a:spcPts val="300"/>
+              </a:spcBef>
+              <a:buFont typeface="Courier New" panose="02070309020205020404" pitchFamily="49" charset="0"/>
+              <a:buChar char="o"/>
+            </a:pPr>
+            <a:r>
+              <a:rPr lang="en-US" dirty="0">
+                <a:latin typeface="Times New Roman" panose="02020603050405020304" pitchFamily="18" charset="0"/>
+                <a:cs typeface="Times New Roman" panose="02020603050405020304" pitchFamily="18" charset="0"/>
+              </a:rPr>
+              <a:t>For model calibration/validation, sewerage level and velocity at over 400 manholes have been monitored since the 2000s, with a monitoring period of at least one year </a:t>
+            </a:r>
+          </a:p>
+          <a:p>
+            <a:pPr marL="0" algn="just">
+              <a:spcBef>
+                <a:spcPts val="300"/>
+              </a:spcBef>
+              <a:buFont typeface="Courier New" panose="02070309020205020404" pitchFamily="49" charset="0"/>
+              <a:buChar char="o"/>
+            </a:pPr>
+            <a:r>
+              <a:rPr lang="en-US" dirty="0">
+                <a:latin typeface="Times New Roman" panose="02020603050405020304" pitchFamily="18" charset="0"/>
+                <a:cs typeface="Times New Roman" panose="02020603050405020304" pitchFamily="18" charset="0"/>
+              </a:rPr>
+              <a:t>A stringent Quality Control (QC) protocol is conducted before the data can be used for Hydrologic &amp; Hydraulic modeling tasks</a:t>
+            </a:r>
+          </a:p>
+          <a:p>
+            <a:pPr marL="0" algn="just">
+              <a:spcBef>
+                <a:spcPts val="300"/>
+              </a:spcBef>
+              <a:buFont typeface="Courier New" panose="02070309020205020404" pitchFamily="49" charset="0"/>
+              <a:buChar char="o"/>
+            </a:pPr>
+            <a:r>
+              <a:rPr lang="en-US" dirty="0">
+                <a:latin typeface="Times New Roman" panose="02020603050405020304" pitchFamily="18" charset="0"/>
+                <a:cs typeface="Times New Roman" panose="02020603050405020304" pitchFamily="18" charset="0"/>
+              </a:rPr>
+              <a:t>Due to the high solid content in sewage, monitored data may suffered from breakouts caused by</a:t>
+            </a:r>
+          </a:p>
+          <a:p>
+            <a:pPr marL="320034" lvl="1" algn="just">
+              <a:spcBef>
+                <a:spcPts val="300"/>
+              </a:spcBef>
+              <a:buFont typeface="Courier New" panose="02070309020205020404" pitchFamily="49" charset="0"/>
+              <a:buChar char="o"/>
+            </a:pPr>
+            <a:r>
+              <a:rPr lang="en-US" sz="1400" dirty="0">
+                <a:latin typeface="Times New Roman" panose="02020603050405020304" pitchFamily="18" charset="0"/>
+                <a:cs typeface="Times New Roman" panose="02020603050405020304" pitchFamily="18" charset="0"/>
+              </a:rPr>
+              <a:t>sensor ragging, clogging</a:t>
+            </a:r>
+          </a:p>
+          <a:p>
+            <a:pPr marL="320034" lvl="1" algn="just">
+              <a:spcBef>
+                <a:spcPts val="300"/>
+              </a:spcBef>
+              <a:buFont typeface="Courier New" panose="02070309020205020404" pitchFamily="49" charset="0"/>
+              <a:buChar char="o"/>
+            </a:pPr>
+            <a:r>
+              <a:rPr lang="en-US" sz="1400" dirty="0">
+                <a:latin typeface="Times New Roman" panose="02020603050405020304" pitchFamily="18" charset="0"/>
+                <a:cs typeface="Times New Roman" panose="02020603050405020304" pitchFamily="18" charset="0"/>
+              </a:rPr>
+              <a:t>pipe surcharging, etc.</a:t>
+            </a:r>
+          </a:p>
+          <a:p>
+            <a:pPr marL="0" algn="just">
+              <a:spcBef>
+                <a:spcPts val="300"/>
+              </a:spcBef>
+              <a:buFont typeface="Courier New" panose="02070309020205020404" pitchFamily="49" charset="0"/>
+              <a:buChar char="o"/>
+            </a:pPr>
+            <a:r>
+              <a:rPr lang="en-US" dirty="0">
+                <a:latin typeface="Times New Roman" panose="02020603050405020304" pitchFamily="18" charset="0"/>
+                <a:cs typeface="Times New Roman" panose="02020603050405020304" pitchFamily="18" charset="0"/>
+              </a:rPr>
+              <a:t>Visual detection of breakouts may not be feasible as some breakouts are not obvious. Thus, a programmatic approach that can automatically detect breakouts is imperative for modeling data quality control. Also, field crews (monitoring, Operation &amp; Maintenance, etc.) can quickly respond to the issue</a:t>
             </a:r>
           </a:p>
         </p:txBody>
@@ -6604,16 +4159,20 @@
             <p:ph type="body" sz="quarter" idx="19"/>
           </p:nvPr>
         </p:nvSpPr>
-        <p:spPr/>
+        <p:spPr>
+          <a:xfrm>
+            <a:off x="763082" y="8232046"/>
+            <a:ext cx="8001000" cy="609600"/>
+          </a:xfrm>
+        </p:spPr>
         <p:txBody>
           <a:bodyPr/>
           <a:lstStyle/>
           <a:p>
             <a:r>
-              <a:rPr lang="en-US"/>
+              <a:rPr lang="en-US" dirty="0"/>
               <a:t>objectives</a:t>
             </a:r>
-            <a:endParaRPr lang="en-US" dirty="0"/>
           </a:p>
         </p:txBody>
       </p:sp>
@@ -6627,50 +4186,144 @@
             <p:ph sz="quarter" idx="26"/>
           </p:nvPr>
         </p:nvSpPr>
-        <p:spPr/>
+        <p:spPr>
+          <a:xfrm>
+            <a:off x="763082" y="8774101"/>
+            <a:ext cx="8001000" cy="3314754"/>
+          </a:xfrm>
+        </p:spPr>
         <p:txBody>
-          <a:bodyPr/>
+          <a:bodyPr lIns="91440">
+            <a:noAutofit/>
+          </a:bodyPr>
           <a:lstStyle/>
           <a:p>
-            <a:pPr marL="0" indent="0">
+            <a:pPr marL="0" indent="0" algn="just">
               <a:buNone/>
             </a:pPr>
             <a:r>
-              <a:rPr lang="en-US" b="1" dirty="0"/>
-              <a:t>As a data QA measure, a method to detect potential changes in trend (breakouts) needs to be developed for the level and velocity measurements in sewer pipes. </a:t>
-            </a:r>
-          </a:p>
-          <a:p>
-            <a:pPr marL="0" indent="0">
+              <a:rPr lang="en-US" dirty="0">
+                <a:latin typeface="Times New Roman" panose="02020603050405020304" pitchFamily="18" charset="0"/>
+                <a:cs typeface="Times New Roman" panose="02020603050405020304" pitchFamily="18" charset="0"/>
+              </a:rPr>
+              <a:t>Overall, monitored data quality determines the model quality. This study aims to develop a workflow as a quality control (QC) measure for detecting various types of breakouts in flow monitoring data by utilizing a sound breakout detection algorithm.</a:t>
+            </a:r>
+          </a:p>
+          <a:p>
+            <a:pPr marL="0" indent="0" algn="just">
               <a:buNone/>
             </a:pPr>
             <a:r>
-              <a:rPr lang="en-US" dirty="0"/>
-              <a:t>Since flow data fluctuates with rainfall-runoff events, the algorithm must be robust to avoid the interference of runoff responses</a:t>
-            </a:r>
-          </a:p>
-        </p:txBody>
-      </p:sp>
-      <p:sp>
-        <p:nvSpPr>
-          <p:cNvPr id="9" name="Text Placeholder 8"/>
-          <p:cNvSpPr>
-            <a:spLocks noGrp="1"/>
-          </p:cNvSpPr>
-          <p:nvPr>
-            <p:ph type="body" sz="quarter" idx="21"/>
-          </p:nvPr>
-        </p:nvSpPr>
-        <p:spPr/>
-        <p:txBody>
-          <a:bodyPr/>
-          <a:lstStyle/>
-          <a:p>
-            <a:r>
-              <a:rPr lang="en-US"/>
-              <a:t>methods</a:t>
-            </a:r>
-            <a:endParaRPr lang="en-US" dirty="0"/>
+              <a:rPr lang="en-US" dirty="0">
+                <a:latin typeface="Times New Roman" panose="02020603050405020304" pitchFamily="18" charset="0"/>
+                <a:cs typeface="Times New Roman" panose="02020603050405020304" pitchFamily="18" charset="0"/>
+              </a:rPr>
+              <a:t>First, select a breakout detection algorithm that is:</a:t>
+            </a:r>
+          </a:p>
+          <a:p>
+            <a:pPr marL="114305" indent="-342900" algn="just">
+              <a:spcBef>
+                <a:spcPts val="300"/>
+              </a:spcBef>
+              <a:buFont typeface="Courier New" panose="02070309020205020404" pitchFamily="49" charset="0"/>
+              <a:buChar char="o"/>
+            </a:pPr>
+            <a:r>
+              <a:rPr lang="en-US" dirty="0">
+                <a:latin typeface="Times New Roman" panose="02020603050405020304" pitchFamily="18" charset="0"/>
+                <a:cs typeface="Times New Roman" panose="02020603050405020304" pitchFamily="18" charset="0"/>
+              </a:rPr>
+              <a:t>able to detect various types of change (mean shift, ramp up, variance change, etc.)</a:t>
+            </a:r>
+          </a:p>
+          <a:p>
+            <a:pPr marL="114305" indent="-342900" algn="just">
+              <a:spcBef>
+                <a:spcPts val="300"/>
+              </a:spcBef>
+              <a:buFont typeface="Courier New" panose="02070309020205020404" pitchFamily="49" charset="0"/>
+              <a:buChar char="o"/>
+            </a:pPr>
+            <a:r>
+              <a:rPr lang="en-US" dirty="0">
+                <a:latin typeface="Times New Roman" panose="02020603050405020304" pitchFamily="18" charset="0"/>
+                <a:cs typeface="Times New Roman" panose="02020603050405020304" pitchFamily="18" charset="0"/>
+              </a:rPr>
+              <a:t>robust against the presence of anomalies (as runoff response tends to be the interference)</a:t>
+            </a:r>
+          </a:p>
+          <a:p>
+            <a:pPr marL="114305" indent="-342900" algn="just">
+              <a:spcBef>
+                <a:spcPts val="300"/>
+              </a:spcBef>
+              <a:buFont typeface="Courier New" panose="02070309020205020404" pitchFamily="49" charset="0"/>
+              <a:buChar char="o"/>
+            </a:pPr>
+            <a:r>
+              <a:rPr lang="en-US" dirty="0">
+                <a:latin typeface="Times New Roman" panose="02020603050405020304" pitchFamily="18" charset="0"/>
+                <a:cs typeface="Times New Roman" panose="02020603050405020304" pitchFamily="18" charset="0"/>
+              </a:rPr>
+              <a:t>able to detect multiple breakouts</a:t>
+            </a:r>
+          </a:p>
+          <a:p>
+            <a:pPr marL="114305" indent="-342900" algn="just">
+              <a:spcBef>
+                <a:spcPts val="300"/>
+              </a:spcBef>
+              <a:buFont typeface="Courier New" panose="02070309020205020404" pitchFamily="49" charset="0"/>
+              <a:buChar char="o"/>
+            </a:pPr>
+            <a:r>
+              <a:rPr lang="en-US" dirty="0">
+                <a:latin typeface="Times New Roman" panose="02020603050405020304" pitchFamily="18" charset="0"/>
+                <a:cs typeface="Times New Roman" panose="02020603050405020304" pitchFamily="18" charset="0"/>
+              </a:rPr>
+              <a:t>not assuming sample distribution (as it is usually unknown a-priori)</a:t>
+            </a:r>
+          </a:p>
+          <a:p>
+            <a:pPr marL="114305" indent="-342900" algn="just">
+              <a:spcBef>
+                <a:spcPts val="300"/>
+              </a:spcBef>
+              <a:buFont typeface="Courier New" panose="02070309020205020404" pitchFamily="49" charset="0"/>
+              <a:buChar char="o"/>
+            </a:pPr>
+            <a:r>
+              <a:rPr lang="en-US" dirty="0">
+                <a:latin typeface="Times New Roman" panose="02020603050405020304" pitchFamily="18" charset="0"/>
+                <a:cs typeface="Times New Roman" panose="02020603050405020304" pitchFamily="18" charset="0"/>
+              </a:rPr>
+              <a:t>fast enough for routine tasks</a:t>
+            </a:r>
+          </a:p>
+          <a:p>
+            <a:pPr marL="0" indent="0" algn="just">
+              <a:buNone/>
+            </a:pPr>
+            <a:r>
+              <a:rPr lang="en-US" dirty="0">
+                <a:latin typeface="Times New Roman" panose="02020603050405020304" pitchFamily="18" charset="0"/>
+                <a:cs typeface="Times New Roman" panose="02020603050405020304" pitchFamily="18" charset="0"/>
+              </a:rPr>
+              <a:t>Next, tune the parameters of the breakout detection algorithm to optimize the outcome</a:t>
+            </a:r>
+          </a:p>
+          <a:p>
+            <a:pPr marL="0" indent="0" algn="just">
+              <a:buNone/>
+            </a:pPr>
+            <a:r>
+              <a:rPr lang="en-US" dirty="0">
+                <a:latin typeface="Times New Roman" panose="02020603050405020304" pitchFamily="18" charset="0"/>
+                <a:cs typeface="Times New Roman" panose="02020603050405020304" pitchFamily="18" charset="0"/>
+              </a:rPr>
+              <a:t>Finally, develop an application using the R statistical programming language to analyze flow monitoring data, and generate quarterly reports. Set up a routine workflow for this process.</a:t>
+            </a:r>
           </a:p>
         </p:txBody>
       </p:sp>
@@ -6684,14 +4337,26 @@
             <p:ph sz="quarter" idx="27"/>
           </p:nvPr>
         </p:nvSpPr>
-        <p:spPr/>
+        <p:spPr>
+          <a:xfrm>
+            <a:off x="9715500" y="3535680"/>
+            <a:ext cx="8001000" cy="12059920"/>
+          </a:xfrm>
+        </p:spPr>
         <p:txBody>
-          <a:bodyPr/>
+          <a:bodyPr lIns="91440">
+            <a:noAutofit/>
+          </a:bodyPr>
           <a:lstStyle/>
           <a:p>
-            <a:pPr marL="0" indent="0">
-              <a:buNone/>
-            </a:pPr>
+            <a:pPr algn="just"/>
+            <a:r>
+              <a:rPr lang="en-US" dirty="0">
+                <a:latin typeface="Times New Roman" panose="02020603050405020304" pitchFamily="18" charset="0"/>
+                <a:cs typeface="Times New Roman" panose="02020603050405020304" pitchFamily="18" charset="0"/>
+              </a:rPr>
+              <a:t>The EDM algorithm is implemented by the </a:t>
+            </a:r>
             <a:r>
               <a:rPr lang="en-US" dirty="0" err="1">
                 <a:latin typeface="Consolas" panose="020B0609020204030204" pitchFamily="49" charset="0"/>
@@ -6700,745 +4365,426 @@
               <a:t>BreakoutDetection</a:t>
             </a:r>
             <a:r>
-              <a:rPr lang="en-US" dirty="0"/>
-              <a:t> is an open-source R package that makes breakout detection simple and fast. The underlying algorithm – referred to as E-Divisive with Medians (EDM) – employs energy statistics to detect divergence in mean. Note that EDM can also be used detect change in distribution in a given time series. EDM uses robust statistical metrics, viz., median, and estimates the statistical significance of a breakout through a permutation test. </a:t>
-            </a:r>
+              <a:rPr lang="en-US" dirty="0">
+                <a:latin typeface="Times New Roman" panose="02020603050405020304" pitchFamily="18" charset="0"/>
+                <a:cs typeface="Times New Roman" panose="02020603050405020304" pitchFamily="18" charset="0"/>
+              </a:rPr>
+              <a:t>, which is an open-source R package developed by Twitter Engineers and has been used for analyzing network breakouts on a daily basis at Twitter. </a:t>
+            </a:r>
+          </a:p>
+          <a:p>
+            <a:pPr algn="just"/>
+            <a:r>
+              <a:rPr lang="en-US" dirty="0">
+                <a:latin typeface="Times New Roman" panose="02020603050405020304" pitchFamily="18" charset="0"/>
+                <a:cs typeface="Times New Roman" panose="02020603050405020304" pitchFamily="18" charset="0"/>
+              </a:rPr>
+              <a:t>The </a:t>
+            </a:r>
+            <a:r>
+              <a:rPr lang="en-US" dirty="0">
+                <a:latin typeface="Consolas" panose="020B0609020204030204" pitchFamily="49" charset="0"/>
+                <a:cs typeface="Consolas" panose="020B0609020204030204" pitchFamily="49" charset="0"/>
+              </a:rPr>
+              <a:t>breakout() </a:t>
+            </a:r>
+            <a:r>
+              <a:rPr lang="en-US" dirty="0">
+                <a:latin typeface="Times New Roman" panose="02020603050405020304" pitchFamily="18" charset="0"/>
+                <a:cs typeface="Times New Roman" panose="02020603050405020304" pitchFamily="18" charset="0"/>
+              </a:rPr>
+              <a:t>function contains several non-trivial parameters:</a:t>
+            </a:r>
+          </a:p>
+          <a:p>
+            <a:pPr lvl="7" algn="just"/>
+            <a:r>
+              <a:rPr lang="en-US" sz="1400" dirty="0">
+                <a:latin typeface="Consolas" panose="020B0609020204030204" pitchFamily="49" charset="0"/>
+                <a:cs typeface="Consolas" panose="020B0609020204030204" pitchFamily="49" charset="0"/>
+              </a:rPr>
+              <a:t>Z</a:t>
+            </a:r>
+            <a:r>
+              <a:rPr lang="en-US" sz="1400" dirty="0">
+                <a:latin typeface="Times New Roman" panose="02020603050405020304" pitchFamily="18" charset="0"/>
+                <a:cs typeface="Times New Roman" panose="02020603050405020304" pitchFamily="18" charset="0"/>
+              </a:rPr>
+              <a:t>: The input time series. In this study, the hourly averaged data is used for efficiency</a:t>
+            </a:r>
+          </a:p>
+          <a:p>
+            <a:pPr lvl="1" algn="just"/>
+            <a:r>
+              <a:rPr lang="en-US" sz="1400" dirty="0" err="1">
+                <a:latin typeface="Consolas" panose="020B0609020204030204" pitchFamily="49" charset="0"/>
+                <a:cs typeface="Consolas" panose="020B0609020204030204" pitchFamily="49" charset="0"/>
+              </a:rPr>
+              <a:t>min.size</a:t>
+            </a:r>
+            <a:r>
+              <a:rPr lang="en-US" sz="1400" dirty="0">
+                <a:latin typeface="Times New Roman" panose="02020603050405020304" pitchFamily="18" charset="0"/>
+                <a:cs typeface="Times New Roman" panose="02020603050405020304" pitchFamily="18" charset="0"/>
+              </a:rPr>
+              <a:t>: The minimum number of observations between change points. E.g., in this study, it is set to 240, i.e.,  the steady state must be at least 10 days (10 x 24 = 240)</a:t>
+            </a:r>
+          </a:p>
+          <a:p>
+            <a:pPr lvl="1" algn="just"/>
+            <a:r>
+              <a:rPr lang="en-US" sz="1400" dirty="0">
+                <a:latin typeface="Consolas" panose="020B0609020204030204" pitchFamily="49" charset="0"/>
+                <a:cs typeface="Consolas" panose="020B0609020204030204" pitchFamily="49" charset="0"/>
+              </a:rPr>
+              <a:t>method</a:t>
+            </a:r>
+            <a:r>
+              <a:rPr lang="en-US" sz="1400" dirty="0">
+                <a:latin typeface="Times New Roman" panose="02020603050405020304" pitchFamily="18" charset="0"/>
+                <a:cs typeface="Times New Roman" panose="02020603050405020304" pitchFamily="18" charset="0"/>
+              </a:rPr>
+              <a:t>: '</a:t>
+            </a:r>
+            <a:r>
+              <a:rPr lang="en-US" sz="1400" dirty="0" err="1">
+                <a:latin typeface="Consolas" panose="020B0609020204030204" pitchFamily="49" charset="0"/>
+                <a:cs typeface="Consolas" panose="020B0609020204030204" pitchFamily="49" charset="0"/>
+              </a:rPr>
+              <a:t>amoc</a:t>
+            </a:r>
+            <a:r>
+              <a:rPr lang="en-US" sz="1400" dirty="0">
+                <a:latin typeface="Times New Roman" panose="02020603050405020304" pitchFamily="18" charset="0"/>
+                <a:cs typeface="Times New Roman" panose="02020603050405020304" pitchFamily="18" charset="0"/>
+              </a:rPr>
+              <a:t>' (At Most One Change) or '</a:t>
+            </a:r>
+            <a:r>
+              <a:rPr lang="en-US" sz="1400" dirty="0">
+                <a:latin typeface="Consolas" panose="020B0609020204030204" pitchFamily="49" charset="0"/>
+                <a:cs typeface="Consolas" panose="020B0609020204030204" pitchFamily="49" charset="0"/>
+              </a:rPr>
+              <a:t>multi</a:t>
+            </a:r>
+            <a:r>
+              <a:rPr lang="en-US" sz="1400" dirty="0">
+                <a:latin typeface="Times New Roman" panose="02020603050405020304" pitchFamily="18" charset="0"/>
+                <a:cs typeface="Times New Roman" panose="02020603050405020304" pitchFamily="18" charset="0"/>
+              </a:rPr>
+              <a:t>' (Multiple Changes). In this study, ‘</a:t>
+            </a:r>
+            <a:r>
+              <a:rPr lang="en-US" sz="1400" dirty="0">
+                <a:latin typeface="Consolas" panose="020B0609020204030204" pitchFamily="49" charset="0"/>
+                <a:cs typeface="Consolas" panose="020B0609020204030204" pitchFamily="49" charset="0"/>
+              </a:rPr>
+              <a:t>multi</a:t>
+            </a:r>
+            <a:r>
+              <a:rPr lang="en-US" sz="1400" dirty="0">
+                <a:latin typeface="Times New Roman" panose="02020603050405020304" pitchFamily="18" charset="0"/>
+                <a:cs typeface="Times New Roman" panose="02020603050405020304" pitchFamily="18" charset="0"/>
+              </a:rPr>
+              <a:t>’ is chosen as multiple breakouts are desired</a:t>
+            </a:r>
+          </a:p>
+          <a:p>
+            <a:pPr lvl="1" algn="just"/>
+            <a:r>
+              <a:rPr lang="en-US" sz="1400" dirty="0">
+                <a:latin typeface="Consolas" panose="020B0609020204030204" pitchFamily="49" charset="0"/>
+                <a:cs typeface="Consolas" panose="020B0609020204030204" pitchFamily="49" charset="0"/>
+              </a:rPr>
+              <a:t>degree</a:t>
+            </a:r>
+            <a:r>
+              <a:rPr lang="en-US" sz="1400" dirty="0">
+                <a:latin typeface="Times New Roman" panose="02020603050405020304" pitchFamily="18" charset="0"/>
+                <a:cs typeface="Times New Roman" panose="02020603050405020304" pitchFamily="18" charset="0"/>
+              </a:rPr>
+              <a:t>: The degree of the penalization polynomial; can be 0, 1, or 2. In this study, </a:t>
+            </a:r>
+            <a:r>
+              <a:rPr lang="en-US" sz="1400" dirty="0">
+                <a:latin typeface="Consolas" panose="020B0609020204030204" pitchFamily="49" charset="0"/>
+                <a:cs typeface="Consolas" panose="020B0609020204030204" pitchFamily="49" charset="0"/>
+              </a:rPr>
+              <a:t>degree = 1</a:t>
+            </a:r>
+          </a:p>
+          <a:p>
+            <a:pPr lvl="1" algn="just"/>
+            <a:r>
+              <a:rPr lang="en-US" sz="1400" dirty="0">
+                <a:latin typeface="Consolas" panose="020B0609020204030204" pitchFamily="49" charset="0"/>
+                <a:cs typeface="Consolas" panose="020B0609020204030204" pitchFamily="49" charset="0"/>
+              </a:rPr>
+              <a:t>beta</a:t>
+            </a:r>
+            <a:r>
+              <a:rPr lang="en-US" sz="1400" dirty="0">
+                <a:latin typeface="Times New Roman" panose="02020603050405020304" pitchFamily="18" charset="0"/>
+                <a:cs typeface="Times New Roman" panose="02020603050405020304" pitchFamily="18" charset="0"/>
+              </a:rPr>
+              <a:t>: the default form of penalization, In this study,  </a:t>
+            </a:r>
+            <a:r>
+              <a:rPr lang="en-US" sz="1400" dirty="0">
+                <a:latin typeface="Consolas" panose="020B0609020204030204" pitchFamily="49" charset="0"/>
+                <a:cs typeface="Consolas" panose="020B0609020204030204" pitchFamily="49" charset="0"/>
+              </a:rPr>
+              <a:t>0.008</a:t>
+            </a:r>
+            <a:r>
+              <a:rPr lang="en-US" sz="1400" dirty="0">
+                <a:latin typeface="Times New Roman" panose="02020603050405020304" pitchFamily="18" charset="0"/>
+                <a:cs typeface="Times New Roman" panose="02020603050405020304" pitchFamily="18" charset="0"/>
+              </a:rPr>
+              <a:t> is determined via elbow plot</a:t>
+            </a:r>
+          </a:p>
+          <a:p>
+            <a:pPr lvl="1" algn="just"/>
+            <a:r>
+              <a:rPr lang="en-US" sz="1400" dirty="0">
+                <a:latin typeface="Consolas" panose="020B0609020204030204" pitchFamily="49" charset="0"/>
+                <a:cs typeface="Consolas" panose="020B0609020204030204" pitchFamily="49" charset="0"/>
+              </a:rPr>
+              <a:t>percent</a:t>
+            </a:r>
+            <a:r>
+              <a:rPr lang="en-US" sz="1400" dirty="0">
+                <a:latin typeface="Times New Roman" panose="02020603050405020304" pitchFamily="18" charset="0"/>
+                <a:cs typeface="Times New Roman" panose="02020603050405020304" pitchFamily="18" charset="0"/>
+              </a:rPr>
+              <a:t>: the minimum percent change in the goodness of fit statistic to consider adding an additional change point.  In this study,  </a:t>
+            </a:r>
+            <a:r>
+              <a:rPr lang="en-US" sz="1400" dirty="0">
+                <a:latin typeface="Consolas" panose="020B0609020204030204" pitchFamily="49" charset="0"/>
+                <a:cs typeface="Consolas" panose="020B0609020204030204" pitchFamily="49" charset="0"/>
+              </a:rPr>
+              <a:t>0.10</a:t>
+            </a:r>
+            <a:r>
+              <a:rPr lang="en-US" sz="1400" dirty="0">
+                <a:latin typeface="Times New Roman" panose="02020603050405020304" pitchFamily="18" charset="0"/>
+                <a:cs typeface="Times New Roman" panose="02020603050405020304" pitchFamily="18" charset="0"/>
+              </a:rPr>
+              <a:t> (10%) is used</a:t>
+            </a:r>
+          </a:p>
+          <a:p>
+            <a:pPr marL="285750" lvl="7" indent="-285750"/>
+            <a:r>
+              <a:rPr lang="en-US" sz="1400" dirty="0">
+                <a:latin typeface="Times New Roman" panose="02020603050405020304" pitchFamily="18" charset="0"/>
+                <a:cs typeface="Times New Roman" panose="02020603050405020304" pitchFamily="18" charset="0"/>
+              </a:rPr>
+              <a:t>Implementation: </a:t>
+            </a:r>
+          </a:p>
+          <a:p>
+            <a:pPr lvl="1"/>
+            <a:r>
+              <a:rPr lang="en-US" sz="1400" dirty="0">
+                <a:latin typeface="Times New Roman" panose="02020603050405020304" pitchFamily="18" charset="0"/>
+                <a:cs typeface="Times New Roman" panose="02020603050405020304" pitchFamily="18" charset="0"/>
+              </a:rPr>
+              <a:t>Breakouts are detected by the </a:t>
+            </a:r>
+            <a:r>
+              <a:rPr lang="en-US" sz="1400" dirty="0">
+                <a:latin typeface="Consolas" panose="020B0609020204030204" pitchFamily="49" charset="0"/>
+                <a:cs typeface="Consolas" panose="020B0609020204030204" pitchFamily="49" charset="0"/>
+              </a:rPr>
+              <a:t>breakout() </a:t>
+            </a:r>
+            <a:r>
+              <a:rPr lang="en-US" sz="1400" dirty="0">
+                <a:latin typeface="Times New Roman" panose="02020603050405020304" pitchFamily="18" charset="0"/>
+                <a:cs typeface="Times New Roman" panose="02020603050405020304" pitchFamily="18" charset="0"/>
+              </a:rPr>
+              <a:t>function in the </a:t>
+            </a:r>
+            <a:r>
+              <a:rPr lang="en-US" sz="1400" dirty="0" err="1">
+                <a:latin typeface="Consolas" panose="020B0609020204030204" pitchFamily="49" charset="0"/>
+                <a:cs typeface="Consolas" panose="020B0609020204030204" pitchFamily="49" charset="0"/>
+              </a:rPr>
+              <a:t>BreakoutDetection</a:t>
+            </a:r>
+            <a:r>
+              <a:rPr lang="en-US" sz="1400" dirty="0">
+                <a:latin typeface="Times New Roman" panose="02020603050405020304" pitchFamily="18" charset="0"/>
+                <a:cs typeface="Times New Roman" panose="02020603050405020304" pitchFamily="18" charset="0"/>
+              </a:rPr>
+              <a:t> package in R</a:t>
+            </a:r>
+          </a:p>
+          <a:p>
+            <a:pPr lvl="1"/>
+            <a:r>
+              <a:rPr lang="en-US" sz="1400" dirty="0">
+                <a:latin typeface="Times New Roman" panose="02020603050405020304" pitchFamily="18" charset="0"/>
+                <a:cs typeface="Times New Roman" panose="02020603050405020304" pitchFamily="18" charset="0"/>
+              </a:rPr>
+              <a:t>A custom function to plot breakouts with time-series is developed using the </a:t>
+            </a:r>
+            <a:r>
+              <a:rPr lang="en-US" sz="1400" dirty="0">
+                <a:latin typeface="Consolas" panose="020B0609020204030204" pitchFamily="49" charset="0"/>
+                <a:cs typeface="Consolas" panose="020B0609020204030204" pitchFamily="49" charset="0"/>
+              </a:rPr>
+              <a:t>ggplot2</a:t>
+            </a:r>
+            <a:r>
+              <a:rPr lang="en-US" sz="1400" dirty="0">
+                <a:latin typeface="Times New Roman" panose="02020603050405020304" pitchFamily="18" charset="0"/>
+                <a:cs typeface="Times New Roman" panose="02020603050405020304" pitchFamily="18" charset="0"/>
+              </a:rPr>
+              <a:t> package</a:t>
+            </a:r>
+          </a:p>
+          <a:p>
+            <a:pPr lvl="1"/>
+            <a:r>
+              <a:rPr lang="en-US" sz="1400" dirty="0">
+                <a:latin typeface="Times New Roman" panose="02020603050405020304" pitchFamily="18" charset="0"/>
+                <a:cs typeface="Times New Roman" panose="02020603050405020304" pitchFamily="18" charset="0"/>
+              </a:rPr>
+              <a:t>A R markdown template is created for generating quarterly reports</a:t>
+            </a:r>
+          </a:p>
+          <a:p>
+            <a:pPr marL="171450" indent="-171450"/>
+            <a:r>
+              <a:rPr lang="en-US" sz="2000" dirty="0">
+                <a:latin typeface="Times New Roman" panose="02020603050405020304" pitchFamily="18" charset="0"/>
+                <a:cs typeface="Times New Roman" panose="02020603050405020304" pitchFamily="18" charset="0"/>
+              </a:rPr>
+              <a:t>Ramping</a:t>
+            </a:r>
+          </a:p>
+          <a:p>
+            <a:pPr marL="171450" indent="-171450"/>
+            <a:endParaRPr lang="en-US" sz="2000" dirty="0">
+              <a:latin typeface="Times New Roman" panose="02020603050405020304" pitchFamily="18" charset="0"/>
+              <a:cs typeface="Times New Roman" panose="02020603050405020304" pitchFamily="18" charset="0"/>
+            </a:endParaRPr>
+          </a:p>
+          <a:p>
+            <a:pPr marL="171450" indent="-171450"/>
+            <a:endParaRPr lang="en-US" sz="2000" dirty="0">
+              <a:latin typeface="Times New Roman" panose="02020603050405020304" pitchFamily="18" charset="0"/>
+              <a:cs typeface="Times New Roman" panose="02020603050405020304" pitchFamily="18" charset="0"/>
+            </a:endParaRPr>
+          </a:p>
+          <a:p>
+            <a:pPr marL="171450" indent="-171450"/>
+            <a:endParaRPr lang="en-US" sz="2000" dirty="0">
+              <a:latin typeface="Times New Roman" panose="02020603050405020304" pitchFamily="18" charset="0"/>
+              <a:cs typeface="Times New Roman" panose="02020603050405020304" pitchFamily="18" charset="0"/>
+            </a:endParaRPr>
+          </a:p>
+          <a:p>
+            <a:pPr marL="171450" indent="-171450"/>
+            <a:endParaRPr lang="en-US" sz="2000" dirty="0">
+              <a:latin typeface="Times New Roman" panose="02020603050405020304" pitchFamily="18" charset="0"/>
+              <a:cs typeface="Times New Roman" panose="02020603050405020304" pitchFamily="18" charset="0"/>
+            </a:endParaRPr>
+          </a:p>
+          <a:p>
+            <a:pPr marL="171450" indent="-171450"/>
+            <a:endParaRPr lang="en-US" sz="2000" dirty="0">
+              <a:latin typeface="Times New Roman" panose="02020603050405020304" pitchFamily="18" charset="0"/>
+              <a:cs typeface="Times New Roman" panose="02020603050405020304" pitchFamily="18" charset="0"/>
+            </a:endParaRPr>
+          </a:p>
+          <a:p>
+            <a:pPr marL="171450" indent="-171450"/>
+            <a:endParaRPr lang="en-US" sz="2000" dirty="0">
+              <a:latin typeface="Times New Roman" panose="02020603050405020304" pitchFamily="18" charset="0"/>
+              <a:cs typeface="Times New Roman" panose="02020603050405020304" pitchFamily="18" charset="0"/>
+            </a:endParaRPr>
+          </a:p>
+          <a:p>
+            <a:pPr marL="0" indent="0">
+              <a:buNone/>
+            </a:pPr>
+            <a:endParaRPr lang="en-US" sz="2000" dirty="0">
+              <a:latin typeface="Times New Roman" panose="02020603050405020304" pitchFamily="18" charset="0"/>
+              <a:cs typeface="Times New Roman" panose="02020603050405020304" pitchFamily="18" charset="0"/>
+            </a:endParaRPr>
+          </a:p>
+          <a:p>
+            <a:pPr marL="171450" indent="-171450"/>
+            <a:endParaRPr lang="en-US" sz="2000" dirty="0">
+              <a:latin typeface="Times New Roman" panose="02020603050405020304" pitchFamily="18" charset="0"/>
+              <a:cs typeface="Times New Roman" panose="02020603050405020304" pitchFamily="18" charset="0"/>
+            </a:endParaRPr>
+          </a:p>
+          <a:p>
+            <a:pPr marL="171450" indent="-171450"/>
+            <a:endParaRPr lang="en-US" sz="2000" dirty="0">
+              <a:latin typeface="Times New Roman" panose="02020603050405020304" pitchFamily="18" charset="0"/>
+              <a:cs typeface="Times New Roman" panose="02020603050405020304" pitchFamily="18" charset="0"/>
+            </a:endParaRPr>
+          </a:p>
+          <a:p>
+            <a:pPr marL="171450" indent="-171450"/>
+            <a:r>
+              <a:rPr lang="en-US" sz="2000" dirty="0">
+                <a:latin typeface="Times New Roman" panose="02020603050405020304" pitchFamily="18" charset="0"/>
+                <a:cs typeface="Times New Roman" panose="02020603050405020304" pitchFamily="18" charset="0"/>
+              </a:rPr>
+              <a:t>Mean shift (up, down)</a:t>
+            </a:r>
+          </a:p>
+          <a:p>
+            <a:pPr marL="171450" indent="-171450"/>
+            <a:endParaRPr lang="en-US" sz="2000" dirty="0">
+              <a:latin typeface="Times New Roman" panose="02020603050405020304" pitchFamily="18" charset="0"/>
+              <a:cs typeface="Times New Roman" panose="02020603050405020304" pitchFamily="18" charset="0"/>
+            </a:endParaRPr>
+          </a:p>
+          <a:p>
+            <a:pPr marL="171450" indent="-171450"/>
+            <a:endParaRPr lang="en-US" sz="1600" dirty="0">
+              <a:latin typeface="Times New Roman" panose="02020603050405020304" pitchFamily="18" charset="0"/>
+              <a:cs typeface="Times New Roman" panose="02020603050405020304" pitchFamily="18" charset="0"/>
+            </a:endParaRPr>
+          </a:p>
+          <a:p>
+            <a:pPr marL="171450" indent="-171450"/>
+            <a:endParaRPr lang="en-US" sz="1600" dirty="0">
+              <a:latin typeface="Times New Roman" panose="02020603050405020304" pitchFamily="18" charset="0"/>
+              <a:cs typeface="Times New Roman" panose="02020603050405020304" pitchFamily="18" charset="0"/>
+            </a:endParaRPr>
+          </a:p>
+          <a:p>
+            <a:pPr marL="171450" indent="-171450"/>
+            <a:endParaRPr lang="en-US" sz="1600" dirty="0">
+              <a:latin typeface="Times New Roman" panose="02020603050405020304" pitchFamily="18" charset="0"/>
+              <a:cs typeface="Times New Roman" panose="02020603050405020304" pitchFamily="18" charset="0"/>
+            </a:endParaRPr>
+          </a:p>
+          <a:p>
+            <a:endParaRPr lang="en-US" sz="1600" dirty="0">
+              <a:latin typeface="Times New Roman" panose="02020603050405020304" pitchFamily="18" charset="0"/>
+              <a:cs typeface="Times New Roman" panose="02020603050405020304" pitchFamily="18" charset="0"/>
+            </a:endParaRPr>
+          </a:p>
+          <a:p>
+            <a:pPr lvl="1" algn="just"/>
+            <a:endParaRPr lang="en-US" sz="1400" dirty="0">
+              <a:latin typeface="Times New Roman" panose="02020603050405020304" pitchFamily="18" charset="0"/>
+              <a:cs typeface="Times New Roman" panose="02020603050405020304" pitchFamily="18" charset="0"/>
+            </a:endParaRPr>
           </a:p>
         </p:txBody>
       </p:sp>
-      <p:graphicFrame>
-        <p:nvGraphicFramePr>
-          <p:cNvPr id="25" name="Content Placeholder 24" descr="Sample table with 4 columns, 7 rows." title="Sample table"/>
-          <p:cNvGraphicFramePr>
-            <a:graphicFrameLocks noGrp="1"/>
-          </p:cNvGraphicFramePr>
-          <p:nvPr>
-            <p:ph sz="quarter" idx="23"/>
-            <p:extLst>
-              <p:ext uri="{D42A27DB-BD31-4B8C-83A1-F6EECF244321}">
-                <p14:modId xmlns:p14="http://schemas.microsoft.com/office/powerpoint/2010/main" val="2517281170"/>
-              </p:ext>
-            </p:extLst>
-          </p:nvPr>
-        </p:nvGraphicFramePr>
-        <p:xfrm>
-          <a:off x="15544800" y="11947525"/>
-          <a:ext cx="12801600" cy="6035617"/>
-        </p:xfrm>
-        <a:graphic>
-          <a:graphicData uri="http://schemas.openxmlformats.org/drawingml/2006/table">
-            <a:tbl>
-              <a:tblPr firstRow="1" bandRow="1">
-                <a:tableStyleId>{3B4B98B0-60AC-42C2-AFA5-B58CD77FA1E5}</a:tableStyleId>
-              </a:tblPr>
-              <a:tblGrid>
-                <a:gridCol w="3200400">
-                  <a:extLst>
-                    <a:ext uri="{9D8B030D-6E8A-4147-A177-3AD203B41FA5}">
-                      <a16:colId xmlns:a16="http://schemas.microsoft.com/office/drawing/2014/main" val="20000"/>
-                    </a:ext>
-                  </a:extLst>
-                </a:gridCol>
-                <a:gridCol w="3200400">
-                  <a:extLst>
-                    <a:ext uri="{9D8B030D-6E8A-4147-A177-3AD203B41FA5}">
-                      <a16:colId xmlns:a16="http://schemas.microsoft.com/office/drawing/2014/main" val="20001"/>
-                    </a:ext>
-                  </a:extLst>
-                </a:gridCol>
-                <a:gridCol w="3200400">
-                  <a:extLst>
-                    <a:ext uri="{9D8B030D-6E8A-4147-A177-3AD203B41FA5}">
-                      <a16:colId xmlns:a16="http://schemas.microsoft.com/office/drawing/2014/main" val="20002"/>
-                    </a:ext>
-                  </a:extLst>
-                </a:gridCol>
-                <a:gridCol w="3200400">
-                  <a:extLst>
-                    <a:ext uri="{9D8B030D-6E8A-4147-A177-3AD203B41FA5}">
-                      <a16:colId xmlns:a16="http://schemas.microsoft.com/office/drawing/2014/main" val="20003"/>
-                    </a:ext>
-                  </a:extLst>
-                </a:gridCol>
-              </a:tblGrid>
-              <a:tr h="862231">
-                <a:tc>
-                  <a:txBody>
-                    <a:bodyPr/>
-                    <a:lstStyle/>
-                    <a:p>
-                      <a:endParaRPr lang="en-US" sz="2800" dirty="0"/>
-                    </a:p>
-                  </a:txBody>
-                  <a:tcPr anchor="ctr"/>
-                </a:tc>
-                <a:tc>
-                  <a:txBody>
-                    <a:bodyPr/>
-                    <a:lstStyle/>
-                    <a:p>
-                      <a:pPr algn="ctr"/>
-                      <a:r>
-                        <a:rPr lang="en-US" sz="2800" dirty="0"/>
-                        <a:t>Heading</a:t>
-                      </a:r>
-                    </a:p>
-                  </a:txBody>
-                  <a:tcPr anchor="ctr"/>
-                </a:tc>
-                <a:tc>
-                  <a:txBody>
-                    <a:bodyPr/>
-                    <a:lstStyle/>
-                    <a:p>
-                      <a:pPr algn="ctr"/>
-                      <a:r>
-                        <a:rPr lang="en-US" sz="2800" dirty="0"/>
-                        <a:t>Heading</a:t>
-                      </a:r>
-                    </a:p>
-                  </a:txBody>
-                  <a:tcPr anchor="ctr"/>
-                </a:tc>
-                <a:tc>
-                  <a:txBody>
-                    <a:bodyPr/>
-                    <a:lstStyle/>
-                    <a:p>
-                      <a:pPr algn="ctr"/>
-                      <a:r>
-                        <a:rPr lang="en-US" sz="2800" dirty="0"/>
-                        <a:t>Heading</a:t>
-                      </a:r>
-                    </a:p>
-                  </a:txBody>
-                  <a:tcPr anchor="ctr"/>
-                </a:tc>
-                <a:extLst>
-                  <a:ext uri="{0D108BD9-81ED-4DB2-BD59-A6C34878D82A}">
-                    <a16:rowId xmlns:a16="http://schemas.microsoft.com/office/drawing/2014/main" val="10000"/>
-                  </a:ext>
-                </a:extLst>
-              </a:tr>
-              <a:tr h="862231">
-                <a:tc>
-                  <a:txBody>
-                    <a:bodyPr/>
-                    <a:lstStyle/>
-                    <a:p>
-                      <a:r>
-                        <a:rPr lang="en-US" sz="2800" dirty="0"/>
-                        <a:t>Item</a:t>
-                      </a:r>
-                    </a:p>
-                  </a:txBody>
-                  <a:tcPr anchor="ctr"/>
-                </a:tc>
-                <a:tc>
-                  <a:txBody>
-                    <a:bodyPr/>
-                    <a:lstStyle/>
-                    <a:p>
-                      <a:pPr algn="ctr"/>
-                      <a:r>
-                        <a:rPr lang="en-US" sz="2800" dirty="0"/>
-                        <a:t>122</a:t>
-                      </a:r>
-                    </a:p>
-                  </a:txBody>
-                  <a:tcPr anchor="ctr"/>
-                </a:tc>
-                <a:tc>
-                  <a:txBody>
-                    <a:bodyPr/>
-                    <a:lstStyle/>
-                    <a:p>
-                      <a:pPr algn="ctr"/>
-                      <a:r>
-                        <a:rPr lang="en-US" sz="2800" dirty="0"/>
-                        <a:t>233</a:t>
-                      </a:r>
-                    </a:p>
-                  </a:txBody>
-                  <a:tcPr anchor="ctr"/>
-                </a:tc>
-                <a:tc>
-                  <a:txBody>
-                    <a:bodyPr/>
-                    <a:lstStyle/>
-                    <a:p>
-                      <a:pPr algn="ctr"/>
-                      <a:r>
-                        <a:rPr lang="en-US" sz="2800" dirty="0"/>
-                        <a:t>345</a:t>
-                      </a:r>
-                    </a:p>
-                  </a:txBody>
-                  <a:tcPr anchor="ctr"/>
-                </a:tc>
-                <a:extLst>
-                  <a:ext uri="{0D108BD9-81ED-4DB2-BD59-A6C34878D82A}">
-                    <a16:rowId xmlns:a16="http://schemas.microsoft.com/office/drawing/2014/main" val="10001"/>
-                  </a:ext>
-                </a:extLst>
-              </a:tr>
-              <a:tr h="862231">
-                <a:tc>
-                  <a:txBody>
-                    <a:bodyPr/>
-                    <a:lstStyle/>
-                    <a:p>
-                      <a:r>
-                        <a:rPr lang="en-US" sz="2800" dirty="0"/>
-                        <a:t>Item</a:t>
-                      </a:r>
-                    </a:p>
-                  </a:txBody>
-                  <a:tcPr anchor="ctr"/>
-                </a:tc>
-                <a:tc>
-                  <a:txBody>
-                    <a:bodyPr/>
-                    <a:lstStyle/>
-                    <a:p>
-                      <a:pPr algn="ctr"/>
-                      <a:r>
-                        <a:rPr lang="en-US" sz="2800" dirty="0"/>
-                        <a:t>759</a:t>
-                      </a:r>
-                    </a:p>
-                  </a:txBody>
-                  <a:tcPr anchor="ctr"/>
-                </a:tc>
-                <a:tc>
-                  <a:txBody>
-                    <a:bodyPr/>
-                    <a:lstStyle/>
-                    <a:p>
-                      <a:pPr algn="ctr"/>
-                      <a:r>
-                        <a:rPr lang="en-US" sz="2800" dirty="0"/>
-                        <a:t>856</a:t>
-                      </a:r>
-                    </a:p>
-                  </a:txBody>
-                  <a:tcPr anchor="ctr"/>
-                </a:tc>
-                <a:tc>
-                  <a:txBody>
-                    <a:bodyPr/>
-                    <a:lstStyle/>
-                    <a:p>
-                      <a:pPr algn="ctr"/>
-                      <a:r>
-                        <a:rPr lang="en-US" sz="2800" dirty="0"/>
-                        <a:t>290</a:t>
-                      </a:r>
-                    </a:p>
-                  </a:txBody>
-                  <a:tcPr anchor="ctr"/>
-                </a:tc>
-                <a:extLst>
-                  <a:ext uri="{0D108BD9-81ED-4DB2-BD59-A6C34878D82A}">
-                    <a16:rowId xmlns:a16="http://schemas.microsoft.com/office/drawing/2014/main" val="10002"/>
-                  </a:ext>
-                </a:extLst>
-              </a:tr>
-              <a:tr h="862231">
-                <a:tc>
-                  <a:txBody>
-                    <a:bodyPr/>
-                    <a:lstStyle/>
-                    <a:p>
-                      <a:r>
-                        <a:rPr lang="en-US" sz="2800" dirty="0"/>
-                        <a:t>Item</a:t>
-                      </a:r>
-                    </a:p>
-                  </a:txBody>
-                  <a:tcPr anchor="ctr"/>
-                </a:tc>
-                <a:tc>
-                  <a:txBody>
-                    <a:bodyPr/>
-                    <a:lstStyle/>
-                    <a:p>
-                      <a:pPr algn="ctr"/>
-                      <a:r>
-                        <a:rPr lang="en-US" sz="2800" dirty="0"/>
-                        <a:t>228</a:t>
-                      </a:r>
-                    </a:p>
-                  </a:txBody>
-                  <a:tcPr anchor="ctr"/>
-                </a:tc>
-                <a:tc>
-                  <a:txBody>
-                    <a:bodyPr/>
-                    <a:lstStyle/>
-                    <a:p>
-                      <a:pPr algn="ctr"/>
-                      <a:r>
-                        <a:rPr lang="en-US" sz="2800" dirty="0"/>
-                        <a:t>134</a:t>
-                      </a:r>
-                    </a:p>
-                  </a:txBody>
-                  <a:tcPr anchor="ctr"/>
-                </a:tc>
-                <a:tc>
-                  <a:txBody>
-                    <a:bodyPr/>
-                    <a:lstStyle/>
-                    <a:p>
-                      <a:pPr algn="ctr"/>
-                      <a:r>
-                        <a:rPr lang="en-US" sz="2800" dirty="0"/>
-                        <a:t>238</a:t>
-                      </a:r>
-                    </a:p>
-                  </a:txBody>
-                  <a:tcPr anchor="ctr"/>
-                </a:tc>
-                <a:extLst>
-                  <a:ext uri="{0D108BD9-81ED-4DB2-BD59-A6C34878D82A}">
-                    <a16:rowId xmlns:a16="http://schemas.microsoft.com/office/drawing/2014/main" val="10003"/>
-                  </a:ext>
-                </a:extLst>
-              </a:tr>
-              <a:tr h="862231">
-                <a:tc>
-                  <a:txBody>
-                    <a:bodyPr/>
-                    <a:lstStyle/>
-                    <a:p>
-                      <a:r>
-                        <a:rPr lang="en-US" sz="2800" dirty="0"/>
-                        <a:t>Item</a:t>
-                      </a:r>
-                    </a:p>
-                  </a:txBody>
-                  <a:tcPr anchor="ctr"/>
-                </a:tc>
-                <a:tc>
-                  <a:txBody>
-                    <a:bodyPr/>
-                    <a:lstStyle/>
-                    <a:p>
-                      <a:pPr algn="ctr"/>
-                      <a:r>
-                        <a:rPr lang="en-US" sz="2800" dirty="0"/>
-                        <a:t>954</a:t>
-                      </a:r>
-                    </a:p>
-                  </a:txBody>
-                  <a:tcPr anchor="ctr"/>
-                </a:tc>
-                <a:tc>
-                  <a:txBody>
-                    <a:bodyPr/>
-                    <a:lstStyle/>
-                    <a:p>
-                      <a:pPr algn="ctr"/>
-                      <a:r>
-                        <a:rPr lang="en-US" sz="2800" dirty="0"/>
-                        <a:t>875</a:t>
-                      </a:r>
-                    </a:p>
-                  </a:txBody>
-                  <a:tcPr anchor="ctr"/>
-                </a:tc>
-                <a:tc>
-                  <a:txBody>
-                    <a:bodyPr/>
-                    <a:lstStyle/>
-                    <a:p>
-                      <a:pPr algn="ctr"/>
-                      <a:r>
-                        <a:rPr lang="en-US" sz="2800" dirty="0"/>
-                        <a:t>976</a:t>
-                      </a:r>
-                    </a:p>
-                  </a:txBody>
-                  <a:tcPr anchor="ctr"/>
-                </a:tc>
-                <a:extLst>
-                  <a:ext uri="{0D108BD9-81ED-4DB2-BD59-A6C34878D82A}">
-                    <a16:rowId xmlns:a16="http://schemas.microsoft.com/office/drawing/2014/main" val="10004"/>
-                  </a:ext>
-                </a:extLst>
-              </a:tr>
-              <a:tr h="862231">
-                <a:tc>
-                  <a:txBody>
-                    <a:bodyPr/>
-                    <a:lstStyle/>
-                    <a:p>
-                      <a:r>
-                        <a:rPr lang="en-US" sz="2800" dirty="0"/>
-                        <a:t>Item</a:t>
-                      </a:r>
-                    </a:p>
-                  </a:txBody>
-                  <a:tcPr anchor="ctr"/>
-                </a:tc>
-                <a:tc>
-                  <a:txBody>
-                    <a:bodyPr/>
-                    <a:lstStyle/>
-                    <a:p>
-                      <a:pPr algn="ctr"/>
-                      <a:r>
-                        <a:rPr lang="en-US" sz="2800" dirty="0"/>
-                        <a:t>324</a:t>
-                      </a:r>
-                    </a:p>
-                  </a:txBody>
-                  <a:tcPr anchor="ctr"/>
-                </a:tc>
-                <a:tc>
-                  <a:txBody>
-                    <a:bodyPr/>
-                    <a:lstStyle/>
-                    <a:p>
-                      <a:pPr algn="ctr"/>
-                      <a:r>
-                        <a:rPr lang="en-US" sz="2800" dirty="0"/>
-                        <a:t>325</a:t>
-                      </a:r>
-                    </a:p>
-                  </a:txBody>
-                  <a:tcPr anchor="ctr"/>
-                </a:tc>
-                <a:tc>
-                  <a:txBody>
-                    <a:bodyPr/>
-                    <a:lstStyle/>
-                    <a:p>
-                      <a:pPr algn="ctr"/>
-                      <a:r>
-                        <a:rPr lang="en-US" sz="2800" dirty="0"/>
-                        <a:t>301</a:t>
-                      </a:r>
-                    </a:p>
-                  </a:txBody>
-                  <a:tcPr anchor="ctr"/>
-                </a:tc>
-                <a:extLst>
-                  <a:ext uri="{0D108BD9-81ED-4DB2-BD59-A6C34878D82A}">
-                    <a16:rowId xmlns:a16="http://schemas.microsoft.com/office/drawing/2014/main" val="10005"/>
-                  </a:ext>
-                </a:extLst>
-              </a:tr>
-              <a:tr h="862231">
-                <a:tc>
-                  <a:txBody>
-                    <a:bodyPr/>
-                    <a:lstStyle/>
-                    <a:p>
-                      <a:r>
-                        <a:rPr lang="en-US" sz="2800" dirty="0"/>
-                        <a:t>Item</a:t>
-                      </a:r>
-                    </a:p>
-                  </a:txBody>
-                  <a:tcPr anchor="ctr"/>
-                </a:tc>
-                <a:tc>
-                  <a:txBody>
-                    <a:bodyPr/>
-                    <a:lstStyle/>
-                    <a:p>
-                      <a:pPr algn="ctr"/>
-                      <a:r>
-                        <a:rPr lang="en-US" sz="2800" dirty="0"/>
-                        <a:t>199</a:t>
-                      </a:r>
-                    </a:p>
-                  </a:txBody>
-                  <a:tcPr anchor="ctr"/>
-                </a:tc>
-                <a:tc>
-                  <a:txBody>
-                    <a:bodyPr/>
-                    <a:lstStyle/>
-                    <a:p>
-                      <a:pPr algn="ctr"/>
-                      <a:r>
-                        <a:rPr lang="en-US" sz="2800" dirty="0"/>
-                        <a:t>137</a:t>
-                      </a:r>
-                    </a:p>
-                  </a:txBody>
-                  <a:tcPr anchor="ctr"/>
-                </a:tc>
-                <a:tc>
-                  <a:txBody>
-                    <a:bodyPr/>
-                    <a:lstStyle/>
-                    <a:p>
-                      <a:pPr algn="ctr"/>
-                      <a:r>
-                        <a:rPr lang="en-US" sz="2800" dirty="0"/>
-                        <a:t>186</a:t>
-                      </a:r>
-                    </a:p>
-                  </a:txBody>
-                  <a:tcPr anchor="ctr"/>
-                </a:tc>
-                <a:extLst>
-                  <a:ext uri="{0D108BD9-81ED-4DB2-BD59-A6C34878D82A}">
-                    <a16:rowId xmlns:a16="http://schemas.microsoft.com/office/drawing/2014/main" val="10006"/>
-                  </a:ext>
-                </a:extLst>
-              </a:tr>
-            </a:tbl>
-          </a:graphicData>
-        </a:graphic>
-      </p:graphicFrame>
-      <p:pic>
-        <p:nvPicPr>
-          <p:cNvPr id="27" name="Picture 26" descr="Xray of spine" title="Sample Picture"/>
-          <p:cNvPicPr>
-            <a:picLocks noChangeAspect="1"/>
-          </p:cNvPicPr>
-          <p:nvPr/>
-        </p:nvPicPr>
-        <p:blipFill>
-          <a:blip r:embed="rId2" cstate="print">
-            <a:extLst>
-              <a:ext uri="{28A0092B-C50C-407E-A947-70E740481C1C}">
-                <a14:useLocalDpi xmlns:a14="http://schemas.microsoft.com/office/drawing/2010/main" val="0"/>
-              </a:ext>
-            </a:extLst>
-          </a:blip>
-          <a:stretch>
-            <a:fillRect/>
-          </a:stretch>
-        </p:blipFill>
-        <p:spPr>
-          <a:xfrm>
-            <a:off x="15544800" y="18897600"/>
-            <a:ext cx="2834641" cy="3968496"/>
-          </a:xfrm>
-          <a:prstGeom prst="rect">
-            <a:avLst/>
-          </a:prstGeom>
-        </p:spPr>
-      </p:pic>
-      <p:pic>
-        <p:nvPicPr>
-          <p:cNvPr id="29" name="Picture 28" descr="Xray of hand" title="Sample Picture"/>
-          <p:cNvPicPr>
-            <a:picLocks noChangeAspect="1"/>
-          </p:cNvPicPr>
-          <p:nvPr/>
-        </p:nvPicPr>
-        <p:blipFill>
-          <a:blip r:embed="rId3">
-            <a:extLst>
-              <a:ext uri="{28A0092B-C50C-407E-A947-70E740481C1C}">
-                <a14:useLocalDpi xmlns:a14="http://schemas.microsoft.com/office/drawing/2010/main" val="0"/>
-              </a:ext>
-            </a:extLst>
-          </a:blip>
-          <a:stretch>
-            <a:fillRect/>
-          </a:stretch>
-        </p:blipFill>
-        <p:spPr>
-          <a:xfrm>
-            <a:off x="18784949" y="18897600"/>
-            <a:ext cx="3604717" cy="3968496"/>
-          </a:xfrm>
-          <a:prstGeom prst="rect">
-            <a:avLst/>
-          </a:prstGeom>
-        </p:spPr>
-      </p:pic>
-      <p:pic>
-        <p:nvPicPr>
-          <p:cNvPr id="28" name="Picture 27" descr="Xray of head" title="Sample Picture"/>
-          <p:cNvPicPr>
-            <a:picLocks noChangeAspect="1"/>
-          </p:cNvPicPr>
-          <p:nvPr/>
-        </p:nvPicPr>
-        <p:blipFill>
-          <a:blip r:embed="rId4">
-            <a:extLst>
-              <a:ext uri="{28A0092B-C50C-407E-A947-70E740481C1C}">
-                <a14:useLocalDpi xmlns:a14="http://schemas.microsoft.com/office/drawing/2010/main" val="0"/>
-              </a:ext>
-            </a:extLst>
-          </a:blip>
-          <a:stretch>
-            <a:fillRect/>
-          </a:stretch>
-        </p:blipFill>
-        <p:spPr>
-          <a:xfrm>
-            <a:off x="22795174" y="18897600"/>
-            <a:ext cx="5555894" cy="3968496"/>
-          </a:xfrm>
-          <a:prstGeom prst="rect">
-            <a:avLst/>
-          </a:prstGeom>
-        </p:spPr>
-      </p:pic>
-      <p:sp>
-        <p:nvSpPr>
-          <p:cNvPr id="15" name="Content Placeholder 14"/>
-          <p:cNvSpPr>
-            <a:spLocks noGrp="1"/>
-          </p:cNvSpPr>
-          <p:nvPr>
-            <p:ph sz="quarter" idx="28"/>
-          </p:nvPr>
-        </p:nvSpPr>
-        <p:spPr/>
-        <p:txBody>
-          <a:bodyPr/>
-          <a:lstStyle/>
-          <a:p>
-            <a:r>
-              <a:rPr lang="en-US"/>
-              <a:t>Type a caption for the data content or pictures here.</a:t>
-            </a:r>
-            <a:endParaRPr lang="en-US" dirty="0"/>
-          </a:p>
-        </p:txBody>
-      </p:sp>
-      <p:sp>
-        <p:nvSpPr>
-          <p:cNvPr id="16" name="Text Placeholder 15"/>
-          <p:cNvSpPr>
-            <a:spLocks noGrp="1"/>
-          </p:cNvSpPr>
-          <p:nvPr>
-            <p:ph type="body" sz="quarter" idx="29"/>
-          </p:nvPr>
-        </p:nvSpPr>
-        <p:spPr/>
-        <p:txBody>
-          <a:bodyPr/>
-          <a:lstStyle/>
-          <a:p>
-            <a:r>
-              <a:rPr lang="en-US"/>
-              <a:t>results</a:t>
-            </a:r>
-            <a:endParaRPr lang="en-US" dirty="0"/>
-          </a:p>
-        </p:txBody>
-      </p:sp>
-      <p:sp>
-        <p:nvSpPr>
-          <p:cNvPr id="17" name="Content Placeholder 16"/>
-          <p:cNvSpPr>
-            <a:spLocks noGrp="1"/>
-          </p:cNvSpPr>
-          <p:nvPr>
-            <p:ph sz="quarter" idx="30"/>
-          </p:nvPr>
-        </p:nvSpPr>
-        <p:spPr/>
-        <p:txBody>
-          <a:bodyPr/>
-          <a:lstStyle/>
-          <a:p>
-            <a:r>
-              <a:rPr lang="en-US" dirty="0"/>
-              <a:t>Result 1</a:t>
-            </a:r>
-          </a:p>
-          <a:p>
-            <a:r>
-              <a:rPr lang="en-US" dirty="0"/>
-              <a:t>Result 2</a:t>
-            </a:r>
-          </a:p>
-          <a:p>
-            <a:r>
-              <a:rPr lang="en-US" dirty="0"/>
-              <a:t>Result 3</a:t>
-            </a:r>
-          </a:p>
-        </p:txBody>
-      </p:sp>
-      <p:sp>
-        <p:nvSpPr>
-          <p:cNvPr id="18" name="Text Placeholder 17"/>
-          <p:cNvSpPr>
-            <a:spLocks noGrp="1"/>
-          </p:cNvSpPr>
-          <p:nvPr>
-            <p:ph type="body" sz="quarter" idx="31"/>
-          </p:nvPr>
-        </p:nvSpPr>
-        <p:spPr/>
-        <p:txBody>
-          <a:bodyPr/>
-          <a:lstStyle/>
-          <a:p>
-            <a:r>
-              <a:rPr lang="en-US"/>
-              <a:t>results</a:t>
-            </a:r>
-            <a:endParaRPr lang="en-US" dirty="0"/>
-          </a:p>
-        </p:txBody>
-      </p:sp>
-      <p:graphicFrame>
-        <p:nvGraphicFramePr>
-          <p:cNvPr id="24" name="Content Placeholder 23" descr="Line chart" title="Chart"/>
-          <p:cNvGraphicFramePr>
-            <a:graphicFrameLocks noGrp="1"/>
-          </p:cNvGraphicFramePr>
-          <p:nvPr>
-            <p:ph sz="quarter" idx="32"/>
-            <p:extLst>
-              <p:ext uri="{D42A27DB-BD31-4B8C-83A1-F6EECF244321}">
-                <p14:modId xmlns:p14="http://schemas.microsoft.com/office/powerpoint/2010/main" val="1995786904"/>
-              </p:ext>
-            </p:extLst>
-          </p:nvPr>
-        </p:nvGraphicFramePr>
-        <p:xfrm>
-          <a:off x="29900563" y="7070725"/>
-          <a:ext cx="12801600" cy="7315200"/>
-        </p:xfrm>
-        <a:graphic>
-          <a:graphicData uri="http://schemas.openxmlformats.org/drawingml/2006/chart">
-            <c:chart xmlns:c="http://schemas.openxmlformats.org/drawingml/2006/chart" xmlns:r="http://schemas.openxmlformats.org/officeDocument/2006/relationships" r:id="rId5"/>
-          </a:graphicData>
-        </a:graphic>
-      </p:graphicFrame>
-      <p:graphicFrame>
-        <p:nvGraphicFramePr>
-          <p:cNvPr id="32" name="Content Placeholder 31" descr="Line chart" title="Chart"/>
-          <p:cNvGraphicFramePr>
-            <a:graphicFrameLocks noGrp="1"/>
-          </p:cNvGraphicFramePr>
-          <p:nvPr>
-            <p:ph sz="quarter" idx="33"/>
-            <p:extLst>
-              <p:ext uri="{D42A27DB-BD31-4B8C-83A1-F6EECF244321}">
-                <p14:modId xmlns:p14="http://schemas.microsoft.com/office/powerpoint/2010/main" val="1978053771"/>
-              </p:ext>
-            </p:extLst>
-          </p:nvPr>
-        </p:nvGraphicFramePr>
-        <p:xfrm>
-          <a:off x="29900563" y="15836900"/>
-          <a:ext cx="12801600" cy="7315200"/>
-        </p:xfrm>
-        <a:graphic>
-          <a:graphicData uri="http://schemas.openxmlformats.org/drawingml/2006/chart">
-            <c:chart xmlns:c="http://schemas.openxmlformats.org/drawingml/2006/chart" xmlns:r="http://schemas.openxmlformats.org/officeDocument/2006/relationships" r:id="rId6"/>
-          </a:graphicData>
-        </a:graphic>
-      </p:graphicFrame>
       <p:sp>
         <p:nvSpPr>
           <p:cNvPr id="21" name="Text Placeholder 20"/>
@@ -7449,16 +4795,20 @@
             <p:ph type="body" sz="quarter" idx="34"/>
           </p:nvPr>
         </p:nvSpPr>
-        <p:spPr/>
+        <p:spPr>
+          <a:xfrm>
+            <a:off x="18688050" y="10475507"/>
+            <a:ext cx="8001000" cy="609600"/>
+          </a:xfrm>
+        </p:spPr>
         <p:txBody>
           <a:bodyPr/>
           <a:lstStyle/>
           <a:p>
             <a:r>
-              <a:rPr lang="en-US"/>
+              <a:rPr lang="en-US" dirty="0"/>
               <a:t>conclusions</a:t>
             </a:r>
-            <a:endParaRPr lang="en-US" dirty="0"/>
           </a:p>
         </p:txBody>
       </p:sp>
@@ -7472,26 +4822,65 @@
             <p:ph sz="quarter" idx="35"/>
           </p:nvPr>
         </p:nvSpPr>
-        <p:spPr/>
+        <p:spPr>
+          <a:xfrm>
+            <a:off x="18667918" y="11093787"/>
+            <a:ext cx="8001000" cy="1945343"/>
+          </a:xfrm>
+        </p:spPr>
         <p:txBody>
-          <a:bodyPr/>
+          <a:bodyPr lIns="91440">
+            <a:noAutofit/>
+          </a:bodyPr>
           <a:lstStyle/>
           <a:p>
-            <a:r>
-              <a:rPr lang="en-US" dirty="0"/>
-              <a:t>Conclusion 1</a:t>
-            </a:r>
-          </a:p>
-          <a:p>
-            <a:r>
-              <a:rPr lang="en-US" dirty="0"/>
-              <a:t>Conclusion 2</a:t>
-            </a:r>
-          </a:p>
-          <a:p>
-            <a:r>
-              <a:rPr lang="en-US" dirty="0"/>
-              <a:t>Conclusion 3</a:t>
+            <a:pPr marL="0" algn="just"/>
+            <a:r>
+              <a:rPr lang="en-US" sz="1600" dirty="0">
+                <a:latin typeface="Times New Roman" panose="02020603050405020304" pitchFamily="18" charset="0"/>
+                <a:cs typeface="Times New Roman" panose="02020603050405020304" pitchFamily="18" charset="0"/>
+              </a:rPr>
+              <a:t>EDM can effectively detect multiple breakouts in monitored time-series with the presence of anomalies (runoff response)</a:t>
+            </a:r>
+          </a:p>
+          <a:p>
+            <a:pPr marL="457200" lvl="1" algn="just"/>
+            <a:r>
+              <a:rPr lang="en-US" sz="1600" dirty="0">
+                <a:latin typeface="Times New Roman" panose="02020603050405020304" pitchFamily="18" charset="0"/>
+                <a:cs typeface="Times New Roman" panose="02020603050405020304" pitchFamily="18" charset="0"/>
+              </a:rPr>
+              <a:t>Velocity measurements tends to show more breakouts than level measurements</a:t>
+            </a:r>
+          </a:p>
+          <a:p>
+            <a:pPr marL="0" algn="just"/>
+            <a:r>
+              <a:rPr lang="en-US" sz="1600" dirty="0">
+                <a:latin typeface="Times New Roman" panose="02020603050405020304" pitchFamily="18" charset="0"/>
+                <a:cs typeface="Times New Roman" panose="02020603050405020304" pitchFamily="18" charset="0"/>
+              </a:rPr>
+              <a:t>EDM has a few limitations: </a:t>
+            </a:r>
+          </a:p>
+          <a:p>
+            <a:pPr marL="457200" lvl="1" algn="just"/>
+            <a:r>
+              <a:rPr lang="en-US" sz="1600" dirty="0">
+                <a:latin typeface="Times New Roman" panose="02020603050405020304" pitchFamily="18" charset="0"/>
+                <a:cs typeface="Times New Roman" panose="02020603050405020304" pitchFamily="18" charset="0"/>
+              </a:rPr>
+              <a:t>Breakouts at both ends of the time series could not be identified </a:t>
+            </a:r>
+          </a:p>
+          <a:p>
+            <a:pPr marL="457200" lvl="1" algn="just"/>
+            <a:r>
+              <a:rPr lang="en-US" sz="1600" dirty="0">
+                <a:latin typeface="Times New Roman" panose="02020603050405020304" pitchFamily="18" charset="0"/>
+                <a:cs typeface="Times New Roman" panose="02020603050405020304" pitchFamily="18" charset="0"/>
+              </a:rPr>
+              <a:t>large runoff response may be recognized as breakouts</a:t>
             </a:r>
           </a:p>
         </p:txBody>
@@ -7511,7 +4900,7 @@
           <p:nvPr/>
         </p:nvPicPr>
         <p:blipFill>
-          <a:blip r:embed="rId7">
+          <a:blip r:embed="rId2">
             <a:extLst>
               <a:ext uri="{28A0092B-C50C-407E-A947-70E740481C1C}">
                 <a14:useLocalDpi xmlns:a14="http://schemas.microsoft.com/office/drawing/2010/main" val="0"/>
@@ -7524,8 +4913,1786 @@
         </p:blipFill>
         <p:spPr>
           <a:xfrm>
-            <a:off x="35123702" y="771525"/>
-            <a:ext cx="7953375" cy="3619500"/>
+            <a:off x="22105938" y="385763"/>
+            <a:ext cx="3976688" cy="1809750"/>
+          </a:xfrm>
+          <a:prstGeom prst="rect">
+            <a:avLst/>
+          </a:prstGeom>
+        </p:spPr>
+      </p:pic>
+      <p:pic>
+        <p:nvPicPr>
+          <p:cNvPr id="38" name="Picture 37">
+            <a:extLst>
+              <a:ext uri="{FF2B5EF4-FFF2-40B4-BE49-F238E27FC236}">
+                <a16:creationId xmlns:a16="http://schemas.microsoft.com/office/drawing/2014/main" id="{7AC75D97-1C58-4219-9A19-D55F6C35F9E2}"/>
+              </a:ext>
+            </a:extLst>
+          </p:cNvPr>
+          <p:cNvPicPr>
+            <a:picLocks noChangeAspect="1"/>
+          </p:cNvPicPr>
+          <p:nvPr/>
+        </p:nvPicPr>
+        <p:blipFill rotWithShape="1">
+          <a:blip r:embed="rId3" cstate="print">
+            <a:extLst>
+              <a:ext uri="{28A0092B-C50C-407E-A947-70E740481C1C}">
+                <a14:useLocalDpi xmlns:a14="http://schemas.microsoft.com/office/drawing/2010/main" val="0"/>
+              </a:ext>
+            </a:extLst>
+          </a:blip>
+          <a:srcRect l="8317" t="6658" r="6363" b="5438"/>
+          <a:stretch/>
+        </p:blipFill>
+        <p:spPr>
+          <a:xfrm>
+            <a:off x="5242561" y="3535679"/>
+            <a:ext cx="3514286" cy="4685715"/>
+          </a:xfrm>
+          <a:prstGeom prst="rect">
+            <a:avLst/>
+          </a:prstGeom>
+        </p:spPr>
+      </p:pic>
+      <p:pic>
+        <p:nvPicPr>
+          <p:cNvPr id="33" name="Picture 32">
+            <a:extLst>
+              <a:ext uri="{FF2B5EF4-FFF2-40B4-BE49-F238E27FC236}">
+                <a16:creationId xmlns:a16="http://schemas.microsoft.com/office/drawing/2014/main" id="{63BE5A09-88F9-4352-959B-167F3BB9BCA1}"/>
+              </a:ext>
+            </a:extLst>
+          </p:cNvPr>
+          <p:cNvPicPr>
+            <a:picLocks noChangeAspect="1"/>
+          </p:cNvPicPr>
+          <p:nvPr/>
+        </p:nvPicPr>
+        <p:blipFill>
+          <a:blip r:embed="rId4" cstate="print">
+            <a:extLst>
+              <a:ext uri="{28A0092B-C50C-407E-A947-70E740481C1C}">
+                <a14:useLocalDpi xmlns:a14="http://schemas.microsoft.com/office/drawing/2010/main" val="0"/>
+              </a:ext>
+            </a:extLst>
+          </a:blip>
+          <a:stretch>
+            <a:fillRect/>
+          </a:stretch>
+        </p:blipFill>
+        <p:spPr>
+          <a:xfrm>
+            <a:off x="19402831" y="3334570"/>
+            <a:ext cx="6571437" cy="3285719"/>
+          </a:xfrm>
+          <a:prstGeom prst="rect">
+            <a:avLst/>
+          </a:prstGeom>
+        </p:spPr>
+      </p:pic>
+      <p:sp>
+        <p:nvSpPr>
+          <p:cNvPr id="35" name="TextBox 34">
+            <a:extLst>
+              <a:ext uri="{FF2B5EF4-FFF2-40B4-BE49-F238E27FC236}">
+                <a16:creationId xmlns:a16="http://schemas.microsoft.com/office/drawing/2014/main" id="{E25A3E42-286E-4A75-B6E7-FD8F80A25DEF}"/>
+              </a:ext>
+            </a:extLst>
+          </p:cNvPr>
+          <p:cNvSpPr txBox="1"/>
+          <p:nvPr/>
+        </p:nvSpPr>
+        <p:spPr>
+          <a:xfrm>
+            <a:off x="18687663" y="2950844"/>
+            <a:ext cx="3303272" cy="6863417"/>
+          </a:xfrm>
+          <a:prstGeom prst="rect">
+            <a:avLst/>
+          </a:prstGeom>
+          <a:noFill/>
+        </p:spPr>
+        <p:txBody>
+          <a:bodyPr wrap="square" rtlCol="0">
+            <a:spAutoFit/>
+          </a:bodyPr>
+          <a:lstStyle/>
+          <a:p>
+            <a:pPr marL="171450" indent="-171450">
+              <a:buFont typeface="Arial" panose="020B0604020202020204" pitchFamily="34" charset="0"/>
+              <a:buChar char="•"/>
+            </a:pPr>
+            <a:r>
+              <a:rPr lang="en-US" sz="2000" dirty="0">
+                <a:latin typeface="Times New Roman" panose="02020603050405020304" pitchFamily="18" charset="0"/>
+                <a:cs typeface="Times New Roman" panose="02020603050405020304" pitchFamily="18" charset="0"/>
+              </a:rPr>
+              <a:t>Velocity meter clogging</a:t>
+            </a:r>
+          </a:p>
+          <a:p>
+            <a:pPr marL="171450" indent="-171450">
+              <a:buFont typeface="Arial" panose="020B0604020202020204" pitchFamily="34" charset="0"/>
+              <a:buChar char="•"/>
+            </a:pPr>
+            <a:endParaRPr lang="en-US" sz="2000" dirty="0">
+              <a:latin typeface="Times New Roman" panose="02020603050405020304" pitchFamily="18" charset="0"/>
+              <a:cs typeface="Times New Roman" panose="02020603050405020304" pitchFamily="18" charset="0"/>
+            </a:endParaRPr>
+          </a:p>
+          <a:p>
+            <a:pPr marL="171450" indent="-171450">
+              <a:buFont typeface="Arial" panose="020B0604020202020204" pitchFamily="34" charset="0"/>
+              <a:buChar char="•"/>
+            </a:pPr>
+            <a:endParaRPr lang="en-US" sz="2000" dirty="0">
+              <a:latin typeface="Times New Roman" panose="02020603050405020304" pitchFamily="18" charset="0"/>
+              <a:cs typeface="Times New Roman" panose="02020603050405020304" pitchFamily="18" charset="0"/>
+            </a:endParaRPr>
+          </a:p>
+          <a:p>
+            <a:pPr marL="171450" indent="-171450">
+              <a:buFont typeface="Arial" panose="020B0604020202020204" pitchFamily="34" charset="0"/>
+              <a:buChar char="•"/>
+            </a:pPr>
+            <a:endParaRPr lang="en-US" sz="2000" dirty="0">
+              <a:latin typeface="Times New Roman" panose="02020603050405020304" pitchFamily="18" charset="0"/>
+              <a:cs typeface="Times New Roman" panose="02020603050405020304" pitchFamily="18" charset="0"/>
+            </a:endParaRPr>
+          </a:p>
+          <a:p>
+            <a:endParaRPr lang="en-US" sz="2000" dirty="0">
+              <a:latin typeface="Times New Roman" panose="02020603050405020304" pitchFamily="18" charset="0"/>
+              <a:cs typeface="Times New Roman" panose="02020603050405020304" pitchFamily="18" charset="0"/>
+            </a:endParaRPr>
+          </a:p>
+          <a:p>
+            <a:endParaRPr lang="en-US" sz="2000" dirty="0">
+              <a:latin typeface="Times New Roman" panose="02020603050405020304" pitchFamily="18" charset="0"/>
+              <a:cs typeface="Times New Roman" panose="02020603050405020304" pitchFamily="18" charset="0"/>
+            </a:endParaRPr>
+          </a:p>
+          <a:p>
+            <a:endParaRPr lang="en-US" sz="2000" dirty="0">
+              <a:latin typeface="Times New Roman" panose="02020603050405020304" pitchFamily="18" charset="0"/>
+              <a:cs typeface="Times New Roman" panose="02020603050405020304" pitchFamily="18" charset="0"/>
+            </a:endParaRPr>
+          </a:p>
+          <a:p>
+            <a:pPr marL="171450" indent="-171450">
+              <a:buFont typeface="Arial" panose="020B0604020202020204" pitchFamily="34" charset="0"/>
+              <a:buChar char="•"/>
+            </a:pPr>
+            <a:endParaRPr lang="en-US" sz="2000" dirty="0">
+              <a:latin typeface="Times New Roman" panose="02020603050405020304" pitchFamily="18" charset="0"/>
+              <a:cs typeface="Times New Roman" panose="02020603050405020304" pitchFamily="18" charset="0"/>
+            </a:endParaRPr>
+          </a:p>
+          <a:p>
+            <a:endParaRPr lang="en-US" sz="2000" dirty="0">
+              <a:latin typeface="Times New Roman" panose="02020603050405020304" pitchFamily="18" charset="0"/>
+              <a:cs typeface="Times New Roman" panose="02020603050405020304" pitchFamily="18" charset="0"/>
+            </a:endParaRPr>
+          </a:p>
+          <a:p>
+            <a:endParaRPr lang="en-US" sz="2000" dirty="0">
+              <a:latin typeface="Times New Roman" panose="02020603050405020304" pitchFamily="18" charset="0"/>
+              <a:cs typeface="Times New Roman" panose="02020603050405020304" pitchFamily="18" charset="0"/>
+            </a:endParaRPr>
+          </a:p>
+          <a:p>
+            <a:pPr marL="171450" indent="-171450">
+              <a:buFont typeface="Arial" panose="020B0604020202020204" pitchFamily="34" charset="0"/>
+              <a:buChar char="•"/>
+            </a:pPr>
+            <a:endParaRPr lang="en-US" sz="2000" dirty="0">
+              <a:latin typeface="Times New Roman" panose="02020603050405020304" pitchFamily="18" charset="0"/>
+              <a:cs typeface="Times New Roman" panose="02020603050405020304" pitchFamily="18" charset="0"/>
+            </a:endParaRPr>
+          </a:p>
+          <a:p>
+            <a:endParaRPr lang="en-US" sz="2000" dirty="0">
+              <a:latin typeface="Times New Roman" panose="02020603050405020304" pitchFamily="18" charset="0"/>
+              <a:cs typeface="Times New Roman" panose="02020603050405020304" pitchFamily="18" charset="0"/>
+            </a:endParaRPr>
+          </a:p>
+          <a:p>
+            <a:pPr marL="342900" indent="-342900">
+              <a:buFont typeface="Arial" panose="020B0604020202020204" pitchFamily="34" charset="0"/>
+              <a:buChar char="•"/>
+            </a:pPr>
+            <a:r>
+              <a:rPr lang="en-US" sz="2000" dirty="0">
+                <a:latin typeface="Times New Roman" panose="02020603050405020304" pitchFamily="18" charset="0"/>
+                <a:cs typeface="Times New Roman" panose="02020603050405020304" pitchFamily="18" charset="0"/>
+              </a:rPr>
+              <a:t>pipe-surcharging</a:t>
+            </a:r>
+          </a:p>
+          <a:p>
+            <a:pPr marL="548640" lvl="1" indent="-171450"/>
+            <a:endParaRPr lang="en-US" sz="2000" dirty="0">
+              <a:latin typeface="Times New Roman" panose="02020603050405020304" pitchFamily="18" charset="0"/>
+              <a:cs typeface="Times New Roman" panose="02020603050405020304" pitchFamily="18" charset="0"/>
+            </a:endParaRPr>
+          </a:p>
+          <a:p>
+            <a:endParaRPr lang="en-US" sz="2000" dirty="0">
+              <a:latin typeface="Times New Roman" panose="02020603050405020304" pitchFamily="18" charset="0"/>
+              <a:cs typeface="Times New Roman" panose="02020603050405020304" pitchFamily="18" charset="0"/>
+            </a:endParaRPr>
+          </a:p>
+          <a:p>
+            <a:endParaRPr lang="en-US" sz="2000" dirty="0">
+              <a:latin typeface="Times New Roman" panose="02020603050405020304" pitchFamily="18" charset="0"/>
+              <a:cs typeface="Times New Roman" panose="02020603050405020304" pitchFamily="18" charset="0"/>
+            </a:endParaRPr>
+          </a:p>
+          <a:p>
+            <a:endParaRPr lang="en-US" sz="2000" dirty="0">
+              <a:latin typeface="Times New Roman" panose="02020603050405020304" pitchFamily="18" charset="0"/>
+              <a:cs typeface="Times New Roman" panose="02020603050405020304" pitchFamily="18" charset="0"/>
+            </a:endParaRPr>
+          </a:p>
+          <a:p>
+            <a:endParaRPr lang="en-US" sz="2000" dirty="0">
+              <a:latin typeface="Times New Roman" panose="02020603050405020304" pitchFamily="18" charset="0"/>
+              <a:cs typeface="Times New Roman" panose="02020603050405020304" pitchFamily="18" charset="0"/>
+            </a:endParaRPr>
+          </a:p>
+          <a:p>
+            <a:endParaRPr lang="en-US" sz="2000" dirty="0">
+              <a:latin typeface="Times New Roman" panose="02020603050405020304" pitchFamily="18" charset="0"/>
+              <a:cs typeface="Times New Roman" panose="02020603050405020304" pitchFamily="18" charset="0"/>
+            </a:endParaRPr>
+          </a:p>
+          <a:p>
+            <a:endParaRPr lang="en-US" sz="2000" dirty="0">
+              <a:latin typeface="Times New Roman" panose="02020603050405020304" pitchFamily="18" charset="0"/>
+              <a:cs typeface="Times New Roman" panose="02020603050405020304" pitchFamily="18" charset="0"/>
+            </a:endParaRPr>
+          </a:p>
+          <a:p>
+            <a:endParaRPr lang="en-US" sz="2000" dirty="0">
+              <a:latin typeface="Times New Roman" panose="02020603050405020304" pitchFamily="18" charset="0"/>
+              <a:cs typeface="Times New Roman" panose="02020603050405020304" pitchFamily="18" charset="0"/>
+            </a:endParaRPr>
+          </a:p>
+          <a:p>
+            <a:endParaRPr lang="en-US" sz="2000" dirty="0">
+              <a:latin typeface="Times New Roman" panose="02020603050405020304" pitchFamily="18" charset="0"/>
+              <a:cs typeface="Times New Roman" panose="02020603050405020304" pitchFamily="18" charset="0"/>
+            </a:endParaRPr>
+          </a:p>
+        </p:txBody>
+      </p:sp>
+      <p:sp>
+        <p:nvSpPr>
+          <p:cNvPr id="42" name="Content Placeholder 11">
+            <a:extLst>
+              <a:ext uri="{FF2B5EF4-FFF2-40B4-BE49-F238E27FC236}">
+                <a16:creationId xmlns:a16="http://schemas.microsoft.com/office/drawing/2014/main" id="{DE893BD6-D05B-4F78-B10D-A414C4347931}"/>
+              </a:ext>
+            </a:extLst>
+          </p:cNvPr>
+          <p:cNvSpPr txBox="1">
+            <a:spLocks/>
+          </p:cNvSpPr>
+          <p:nvPr/>
+        </p:nvSpPr>
+        <p:spPr>
+          <a:xfrm>
+            <a:off x="811789" y="8859003"/>
+            <a:ext cx="7903586" cy="2400667"/>
+          </a:xfrm>
+          <a:prstGeom prst="rect">
+            <a:avLst/>
+          </a:prstGeom>
+        </p:spPr>
+        <p:txBody>
+          <a:bodyPr vert="horz" lIns="91440" tIns="182880" rIns="91440" bIns="45720" rtlCol="0">
+            <a:noAutofit/>
+          </a:bodyPr>
+          <a:lstStyle>
+            <a:lvl1pPr marL="228595" indent="-228595" algn="l" defTabSz="2194513" rtl="0" eaLnBrk="1" latinLnBrk="0" hangingPunct="1">
+              <a:lnSpc>
+                <a:spcPct val="100000"/>
+              </a:lnSpc>
+              <a:spcBef>
+                <a:spcPts val="600"/>
+              </a:spcBef>
+              <a:buClr>
+                <a:schemeClr val="accent2"/>
+              </a:buClr>
+              <a:buFont typeface="Arial" panose="020B0604020202020204" pitchFamily="34" charset="0"/>
+              <a:buChar char="•"/>
+              <a:defRPr sz="1400" kern="1200" baseline="0">
+                <a:solidFill>
+                  <a:schemeClr val="tx1"/>
+                </a:solidFill>
+                <a:latin typeface="+mn-lt"/>
+                <a:ea typeface="+mn-ea"/>
+                <a:cs typeface="+mn-cs"/>
+              </a:defRPr>
+            </a:lvl1pPr>
+            <a:lvl2pPr marL="548629" indent="-228595" algn="l" defTabSz="2194513" rtl="0" eaLnBrk="1" latinLnBrk="0" hangingPunct="1">
+              <a:lnSpc>
+                <a:spcPct val="100000"/>
+              </a:lnSpc>
+              <a:spcBef>
+                <a:spcPts val="600"/>
+              </a:spcBef>
+              <a:buClr>
+                <a:schemeClr val="accent2"/>
+              </a:buClr>
+              <a:buFont typeface="Arial" panose="020B0604020202020204" pitchFamily="34" charset="0"/>
+              <a:buChar char="•"/>
+              <a:defRPr sz="1200" kern="1200">
+                <a:solidFill>
+                  <a:schemeClr val="tx1"/>
+                </a:solidFill>
+                <a:latin typeface="+mn-lt"/>
+                <a:ea typeface="+mn-ea"/>
+                <a:cs typeface="+mn-cs"/>
+              </a:defRPr>
+            </a:lvl2pPr>
+            <a:lvl3pPr marL="548629" indent="-228595" algn="l" defTabSz="2194513" rtl="0" eaLnBrk="1" latinLnBrk="0" hangingPunct="1">
+              <a:lnSpc>
+                <a:spcPct val="100000"/>
+              </a:lnSpc>
+              <a:spcBef>
+                <a:spcPts val="600"/>
+              </a:spcBef>
+              <a:buClr>
+                <a:schemeClr val="accent2"/>
+              </a:buClr>
+              <a:buFont typeface="Arial" panose="020B0604020202020204" pitchFamily="34" charset="0"/>
+              <a:buChar char="•"/>
+              <a:defRPr sz="1200" kern="1200">
+                <a:solidFill>
+                  <a:schemeClr val="tx1"/>
+                </a:solidFill>
+                <a:latin typeface="+mn-lt"/>
+                <a:ea typeface="+mn-ea"/>
+                <a:cs typeface="+mn-cs"/>
+              </a:defRPr>
+            </a:lvl3pPr>
+            <a:lvl4pPr marL="548629" indent="-228595" algn="l" defTabSz="2194513" rtl="0" eaLnBrk="1" latinLnBrk="0" hangingPunct="1">
+              <a:lnSpc>
+                <a:spcPct val="100000"/>
+              </a:lnSpc>
+              <a:spcBef>
+                <a:spcPts val="600"/>
+              </a:spcBef>
+              <a:buClr>
+                <a:schemeClr val="accent2"/>
+              </a:buClr>
+              <a:buFont typeface="Arial" panose="020B0604020202020204" pitchFamily="34" charset="0"/>
+              <a:buChar char="•"/>
+              <a:defRPr sz="1200" kern="1200">
+                <a:solidFill>
+                  <a:schemeClr val="tx1"/>
+                </a:solidFill>
+                <a:latin typeface="+mn-lt"/>
+                <a:ea typeface="+mn-ea"/>
+                <a:cs typeface="+mn-cs"/>
+              </a:defRPr>
+            </a:lvl4pPr>
+            <a:lvl5pPr marL="548629" indent="-228595" algn="l" defTabSz="2194513" rtl="0" eaLnBrk="1" latinLnBrk="0" hangingPunct="1">
+              <a:lnSpc>
+                <a:spcPct val="100000"/>
+              </a:lnSpc>
+              <a:spcBef>
+                <a:spcPts val="600"/>
+              </a:spcBef>
+              <a:buClr>
+                <a:schemeClr val="accent2"/>
+              </a:buClr>
+              <a:buFont typeface="Arial" panose="020B0604020202020204" pitchFamily="34" charset="0"/>
+              <a:buChar char="•"/>
+              <a:defRPr sz="1200" kern="1200">
+                <a:solidFill>
+                  <a:schemeClr val="tx1"/>
+                </a:solidFill>
+                <a:latin typeface="+mn-lt"/>
+                <a:ea typeface="+mn-ea"/>
+                <a:cs typeface="+mn-cs"/>
+              </a:defRPr>
+            </a:lvl5pPr>
+            <a:lvl6pPr marL="548629" indent="-228595" algn="l" defTabSz="2194513" rtl="0" eaLnBrk="1" latinLnBrk="0" hangingPunct="1">
+              <a:lnSpc>
+                <a:spcPct val="100000"/>
+              </a:lnSpc>
+              <a:spcBef>
+                <a:spcPts val="600"/>
+              </a:spcBef>
+              <a:buClr>
+                <a:schemeClr val="accent2"/>
+              </a:buClr>
+              <a:buFont typeface="Arial" panose="020B0604020202020204" pitchFamily="34" charset="0"/>
+              <a:buChar char="•"/>
+              <a:defRPr sz="1200" kern="1200">
+                <a:solidFill>
+                  <a:schemeClr val="tx1"/>
+                </a:solidFill>
+                <a:latin typeface="+mn-lt"/>
+                <a:ea typeface="+mn-ea"/>
+                <a:cs typeface="+mn-cs"/>
+              </a:defRPr>
+            </a:lvl6pPr>
+            <a:lvl7pPr marL="548629" indent="-228595" algn="l" defTabSz="2194513" rtl="0" eaLnBrk="1" latinLnBrk="0" hangingPunct="1">
+              <a:lnSpc>
+                <a:spcPct val="100000"/>
+              </a:lnSpc>
+              <a:spcBef>
+                <a:spcPts val="600"/>
+              </a:spcBef>
+              <a:buClr>
+                <a:schemeClr val="accent2"/>
+              </a:buClr>
+              <a:buFont typeface="Arial" panose="020B0604020202020204" pitchFamily="34" charset="0"/>
+              <a:buChar char="•"/>
+              <a:defRPr sz="1200" kern="1200">
+                <a:solidFill>
+                  <a:schemeClr val="tx1"/>
+                </a:solidFill>
+                <a:latin typeface="+mn-lt"/>
+                <a:ea typeface="+mn-ea"/>
+                <a:cs typeface="+mn-cs"/>
+              </a:defRPr>
+            </a:lvl7pPr>
+            <a:lvl8pPr marL="548629" indent="-228595" algn="l" defTabSz="2194513" rtl="0" eaLnBrk="1" latinLnBrk="0" hangingPunct="1">
+              <a:lnSpc>
+                <a:spcPct val="100000"/>
+              </a:lnSpc>
+              <a:spcBef>
+                <a:spcPts val="600"/>
+              </a:spcBef>
+              <a:buClr>
+                <a:schemeClr val="accent2"/>
+              </a:buClr>
+              <a:buFont typeface="Arial" panose="020B0604020202020204" pitchFamily="34" charset="0"/>
+              <a:buChar char="•"/>
+              <a:defRPr sz="1200" kern="1200">
+                <a:solidFill>
+                  <a:schemeClr val="tx1"/>
+                </a:solidFill>
+                <a:latin typeface="+mn-lt"/>
+                <a:ea typeface="+mn-ea"/>
+                <a:cs typeface="+mn-cs"/>
+              </a:defRPr>
+            </a:lvl8pPr>
+            <a:lvl9pPr marL="548629" indent="-228595" algn="l" defTabSz="2194513" rtl="0" eaLnBrk="1" latinLnBrk="0" hangingPunct="1">
+              <a:lnSpc>
+                <a:spcPct val="100000"/>
+              </a:lnSpc>
+              <a:spcBef>
+                <a:spcPts val="600"/>
+              </a:spcBef>
+              <a:buClr>
+                <a:schemeClr val="accent2"/>
+              </a:buClr>
+              <a:buFont typeface="Arial" panose="020B0604020202020204" pitchFamily="34" charset="0"/>
+              <a:buChar char="•"/>
+              <a:defRPr sz="1200" kern="1200">
+                <a:solidFill>
+                  <a:schemeClr val="tx1"/>
+                </a:solidFill>
+                <a:latin typeface="+mn-lt"/>
+                <a:ea typeface="+mn-ea"/>
+                <a:cs typeface="+mn-cs"/>
+              </a:defRPr>
+            </a:lvl9pPr>
+          </a:lstStyle>
+          <a:p>
+            <a:pPr algn="just">
+              <a:spcBef>
+                <a:spcPts val="300"/>
+              </a:spcBef>
+              <a:buFont typeface="Courier New" panose="02070309020205020404" pitchFamily="49" charset="0"/>
+              <a:buChar char="o"/>
+            </a:pPr>
+            <a:endParaRPr lang="en-US" b="1" dirty="0"/>
+          </a:p>
+        </p:txBody>
+      </p:sp>
+      <p:sp>
+        <p:nvSpPr>
+          <p:cNvPr id="47" name="Text Placeholder 8">
+            <a:extLst>
+              <a:ext uri="{FF2B5EF4-FFF2-40B4-BE49-F238E27FC236}">
+                <a16:creationId xmlns:a16="http://schemas.microsoft.com/office/drawing/2014/main" id="{5B6C52D6-AC29-4EAD-9AE5-964EDEF280AA}"/>
+              </a:ext>
+            </a:extLst>
+          </p:cNvPr>
+          <p:cNvSpPr txBox="1">
+            <a:spLocks/>
+          </p:cNvSpPr>
+          <p:nvPr/>
+        </p:nvSpPr>
+        <p:spPr>
+          <a:xfrm>
+            <a:off x="763082" y="12021310"/>
+            <a:ext cx="8001000" cy="609600"/>
+          </a:xfrm>
+          <a:prstGeom prst="round1Rect">
+            <a:avLst/>
+          </a:prstGeom>
+          <a:solidFill>
+            <a:schemeClr val="accent5"/>
+          </a:solidFill>
+        </p:spPr>
+        <p:txBody>
+          <a:bodyPr vert="horz" lIns="365760" tIns="45720" rIns="91440" bIns="45720" rtlCol="0" anchor="ctr">
+            <a:noAutofit/>
+          </a:bodyPr>
+          <a:lstStyle>
+            <a:lvl1pPr marL="0" indent="0" algn="l" defTabSz="2194513" rtl="0" eaLnBrk="1" latinLnBrk="0" hangingPunct="1">
+              <a:lnSpc>
+                <a:spcPct val="100000"/>
+              </a:lnSpc>
+              <a:spcBef>
+                <a:spcPts val="0"/>
+              </a:spcBef>
+              <a:buClr>
+                <a:schemeClr val="accent2"/>
+              </a:buClr>
+              <a:buFont typeface="Arial" panose="020B0604020202020204" pitchFamily="34" charset="0"/>
+              <a:buNone/>
+              <a:defRPr sz="3000" kern="1200" cap="all" baseline="0">
+                <a:solidFill>
+                  <a:schemeClr val="bg1"/>
+                </a:solidFill>
+                <a:latin typeface="+mj-lt"/>
+                <a:ea typeface="+mn-ea"/>
+                <a:cs typeface="+mn-cs"/>
+              </a:defRPr>
+            </a:lvl1pPr>
+            <a:lvl2pPr marL="0" indent="0" algn="l" defTabSz="2194513" rtl="0" eaLnBrk="1" latinLnBrk="0" hangingPunct="1">
+              <a:lnSpc>
+                <a:spcPct val="100000"/>
+              </a:lnSpc>
+              <a:spcBef>
+                <a:spcPts val="0"/>
+              </a:spcBef>
+              <a:buClr>
+                <a:schemeClr val="accent2"/>
+              </a:buClr>
+              <a:buFont typeface="Arial" panose="020B0604020202020204" pitchFamily="34" charset="0"/>
+              <a:buNone/>
+              <a:defRPr sz="3000" kern="1200" cap="all" baseline="0">
+                <a:solidFill>
+                  <a:schemeClr val="bg1"/>
+                </a:solidFill>
+                <a:latin typeface="+mj-lt"/>
+                <a:ea typeface="+mn-ea"/>
+                <a:cs typeface="+mn-cs"/>
+              </a:defRPr>
+            </a:lvl2pPr>
+            <a:lvl3pPr marL="0" indent="0" algn="l" defTabSz="2194513" rtl="0" eaLnBrk="1" latinLnBrk="0" hangingPunct="1">
+              <a:lnSpc>
+                <a:spcPct val="100000"/>
+              </a:lnSpc>
+              <a:spcBef>
+                <a:spcPts val="0"/>
+              </a:spcBef>
+              <a:buClr>
+                <a:schemeClr val="accent2"/>
+              </a:buClr>
+              <a:buFont typeface="Arial" panose="020B0604020202020204" pitchFamily="34" charset="0"/>
+              <a:buNone/>
+              <a:defRPr sz="3000" kern="1200" cap="all" baseline="0">
+                <a:solidFill>
+                  <a:schemeClr val="bg1"/>
+                </a:solidFill>
+                <a:latin typeface="+mj-lt"/>
+                <a:ea typeface="+mn-ea"/>
+                <a:cs typeface="+mn-cs"/>
+              </a:defRPr>
+            </a:lvl3pPr>
+            <a:lvl4pPr marL="0" indent="0" algn="l" defTabSz="2194513" rtl="0" eaLnBrk="1" latinLnBrk="0" hangingPunct="1">
+              <a:lnSpc>
+                <a:spcPct val="100000"/>
+              </a:lnSpc>
+              <a:spcBef>
+                <a:spcPts val="0"/>
+              </a:spcBef>
+              <a:buClr>
+                <a:schemeClr val="accent2"/>
+              </a:buClr>
+              <a:buFont typeface="Arial" panose="020B0604020202020204" pitchFamily="34" charset="0"/>
+              <a:buNone/>
+              <a:defRPr sz="3000" kern="1200" cap="all" baseline="0">
+                <a:solidFill>
+                  <a:schemeClr val="bg1"/>
+                </a:solidFill>
+                <a:latin typeface="+mj-lt"/>
+                <a:ea typeface="+mn-ea"/>
+                <a:cs typeface="+mn-cs"/>
+              </a:defRPr>
+            </a:lvl4pPr>
+            <a:lvl5pPr marL="0" indent="0" algn="l" defTabSz="2194513" rtl="0" eaLnBrk="1" latinLnBrk="0" hangingPunct="1">
+              <a:lnSpc>
+                <a:spcPct val="100000"/>
+              </a:lnSpc>
+              <a:spcBef>
+                <a:spcPts val="0"/>
+              </a:spcBef>
+              <a:buClr>
+                <a:schemeClr val="accent2"/>
+              </a:buClr>
+              <a:buFont typeface="Arial" panose="020B0604020202020204" pitchFamily="34" charset="0"/>
+              <a:buNone/>
+              <a:defRPr sz="3000" kern="1200" cap="all" baseline="0">
+                <a:solidFill>
+                  <a:schemeClr val="bg1"/>
+                </a:solidFill>
+                <a:latin typeface="+mj-lt"/>
+                <a:ea typeface="+mn-ea"/>
+                <a:cs typeface="+mn-cs"/>
+              </a:defRPr>
+            </a:lvl5pPr>
+            <a:lvl6pPr marL="0" indent="0" algn="l" defTabSz="2194513" rtl="0" eaLnBrk="1" latinLnBrk="0" hangingPunct="1">
+              <a:lnSpc>
+                <a:spcPct val="100000"/>
+              </a:lnSpc>
+              <a:spcBef>
+                <a:spcPts val="0"/>
+              </a:spcBef>
+              <a:buClr>
+                <a:schemeClr val="accent2"/>
+              </a:buClr>
+              <a:buFont typeface="Arial" panose="020B0604020202020204" pitchFamily="34" charset="0"/>
+              <a:buNone/>
+              <a:defRPr sz="3000" kern="1200" cap="all" baseline="0">
+                <a:solidFill>
+                  <a:schemeClr val="bg1"/>
+                </a:solidFill>
+                <a:latin typeface="+mj-lt"/>
+                <a:ea typeface="+mn-ea"/>
+                <a:cs typeface="+mn-cs"/>
+              </a:defRPr>
+            </a:lvl6pPr>
+            <a:lvl7pPr marL="0" indent="0" algn="l" defTabSz="2194513" rtl="0" eaLnBrk="1" latinLnBrk="0" hangingPunct="1">
+              <a:lnSpc>
+                <a:spcPct val="100000"/>
+              </a:lnSpc>
+              <a:spcBef>
+                <a:spcPts val="0"/>
+              </a:spcBef>
+              <a:buClr>
+                <a:schemeClr val="accent2"/>
+              </a:buClr>
+              <a:buFont typeface="Arial" panose="020B0604020202020204" pitchFamily="34" charset="0"/>
+              <a:buNone/>
+              <a:defRPr sz="3000" kern="1200" cap="all" baseline="0">
+                <a:solidFill>
+                  <a:schemeClr val="bg1"/>
+                </a:solidFill>
+                <a:latin typeface="+mj-lt"/>
+                <a:ea typeface="+mn-ea"/>
+                <a:cs typeface="+mn-cs"/>
+              </a:defRPr>
+            </a:lvl7pPr>
+            <a:lvl8pPr marL="0" indent="0" algn="l" defTabSz="2194513" rtl="0" eaLnBrk="1" latinLnBrk="0" hangingPunct="1">
+              <a:lnSpc>
+                <a:spcPct val="100000"/>
+              </a:lnSpc>
+              <a:spcBef>
+                <a:spcPts val="0"/>
+              </a:spcBef>
+              <a:buClr>
+                <a:schemeClr val="accent2"/>
+              </a:buClr>
+              <a:buFont typeface="Arial" panose="020B0604020202020204" pitchFamily="34" charset="0"/>
+              <a:buNone/>
+              <a:defRPr sz="3000" kern="1200" cap="all" baseline="0">
+                <a:solidFill>
+                  <a:schemeClr val="bg1"/>
+                </a:solidFill>
+                <a:latin typeface="+mj-lt"/>
+                <a:ea typeface="+mn-ea"/>
+                <a:cs typeface="+mn-cs"/>
+              </a:defRPr>
+            </a:lvl8pPr>
+            <a:lvl9pPr marL="0" indent="0" algn="l" defTabSz="2194513" rtl="0" eaLnBrk="1" latinLnBrk="0" hangingPunct="1">
+              <a:lnSpc>
+                <a:spcPct val="100000"/>
+              </a:lnSpc>
+              <a:spcBef>
+                <a:spcPts val="0"/>
+              </a:spcBef>
+              <a:buClr>
+                <a:schemeClr val="accent2"/>
+              </a:buClr>
+              <a:buFont typeface="Arial" panose="020B0604020202020204" pitchFamily="34" charset="0"/>
+              <a:buNone/>
+              <a:defRPr sz="3000" kern="1200" cap="all" baseline="0">
+                <a:solidFill>
+                  <a:schemeClr val="bg1"/>
+                </a:solidFill>
+                <a:latin typeface="+mj-lt"/>
+                <a:ea typeface="+mn-ea"/>
+                <a:cs typeface="+mn-cs"/>
+              </a:defRPr>
+            </a:lvl9pPr>
+          </a:lstStyle>
+          <a:p>
+            <a:r>
+              <a:rPr lang="en-US"/>
+              <a:t>methods</a:t>
+            </a:r>
+            <a:endParaRPr lang="en-US" dirty="0"/>
+          </a:p>
+        </p:txBody>
+      </p:sp>
+      <p:sp>
+        <p:nvSpPr>
+          <p:cNvPr id="48" name="Content Placeholder 13">
+            <a:extLst>
+              <a:ext uri="{FF2B5EF4-FFF2-40B4-BE49-F238E27FC236}">
+                <a16:creationId xmlns:a16="http://schemas.microsoft.com/office/drawing/2014/main" id="{B98A5391-F4F6-41F1-8F45-1617C0E72369}"/>
+              </a:ext>
+            </a:extLst>
+          </p:cNvPr>
+          <p:cNvSpPr txBox="1">
+            <a:spLocks/>
+          </p:cNvSpPr>
+          <p:nvPr/>
+        </p:nvSpPr>
+        <p:spPr>
+          <a:xfrm>
+            <a:off x="763082" y="12573688"/>
+            <a:ext cx="8001000" cy="3123512"/>
+          </a:xfrm>
+          <a:prstGeom prst="rect">
+            <a:avLst/>
+          </a:prstGeom>
+        </p:spPr>
+        <p:txBody>
+          <a:bodyPr vert="horz" lIns="91440" tIns="182880" rIns="91440" bIns="45720" rtlCol="0">
+            <a:noAutofit/>
+          </a:bodyPr>
+          <a:lstStyle>
+            <a:lvl1pPr marL="228595" indent="-228595" algn="l" defTabSz="2194513" rtl="0" eaLnBrk="1" latinLnBrk="0" hangingPunct="1">
+              <a:lnSpc>
+                <a:spcPct val="100000"/>
+              </a:lnSpc>
+              <a:spcBef>
+                <a:spcPts val="600"/>
+              </a:spcBef>
+              <a:buClr>
+                <a:schemeClr val="accent2"/>
+              </a:buClr>
+              <a:buFont typeface="Arial" panose="020B0604020202020204" pitchFamily="34" charset="0"/>
+              <a:buChar char="•"/>
+              <a:defRPr sz="1400" kern="1200" baseline="0">
+                <a:solidFill>
+                  <a:schemeClr val="tx1"/>
+                </a:solidFill>
+                <a:latin typeface="+mn-lt"/>
+                <a:ea typeface="+mn-ea"/>
+                <a:cs typeface="+mn-cs"/>
+              </a:defRPr>
+            </a:lvl1pPr>
+            <a:lvl2pPr marL="548629" indent="-228595" algn="l" defTabSz="2194513" rtl="0" eaLnBrk="1" latinLnBrk="0" hangingPunct="1">
+              <a:lnSpc>
+                <a:spcPct val="100000"/>
+              </a:lnSpc>
+              <a:spcBef>
+                <a:spcPts val="600"/>
+              </a:spcBef>
+              <a:buClr>
+                <a:schemeClr val="accent2"/>
+              </a:buClr>
+              <a:buFont typeface="Arial" panose="020B0604020202020204" pitchFamily="34" charset="0"/>
+              <a:buChar char="•"/>
+              <a:defRPr sz="1200" kern="1200">
+                <a:solidFill>
+                  <a:schemeClr val="tx1"/>
+                </a:solidFill>
+                <a:latin typeface="+mn-lt"/>
+                <a:ea typeface="+mn-ea"/>
+                <a:cs typeface="+mn-cs"/>
+              </a:defRPr>
+            </a:lvl2pPr>
+            <a:lvl3pPr marL="548629" indent="-228595" algn="l" defTabSz="2194513" rtl="0" eaLnBrk="1" latinLnBrk="0" hangingPunct="1">
+              <a:lnSpc>
+                <a:spcPct val="100000"/>
+              </a:lnSpc>
+              <a:spcBef>
+                <a:spcPts val="600"/>
+              </a:spcBef>
+              <a:buClr>
+                <a:schemeClr val="accent2"/>
+              </a:buClr>
+              <a:buFont typeface="Arial" panose="020B0604020202020204" pitchFamily="34" charset="0"/>
+              <a:buChar char="•"/>
+              <a:defRPr sz="1200" kern="1200">
+                <a:solidFill>
+                  <a:schemeClr val="tx1"/>
+                </a:solidFill>
+                <a:latin typeface="+mn-lt"/>
+                <a:ea typeface="+mn-ea"/>
+                <a:cs typeface="+mn-cs"/>
+              </a:defRPr>
+            </a:lvl3pPr>
+            <a:lvl4pPr marL="548629" indent="-228595" algn="l" defTabSz="2194513" rtl="0" eaLnBrk="1" latinLnBrk="0" hangingPunct="1">
+              <a:lnSpc>
+                <a:spcPct val="100000"/>
+              </a:lnSpc>
+              <a:spcBef>
+                <a:spcPts val="600"/>
+              </a:spcBef>
+              <a:buClr>
+                <a:schemeClr val="accent2"/>
+              </a:buClr>
+              <a:buFont typeface="Arial" panose="020B0604020202020204" pitchFamily="34" charset="0"/>
+              <a:buChar char="•"/>
+              <a:defRPr sz="1200" kern="1200">
+                <a:solidFill>
+                  <a:schemeClr val="tx1"/>
+                </a:solidFill>
+                <a:latin typeface="+mn-lt"/>
+                <a:ea typeface="+mn-ea"/>
+                <a:cs typeface="+mn-cs"/>
+              </a:defRPr>
+            </a:lvl4pPr>
+            <a:lvl5pPr marL="548629" indent="-228595" algn="l" defTabSz="2194513" rtl="0" eaLnBrk="1" latinLnBrk="0" hangingPunct="1">
+              <a:lnSpc>
+                <a:spcPct val="100000"/>
+              </a:lnSpc>
+              <a:spcBef>
+                <a:spcPts val="600"/>
+              </a:spcBef>
+              <a:buClr>
+                <a:schemeClr val="accent2"/>
+              </a:buClr>
+              <a:buFont typeface="Arial" panose="020B0604020202020204" pitchFamily="34" charset="0"/>
+              <a:buChar char="•"/>
+              <a:defRPr sz="1200" kern="1200">
+                <a:solidFill>
+                  <a:schemeClr val="tx1"/>
+                </a:solidFill>
+                <a:latin typeface="+mn-lt"/>
+                <a:ea typeface="+mn-ea"/>
+                <a:cs typeface="+mn-cs"/>
+              </a:defRPr>
+            </a:lvl5pPr>
+            <a:lvl6pPr marL="548629" indent="-228595" algn="l" defTabSz="2194513" rtl="0" eaLnBrk="1" latinLnBrk="0" hangingPunct="1">
+              <a:lnSpc>
+                <a:spcPct val="100000"/>
+              </a:lnSpc>
+              <a:spcBef>
+                <a:spcPts val="600"/>
+              </a:spcBef>
+              <a:buClr>
+                <a:schemeClr val="accent2"/>
+              </a:buClr>
+              <a:buFont typeface="Arial" panose="020B0604020202020204" pitchFamily="34" charset="0"/>
+              <a:buChar char="•"/>
+              <a:defRPr sz="1200" kern="1200">
+                <a:solidFill>
+                  <a:schemeClr val="tx1"/>
+                </a:solidFill>
+                <a:latin typeface="+mn-lt"/>
+                <a:ea typeface="+mn-ea"/>
+                <a:cs typeface="+mn-cs"/>
+              </a:defRPr>
+            </a:lvl6pPr>
+            <a:lvl7pPr marL="548629" indent="-228595" algn="l" defTabSz="2194513" rtl="0" eaLnBrk="1" latinLnBrk="0" hangingPunct="1">
+              <a:lnSpc>
+                <a:spcPct val="100000"/>
+              </a:lnSpc>
+              <a:spcBef>
+                <a:spcPts val="600"/>
+              </a:spcBef>
+              <a:buClr>
+                <a:schemeClr val="accent2"/>
+              </a:buClr>
+              <a:buFont typeface="Arial" panose="020B0604020202020204" pitchFamily="34" charset="0"/>
+              <a:buChar char="•"/>
+              <a:defRPr sz="1200" kern="1200">
+                <a:solidFill>
+                  <a:schemeClr val="tx1"/>
+                </a:solidFill>
+                <a:latin typeface="+mn-lt"/>
+                <a:ea typeface="+mn-ea"/>
+                <a:cs typeface="+mn-cs"/>
+              </a:defRPr>
+            </a:lvl7pPr>
+            <a:lvl8pPr marL="548629" indent="-228595" algn="l" defTabSz="2194513" rtl="0" eaLnBrk="1" latinLnBrk="0" hangingPunct="1">
+              <a:lnSpc>
+                <a:spcPct val="100000"/>
+              </a:lnSpc>
+              <a:spcBef>
+                <a:spcPts val="600"/>
+              </a:spcBef>
+              <a:buClr>
+                <a:schemeClr val="accent2"/>
+              </a:buClr>
+              <a:buFont typeface="Arial" panose="020B0604020202020204" pitchFamily="34" charset="0"/>
+              <a:buChar char="•"/>
+              <a:defRPr sz="1200" kern="1200">
+                <a:solidFill>
+                  <a:schemeClr val="tx1"/>
+                </a:solidFill>
+                <a:latin typeface="+mn-lt"/>
+                <a:ea typeface="+mn-ea"/>
+                <a:cs typeface="+mn-cs"/>
+              </a:defRPr>
+            </a:lvl8pPr>
+            <a:lvl9pPr marL="548629" indent="-228595" algn="l" defTabSz="2194513" rtl="0" eaLnBrk="1" latinLnBrk="0" hangingPunct="1">
+              <a:lnSpc>
+                <a:spcPct val="100000"/>
+              </a:lnSpc>
+              <a:spcBef>
+                <a:spcPts val="600"/>
+              </a:spcBef>
+              <a:buClr>
+                <a:schemeClr val="accent2"/>
+              </a:buClr>
+              <a:buFont typeface="Arial" panose="020B0604020202020204" pitchFamily="34" charset="0"/>
+              <a:buChar char="•"/>
+              <a:defRPr sz="1200" kern="1200">
+                <a:solidFill>
+                  <a:schemeClr val="tx1"/>
+                </a:solidFill>
+                <a:latin typeface="+mn-lt"/>
+                <a:ea typeface="+mn-ea"/>
+                <a:cs typeface="+mn-cs"/>
+              </a:defRPr>
+            </a:lvl9pPr>
+          </a:lstStyle>
+          <a:p>
+            <a:pPr algn="just"/>
+            <a:r>
+              <a:rPr lang="en-US" dirty="0">
+                <a:latin typeface="Times New Roman" panose="02020603050405020304" pitchFamily="18" charset="0"/>
+                <a:cs typeface="Times New Roman" panose="02020603050405020304" pitchFamily="18" charset="0"/>
+              </a:rPr>
+              <a:t>A novel statistical technique, E-divisive with medians (EDM), is utilized for this study. </a:t>
+            </a:r>
+          </a:p>
+          <a:p>
+            <a:pPr algn="just"/>
+            <a:r>
+              <a:rPr lang="en-US" dirty="0">
+                <a:latin typeface="Times New Roman" panose="02020603050405020304" pitchFamily="18" charset="0"/>
+                <a:cs typeface="Times New Roman" panose="02020603050405020304" pitchFamily="18" charset="0"/>
+              </a:rPr>
+              <a:t>As compared to the other algorithms, EDM has the following advantages:</a:t>
+            </a:r>
+          </a:p>
+          <a:p>
+            <a:pPr marL="548634" lvl="2" indent="-228600" algn="just">
+              <a:buFont typeface="+mj-lt"/>
+              <a:buAutoNum type="arabicPeriod"/>
+            </a:pPr>
+            <a:r>
+              <a:rPr lang="en-US" sz="1400" dirty="0">
+                <a:latin typeface="Times New Roman" panose="02020603050405020304" pitchFamily="18" charset="0"/>
+                <a:cs typeface="Times New Roman" panose="02020603050405020304" pitchFamily="18" charset="0"/>
+              </a:rPr>
+              <a:t>EDM utilizes a local smoother (rolling median) to raw data, and therefore is robust to the presence of anomalies; </a:t>
+            </a:r>
+          </a:p>
+          <a:p>
+            <a:pPr marL="548634" lvl="2" indent="-228600" algn="just">
+              <a:buFont typeface="Arial" panose="020B0604020202020204" pitchFamily="34" charset="0"/>
+              <a:buAutoNum type="arabicPeriod" startAt="2"/>
+            </a:pPr>
+            <a:r>
+              <a:rPr lang="en-US" sz="1400" dirty="0">
+                <a:latin typeface="Times New Roman" panose="02020603050405020304" pitchFamily="18" charset="0"/>
+                <a:cs typeface="Times New Roman" panose="02020603050405020304" pitchFamily="18" charset="0"/>
+              </a:rPr>
+              <a:t>EDM employs energy statistics (E-divisive) to detect divergence of means that can detect 'mean shift' (sudden change), 'ramping' (gradual change), and distribution changes at multiple change points. This method is proven to have comparable or better efficacy </a:t>
+            </a:r>
+          </a:p>
+          <a:p>
+            <a:pPr marL="548634" lvl="2" indent="-228600" algn="just">
+              <a:buFont typeface="Arial" panose="020B0604020202020204" pitchFamily="34" charset="0"/>
+              <a:buAutoNum type="arabicPeriod" startAt="2"/>
+            </a:pPr>
+            <a:r>
+              <a:rPr lang="en-US" sz="1400" dirty="0">
+                <a:latin typeface="Times New Roman" panose="02020603050405020304" pitchFamily="18" charset="0"/>
+                <a:cs typeface="Times New Roman" panose="02020603050405020304" pitchFamily="18" charset="0"/>
+              </a:rPr>
+              <a:t>EDM is non-parametric, the method will adapt to the data's underlying distribution, and can detect when distribution changes</a:t>
+            </a:r>
+          </a:p>
+          <a:p>
+            <a:pPr marL="548634" lvl="2" indent="-228600" algn="just">
+              <a:buFont typeface="Arial" panose="020B0604020202020204" pitchFamily="34" charset="0"/>
+              <a:buAutoNum type="arabicPeriod" startAt="4"/>
+            </a:pPr>
+            <a:r>
+              <a:rPr lang="en-US" sz="1400" dirty="0">
+                <a:latin typeface="Times New Roman" panose="02020603050405020304" pitchFamily="18" charset="0"/>
+                <a:cs typeface="Times New Roman" panose="02020603050405020304" pitchFamily="18" charset="0"/>
+              </a:rPr>
+              <a:t>EDM is 3.5x faster due to the usage of interval trees to approximate median. Since the median is approximated, the breakout location may be not exact.</a:t>
+            </a:r>
+          </a:p>
+        </p:txBody>
+      </p:sp>
+      <p:pic>
+        <p:nvPicPr>
+          <p:cNvPr id="55" name="Picture 54">
+            <a:extLst>
+              <a:ext uri="{FF2B5EF4-FFF2-40B4-BE49-F238E27FC236}">
+                <a16:creationId xmlns:a16="http://schemas.microsoft.com/office/drawing/2014/main" id="{27A14A85-E0C0-4C06-8002-56D820F37216}"/>
+              </a:ext>
+            </a:extLst>
+          </p:cNvPr>
+          <p:cNvPicPr>
+            <a:picLocks noChangeAspect="1"/>
+          </p:cNvPicPr>
+          <p:nvPr/>
+        </p:nvPicPr>
+        <p:blipFill>
+          <a:blip r:embed="rId5" cstate="print">
+            <a:extLst>
+              <a:ext uri="{28A0092B-C50C-407E-A947-70E740481C1C}">
+                <a14:useLocalDpi xmlns:a14="http://schemas.microsoft.com/office/drawing/2010/main" val="0"/>
+              </a:ext>
+            </a:extLst>
+          </a:blip>
+          <a:stretch>
+            <a:fillRect/>
+          </a:stretch>
+        </p:blipFill>
+        <p:spPr>
+          <a:xfrm>
+            <a:off x="10455303" y="8649208"/>
+            <a:ext cx="6494415" cy="3247209"/>
+          </a:xfrm>
+          <a:prstGeom prst="rect">
+            <a:avLst/>
+          </a:prstGeom>
+        </p:spPr>
+      </p:pic>
+      <p:pic>
+        <p:nvPicPr>
+          <p:cNvPr id="56" name="Picture 55">
+            <a:extLst>
+              <a:ext uri="{FF2B5EF4-FFF2-40B4-BE49-F238E27FC236}">
+                <a16:creationId xmlns:a16="http://schemas.microsoft.com/office/drawing/2014/main" id="{8431C5A1-835A-4FDF-B78A-3F54AE20D28B}"/>
+              </a:ext>
+            </a:extLst>
+          </p:cNvPr>
+          <p:cNvPicPr>
+            <a:picLocks noChangeAspect="1"/>
+          </p:cNvPicPr>
+          <p:nvPr/>
+        </p:nvPicPr>
+        <p:blipFill>
+          <a:blip r:embed="rId6" cstate="print">
+            <a:extLst>
+              <a:ext uri="{28A0092B-C50C-407E-A947-70E740481C1C}">
+                <a14:useLocalDpi xmlns:a14="http://schemas.microsoft.com/office/drawing/2010/main" val="0"/>
+              </a:ext>
+            </a:extLst>
+          </a:blip>
+          <a:stretch>
+            <a:fillRect/>
+          </a:stretch>
+        </p:blipFill>
+        <p:spPr>
+          <a:xfrm>
+            <a:off x="19479853" y="7008218"/>
+            <a:ext cx="6494415" cy="3247208"/>
+          </a:xfrm>
+          <a:prstGeom prst="rect">
+            <a:avLst/>
+          </a:prstGeom>
+        </p:spPr>
+      </p:pic>
+      <p:sp>
+        <p:nvSpPr>
+          <p:cNvPr id="57" name="Text Placeholder 6">
+            <a:extLst>
+              <a:ext uri="{FF2B5EF4-FFF2-40B4-BE49-F238E27FC236}">
+                <a16:creationId xmlns:a16="http://schemas.microsoft.com/office/drawing/2014/main" id="{E8BB549A-91E4-4388-94A6-CC8532977EFD}"/>
+              </a:ext>
+            </a:extLst>
+          </p:cNvPr>
+          <p:cNvSpPr>
+            <a:spLocks noGrp="1"/>
+          </p:cNvSpPr>
+          <p:nvPr>
+            <p:ph type="body" sz="quarter" idx="17"/>
+          </p:nvPr>
+        </p:nvSpPr>
+        <p:spPr>
+          <a:xfrm>
+            <a:off x="18675153" y="13283250"/>
+            <a:ext cx="8001000" cy="609600"/>
+          </a:xfrm>
+        </p:spPr>
+        <p:txBody>
+          <a:bodyPr/>
+          <a:lstStyle/>
+          <a:p>
+            <a:r>
+              <a:rPr lang="en-US" dirty="0"/>
+              <a:t>REFERENCES</a:t>
+            </a:r>
+          </a:p>
+        </p:txBody>
+      </p:sp>
+      <p:sp>
+        <p:nvSpPr>
+          <p:cNvPr id="58" name="Content Placeholder 21">
+            <a:extLst>
+              <a:ext uri="{FF2B5EF4-FFF2-40B4-BE49-F238E27FC236}">
+                <a16:creationId xmlns:a16="http://schemas.microsoft.com/office/drawing/2014/main" id="{B69BAE7F-9DE9-49EE-9509-F82B7754B0C2}"/>
+              </a:ext>
+            </a:extLst>
+          </p:cNvPr>
+          <p:cNvSpPr txBox="1">
+            <a:spLocks/>
+          </p:cNvSpPr>
+          <p:nvPr/>
+        </p:nvSpPr>
+        <p:spPr>
+          <a:xfrm>
+            <a:off x="18667918" y="13788587"/>
+            <a:ext cx="8001000" cy="2079870"/>
+          </a:xfrm>
+          <a:prstGeom prst="rect">
+            <a:avLst/>
+          </a:prstGeom>
+        </p:spPr>
+        <p:txBody>
+          <a:bodyPr vert="horz" lIns="91440" tIns="182880" rIns="91440" bIns="45720" rtlCol="0">
+            <a:normAutofit/>
+          </a:bodyPr>
+          <a:lstStyle>
+            <a:lvl1pPr marL="228595" indent="-228595" algn="l" defTabSz="2194513" rtl="0" eaLnBrk="1" latinLnBrk="0" hangingPunct="1">
+              <a:lnSpc>
+                <a:spcPct val="100000"/>
+              </a:lnSpc>
+              <a:spcBef>
+                <a:spcPts val="600"/>
+              </a:spcBef>
+              <a:buClr>
+                <a:schemeClr val="accent2"/>
+              </a:buClr>
+              <a:buFont typeface="Arial" panose="020B0604020202020204" pitchFamily="34" charset="0"/>
+              <a:buChar char="•"/>
+              <a:defRPr sz="1400" kern="1200" baseline="0">
+                <a:solidFill>
+                  <a:schemeClr val="tx1"/>
+                </a:solidFill>
+                <a:latin typeface="+mn-lt"/>
+                <a:ea typeface="+mn-ea"/>
+                <a:cs typeface="+mn-cs"/>
+              </a:defRPr>
+            </a:lvl1pPr>
+            <a:lvl2pPr marL="548629" indent="-228595" algn="l" defTabSz="2194513" rtl="0" eaLnBrk="1" latinLnBrk="0" hangingPunct="1">
+              <a:lnSpc>
+                <a:spcPct val="100000"/>
+              </a:lnSpc>
+              <a:spcBef>
+                <a:spcPts val="600"/>
+              </a:spcBef>
+              <a:buClr>
+                <a:schemeClr val="accent2"/>
+              </a:buClr>
+              <a:buFont typeface="Arial" panose="020B0604020202020204" pitchFamily="34" charset="0"/>
+              <a:buChar char="•"/>
+              <a:defRPr sz="1200" kern="1200">
+                <a:solidFill>
+                  <a:schemeClr val="tx1"/>
+                </a:solidFill>
+                <a:latin typeface="+mn-lt"/>
+                <a:ea typeface="+mn-ea"/>
+                <a:cs typeface="+mn-cs"/>
+              </a:defRPr>
+            </a:lvl2pPr>
+            <a:lvl3pPr marL="548629" indent="-228595" algn="l" defTabSz="2194513" rtl="0" eaLnBrk="1" latinLnBrk="0" hangingPunct="1">
+              <a:lnSpc>
+                <a:spcPct val="100000"/>
+              </a:lnSpc>
+              <a:spcBef>
+                <a:spcPts val="600"/>
+              </a:spcBef>
+              <a:buClr>
+                <a:schemeClr val="accent2"/>
+              </a:buClr>
+              <a:buFont typeface="Arial" panose="020B0604020202020204" pitchFamily="34" charset="0"/>
+              <a:buChar char="•"/>
+              <a:defRPr sz="1200" kern="1200">
+                <a:solidFill>
+                  <a:schemeClr val="tx1"/>
+                </a:solidFill>
+                <a:latin typeface="+mn-lt"/>
+                <a:ea typeface="+mn-ea"/>
+                <a:cs typeface="+mn-cs"/>
+              </a:defRPr>
+            </a:lvl3pPr>
+            <a:lvl4pPr marL="548629" indent="-228595" algn="l" defTabSz="2194513" rtl="0" eaLnBrk="1" latinLnBrk="0" hangingPunct="1">
+              <a:lnSpc>
+                <a:spcPct val="100000"/>
+              </a:lnSpc>
+              <a:spcBef>
+                <a:spcPts val="600"/>
+              </a:spcBef>
+              <a:buClr>
+                <a:schemeClr val="accent2"/>
+              </a:buClr>
+              <a:buFont typeface="Arial" panose="020B0604020202020204" pitchFamily="34" charset="0"/>
+              <a:buChar char="•"/>
+              <a:defRPr sz="1200" kern="1200">
+                <a:solidFill>
+                  <a:schemeClr val="tx1"/>
+                </a:solidFill>
+                <a:latin typeface="+mn-lt"/>
+                <a:ea typeface="+mn-ea"/>
+                <a:cs typeface="+mn-cs"/>
+              </a:defRPr>
+            </a:lvl4pPr>
+            <a:lvl5pPr marL="548629" indent="-228595" algn="l" defTabSz="2194513" rtl="0" eaLnBrk="1" latinLnBrk="0" hangingPunct="1">
+              <a:lnSpc>
+                <a:spcPct val="100000"/>
+              </a:lnSpc>
+              <a:spcBef>
+                <a:spcPts val="600"/>
+              </a:spcBef>
+              <a:buClr>
+                <a:schemeClr val="accent2"/>
+              </a:buClr>
+              <a:buFont typeface="Arial" panose="020B0604020202020204" pitchFamily="34" charset="0"/>
+              <a:buChar char="•"/>
+              <a:defRPr sz="1200" kern="1200">
+                <a:solidFill>
+                  <a:schemeClr val="tx1"/>
+                </a:solidFill>
+                <a:latin typeface="+mn-lt"/>
+                <a:ea typeface="+mn-ea"/>
+                <a:cs typeface="+mn-cs"/>
+              </a:defRPr>
+            </a:lvl5pPr>
+            <a:lvl6pPr marL="548629" indent="-228595" algn="l" defTabSz="2194513" rtl="0" eaLnBrk="1" latinLnBrk="0" hangingPunct="1">
+              <a:lnSpc>
+                <a:spcPct val="100000"/>
+              </a:lnSpc>
+              <a:spcBef>
+                <a:spcPts val="600"/>
+              </a:spcBef>
+              <a:buClr>
+                <a:schemeClr val="accent2"/>
+              </a:buClr>
+              <a:buFont typeface="Arial" panose="020B0604020202020204" pitchFamily="34" charset="0"/>
+              <a:buChar char="•"/>
+              <a:defRPr sz="1200" kern="1200">
+                <a:solidFill>
+                  <a:schemeClr val="tx1"/>
+                </a:solidFill>
+                <a:latin typeface="+mn-lt"/>
+                <a:ea typeface="+mn-ea"/>
+                <a:cs typeface="+mn-cs"/>
+              </a:defRPr>
+            </a:lvl6pPr>
+            <a:lvl7pPr marL="548629" indent="-228595" algn="l" defTabSz="2194513" rtl="0" eaLnBrk="1" latinLnBrk="0" hangingPunct="1">
+              <a:lnSpc>
+                <a:spcPct val="100000"/>
+              </a:lnSpc>
+              <a:spcBef>
+                <a:spcPts val="600"/>
+              </a:spcBef>
+              <a:buClr>
+                <a:schemeClr val="accent2"/>
+              </a:buClr>
+              <a:buFont typeface="Arial" panose="020B0604020202020204" pitchFamily="34" charset="0"/>
+              <a:buChar char="•"/>
+              <a:defRPr sz="1200" kern="1200">
+                <a:solidFill>
+                  <a:schemeClr val="tx1"/>
+                </a:solidFill>
+                <a:latin typeface="+mn-lt"/>
+                <a:ea typeface="+mn-ea"/>
+                <a:cs typeface="+mn-cs"/>
+              </a:defRPr>
+            </a:lvl7pPr>
+            <a:lvl8pPr marL="548629" indent="-228595" algn="l" defTabSz="2194513" rtl="0" eaLnBrk="1" latinLnBrk="0" hangingPunct="1">
+              <a:lnSpc>
+                <a:spcPct val="100000"/>
+              </a:lnSpc>
+              <a:spcBef>
+                <a:spcPts val="600"/>
+              </a:spcBef>
+              <a:buClr>
+                <a:schemeClr val="accent2"/>
+              </a:buClr>
+              <a:buFont typeface="Arial" panose="020B0604020202020204" pitchFamily="34" charset="0"/>
+              <a:buChar char="•"/>
+              <a:defRPr sz="1200" kern="1200">
+                <a:solidFill>
+                  <a:schemeClr val="tx1"/>
+                </a:solidFill>
+                <a:latin typeface="+mn-lt"/>
+                <a:ea typeface="+mn-ea"/>
+                <a:cs typeface="+mn-cs"/>
+              </a:defRPr>
+            </a:lvl8pPr>
+            <a:lvl9pPr marL="548629" indent="-228595" algn="l" defTabSz="2194513" rtl="0" eaLnBrk="1" latinLnBrk="0" hangingPunct="1">
+              <a:lnSpc>
+                <a:spcPct val="100000"/>
+              </a:lnSpc>
+              <a:spcBef>
+                <a:spcPts val="600"/>
+              </a:spcBef>
+              <a:buClr>
+                <a:schemeClr val="accent2"/>
+              </a:buClr>
+              <a:buFont typeface="Arial" panose="020B0604020202020204" pitchFamily="34" charset="0"/>
+              <a:buChar char="•"/>
+              <a:defRPr sz="1200" kern="1200">
+                <a:solidFill>
+                  <a:schemeClr val="tx1"/>
+                </a:solidFill>
+                <a:latin typeface="+mn-lt"/>
+                <a:ea typeface="+mn-ea"/>
+                <a:cs typeface="+mn-cs"/>
+              </a:defRPr>
+            </a:lvl9pPr>
+          </a:lstStyle>
+          <a:p>
+            <a:pPr marL="0" algn="just"/>
+            <a:r>
+              <a:rPr lang="en-US" sz="1100" dirty="0">
+                <a:latin typeface="Times New Roman" panose="02020603050405020304" pitchFamily="18" charset="0"/>
+                <a:cs typeface="Times New Roman" panose="02020603050405020304" pitchFamily="18" charset="0"/>
+              </a:rPr>
+              <a:t>James, Nicholas A., </a:t>
+            </a:r>
+            <a:r>
+              <a:rPr lang="en-US" sz="1100" dirty="0" err="1">
+                <a:latin typeface="Times New Roman" panose="02020603050405020304" pitchFamily="18" charset="0"/>
+                <a:cs typeface="Times New Roman" panose="02020603050405020304" pitchFamily="18" charset="0"/>
+              </a:rPr>
+              <a:t>Arun</a:t>
+            </a:r>
+            <a:r>
+              <a:rPr lang="en-US" sz="1100" dirty="0">
+                <a:latin typeface="Times New Roman" panose="02020603050405020304" pitchFamily="18" charset="0"/>
+                <a:cs typeface="Times New Roman" panose="02020603050405020304" pitchFamily="18" charset="0"/>
+              </a:rPr>
+              <a:t> </a:t>
+            </a:r>
+            <a:r>
+              <a:rPr lang="en-US" sz="1100" dirty="0" err="1">
+                <a:latin typeface="Times New Roman" panose="02020603050405020304" pitchFamily="18" charset="0"/>
+                <a:cs typeface="Times New Roman" panose="02020603050405020304" pitchFamily="18" charset="0"/>
+              </a:rPr>
+              <a:t>Kejariwal</a:t>
+            </a:r>
+            <a:r>
+              <a:rPr lang="en-US" sz="1100" dirty="0">
+                <a:latin typeface="Times New Roman" panose="02020603050405020304" pitchFamily="18" charset="0"/>
+                <a:cs typeface="Times New Roman" panose="02020603050405020304" pitchFamily="18" charset="0"/>
+              </a:rPr>
+              <a:t>, and David S. Matteson. "Leveraging cloud data to mitigate user experience from ‘Breaking Bad’." In Big Data (Big Data), 2016 IEEE International Conference on, pp. 3499-3508. IEEE, 2016.</a:t>
+            </a:r>
+          </a:p>
+          <a:p>
+            <a:pPr marL="0" algn="just"/>
+            <a:r>
+              <a:rPr lang="en-US" sz="1100" dirty="0">
+                <a:latin typeface="Times New Roman" panose="02020603050405020304" pitchFamily="18" charset="0"/>
+                <a:cs typeface="Times New Roman" panose="02020603050405020304" pitchFamily="18" charset="0"/>
+              </a:rPr>
+              <a:t>Matteson, David S., and James, Nicholas A. "A nonparametric approach for multiple change point analysis of multivariate data." Journal of the American Statistical Association 109, no. 505 (2014): 334-345.</a:t>
+            </a:r>
+          </a:p>
+          <a:p>
+            <a:pPr marL="0" algn="just"/>
+            <a:r>
+              <a:rPr lang="en-US" sz="1100" dirty="0">
+                <a:latin typeface="Times New Roman" panose="02020603050405020304" pitchFamily="18" charset="0"/>
+                <a:cs typeface="Times New Roman" panose="02020603050405020304" pitchFamily="18" charset="0"/>
+              </a:rPr>
+              <a:t>Rebecca </a:t>
+            </a:r>
+            <a:r>
+              <a:rPr lang="en-US" sz="1100" dirty="0" err="1">
+                <a:latin typeface="Times New Roman" panose="02020603050405020304" pitchFamily="18" charset="0"/>
+                <a:cs typeface="Times New Roman" panose="02020603050405020304" pitchFamily="18" charset="0"/>
+              </a:rPr>
+              <a:t>Killick</a:t>
+            </a:r>
+            <a:r>
+              <a:rPr lang="en-US" sz="1100" dirty="0">
+                <a:latin typeface="Times New Roman" panose="02020603050405020304" pitchFamily="18" charset="0"/>
+                <a:cs typeface="Times New Roman" panose="02020603050405020304" pitchFamily="18" charset="0"/>
+              </a:rPr>
+              <a:t>, Paul </a:t>
+            </a:r>
+            <a:r>
+              <a:rPr lang="en-US" sz="1100" dirty="0" err="1">
+                <a:latin typeface="Times New Roman" panose="02020603050405020304" pitchFamily="18" charset="0"/>
+                <a:cs typeface="Times New Roman" panose="02020603050405020304" pitchFamily="18" charset="0"/>
+              </a:rPr>
+              <a:t>Fearnhead</a:t>
+            </a:r>
+            <a:r>
+              <a:rPr lang="en-US" sz="1100" dirty="0">
+                <a:latin typeface="Times New Roman" panose="02020603050405020304" pitchFamily="18" charset="0"/>
+                <a:cs typeface="Times New Roman" panose="02020603050405020304" pitchFamily="18" charset="0"/>
+              </a:rPr>
+              <a:t>, and IA </a:t>
+            </a:r>
+            <a:r>
+              <a:rPr lang="en-US" sz="1100" dirty="0" err="1">
+                <a:latin typeface="Times New Roman" panose="02020603050405020304" pitchFamily="18" charset="0"/>
+                <a:cs typeface="Times New Roman" panose="02020603050405020304" pitchFamily="18" charset="0"/>
+              </a:rPr>
+              <a:t>Eckley</a:t>
+            </a:r>
+            <a:r>
+              <a:rPr lang="en-US" sz="1100" dirty="0">
+                <a:latin typeface="Times New Roman" panose="02020603050405020304" pitchFamily="18" charset="0"/>
+                <a:cs typeface="Times New Roman" panose="02020603050405020304" pitchFamily="18" charset="0"/>
+              </a:rPr>
+              <a:t>. "Optimal detection of changepoints with a linear computational cost." Journal of the American Statistical Association, 107(500):1590–1598, 2012</a:t>
+            </a:r>
+          </a:p>
+          <a:p>
+            <a:pPr marL="0" algn="just"/>
+            <a:r>
+              <a:rPr lang="en-US" sz="1100" dirty="0" err="1">
+                <a:latin typeface="Times New Roman" panose="02020603050405020304" pitchFamily="18" charset="0"/>
+                <a:cs typeface="Times New Roman" panose="02020603050405020304" pitchFamily="18" charset="0"/>
+              </a:rPr>
+              <a:t>Rodionov</a:t>
+            </a:r>
+            <a:r>
+              <a:rPr lang="en-US" sz="1100" dirty="0">
+                <a:latin typeface="Times New Roman" panose="02020603050405020304" pitchFamily="18" charset="0"/>
+                <a:cs typeface="Times New Roman" panose="02020603050405020304" pitchFamily="18" charset="0"/>
+              </a:rPr>
+              <a:t>, S. N. "A brief overview of the regime shift detection methods." Large-scale disturbances (regime shifts) and recovery in aquatic ecosystems: challenges for management toward sustainability (2005): 17-24.</a:t>
+            </a:r>
+          </a:p>
+          <a:p>
+            <a:pPr marL="0" algn="just"/>
+            <a:r>
+              <a:rPr lang="en-US" sz="1100" dirty="0" err="1">
+                <a:latin typeface="Times New Roman" panose="02020603050405020304" pitchFamily="18" charset="0"/>
+                <a:cs typeface="Times New Roman" panose="02020603050405020304" pitchFamily="18" charset="0"/>
+              </a:rPr>
+              <a:t>Pohlert</a:t>
+            </a:r>
+            <a:r>
+              <a:rPr lang="en-US" sz="1100" dirty="0">
+                <a:latin typeface="Times New Roman" panose="02020603050405020304" pitchFamily="18" charset="0"/>
+                <a:cs typeface="Times New Roman" panose="02020603050405020304" pitchFamily="18" charset="0"/>
+              </a:rPr>
+              <a:t>, Thorsten. "Non-parametric trend tests and change-point detection." CC BY-ND 4 (2018).</a:t>
+            </a:r>
+          </a:p>
+        </p:txBody>
+      </p:sp>
+      <p:sp>
+        <p:nvSpPr>
+          <p:cNvPr id="61" name="Text Placeholder 17">
+            <a:extLst>
+              <a:ext uri="{FF2B5EF4-FFF2-40B4-BE49-F238E27FC236}">
+                <a16:creationId xmlns:a16="http://schemas.microsoft.com/office/drawing/2014/main" id="{9EB9154D-EFCE-47B8-BB9E-DE396DB5A1ED}"/>
+              </a:ext>
+            </a:extLst>
+          </p:cNvPr>
+          <p:cNvSpPr txBox="1">
+            <a:spLocks/>
+          </p:cNvSpPr>
+          <p:nvPr/>
+        </p:nvSpPr>
+        <p:spPr>
+          <a:xfrm>
+            <a:off x="9728397" y="2926079"/>
+            <a:ext cx="8001000" cy="609600"/>
+          </a:xfrm>
+          <a:prstGeom prst="round1Rect">
+            <a:avLst/>
+          </a:prstGeom>
+          <a:solidFill>
+            <a:schemeClr val="accent6"/>
+          </a:solidFill>
+        </p:spPr>
+        <p:txBody>
+          <a:bodyPr vert="horz" lIns="365760" tIns="45720" rIns="91440" bIns="45720" rtlCol="0" anchor="ctr">
+            <a:noAutofit/>
+          </a:bodyPr>
+          <a:lstStyle>
+            <a:lvl1pPr marL="0" indent="0" algn="l" defTabSz="2194513" rtl="0" eaLnBrk="1" latinLnBrk="0" hangingPunct="1">
+              <a:lnSpc>
+                <a:spcPct val="100000"/>
+              </a:lnSpc>
+              <a:spcBef>
+                <a:spcPts val="0"/>
+              </a:spcBef>
+              <a:buClr>
+                <a:schemeClr val="accent2"/>
+              </a:buClr>
+              <a:buFont typeface="Arial" panose="020B0604020202020204" pitchFamily="34" charset="0"/>
+              <a:buNone/>
+              <a:defRPr sz="3000" kern="1200" cap="all" baseline="0">
+                <a:solidFill>
+                  <a:schemeClr val="bg1"/>
+                </a:solidFill>
+                <a:latin typeface="+mj-lt"/>
+                <a:ea typeface="+mn-ea"/>
+                <a:cs typeface="+mn-cs"/>
+              </a:defRPr>
+            </a:lvl1pPr>
+            <a:lvl2pPr marL="0" indent="0" algn="l" defTabSz="2194513" rtl="0" eaLnBrk="1" latinLnBrk="0" hangingPunct="1">
+              <a:lnSpc>
+                <a:spcPct val="100000"/>
+              </a:lnSpc>
+              <a:spcBef>
+                <a:spcPts val="0"/>
+              </a:spcBef>
+              <a:buClr>
+                <a:schemeClr val="accent2"/>
+              </a:buClr>
+              <a:buFont typeface="Arial" panose="020B0604020202020204" pitchFamily="34" charset="0"/>
+              <a:buNone/>
+              <a:defRPr sz="3000" kern="1200" cap="all" baseline="0">
+                <a:solidFill>
+                  <a:schemeClr val="bg1"/>
+                </a:solidFill>
+                <a:latin typeface="+mj-lt"/>
+                <a:ea typeface="+mn-ea"/>
+                <a:cs typeface="+mn-cs"/>
+              </a:defRPr>
+            </a:lvl2pPr>
+            <a:lvl3pPr marL="0" indent="0" algn="l" defTabSz="2194513" rtl="0" eaLnBrk="1" latinLnBrk="0" hangingPunct="1">
+              <a:lnSpc>
+                <a:spcPct val="100000"/>
+              </a:lnSpc>
+              <a:spcBef>
+                <a:spcPts val="0"/>
+              </a:spcBef>
+              <a:buClr>
+                <a:schemeClr val="accent2"/>
+              </a:buClr>
+              <a:buFont typeface="Arial" panose="020B0604020202020204" pitchFamily="34" charset="0"/>
+              <a:buNone/>
+              <a:defRPr sz="3000" kern="1200" cap="all" baseline="0">
+                <a:solidFill>
+                  <a:schemeClr val="bg1"/>
+                </a:solidFill>
+                <a:latin typeface="+mj-lt"/>
+                <a:ea typeface="+mn-ea"/>
+                <a:cs typeface="+mn-cs"/>
+              </a:defRPr>
+            </a:lvl3pPr>
+            <a:lvl4pPr marL="0" indent="0" algn="l" defTabSz="2194513" rtl="0" eaLnBrk="1" latinLnBrk="0" hangingPunct="1">
+              <a:lnSpc>
+                <a:spcPct val="100000"/>
+              </a:lnSpc>
+              <a:spcBef>
+                <a:spcPts val="0"/>
+              </a:spcBef>
+              <a:buClr>
+                <a:schemeClr val="accent2"/>
+              </a:buClr>
+              <a:buFont typeface="Arial" panose="020B0604020202020204" pitchFamily="34" charset="0"/>
+              <a:buNone/>
+              <a:defRPr sz="3000" kern="1200" cap="all" baseline="0">
+                <a:solidFill>
+                  <a:schemeClr val="bg1"/>
+                </a:solidFill>
+                <a:latin typeface="+mj-lt"/>
+                <a:ea typeface="+mn-ea"/>
+                <a:cs typeface="+mn-cs"/>
+              </a:defRPr>
+            </a:lvl4pPr>
+            <a:lvl5pPr marL="0" indent="0" algn="l" defTabSz="2194513" rtl="0" eaLnBrk="1" latinLnBrk="0" hangingPunct="1">
+              <a:lnSpc>
+                <a:spcPct val="100000"/>
+              </a:lnSpc>
+              <a:spcBef>
+                <a:spcPts val="0"/>
+              </a:spcBef>
+              <a:buClr>
+                <a:schemeClr val="accent2"/>
+              </a:buClr>
+              <a:buFont typeface="Arial" panose="020B0604020202020204" pitchFamily="34" charset="0"/>
+              <a:buNone/>
+              <a:defRPr sz="3000" kern="1200" cap="all" baseline="0">
+                <a:solidFill>
+                  <a:schemeClr val="bg1"/>
+                </a:solidFill>
+                <a:latin typeface="+mj-lt"/>
+                <a:ea typeface="+mn-ea"/>
+                <a:cs typeface="+mn-cs"/>
+              </a:defRPr>
+            </a:lvl5pPr>
+            <a:lvl6pPr marL="0" indent="0" algn="l" defTabSz="2194513" rtl="0" eaLnBrk="1" latinLnBrk="0" hangingPunct="1">
+              <a:lnSpc>
+                <a:spcPct val="100000"/>
+              </a:lnSpc>
+              <a:spcBef>
+                <a:spcPts val="0"/>
+              </a:spcBef>
+              <a:buClr>
+                <a:schemeClr val="accent2"/>
+              </a:buClr>
+              <a:buFont typeface="Arial" panose="020B0604020202020204" pitchFamily="34" charset="0"/>
+              <a:buNone/>
+              <a:defRPr sz="3000" kern="1200" cap="all" baseline="0">
+                <a:solidFill>
+                  <a:schemeClr val="bg1"/>
+                </a:solidFill>
+                <a:latin typeface="+mj-lt"/>
+                <a:ea typeface="+mn-ea"/>
+                <a:cs typeface="+mn-cs"/>
+              </a:defRPr>
+            </a:lvl6pPr>
+            <a:lvl7pPr marL="0" indent="0" algn="l" defTabSz="2194513" rtl="0" eaLnBrk="1" latinLnBrk="0" hangingPunct="1">
+              <a:lnSpc>
+                <a:spcPct val="100000"/>
+              </a:lnSpc>
+              <a:spcBef>
+                <a:spcPts val="0"/>
+              </a:spcBef>
+              <a:buClr>
+                <a:schemeClr val="accent2"/>
+              </a:buClr>
+              <a:buFont typeface="Arial" panose="020B0604020202020204" pitchFamily="34" charset="0"/>
+              <a:buNone/>
+              <a:defRPr sz="3000" kern="1200" cap="all" baseline="0">
+                <a:solidFill>
+                  <a:schemeClr val="bg1"/>
+                </a:solidFill>
+                <a:latin typeface="+mj-lt"/>
+                <a:ea typeface="+mn-ea"/>
+                <a:cs typeface="+mn-cs"/>
+              </a:defRPr>
+            </a:lvl7pPr>
+            <a:lvl8pPr marL="0" indent="0" algn="l" defTabSz="2194513" rtl="0" eaLnBrk="1" latinLnBrk="0" hangingPunct="1">
+              <a:lnSpc>
+                <a:spcPct val="100000"/>
+              </a:lnSpc>
+              <a:spcBef>
+                <a:spcPts val="0"/>
+              </a:spcBef>
+              <a:buClr>
+                <a:schemeClr val="accent2"/>
+              </a:buClr>
+              <a:buFont typeface="Arial" panose="020B0604020202020204" pitchFamily="34" charset="0"/>
+              <a:buNone/>
+              <a:defRPr sz="3000" kern="1200" cap="all" baseline="0">
+                <a:solidFill>
+                  <a:schemeClr val="bg1"/>
+                </a:solidFill>
+                <a:latin typeface="+mj-lt"/>
+                <a:ea typeface="+mn-ea"/>
+                <a:cs typeface="+mn-cs"/>
+              </a:defRPr>
+            </a:lvl8pPr>
+            <a:lvl9pPr marL="0" indent="0" algn="l" defTabSz="2194513" rtl="0" eaLnBrk="1" latinLnBrk="0" hangingPunct="1">
+              <a:lnSpc>
+                <a:spcPct val="100000"/>
+              </a:lnSpc>
+              <a:spcBef>
+                <a:spcPts val="0"/>
+              </a:spcBef>
+              <a:buClr>
+                <a:schemeClr val="accent2"/>
+              </a:buClr>
+              <a:buFont typeface="Arial" panose="020B0604020202020204" pitchFamily="34" charset="0"/>
+              <a:buNone/>
+              <a:defRPr sz="3000" kern="1200" cap="all" baseline="0">
+                <a:solidFill>
+                  <a:schemeClr val="bg1"/>
+                </a:solidFill>
+                <a:latin typeface="+mj-lt"/>
+                <a:ea typeface="+mn-ea"/>
+                <a:cs typeface="+mn-cs"/>
+              </a:defRPr>
+            </a:lvl9pPr>
+          </a:lstStyle>
+          <a:p>
+            <a:r>
+              <a:rPr lang="en-US" dirty="0"/>
+              <a:t>results</a:t>
+            </a:r>
+          </a:p>
+        </p:txBody>
+      </p:sp>
+      <p:pic>
+        <p:nvPicPr>
+          <p:cNvPr id="62" name="Picture 61">
+            <a:extLst>
+              <a:ext uri="{FF2B5EF4-FFF2-40B4-BE49-F238E27FC236}">
+                <a16:creationId xmlns:a16="http://schemas.microsoft.com/office/drawing/2014/main" id="{82D27648-1C83-4470-967B-777FC707A762}"/>
+              </a:ext>
+            </a:extLst>
+          </p:cNvPr>
+          <p:cNvPicPr>
+            <a:picLocks noChangeAspect="1"/>
+          </p:cNvPicPr>
+          <p:nvPr/>
+        </p:nvPicPr>
+        <p:blipFill>
+          <a:blip r:embed="rId7" cstate="print">
+            <a:extLst>
+              <a:ext uri="{28A0092B-C50C-407E-A947-70E740481C1C}">
+                <a14:useLocalDpi xmlns:a14="http://schemas.microsoft.com/office/drawing/2010/main" val="0"/>
+              </a:ext>
+            </a:extLst>
+          </a:blip>
+          <a:stretch>
+            <a:fillRect/>
+          </a:stretch>
+        </p:blipFill>
+        <p:spPr>
+          <a:xfrm>
+            <a:off x="10377931" y="12469862"/>
+            <a:ext cx="6568262" cy="3284131"/>
+          </a:xfrm>
+          <a:prstGeom prst="rect">
+            <a:avLst/>
+          </a:prstGeom>
+        </p:spPr>
+      </p:pic>
+      <p:pic>
+        <p:nvPicPr>
+          <p:cNvPr id="63" name="Picture 62">
+            <a:extLst>
+              <a:ext uri="{FF2B5EF4-FFF2-40B4-BE49-F238E27FC236}">
+                <a16:creationId xmlns:a16="http://schemas.microsoft.com/office/drawing/2014/main" id="{450362BE-967A-43F6-9ACC-AD2CAFC64A1C}"/>
+              </a:ext>
+            </a:extLst>
+          </p:cNvPr>
+          <p:cNvPicPr>
+            <a:picLocks noChangeAspect="1"/>
+          </p:cNvPicPr>
+          <p:nvPr/>
+        </p:nvPicPr>
+        <p:blipFill rotWithShape="1">
+          <a:blip r:embed="rId8" cstate="print">
+            <a:extLst>
+              <a:ext uri="{28A0092B-C50C-407E-A947-70E740481C1C}">
+                <a14:useLocalDpi xmlns:a14="http://schemas.microsoft.com/office/drawing/2010/main" val="0"/>
+              </a:ext>
+            </a:extLst>
+          </a:blip>
+          <a:srcRect l="50200" t="6047"/>
+          <a:stretch/>
+        </p:blipFill>
+        <p:spPr>
+          <a:xfrm>
+            <a:off x="10431271" y="12667200"/>
+            <a:ext cx="3283939" cy="3097751"/>
           </a:xfrm>
           <a:prstGeom prst="rect">
             <a:avLst/>
@@ -7536,6 +6703,1723 @@
     <p:extLst>
       <p:ext uri="{BB962C8B-B14F-4D97-AF65-F5344CB8AC3E}">
         <p14:creationId xmlns:p14="http://schemas.microsoft.com/office/powerpoint/2010/main" val="931198942"/>
+      </p:ext>
+    </p:extLst>
+  </p:cSld>
+  <p:clrMapOvr>
+    <a:masterClrMapping/>
+  </p:clrMapOvr>
+</p:sld>
+</file>
+
+<file path=ppt/slides/slide2.xml><?xml version="1.0" encoding="utf-8"?>
+<p:sld xmlns:a="http://schemas.openxmlformats.org/drawingml/2006/main" xmlns:r="http://schemas.openxmlformats.org/officeDocument/2006/relationships" xmlns:p="http://schemas.openxmlformats.org/presentationml/2006/main" show="0">
+  <p:cSld>
+    <p:spTree>
+      <p:nvGrpSpPr>
+        <p:cNvPr id="1" name=""/>
+        <p:cNvGrpSpPr/>
+        <p:nvPr/>
+      </p:nvGrpSpPr>
+      <p:grpSpPr>
+        <a:xfrm>
+          <a:off x="0" y="0"/>
+          <a:ext cx="0" cy="0"/>
+          <a:chOff x="0" y="0"/>
+          <a:chExt cx="0" cy="0"/>
+        </a:xfrm>
+      </p:grpSpPr>
+      <p:sp>
+        <p:nvSpPr>
+          <p:cNvPr id="4" name="Title 3"/>
+          <p:cNvSpPr>
+            <a:spLocks noGrp="1"/>
+          </p:cNvSpPr>
+          <p:nvPr>
+            <p:ph type="title"/>
+          </p:nvPr>
+        </p:nvSpPr>
+        <p:spPr>
+          <a:xfrm>
+            <a:off x="2724539" y="543415"/>
+            <a:ext cx="19381400" cy="1257270"/>
+          </a:xfrm>
+        </p:spPr>
+        <p:txBody>
+          <a:bodyPr>
+            <a:normAutofit fontScale="90000"/>
+          </a:bodyPr>
+          <a:lstStyle/>
+          <a:p>
+            <a:pPr algn="ctr"/>
+            <a:r>
+              <a:rPr lang="en-US" dirty="0"/>
+              <a:t>Breaking Bad: Robust Breakout Detection Based on E-Divisive with Medians (EDM) for Modeling Data Quality Control</a:t>
+            </a:r>
+          </a:p>
+        </p:txBody>
+      </p:sp>
+      <p:sp>
+        <p:nvSpPr>
+          <p:cNvPr id="23" name="Text Placeholder 22"/>
+          <p:cNvSpPr>
+            <a:spLocks noGrp="1"/>
+          </p:cNvSpPr>
+          <p:nvPr>
+            <p:ph type="body" sz="quarter" idx="36"/>
+          </p:nvPr>
+        </p:nvSpPr>
+        <p:spPr>
+          <a:xfrm>
+            <a:off x="4618673" y="1800685"/>
+            <a:ext cx="15544800" cy="415499"/>
+          </a:xfrm>
+        </p:spPr>
+        <p:txBody>
+          <a:bodyPr/>
+          <a:lstStyle/>
+          <a:p>
+            <a:pPr algn="ctr"/>
+            <a:r>
+              <a:rPr lang="en-US" sz="2000" dirty="0"/>
+              <a:t>Hao Zhang, Ph.D., Philadelphia Water Department, Philadelphia, PA, USA</a:t>
+            </a:r>
+          </a:p>
+        </p:txBody>
+      </p:sp>
+      <p:sp>
+        <p:nvSpPr>
+          <p:cNvPr id="5" name="Text Placeholder 4"/>
+          <p:cNvSpPr>
+            <a:spLocks noGrp="1"/>
+          </p:cNvSpPr>
+          <p:nvPr>
+            <p:ph type="body" sz="quarter" idx="13"/>
+          </p:nvPr>
+        </p:nvSpPr>
+        <p:spPr/>
+        <p:txBody>
+          <a:bodyPr/>
+          <a:lstStyle/>
+          <a:p>
+            <a:r>
+              <a:rPr lang="en-US" dirty="0"/>
+              <a:t>INTRODUCTION</a:t>
+            </a:r>
+          </a:p>
+        </p:txBody>
+      </p:sp>
+      <p:sp>
+        <p:nvSpPr>
+          <p:cNvPr id="7" name="Text Placeholder 6"/>
+          <p:cNvSpPr>
+            <a:spLocks noGrp="1"/>
+          </p:cNvSpPr>
+          <p:nvPr>
+            <p:ph type="body" sz="quarter" idx="17"/>
+          </p:nvPr>
+        </p:nvSpPr>
+        <p:spPr>
+          <a:xfrm>
+            <a:off x="755846" y="8186073"/>
+            <a:ext cx="8001000" cy="609600"/>
+          </a:xfrm>
+        </p:spPr>
+        <p:txBody>
+          <a:bodyPr/>
+          <a:lstStyle/>
+          <a:p>
+            <a:r>
+              <a:rPr lang="en-US" dirty="0"/>
+              <a:t>Motivation</a:t>
+            </a:r>
+          </a:p>
+        </p:txBody>
+      </p:sp>
+      <p:sp>
+        <p:nvSpPr>
+          <p:cNvPr id="12" name="Content Placeholder 11"/>
+          <p:cNvSpPr>
+            <a:spLocks noGrp="1"/>
+          </p:cNvSpPr>
+          <p:nvPr>
+            <p:ph sz="quarter" idx="25"/>
+          </p:nvPr>
+        </p:nvSpPr>
+        <p:spPr>
+          <a:xfrm>
+            <a:off x="767032" y="3605946"/>
+            <a:ext cx="4617461" cy="4408785"/>
+          </a:xfrm>
+        </p:spPr>
+        <p:txBody>
+          <a:bodyPr lIns="91440">
+            <a:noAutofit/>
+          </a:bodyPr>
+          <a:lstStyle/>
+          <a:p>
+            <a:pPr marL="0" algn="just">
+              <a:spcBef>
+                <a:spcPts val="300"/>
+              </a:spcBef>
+              <a:buFont typeface="Courier New" panose="02070309020205020404" pitchFamily="49" charset="0"/>
+              <a:buChar char="o"/>
+            </a:pPr>
+            <a:r>
+              <a:rPr lang="en-US" b="1" dirty="0"/>
+              <a:t>PWD maintains hydrologic and hydraulic (H&amp;H) models of the combined sewer collection system for planning, management and compliance purposes</a:t>
+            </a:r>
+          </a:p>
+          <a:p>
+            <a:pPr marL="0" algn="just">
+              <a:spcBef>
+                <a:spcPts val="300"/>
+              </a:spcBef>
+              <a:buFont typeface="Courier New" panose="02070309020205020404" pitchFamily="49" charset="0"/>
+              <a:buChar char="o"/>
+            </a:pPr>
+            <a:r>
+              <a:rPr lang="en-US" b="1" dirty="0"/>
+              <a:t>For model calibration/validation purposes, sewerage level and velocity at over 400 manholes have been monitored since the 2000s</a:t>
+            </a:r>
+          </a:p>
+          <a:p>
+            <a:pPr marL="0" algn="just">
+              <a:spcBef>
+                <a:spcPts val="300"/>
+              </a:spcBef>
+              <a:buFont typeface="Courier New" panose="02070309020205020404" pitchFamily="49" charset="0"/>
+              <a:buChar char="o"/>
+            </a:pPr>
+            <a:r>
+              <a:rPr lang="en-US" b="1" dirty="0"/>
+              <a:t>A stringent Quality Control (QC) protocol is conducted before the data can be used for Hydrologic &amp; Hydraulic modeling tasks</a:t>
+            </a:r>
+          </a:p>
+          <a:p>
+            <a:pPr marL="0" algn="just">
+              <a:spcBef>
+                <a:spcPts val="300"/>
+              </a:spcBef>
+              <a:buFont typeface="Courier New" panose="02070309020205020404" pitchFamily="49" charset="0"/>
+              <a:buChar char="o"/>
+            </a:pPr>
+            <a:r>
+              <a:rPr lang="en-US" b="1" dirty="0"/>
+              <a:t>Due to the high solid content in sewage, monitored data may suffered from breakouts caused by</a:t>
+            </a:r>
+          </a:p>
+          <a:p>
+            <a:pPr marL="320034" lvl="1" algn="just">
+              <a:spcBef>
+                <a:spcPts val="300"/>
+              </a:spcBef>
+              <a:buFont typeface="Courier New" panose="02070309020205020404" pitchFamily="49" charset="0"/>
+              <a:buChar char="o"/>
+            </a:pPr>
+            <a:r>
+              <a:rPr lang="en-US" sz="1400" b="1" dirty="0"/>
+              <a:t>sensor ragging, clogging</a:t>
+            </a:r>
+          </a:p>
+          <a:p>
+            <a:pPr marL="320034" lvl="1" algn="just">
+              <a:spcBef>
+                <a:spcPts val="300"/>
+              </a:spcBef>
+              <a:buFont typeface="Courier New" panose="02070309020205020404" pitchFamily="49" charset="0"/>
+              <a:buChar char="o"/>
+            </a:pPr>
+            <a:r>
+              <a:rPr lang="en-US" sz="1400" b="1" dirty="0"/>
+              <a:t>pipe surcharging, etc.</a:t>
+            </a:r>
+          </a:p>
+          <a:p>
+            <a:pPr marL="0" algn="just">
+              <a:spcBef>
+                <a:spcPts val="300"/>
+              </a:spcBef>
+              <a:buFont typeface="Courier New" panose="02070309020205020404" pitchFamily="49" charset="0"/>
+              <a:buChar char="o"/>
+            </a:pPr>
+            <a:r>
+              <a:rPr lang="en-US" b="1" dirty="0"/>
+              <a:t>Since a breakout isn’t always obvious due to the range of the observed values, visual detection of breakouts may not be sufficient, and thus a programmatic approach that can automatically detect breakouts is imperative. </a:t>
+            </a:r>
+          </a:p>
+          <a:p>
+            <a:pPr marL="0" algn="just">
+              <a:spcBef>
+                <a:spcPts val="300"/>
+              </a:spcBef>
+              <a:buFont typeface="Courier New" panose="02070309020205020404" pitchFamily="49" charset="0"/>
+              <a:buChar char="o"/>
+            </a:pPr>
+            <a:endParaRPr lang="en-US" b="1" dirty="0"/>
+          </a:p>
+        </p:txBody>
+      </p:sp>
+      <p:sp>
+        <p:nvSpPr>
+          <p:cNvPr id="8" name="Text Placeholder 7"/>
+          <p:cNvSpPr>
+            <a:spLocks noGrp="1"/>
+          </p:cNvSpPr>
+          <p:nvPr>
+            <p:ph type="body" sz="quarter" idx="19"/>
+          </p:nvPr>
+        </p:nvSpPr>
+        <p:spPr>
+          <a:xfrm>
+            <a:off x="714375" y="11410108"/>
+            <a:ext cx="8001000" cy="609600"/>
+          </a:xfrm>
+        </p:spPr>
+        <p:txBody>
+          <a:bodyPr/>
+          <a:lstStyle/>
+          <a:p>
+            <a:r>
+              <a:rPr lang="en-US" dirty="0"/>
+              <a:t>objectives</a:t>
+            </a:r>
+          </a:p>
+        </p:txBody>
+      </p:sp>
+      <p:sp>
+        <p:nvSpPr>
+          <p:cNvPr id="13" name="Content Placeholder 12"/>
+          <p:cNvSpPr>
+            <a:spLocks noGrp="1"/>
+          </p:cNvSpPr>
+          <p:nvPr>
+            <p:ph sz="quarter" idx="26"/>
+          </p:nvPr>
+        </p:nvSpPr>
+        <p:spPr>
+          <a:xfrm>
+            <a:off x="714375" y="12022724"/>
+            <a:ext cx="8001000" cy="2516236"/>
+          </a:xfrm>
+        </p:spPr>
+        <p:txBody>
+          <a:bodyPr lIns="91440">
+            <a:normAutofit fontScale="92500" lnSpcReduction="20000"/>
+          </a:bodyPr>
+          <a:lstStyle/>
+          <a:p>
+            <a:pPr marL="0" indent="0" algn="just">
+              <a:buNone/>
+            </a:pPr>
+            <a:r>
+              <a:rPr lang="en-US" b="1" dirty="0"/>
+              <a:t>Measurement Accuracy determines the overall model quality. This study aims to develop a workflow as a quality control (QC) measure for flow monitoring data by utilizing a sound breakout detection algorithm.</a:t>
+            </a:r>
+          </a:p>
+          <a:p>
+            <a:pPr algn="just"/>
+            <a:r>
+              <a:rPr lang="en-US" dirty="0"/>
+              <a:t>First, select a breakout detection algorithm from major breakout detection algorithms that is:</a:t>
+            </a:r>
+          </a:p>
+          <a:p>
+            <a:pPr marL="320034" lvl="1" algn="just">
+              <a:spcBef>
+                <a:spcPts val="300"/>
+              </a:spcBef>
+              <a:buFont typeface="Courier New" panose="02070309020205020404" pitchFamily="49" charset="0"/>
+              <a:buChar char="o"/>
+            </a:pPr>
+            <a:r>
+              <a:rPr lang="en-US" sz="1400" b="1" dirty="0"/>
+              <a:t>Able to detect various types of change (mean shift, ramp up, variance change, etc.)</a:t>
+            </a:r>
+          </a:p>
+          <a:p>
+            <a:pPr marL="320034" lvl="1" algn="just">
+              <a:spcBef>
+                <a:spcPts val="300"/>
+              </a:spcBef>
+              <a:buFont typeface="Courier New" panose="02070309020205020404" pitchFamily="49" charset="0"/>
+              <a:buChar char="o"/>
+            </a:pPr>
+            <a:r>
+              <a:rPr lang="en-US" sz="1400" b="1" dirty="0"/>
+              <a:t>robust against the presence of anomalies (as runoff response tends to interfere with the breakout detection)</a:t>
+            </a:r>
+          </a:p>
+          <a:p>
+            <a:pPr marL="320034" lvl="1" algn="just">
+              <a:spcBef>
+                <a:spcPts val="300"/>
+              </a:spcBef>
+              <a:buFont typeface="Courier New" panose="02070309020205020404" pitchFamily="49" charset="0"/>
+              <a:buChar char="o"/>
+            </a:pPr>
+            <a:r>
+              <a:rPr lang="en-US" sz="1400" b="1" dirty="0"/>
+              <a:t>Able to detect multiple breakouts</a:t>
+            </a:r>
+          </a:p>
+          <a:p>
+            <a:pPr marL="320034" lvl="1" algn="just">
+              <a:spcBef>
+                <a:spcPts val="300"/>
+              </a:spcBef>
+              <a:buFont typeface="Courier New" panose="02070309020205020404" pitchFamily="49" charset="0"/>
+              <a:buChar char="o"/>
+            </a:pPr>
+            <a:r>
+              <a:rPr lang="en-US" sz="1400" b="1" dirty="0"/>
+              <a:t>no assumption on sample distribution (as it is usually unknown a-priori)</a:t>
+            </a:r>
+          </a:p>
+          <a:p>
+            <a:pPr marL="320034" lvl="1" algn="just">
+              <a:spcBef>
+                <a:spcPts val="300"/>
+              </a:spcBef>
+              <a:buFont typeface="Courier New" panose="02070309020205020404" pitchFamily="49" charset="0"/>
+              <a:buChar char="o"/>
+            </a:pPr>
+            <a:r>
+              <a:rPr lang="en-US" sz="1400" b="1" dirty="0"/>
+              <a:t>Fast enough for routine tasks</a:t>
+            </a:r>
+            <a:endParaRPr lang="en-US" dirty="0"/>
+          </a:p>
+          <a:p>
+            <a:pPr algn="just"/>
+            <a:r>
+              <a:rPr lang="en-US" dirty="0"/>
+              <a:t>Then, tune the parameters to match the expected outcome</a:t>
+            </a:r>
+          </a:p>
+          <a:p>
+            <a:pPr algn="just"/>
+            <a:r>
+              <a:rPr lang="en-US" dirty="0"/>
+              <a:t>Finally, develop an application using the R statistical programming language to analyze flow monitoring data, and generate quarterly reports. Set up a routine workflow for this process</a:t>
+            </a:r>
+          </a:p>
+        </p:txBody>
+      </p:sp>
+      <p:sp>
+        <p:nvSpPr>
+          <p:cNvPr id="9" name="Text Placeholder 8"/>
+          <p:cNvSpPr>
+            <a:spLocks noGrp="1"/>
+          </p:cNvSpPr>
+          <p:nvPr>
+            <p:ph type="body" sz="quarter" idx="21"/>
+          </p:nvPr>
+        </p:nvSpPr>
+        <p:spPr/>
+        <p:txBody>
+          <a:bodyPr/>
+          <a:lstStyle/>
+          <a:p>
+            <a:r>
+              <a:rPr lang="en-US"/>
+              <a:t>methods</a:t>
+            </a:r>
+            <a:endParaRPr lang="en-US" dirty="0"/>
+          </a:p>
+        </p:txBody>
+      </p:sp>
+      <p:sp>
+        <p:nvSpPr>
+          <p:cNvPr id="14" name="Content Placeholder 13"/>
+          <p:cNvSpPr>
+            <a:spLocks noGrp="1"/>
+          </p:cNvSpPr>
+          <p:nvPr>
+            <p:ph sz="quarter" idx="27"/>
+          </p:nvPr>
+        </p:nvSpPr>
+        <p:spPr>
+          <a:xfrm>
+            <a:off x="9715500" y="3535679"/>
+            <a:ext cx="8001000" cy="8958105"/>
+          </a:xfrm>
+        </p:spPr>
+        <p:txBody>
+          <a:bodyPr lIns="91440">
+            <a:noAutofit/>
+          </a:bodyPr>
+          <a:lstStyle/>
+          <a:p>
+            <a:pPr algn="just"/>
+            <a:r>
+              <a:rPr lang="en-US" b="1" dirty="0"/>
+              <a:t>Major change point analyses, e.g., PELT, binary segmentation, etc. all have their limitations. </a:t>
+            </a:r>
+          </a:p>
+          <a:p>
+            <a:pPr lvl="1" algn="just"/>
+            <a:r>
+              <a:rPr lang="en-US" sz="1400" b="1" dirty="0"/>
+              <a:t>PELT can only detect one change point, and the data distribution must be specified;</a:t>
+            </a:r>
+          </a:p>
+          <a:p>
+            <a:pPr lvl="1" algn="just"/>
+            <a:r>
+              <a:rPr lang="en-US" sz="1400" b="1" dirty="0"/>
+              <a:t>E-divisive is computational intensive, and it may take hours to execute</a:t>
+            </a:r>
+          </a:p>
+          <a:p>
+            <a:pPr algn="just"/>
+            <a:r>
+              <a:rPr lang="en-US" b="1" dirty="0"/>
+              <a:t>A novel statistical technique, E-divisive with medians (EDM), is utilized for this study. Compared to the other algorithms, EDM has the following advantages:</a:t>
+            </a:r>
+          </a:p>
+          <a:p>
+            <a:pPr marL="548634" lvl="2" indent="-228600" algn="just">
+              <a:buFont typeface="+mj-lt"/>
+              <a:buAutoNum type="arabicPeriod"/>
+            </a:pPr>
+            <a:r>
+              <a:rPr lang="en-US" sz="1400" b="1" dirty="0"/>
+              <a:t>EDM utilizes a local smoother (rolling median) to raw data, and therefore is robust to the presence of anomalies; </a:t>
+            </a:r>
+          </a:p>
+          <a:p>
+            <a:pPr marL="548634" lvl="2" indent="-228600" algn="just">
+              <a:buAutoNum type="arabicPeriod" startAt="2"/>
+            </a:pPr>
+            <a:r>
+              <a:rPr lang="en-US" sz="1400" b="1" dirty="0"/>
+              <a:t>EDM employs energy statistics (E-divisive) to detect divergence of means that can detect 'mean shift' (sudden change), 'ramping' (gradual change), and distribution changes at multiple change points. This method is proven to be comparable or better in efficacy </a:t>
+            </a:r>
+          </a:p>
+          <a:p>
+            <a:pPr marL="548634" lvl="2" indent="-228600" algn="just">
+              <a:buAutoNum type="arabicPeriod" startAt="2"/>
+            </a:pPr>
+            <a:r>
+              <a:rPr lang="en-US" sz="1400" b="1" dirty="0"/>
+              <a:t>EDM is non-parametric, the method will adapt to the data's underlying distribution, and therefore can detect when distribution changes;</a:t>
+            </a:r>
+          </a:p>
+          <a:p>
+            <a:pPr marL="548634" lvl="2" indent="-228600" algn="just">
+              <a:buAutoNum type="arabicPeriod" startAt="4"/>
+            </a:pPr>
+            <a:r>
+              <a:rPr lang="en-US" sz="1400" b="1" dirty="0"/>
+              <a:t>EDM is 3.5x faster due to the usage of interval trees to approximate median. Since the median is approximated, the breakout location is a roughly estimate.</a:t>
+            </a:r>
+          </a:p>
+          <a:p>
+            <a:pPr algn="just"/>
+            <a:r>
+              <a:rPr lang="en-US" b="1" dirty="0"/>
+              <a:t>The </a:t>
+            </a:r>
+            <a:r>
+              <a:rPr lang="en-US" b="1" dirty="0" err="1">
+                <a:latin typeface="Consolas" panose="020B0609020204030204" pitchFamily="49" charset="0"/>
+                <a:cs typeface="Consolas" panose="020B0609020204030204" pitchFamily="49" charset="0"/>
+              </a:rPr>
+              <a:t>BreakoutDetection</a:t>
+            </a:r>
+            <a:r>
+              <a:rPr lang="en-US" b="1" dirty="0"/>
+              <a:t> is an open-source R package that implements the EDM algorithm for detecting breakouts. The package is developed by Twitter Engineers and has been used for analyzing cloud metrices on a daily basis at Twitter. </a:t>
+            </a:r>
+          </a:p>
+          <a:p>
+            <a:pPr lvl="1" algn="just"/>
+            <a:r>
+              <a:rPr lang="en-US" sz="1400" b="1" dirty="0"/>
+              <a:t>The </a:t>
+            </a:r>
+            <a:r>
+              <a:rPr lang="en-US" sz="1400" b="1" dirty="0">
+                <a:latin typeface="Consolas" panose="020B0609020204030204" pitchFamily="49" charset="0"/>
+                <a:cs typeface="Consolas" panose="020B0609020204030204" pitchFamily="49" charset="0"/>
+              </a:rPr>
+              <a:t>breakout()</a:t>
+            </a:r>
+            <a:r>
+              <a:rPr lang="en-US" sz="1400" b="1" dirty="0"/>
+              <a:t> function contains a few non-trivial parameters.</a:t>
+            </a:r>
+          </a:p>
+          <a:p>
+            <a:pPr lvl="7" algn="just"/>
+            <a:r>
+              <a:rPr lang="en-US" sz="1400" b="1" dirty="0">
+                <a:latin typeface="Consolas" panose="020B0609020204030204" pitchFamily="49" charset="0"/>
+                <a:cs typeface="Consolas" panose="020B0609020204030204" pitchFamily="49" charset="0"/>
+              </a:rPr>
+              <a:t>Z</a:t>
+            </a:r>
+            <a:r>
+              <a:rPr lang="en-US" sz="1400" b="1" dirty="0"/>
+              <a:t>: The input time series. This is either a numeric vector or a data frame which has 'timestamp' and 'count' components.</a:t>
+            </a:r>
+          </a:p>
+          <a:p>
+            <a:pPr lvl="1" algn="just"/>
+            <a:r>
+              <a:rPr lang="en-US" sz="1400" b="1" dirty="0" err="1">
+                <a:latin typeface="Consolas" panose="020B0609020204030204" pitchFamily="49" charset="0"/>
+                <a:cs typeface="Consolas" panose="020B0609020204030204" pitchFamily="49" charset="0"/>
+              </a:rPr>
+              <a:t>min.size</a:t>
+            </a:r>
+            <a:r>
+              <a:rPr lang="en-US" sz="1400" b="1" dirty="0"/>
+              <a:t>: The minimum number of observations between change points.</a:t>
+            </a:r>
+          </a:p>
+          <a:p>
+            <a:pPr lvl="1" algn="just"/>
+            <a:r>
+              <a:rPr lang="en-US" sz="1400" b="1" dirty="0">
+                <a:latin typeface="Consolas" panose="020B0609020204030204" pitchFamily="49" charset="0"/>
+                <a:cs typeface="Consolas" panose="020B0609020204030204" pitchFamily="49" charset="0"/>
+              </a:rPr>
+              <a:t>method</a:t>
+            </a:r>
+            <a:r>
+              <a:rPr lang="en-US" sz="1400" b="1" dirty="0"/>
+              <a:t>: either '</a:t>
+            </a:r>
+            <a:r>
+              <a:rPr lang="en-US" sz="1400" b="1" dirty="0" err="1">
+                <a:latin typeface="Consolas" panose="020B0609020204030204" pitchFamily="49" charset="0"/>
+                <a:cs typeface="Consolas" panose="020B0609020204030204" pitchFamily="49" charset="0"/>
+              </a:rPr>
+              <a:t>amoc</a:t>
+            </a:r>
+            <a:r>
+              <a:rPr lang="en-US" sz="1400" b="1" dirty="0"/>
+              <a:t>' (At Most One Change) or '</a:t>
+            </a:r>
+            <a:r>
+              <a:rPr lang="en-US" sz="1400" b="1" dirty="0">
+                <a:latin typeface="Consolas" panose="020B0609020204030204" pitchFamily="49" charset="0"/>
+                <a:cs typeface="Consolas" panose="020B0609020204030204" pitchFamily="49" charset="0"/>
+              </a:rPr>
+              <a:t>multi</a:t>
+            </a:r>
+            <a:r>
+              <a:rPr lang="en-US" sz="1400" b="1" dirty="0"/>
+              <a:t>' (Multiple Changes). For '</a:t>
+            </a:r>
+            <a:r>
+              <a:rPr lang="en-US" sz="1400" b="1" dirty="0" err="1"/>
+              <a:t>amoc</a:t>
+            </a:r>
+            <a:r>
+              <a:rPr lang="en-US" sz="1400" b="1" dirty="0"/>
+              <a:t>' at most one change point location will be returned.</a:t>
+            </a:r>
+          </a:p>
+          <a:p>
+            <a:pPr marL="320034" lvl="1" indent="0" algn="just">
+              <a:buNone/>
+            </a:pPr>
+            <a:r>
+              <a:rPr lang="en-US" sz="1400" b="1" dirty="0"/>
+              <a:t>For multiple change analysis (method='multi"):</a:t>
+            </a:r>
+          </a:p>
+          <a:p>
+            <a:pPr lvl="1" algn="just"/>
+            <a:r>
+              <a:rPr lang="en-US" sz="1400" b="1" dirty="0">
+                <a:latin typeface="Consolas" panose="020B0609020204030204" pitchFamily="49" charset="0"/>
+                <a:cs typeface="Consolas" panose="020B0609020204030204" pitchFamily="49" charset="0"/>
+              </a:rPr>
+              <a:t>degree</a:t>
+            </a:r>
+            <a:r>
+              <a:rPr lang="en-US" sz="1400" b="1" dirty="0"/>
+              <a:t>: The degree of the penalization polynomial; can be 0, 1, or 2</a:t>
+            </a:r>
+          </a:p>
+          <a:p>
+            <a:pPr lvl="1" algn="just"/>
+            <a:r>
+              <a:rPr lang="en-US" sz="1400" b="1" dirty="0">
+                <a:latin typeface="Consolas" panose="020B0609020204030204" pitchFamily="49" charset="0"/>
+                <a:cs typeface="Consolas" panose="020B0609020204030204" pitchFamily="49" charset="0"/>
+              </a:rPr>
+              <a:t>beta</a:t>
+            </a:r>
+            <a:r>
+              <a:rPr lang="en-US" sz="1400" b="1" dirty="0"/>
+              <a:t>: the default form of penalization</a:t>
+            </a:r>
+          </a:p>
+          <a:p>
+            <a:pPr lvl="1" algn="just"/>
+            <a:r>
+              <a:rPr lang="en-US" sz="1400" b="1" dirty="0">
+                <a:latin typeface="Consolas" panose="020B0609020204030204" pitchFamily="49" charset="0"/>
+                <a:cs typeface="Consolas" panose="020B0609020204030204" pitchFamily="49" charset="0"/>
+              </a:rPr>
+              <a:t>percent</a:t>
+            </a:r>
+            <a:r>
+              <a:rPr lang="en-US" sz="1400" b="1" dirty="0"/>
+              <a:t>: the minimum percent change in the goodness of fit statistic to consider adding an additional change point.</a:t>
+            </a:r>
+          </a:p>
+        </p:txBody>
+      </p:sp>
+      <p:sp>
+        <p:nvSpPr>
+          <p:cNvPr id="16" name="Text Placeholder 15"/>
+          <p:cNvSpPr>
+            <a:spLocks noGrp="1"/>
+          </p:cNvSpPr>
+          <p:nvPr>
+            <p:ph type="body" sz="quarter" idx="29"/>
+          </p:nvPr>
+        </p:nvSpPr>
+        <p:spPr>
+          <a:xfrm>
+            <a:off x="9830923" y="11410108"/>
+            <a:ext cx="8001000" cy="609600"/>
+          </a:xfrm>
+        </p:spPr>
+        <p:txBody>
+          <a:bodyPr/>
+          <a:lstStyle/>
+          <a:p>
+            <a:r>
+              <a:rPr lang="en-US" dirty="0"/>
+              <a:t>results</a:t>
+            </a:r>
+          </a:p>
+        </p:txBody>
+      </p:sp>
+      <p:sp>
+        <p:nvSpPr>
+          <p:cNvPr id="17" name="Content Placeholder 16"/>
+          <p:cNvSpPr>
+            <a:spLocks noGrp="1"/>
+          </p:cNvSpPr>
+          <p:nvPr>
+            <p:ph sz="quarter" idx="30"/>
+          </p:nvPr>
+        </p:nvSpPr>
+        <p:spPr>
+          <a:xfrm>
+            <a:off x="9830923" y="12083916"/>
+            <a:ext cx="8001000" cy="4024764"/>
+          </a:xfrm>
+        </p:spPr>
+        <p:txBody>
+          <a:bodyPr lIns="91440">
+            <a:noAutofit/>
+          </a:bodyPr>
+          <a:lstStyle/>
+          <a:p>
+            <a:pPr marL="0" indent="0">
+              <a:buNone/>
+            </a:pPr>
+            <a:r>
+              <a:rPr lang="en-US" sz="1600" b="1" dirty="0"/>
+              <a:t>Model parameters:</a:t>
+            </a:r>
+          </a:p>
+          <a:p>
+            <a:pPr marL="0" lvl="7"/>
+            <a:r>
+              <a:rPr lang="en-US" sz="1600" b="1" dirty="0">
+                <a:latin typeface="Consolas" panose="020B0609020204030204" pitchFamily="49" charset="0"/>
+                <a:cs typeface="Consolas" panose="020B0609020204030204" pitchFamily="49" charset="0"/>
+              </a:rPr>
+              <a:t>Z </a:t>
+            </a:r>
+            <a:r>
+              <a:rPr lang="en-US" sz="1600" b="1" dirty="0"/>
+              <a:t>: </a:t>
+            </a:r>
+            <a:r>
+              <a:rPr lang="en-US" sz="1600" dirty="0"/>
+              <a:t>hourly averaged data is used for runtime efficiency</a:t>
+            </a:r>
+          </a:p>
+          <a:p>
+            <a:pPr marL="0" lvl="7"/>
+            <a:r>
+              <a:rPr lang="en-US" sz="1600" b="1" dirty="0" err="1">
+                <a:latin typeface="Consolas" panose="020B0609020204030204" pitchFamily="49" charset="0"/>
+                <a:cs typeface="Consolas" panose="020B0609020204030204" pitchFamily="49" charset="0"/>
+              </a:rPr>
+              <a:t>min.size</a:t>
+            </a:r>
+            <a:r>
+              <a:rPr lang="en-US" sz="1600" b="1" dirty="0">
+                <a:latin typeface="Consolas" panose="020B0609020204030204" pitchFamily="49" charset="0"/>
+                <a:cs typeface="Consolas" panose="020B0609020204030204" pitchFamily="49" charset="0"/>
+              </a:rPr>
+              <a:t> = 240</a:t>
+            </a:r>
+            <a:r>
+              <a:rPr lang="en-US" sz="1600" b="1" dirty="0"/>
+              <a:t>:  </a:t>
+            </a:r>
+            <a:r>
+              <a:rPr lang="en-US" sz="1600" dirty="0"/>
+              <a:t>the steady states must be at least 10 days (10 x 24 = 240)</a:t>
+            </a:r>
+          </a:p>
+          <a:p>
+            <a:pPr marL="0" lvl="7"/>
+            <a:r>
+              <a:rPr lang="en-US" sz="1600" b="1" dirty="0">
+                <a:latin typeface="Consolas" panose="020B0609020204030204" pitchFamily="49" charset="0"/>
+                <a:cs typeface="Consolas" panose="020B0609020204030204" pitchFamily="49" charset="0"/>
+              </a:rPr>
+              <a:t>method = 'multi’</a:t>
+            </a:r>
+            <a:r>
+              <a:rPr lang="en-US" sz="1600" b="1" dirty="0"/>
+              <a:t>: </a:t>
+            </a:r>
+            <a:r>
+              <a:rPr lang="en-US" sz="1600" dirty="0"/>
+              <a:t>multiple breakouts detection is desired</a:t>
+            </a:r>
+          </a:p>
+          <a:p>
+            <a:pPr marL="0" lvl="7"/>
+            <a:r>
+              <a:rPr lang="en-US" sz="1600" b="1" dirty="0">
+                <a:latin typeface="Consolas" panose="020B0609020204030204" pitchFamily="49" charset="0"/>
+                <a:cs typeface="Consolas" panose="020B0609020204030204" pitchFamily="49" charset="0"/>
+              </a:rPr>
+              <a:t>degree=1</a:t>
+            </a:r>
+            <a:r>
+              <a:rPr lang="en-US" sz="1600" b="1" dirty="0"/>
+              <a:t>:</a:t>
+            </a:r>
+            <a:r>
+              <a:rPr lang="en-US" sz="1600" dirty="0"/>
+              <a:t> set the penalization polynomial to 1 (default)</a:t>
+            </a:r>
+          </a:p>
+          <a:p>
+            <a:pPr marL="0" lvl="7"/>
+            <a:r>
+              <a:rPr lang="en-US" sz="1600" b="1" dirty="0">
+                <a:latin typeface="Consolas" panose="020B0609020204030204" pitchFamily="49" charset="0"/>
+                <a:cs typeface="Consolas" panose="020B0609020204030204" pitchFamily="49" charset="0"/>
+              </a:rPr>
+              <a:t>beta=0.008</a:t>
+            </a:r>
+            <a:r>
+              <a:rPr lang="en-US" sz="1600" dirty="0"/>
+              <a:t>: determined via elbow plot</a:t>
+            </a:r>
+          </a:p>
+          <a:p>
+            <a:pPr marL="0" lvl="7"/>
+            <a:r>
+              <a:rPr lang="en-US" sz="1600" b="1" dirty="0">
+                <a:latin typeface="Consolas" panose="020B0609020204030204" pitchFamily="49" charset="0"/>
+                <a:cs typeface="Consolas" panose="020B0609020204030204" pitchFamily="49" charset="0"/>
+              </a:rPr>
+              <a:t>percent=0.10</a:t>
+            </a:r>
+            <a:r>
+              <a:rPr lang="en-US" sz="1600" b="1" dirty="0"/>
+              <a:t>: </a:t>
+            </a:r>
+            <a:r>
+              <a:rPr lang="en-US" sz="1600" dirty="0"/>
+              <a:t>determined via elbow plot </a:t>
+            </a:r>
+          </a:p>
+          <a:p>
+            <a:pPr marL="0" lvl="7" indent="0">
+              <a:buNone/>
+            </a:pPr>
+            <a:r>
+              <a:rPr lang="en-US" sz="1600" b="1" dirty="0"/>
+              <a:t>Implementation: </a:t>
+            </a:r>
+          </a:p>
+          <a:p>
+            <a:r>
+              <a:rPr lang="en-US" sz="1600" dirty="0"/>
+              <a:t>Breakout detection through breakout() from the </a:t>
+            </a:r>
+            <a:r>
+              <a:rPr lang="en-US" sz="1600" dirty="0" err="1"/>
+              <a:t>BreakoutDetection</a:t>
+            </a:r>
+            <a:r>
+              <a:rPr lang="en-US" sz="1600" dirty="0"/>
+              <a:t> package;</a:t>
+            </a:r>
+          </a:p>
+          <a:p>
+            <a:r>
+              <a:rPr lang="en-US" sz="1600" dirty="0"/>
+              <a:t>A custom plot showing the breakouts are developed using the ggplot2 package;</a:t>
+            </a:r>
+          </a:p>
+          <a:p>
+            <a:r>
+              <a:rPr lang="en-US" sz="1600" dirty="0"/>
+              <a:t>The R script is embed into a R markdown template, which generates a quarterly report when rendered.</a:t>
+            </a:r>
+          </a:p>
+        </p:txBody>
+      </p:sp>
+      <p:sp>
+        <p:nvSpPr>
+          <p:cNvPr id="18" name="Text Placeholder 17"/>
+          <p:cNvSpPr>
+            <a:spLocks noGrp="1"/>
+          </p:cNvSpPr>
+          <p:nvPr>
+            <p:ph type="body" sz="quarter" idx="31"/>
+          </p:nvPr>
+        </p:nvSpPr>
+        <p:spPr/>
+        <p:txBody>
+          <a:bodyPr/>
+          <a:lstStyle/>
+          <a:p>
+            <a:r>
+              <a:rPr lang="en-US"/>
+              <a:t>results</a:t>
+            </a:r>
+            <a:endParaRPr lang="en-US" dirty="0"/>
+          </a:p>
+        </p:txBody>
+      </p:sp>
+      <p:sp>
+        <p:nvSpPr>
+          <p:cNvPr id="21" name="Text Placeholder 20"/>
+          <p:cNvSpPr>
+            <a:spLocks noGrp="1"/>
+          </p:cNvSpPr>
+          <p:nvPr>
+            <p:ph type="body" sz="quarter" idx="34"/>
+          </p:nvPr>
+        </p:nvSpPr>
+        <p:spPr>
+          <a:xfrm>
+            <a:off x="18688050" y="13040658"/>
+            <a:ext cx="8001000" cy="609600"/>
+          </a:xfrm>
+        </p:spPr>
+        <p:txBody>
+          <a:bodyPr/>
+          <a:lstStyle/>
+          <a:p>
+            <a:r>
+              <a:rPr lang="en-US" dirty="0"/>
+              <a:t>conclusions</a:t>
+            </a:r>
+          </a:p>
+        </p:txBody>
+      </p:sp>
+      <p:sp>
+        <p:nvSpPr>
+          <p:cNvPr id="22" name="Content Placeholder 21"/>
+          <p:cNvSpPr>
+            <a:spLocks noGrp="1"/>
+          </p:cNvSpPr>
+          <p:nvPr>
+            <p:ph sz="quarter" idx="35"/>
+          </p:nvPr>
+        </p:nvSpPr>
+        <p:spPr>
+          <a:xfrm>
+            <a:off x="18688050" y="13650257"/>
+            <a:ext cx="8001000" cy="1945343"/>
+          </a:xfrm>
+        </p:spPr>
+        <p:txBody>
+          <a:bodyPr lIns="91440">
+            <a:normAutofit/>
+          </a:bodyPr>
+          <a:lstStyle/>
+          <a:p>
+            <a:pPr marL="0" algn="just"/>
+            <a:r>
+              <a:rPr lang="en-US" sz="1600" dirty="0"/>
+              <a:t>EDM can satisfactorily detect multiple breakouts in the time-series</a:t>
+            </a:r>
+          </a:p>
+          <a:p>
+            <a:pPr marL="0" algn="just"/>
+            <a:r>
+              <a:rPr lang="en-US" sz="1600" dirty="0"/>
+              <a:t>Parameter selection (</a:t>
+            </a:r>
+            <a:r>
+              <a:rPr lang="en-US" sz="1600" dirty="0" err="1"/>
+              <a:t>min.size</a:t>
+            </a:r>
+            <a:r>
+              <a:rPr lang="en-US" sz="1600" dirty="0"/>
+              <a:t>, degree, beta, percent) is critical for optimizing the outcome</a:t>
+            </a:r>
+          </a:p>
+          <a:p>
+            <a:pPr marL="0" algn="just"/>
+            <a:r>
+              <a:rPr lang="en-US" sz="1600" dirty="0"/>
+              <a:t>Velocity measurements tends to show more breakouts</a:t>
+            </a:r>
+          </a:p>
+          <a:p>
+            <a:pPr marL="0" algn="just"/>
+            <a:r>
+              <a:rPr lang="en-US" sz="1600" dirty="0"/>
+              <a:t>Breakouts at the end of the time series could not be determined</a:t>
+            </a:r>
+          </a:p>
+          <a:p>
+            <a:pPr marL="0" algn="just"/>
+            <a:r>
+              <a:rPr lang="en-US" sz="1600" dirty="0"/>
+              <a:t>EDM may recognize large runoff response as breakouts</a:t>
+            </a:r>
+          </a:p>
+        </p:txBody>
+      </p:sp>
+      <p:pic>
+        <p:nvPicPr>
+          <p:cNvPr id="34" name="Picture 33">
+            <a:extLst>
+              <a:ext uri="{FF2B5EF4-FFF2-40B4-BE49-F238E27FC236}">
+                <a16:creationId xmlns:a16="http://schemas.microsoft.com/office/drawing/2014/main" id="{E7B4A02A-B933-4943-8131-916A753B102C}"/>
+              </a:ext>
+            </a:extLst>
+          </p:cNvPr>
+          <p:cNvPicPr>
+            <a:picLocks noChangeAspect="1"/>
+          </p:cNvPicPr>
+          <p:nvPr/>
+        </p:nvPicPr>
+        <p:blipFill>
+          <a:blip r:embed="rId2">
+            <a:extLst>
+              <a:ext uri="{28A0092B-C50C-407E-A947-70E740481C1C}">
+                <a14:useLocalDpi xmlns:a14="http://schemas.microsoft.com/office/drawing/2010/main" val="0"/>
+              </a:ext>
+            </a:extLst>
+          </a:blip>
+          <a:stretch>
+            <a:fillRect/>
+          </a:stretch>
+        </p:blipFill>
+        <p:spPr>
+          <a:xfrm>
+            <a:off x="22105938" y="385763"/>
+            <a:ext cx="3976688" cy="1809750"/>
+          </a:xfrm>
+          <a:prstGeom prst="rect">
+            <a:avLst/>
+          </a:prstGeom>
+        </p:spPr>
+      </p:pic>
+      <p:pic>
+        <p:nvPicPr>
+          <p:cNvPr id="38" name="Picture 37">
+            <a:extLst>
+              <a:ext uri="{FF2B5EF4-FFF2-40B4-BE49-F238E27FC236}">
+                <a16:creationId xmlns:a16="http://schemas.microsoft.com/office/drawing/2014/main" id="{7AC75D97-1C58-4219-9A19-D55F6C35F9E2}"/>
+              </a:ext>
+            </a:extLst>
+          </p:cNvPr>
+          <p:cNvPicPr>
+            <a:picLocks noChangeAspect="1"/>
+          </p:cNvPicPr>
+          <p:nvPr/>
+        </p:nvPicPr>
+        <p:blipFill rotWithShape="1">
+          <a:blip r:embed="rId3" cstate="print">
+            <a:extLst>
+              <a:ext uri="{28A0092B-C50C-407E-A947-70E740481C1C}">
+                <a14:useLocalDpi xmlns:a14="http://schemas.microsoft.com/office/drawing/2010/main" val="0"/>
+              </a:ext>
+            </a:extLst>
+          </a:blip>
+          <a:srcRect l="8317" t="6658" r="6363" b="5438"/>
+          <a:stretch/>
+        </p:blipFill>
+        <p:spPr>
+          <a:xfrm>
+            <a:off x="5384493" y="3535679"/>
+            <a:ext cx="3372353" cy="4496471"/>
+          </a:xfrm>
+          <a:prstGeom prst="rect">
+            <a:avLst/>
+          </a:prstGeom>
+        </p:spPr>
+      </p:pic>
+      <p:pic>
+        <p:nvPicPr>
+          <p:cNvPr id="3" name="Picture 2">
+            <a:extLst>
+              <a:ext uri="{FF2B5EF4-FFF2-40B4-BE49-F238E27FC236}">
+                <a16:creationId xmlns:a16="http://schemas.microsoft.com/office/drawing/2014/main" id="{AA2644B0-CFE5-4100-94C9-0737680F339D}"/>
+              </a:ext>
+            </a:extLst>
+          </p:cNvPr>
+          <p:cNvPicPr>
+            <a:picLocks noChangeAspect="1"/>
+          </p:cNvPicPr>
+          <p:nvPr/>
+        </p:nvPicPr>
+        <p:blipFill>
+          <a:blip r:embed="rId4" cstate="print">
+            <a:extLst>
+              <a:ext uri="{28A0092B-C50C-407E-A947-70E740481C1C}">
+                <a14:useLocalDpi xmlns:a14="http://schemas.microsoft.com/office/drawing/2010/main" val="0"/>
+              </a:ext>
+            </a:extLst>
+          </a:blip>
+          <a:stretch>
+            <a:fillRect/>
+          </a:stretch>
+        </p:blipFill>
+        <p:spPr>
+          <a:xfrm>
+            <a:off x="21691600" y="3558376"/>
+            <a:ext cx="4577948" cy="2288975"/>
+          </a:xfrm>
+          <a:prstGeom prst="rect">
+            <a:avLst/>
+          </a:prstGeom>
+        </p:spPr>
+      </p:pic>
+      <p:pic>
+        <p:nvPicPr>
+          <p:cNvPr id="20" name="Picture 19">
+            <a:extLst>
+              <a:ext uri="{FF2B5EF4-FFF2-40B4-BE49-F238E27FC236}">
+                <a16:creationId xmlns:a16="http://schemas.microsoft.com/office/drawing/2014/main" id="{D2C92289-382A-46AA-B019-17E804AECC75}"/>
+              </a:ext>
+            </a:extLst>
+          </p:cNvPr>
+          <p:cNvPicPr>
+            <a:picLocks noChangeAspect="1"/>
+          </p:cNvPicPr>
+          <p:nvPr/>
+        </p:nvPicPr>
+        <p:blipFill>
+          <a:blip r:embed="rId5" cstate="print">
+            <a:extLst>
+              <a:ext uri="{28A0092B-C50C-407E-A947-70E740481C1C}">
+                <a14:useLocalDpi xmlns:a14="http://schemas.microsoft.com/office/drawing/2010/main" val="0"/>
+              </a:ext>
+            </a:extLst>
+          </a:blip>
+          <a:stretch>
+            <a:fillRect/>
+          </a:stretch>
+        </p:blipFill>
+        <p:spPr>
+          <a:xfrm>
+            <a:off x="21691600" y="5847351"/>
+            <a:ext cx="4577948" cy="2288974"/>
+          </a:xfrm>
+          <a:prstGeom prst="rect">
+            <a:avLst/>
+          </a:prstGeom>
+        </p:spPr>
+      </p:pic>
+      <p:pic>
+        <p:nvPicPr>
+          <p:cNvPr id="26" name="Picture 25">
+            <a:extLst>
+              <a:ext uri="{FF2B5EF4-FFF2-40B4-BE49-F238E27FC236}">
+                <a16:creationId xmlns:a16="http://schemas.microsoft.com/office/drawing/2014/main" id="{5E5229C4-B81D-4E19-860F-93240DCFBAC0}"/>
+              </a:ext>
+            </a:extLst>
+          </p:cNvPr>
+          <p:cNvPicPr>
+            <a:picLocks noChangeAspect="1"/>
+          </p:cNvPicPr>
+          <p:nvPr/>
+        </p:nvPicPr>
+        <p:blipFill>
+          <a:blip r:embed="rId6" cstate="print">
+            <a:extLst>
+              <a:ext uri="{28A0092B-C50C-407E-A947-70E740481C1C}">
+                <a14:useLocalDpi xmlns:a14="http://schemas.microsoft.com/office/drawing/2010/main" val="0"/>
+              </a:ext>
+            </a:extLst>
+          </a:blip>
+          <a:stretch>
+            <a:fillRect/>
+          </a:stretch>
+        </p:blipFill>
+        <p:spPr>
+          <a:xfrm>
+            <a:off x="21691598" y="10543622"/>
+            <a:ext cx="4577950" cy="2288975"/>
+          </a:xfrm>
+          <a:prstGeom prst="rect">
+            <a:avLst/>
+          </a:prstGeom>
+        </p:spPr>
+      </p:pic>
+      <p:pic>
+        <p:nvPicPr>
+          <p:cNvPr id="28" name="Picture 27">
+            <a:extLst>
+              <a:ext uri="{FF2B5EF4-FFF2-40B4-BE49-F238E27FC236}">
+                <a16:creationId xmlns:a16="http://schemas.microsoft.com/office/drawing/2014/main" id="{EEF53704-4ED8-4D66-9908-E23412DF684E}"/>
+              </a:ext>
+            </a:extLst>
+          </p:cNvPr>
+          <p:cNvPicPr>
+            <a:picLocks noChangeAspect="1"/>
+          </p:cNvPicPr>
+          <p:nvPr/>
+        </p:nvPicPr>
+        <p:blipFill rotWithShape="1">
+          <a:blip r:embed="rId7" cstate="print">
+            <a:extLst>
+              <a:ext uri="{28A0092B-C50C-407E-A947-70E740481C1C}">
+                <a14:useLocalDpi xmlns:a14="http://schemas.microsoft.com/office/drawing/2010/main" val="0"/>
+              </a:ext>
+            </a:extLst>
+          </a:blip>
+          <a:srcRect l="50200" t="6047"/>
+          <a:stretch/>
+        </p:blipFill>
+        <p:spPr>
+          <a:xfrm>
+            <a:off x="21691598" y="10681929"/>
+            <a:ext cx="2353879" cy="2220422"/>
+          </a:xfrm>
+          <a:prstGeom prst="rect">
+            <a:avLst/>
+          </a:prstGeom>
+        </p:spPr>
+      </p:pic>
+      <p:pic>
+        <p:nvPicPr>
+          <p:cNvPr id="33" name="Picture 32">
+            <a:extLst>
+              <a:ext uri="{FF2B5EF4-FFF2-40B4-BE49-F238E27FC236}">
+                <a16:creationId xmlns:a16="http://schemas.microsoft.com/office/drawing/2014/main" id="{63BE5A09-88F9-4352-959B-167F3BB9BCA1}"/>
+              </a:ext>
+            </a:extLst>
+          </p:cNvPr>
+          <p:cNvPicPr>
+            <a:picLocks noChangeAspect="1"/>
+          </p:cNvPicPr>
+          <p:nvPr/>
+        </p:nvPicPr>
+        <p:blipFill>
+          <a:blip r:embed="rId8" cstate="print">
+            <a:extLst>
+              <a:ext uri="{28A0092B-C50C-407E-A947-70E740481C1C}">
+                <a14:useLocalDpi xmlns:a14="http://schemas.microsoft.com/office/drawing/2010/main" val="0"/>
+              </a:ext>
+            </a:extLst>
+          </a:blip>
+          <a:stretch>
+            <a:fillRect/>
+          </a:stretch>
+        </p:blipFill>
+        <p:spPr>
+          <a:xfrm>
+            <a:off x="21691598" y="8136325"/>
+            <a:ext cx="4577950" cy="2288975"/>
+          </a:xfrm>
+          <a:prstGeom prst="rect">
+            <a:avLst/>
+          </a:prstGeom>
+        </p:spPr>
+      </p:pic>
+      <p:sp>
+        <p:nvSpPr>
+          <p:cNvPr id="35" name="TextBox 34">
+            <a:extLst>
+              <a:ext uri="{FF2B5EF4-FFF2-40B4-BE49-F238E27FC236}">
+                <a16:creationId xmlns:a16="http://schemas.microsoft.com/office/drawing/2014/main" id="{E25A3E42-286E-4A75-B6E7-FD8F80A25DEF}"/>
+              </a:ext>
+            </a:extLst>
+          </p:cNvPr>
+          <p:cNvSpPr txBox="1"/>
+          <p:nvPr/>
+        </p:nvSpPr>
+        <p:spPr>
+          <a:xfrm>
+            <a:off x="18852515" y="3605946"/>
+            <a:ext cx="2723660" cy="9202519"/>
+          </a:xfrm>
+          <a:prstGeom prst="rect">
+            <a:avLst/>
+          </a:prstGeom>
+          <a:noFill/>
+        </p:spPr>
+        <p:txBody>
+          <a:bodyPr wrap="square" rtlCol="0">
+            <a:spAutoFit/>
+          </a:bodyPr>
+          <a:lstStyle/>
+          <a:p>
+            <a:pPr marL="171450" indent="-171450">
+              <a:buFont typeface="Arial" panose="020B0604020202020204" pitchFamily="34" charset="0"/>
+              <a:buChar char="•"/>
+            </a:pPr>
+            <a:r>
+              <a:rPr lang="en-US" sz="1600" b="1" dirty="0"/>
+              <a:t>Ramping</a:t>
+            </a:r>
+          </a:p>
+          <a:p>
+            <a:pPr marL="171450" indent="-171450">
+              <a:buFont typeface="Arial" panose="020B0604020202020204" pitchFamily="34" charset="0"/>
+              <a:buChar char="•"/>
+            </a:pPr>
+            <a:endParaRPr lang="en-US" sz="1600" b="1" dirty="0"/>
+          </a:p>
+          <a:p>
+            <a:pPr marL="171450" indent="-171450">
+              <a:buFont typeface="Arial" panose="020B0604020202020204" pitchFamily="34" charset="0"/>
+              <a:buChar char="•"/>
+            </a:pPr>
+            <a:endParaRPr lang="en-US" sz="1600" b="1" dirty="0"/>
+          </a:p>
+          <a:p>
+            <a:pPr marL="171450" indent="-171450">
+              <a:buFont typeface="Arial" panose="020B0604020202020204" pitchFamily="34" charset="0"/>
+              <a:buChar char="•"/>
+            </a:pPr>
+            <a:endParaRPr lang="en-US" sz="1600" b="1" dirty="0"/>
+          </a:p>
+          <a:p>
+            <a:pPr marL="171450" indent="-171450">
+              <a:buFont typeface="Arial" panose="020B0604020202020204" pitchFamily="34" charset="0"/>
+              <a:buChar char="•"/>
+            </a:pPr>
+            <a:endParaRPr lang="en-US" sz="1600" b="1" dirty="0"/>
+          </a:p>
+          <a:p>
+            <a:pPr marL="171450" indent="-171450">
+              <a:buFont typeface="Arial" panose="020B0604020202020204" pitchFamily="34" charset="0"/>
+              <a:buChar char="•"/>
+            </a:pPr>
+            <a:endParaRPr lang="en-US" sz="1600" b="1" dirty="0"/>
+          </a:p>
+          <a:p>
+            <a:pPr marL="171450" indent="-171450">
+              <a:buFont typeface="Arial" panose="020B0604020202020204" pitchFamily="34" charset="0"/>
+              <a:buChar char="•"/>
+            </a:pPr>
+            <a:endParaRPr lang="en-US" sz="1600" b="1" dirty="0"/>
+          </a:p>
+          <a:p>
+            <a:pPr marL="171450" indent="-171450">
+              <a:buFont typeface="Arial" panose="020B0604020202020204" pitchFamily="34" charset="0"/>
+              <a:buChar char="•"/>
+            </a:pPr>
+            <a:endParaRPr lang="en-US" sz="1600" b="1" dirty="0"/>
+          </a:p>
+          <a:p>
+            <a:pPr marL="171450" indent="-171450">
+              <a:buFont typeface="Arial" panose="020B0604020202020204" pitchFamily="34" charset="0"/>
+              <a:buChar char="•"/>
+            </a:pPr>
+            <a:endParaRPr lang="en-US" sz="1600" b="1" dirty="0"/>
+          </a:p>
+          <a:p>
+            <a:pPr marL="171450" indent="-171450">
+              <a:buFont typeface="Arial" panose="020B0604020202020204" pitchFamily="34" charset="0"/>
+              <a:buChar char="•"/>
+            </a:pPr>
+            <a:r>
+              <a:rPr lang="en-US" sz="1600" b="1" dirty="0"/>
+              <a:t>Multiple breakouts </a:t>
+            </a:r>
+          </a:p>
+          <a:p>
+            <a:pPr marL="548640" lvl="1" indent="-171450">
+              <a:buFont typeface="Arial" panose="020B0604020202020204" pitchFamily="34" charset="0"/>
+              <a:buChar char="•"/>
+            </a:pPr>
+            <a:r>
+              <a:rPr lang="en-US" sz="1600" b="1" dirty="0"/>
+              <a:t>pipe-surcharging</a:t>
+            </a:r>
+          </a:p>
+          <a:p>
+            <a:pPr marL="171450" indent="-171450">
+              <a:buFont typeface="Arial" panose="020B0604020202020204" pitchFamily="34" charset="0"/>
+              <a:buChar char="•"/>
+            </a:pPr>
+            <a:endParaRPr lang="en-US" sz="1600" b="1" dirty="0"/>
+          </a:p>
+          <a:p>
+            <a:pPr marL="171450" indent="-171450">
+              <a:buFont typeface="Arial" panose="020B0604020202020204" pitchFamily="34" charset="0"/>
+              <a:buChar char="•"/>
+            </a:pPr>
+            <a:endParaRPr lang="en-US" sz="1600" b="1" dirty="0"/>
+          </a:p>
+          <a:p>
+            <a:pPr marL="171450" indent="-171450">
+              <a:buFont typeface="Arial" panose="020B0604020202020204" pitchFamily="34" charset="0"/>
+              <a:buChar char="•"/>
+            </a:pPr>
+            <a:endParaRPr lang="en-US" sz="1600" b="1" dirty="0"/>
+          </a:p>
+          <a:p>
+            <a:endParaRPr lang="en-US" sz="1600" b="1" dirty="0"/>
+          </a:p>
+          <a:p>
+            <a:endParaRPr lang="en-US" sz="1600" b="1" dirty="0"/>
+          </a:p>
+          <a:p>
+            <a:endParaRPr lang="en-US" sz="1600" b="1" dirty="0"/>
+          </a:p>
+          <a:p>
+            <a:endParaRPr lang="en-US" sz="1600" b="1" dirty="0"/>
+          </a:p>
+          <a:p>
+            <a:endParaRPr lang="en-US" sz="1600" b="1" dirty="0"/>
+          </a:p>
+          <a:p>
+            <a:pPr marL="171450" indent="-171450">
+              <a:buFont typeface="Arial" panose="020B0604020202020204" pitchFamily="34" charset="0"/>
+              <a:buChar char="•"/>
+            </a:pPr>
+            <a:r>
+              <a:rPr lang="en-US" sz="1600" b="1" dirty="0"/>
+              <a:t>Velocity meter clogging</a:t>
+            </a:r>
+          </a:p>
+          <a:p>
+            <a:pPr marL="171450" indent="-171450">
+              <a:buFont typeface="Arial" panose="020B0604020202020204" pitchFamily="34" charset="0"/>
+              <a:buChar char="•"/>
+            </a:pPr>
+            <a:endParaRPr lang="en-US" sz="1600" b="1" dirty="0"/>
+          </a:p>
+          <a:p>
+            <a:pPr marL="171450" indent="-171450">
+              <a:buFont typeface="Arial" panose="020B0604020202020204" pitchFamily="34" charset="0"/>
+              <a:buChar char="•"/>
+            </a:pPr>
+            <a:endParaRPr lang="en-US" sz="1600" b="1" dirty="0"/>
+          </a:p>
+          <a:p>
+            <a:pPr marL="171450" indent="-171450">
+              <a:buFont typeface="Arial" panose="020B0604020202020204" pitchFamily="34" charset="0"/>
+              <a:buChar char="•"/>
+            </a:pPr>
+            <a:endParaRPr lang="en-US" sz="1600" b="1" dirty="0"/>
+          </a:p>
+          <a:p>
+            <a:endParaRPr lang="en-US" sz="1600" b="1" dirty="0"/>
+          </a:p>
+          <a:p>
+            <a:endParaRPr lang="en-US" sz="1600" b="1" dirty="0"/>
+          </a:p>
+          <a:p>
+            <a:endParaRPr lang="en-US" sz="1600" b="1" dirty="0"/>
+          </a:p>
+          <a:p>
+            <a:pPr marL="171450" indent="-171450">
+              <a:buFont typeface="Arial" panose="020B0604020202020204" pitchFamily="34" charset="0"/>
+              <a:buChar char="•"/>
+            </a:pPr>
+            <a:endParaRPr lang="en-US" sz="1600" b="1" dirty="0"/>
+          </a:p>
+          <a:p>
+            <a:pPr marL="171450" indent="-171450">
+              <a:buFont typeface="Arial" panose="020B0604020202020204" pitchFamily="34" charset="0"/>
+              <a:buChar char="•"/>
+            </a:pPr>
+            <a:endParaRPr lang="en-US" sz="1600" b="1" dirty="0"/>
+          </a:p>
+          <a:p>
+            <a:pPr marL="171450" indent="-171450">
+              <a:buFont typeface="Arial" panose="020B0604020202020204" pitchFamily="34" charset="0"/>
+              <a:buChar char="•"/>
+            </a:pPr>
+            <a:r>
+              <a:rPr lang="en-US" sz="1600" b="1" dirty="0"/>
+              <a:t>Mean shift (up, down)</a:t>
+            </a:r>
+          </a:p>
+          <a:p>
+            <a:endParaRPr lang="en-US" sz="1600" b="1" dirty="0"/>
+          </a:p>
+          <a:p>
+            <a:endParaRPr lang="en-US" sz="1600" b="1" dirty="0"/>
+          </a:p>
+          <a:p>
+            <a:endParaRPr lang="en-US" sz="1600" b="1" dirty="0"/>
+          </a:p>
+          <a:p>
+            <a:endParaRPr lang="en-US" sz="1600" b="1" dirty="0"/>
+          </a:p>
+          <a:p>
+            <a:endParaRPr lang="en-US" sz="1600" b="1" dirty="0"/>
+          </a:p>
+          <a:p>
+            <a:endParaRPr lang="en-US" sz="1600" b="1" dirty="0"/>
+          </a:p>
+          <a:p>
+            <a:endParaRPr lang="en-US" sz="1600" b="1" dirty="0"/>
+          </a:p>
+          <a:p>
+            <a:endParaRPr lang="en-US" sz="1600" b="1" dirty="0"/>
+          </a:p>
+        </p:txBody>
+      </p:sp>
+      <p:sp>
+        <p:nvSpPr>
+          <p:cNvPr id="42" name="Content Placeholder 11">
+            <a:extLst>
+              <a:ext uri="{FF2B5EF4-FFF2-40B4-BE49-F238E27FC236}">
+                <a16:creationId xmlns:a16="http://schemas.microsoft.com/office/drawing/2014/main" id="{DE893BD6-D05B-4F78-B10D-A414C4347931}"/>
+              </a:ext>
+            </a:extLst>
+          </p:cNvPr>
+          <p:cNvSpPr txBox="1">
+            <a:spLocks/>
+          </p:cNvSpPr>
+          <p:nvPr/>
+        </p:nvSpPr>
+        <p:spPr>
+          <a:xfrm>
+            <a:off x="811789" y="8859003"/>
+            <a:ext cx="7903586" cy="2400667"/>
+          </a:xfrm>
+          <a:prstGeom prst="rect">
+            <a:avLst/>
+          </a:prstGeom>
+        </p:spPr>
+        <p:txBody>
+          <a:bodyPr vert="horz" lIns="91440" tIns="182880" rIns="91440" bIns="45720" rtlCol="0">
+            <a:noAutofit/>
+          </a:bodyPr>
+          <a:lstStyle>
+            <a:lvl1pPr marL="228595" indent="-228595" algn="l" defTabSz="2194513" rtl="0" eaLnBrk="1" latinLnBrk="0" hangingPunct="1">
+              <a:lnSpc>
+                <a:spcPct val="100000"/>
+              </a:lnSpc>
+              <a:spcBef>
+                <a:spcPts val="600"/>
+              </a:spcBef>
+              <a:buClr>
+                <a:schemeClr val="accent2"/>
+              </a:buClr>
+              <a:buFont typeface="Arial" panose="020B0604020202020204" pitchFamily="34" charset="0"/>
+              <a:buChar char="•"/>
+              <a:defRPr sz="1400" kern="1200" baseline="0">
+                <a:solidFill>
+                  <a:schemeClr val="tx1"/>
+                </a:solidFill>
+                <a:latin typeface="+mn-lt"/>
+                <a:ea typeface="+mn-ea"/>
+                <a:cs typeface="+mn-cs"/>
+              </a:defRPr>
+            </a:lvl1pPr>
+            <a:lvl2pPr marL="548629" indent="-228595" algn="l" defTabSz="2194513" rtl="0" eaLnBrk="1" latinLnBrk="0" hangingPunct="1">
+              <a:lnSpc>
+                <a:spcPct val="100000"/>
+              </a:lnSpc>
+              <a:spcBef>
+                <a:spcPts val="600"/>
+              </a:spcBef>
+              <a:buClr>
+                <a:schemeClr val="accent2"/>
+              </a:buClr>
+              <a:buFont typeface="Arial" panose="020B0604020202020204" pitchFamily="34" charset="0"/>
+              <a:buChar char="•"/>
+              <a:defRPr sz="1200" kern="1200">
+                <a:solidFill>
+                  <a:schemeClr val="tx1"/>
+                </a:solidFill>
+                <a:latin typeface="+mn-lt"/>
+                <a:ea typeface="+mn-ea"/>
+                <a:cs typeface="+mn-cs"/>
+              </a:defRPr>
+            </a:lvl2pPr>
+            <a:lvl3pPr marL="548629" indent="-228595" algn="l" defTabSz="2194513" rtl="0" eaLnBrk="1" latinLnBrk="0" hangingPunct="1">
+              <a:lnSpc>
+                <a:spcPct val="100000"/>
+              </a:lnSpc>
+              <a:spcBef>
+                <a:spcPts val="600"/>
+              </a:spcBef>
+              <a:buClr>
+                <a:schemeClr val="accent2"/>
+              </a:buClr>
+              <a:buFont typeface="Arial" panose="020B0604020202020204" pitchFamily="34" charset="0"/>
+              <a:buChar char="•"/>
+              <a:defRPr sz="1200" kern="1200">
+                <a:solidFill>
+                  <a:schemeClr val="tx1"/>
+                </a:solidFill>
+                <a:latin typeface="+mn-lt"/>
+                <a:ea typeface="+mn-ea"/>
+                <a:cs typeface="+mn-cs"/>
+              </a:defRPr>
+            </a:lvl3pPr>
+            <a:lvl4pPr marL="548629" indent="-228595" algn="l" defTabSz="2194513" rtl="0" eaLnBrk="1" latinLnBrk="0" hangingPunct="1">
+              <a:lnSpc>
+                <a:spcPct val="100000"/>
+              </a:lnSpc>
+              <a:spcBef>
+                <a:spcPts val="600"/>
+              </a:spcBef>
+              <a:buClr>
+                <a:schemeClr val="accent2"/>
+              </a:buClr>
+              <a:buFont typeface="Arial" panose="020B0604020202020204" pitchFamily="34" charset="0"/>
+              <a:buChar char="•"/>
+              <a:defRPr sz="1200" kern="1200">
+                <a:solidFill>
+                  <a:schemeClr val="tx1"/>
+                </a:solidFill>
+                <a:latin typeface="+mn-lt"/>
+                <a:ea typeface="+mn-ea"/>
+                <a:cs typeface="+mn-cs"/>
+              </a:defRPr>
+            </a:lvl4pPr>
+            <a:lvl5pPr marL="548629" indent="-228595" algn="l" defTabSz="2194513" rtl="0" eaLnBrk="1" latinLnBrk="0" hangingPunct="1">
+              <a:lnSpc>
+                <a:spcPct val="100000"/>
+              </a:lnSpc>
+              <a:spcBef>
+                <a:spcPts val="600"/>
+              </a:spcBef>
+              <a:buClr>
+                <a:schemeClr val="accent2"/>
+              </a:buClr>
+              <a:buFont typeface="Arial" panose="020B0604020202020204" pitchFamily="34" charset="0"/>
+              <a:buChar char="•"/>
+              <a:defRPr sz="1200" kern="1200">
+                <a:solidFill>
+                  <a:schemeClr val="tx1"/>
+                </a:solidFill>
+                <a:latin typeface="+mn-lt"/>
+                <a:ea typeface="+mn-ea"/>
+                <a:cs typeface="+mn-cs"/>
+              </a:defRPr>
+            </a:lvl5pPr>
+            <a:lvl6pPr marL="548629" indent="-228595" algn="l" defTabSz="2194513" rtl="0" eaLnBrk="1" latinLnBrk="0" hangingPunct="1">
+              <a:lnSpc>
+                <a:spcPct val="100000"/>
+              </a:lnSpc>
+              <a:spcBef>
+                <a:spcPts val="600"/>
+              </a:spcBef>
+              <a:buClr>
+                <a:schemeClr val="accent2"/>
+              </a:buClr>
+              <a:buFont typeface="Arial" panose="020B0604020202020204" pitchFamily="34" charset="0"/>
+              <a:buChar char="•"/>
+              <a:defRPr sz="1200" kern="1200">
+                <a:solidFill>
+                  <a:schemeClr val="tx1"/>
+                </a:solidFill>
+                <a:latin typeface="+mn-lt"/>
+                <a:ea typeface="+mn-ea"/>
+                <a:cs typeface="+mn-cs"/>
+              </a:defRPr>
+            </a:lvl6pPr>
+            <a:lvl7pPr marL="548629" indent="-228595" algn="l" defTabSz="2194513" rtl="0" eaLnBrk="1" latinLnBrk="0" hangingPunct="1">
+              <a:lnSpc>
+                <a:spcPct val="100000"/>
+              </a:lnSpc>
+              <a:spcBef>
+                <a:spcPts val="600"/>
+              </a:spcBef>
+              <a:buClr>
+                <a:schemeClr val="accent2"/>
+              </a:buClr>
+              <a:buFont typeface="Arial" panose="020B0604020202020204" pitchFamily="34" charset="0"/>
+              <a:buChar char="•"/>
+              <a:defRPr sz="1200" kern="1200">
+                <a:solidFill>
+                  <a:schemeClr val="tx1"/>
+                </a:solidFill>
+                <a:latin typeface="+mn-lt"/>
+                <a:ea typeface="+mn-ea"/>
+                <a:cs typeface="+mn-cs"/>
+              </a:defRPr>
+            </a:lvl7pPr>
+            <a:lvl8pPr marL="548629" indent="-228595" algn="l" defTabSz="2194513" rtl="0" eaLnBrk="1" latinLnBrk="0" hangingPunct="1">
+              <a:lnSpc>
+                <a:spcPct val="100000"/>
+              </a:lnSpc>
+              <a:spcBef>
+                <a:spcPts val="600"/>
+              </a:spcBef>
+              <a:buClr>
+                <a:schemeClr val="accent2"/>
+              </a:buClr>
+              <a:buFont typeface="Arial" panose="020B0604020202020204" pitchFamily="34" charset="0"/>
+              <a:buChar char="•"/>
+              <a:defRPr sz="1200" kern="1200">
+                <a:solidFill>
+                  <a:schemeClr val="tx1"/>
+                </a:solidFill>
+                <a:latin typeface="+mn-lt"/>
+                <a:ea typeface="+mn-ea"/>
+                <a:cs typeface="+mn-cs"/>
+              </a:defRPr>
+            </a:lvl8pPr>
+            <a:lvl9pPr marL="548629" indent="-228595" algn="l" defTabSz="2194513" rtl="0" eaLnBrk="1" latinLnBrk="0" hangingPunct="1">
+              <a:lnSpc>
+                <a:spcPct val="100000"/>
+              </a:lnSpc>
+              <a:spcBef>
+                <a:spcPts val="600"/>
+              </a:spcBef>
+              <a:buClr>
+                <a:schemeClr val="accent2"/>
+              </a:buClr>
+              <a:buFont typeface="Arial" panose="020B0604020202020204" pitchFamily="34" charset="0"/>
+              <a:buChar char="•"/>
+              <a:defRPr sz="1200" kern="1200">
+                <a:solidFill>
+                  <a:schemeClr val="tx1"/>
+                </a:solidFill>
+                <a:latin typeface="+mn-lt"/>
+                <a:ea typeface="+mn-ea"/>
+                <a:cs typeface="+mn-cs"/>
+              </a:defRPr>
+            </a:lvl9pPr>
+          </a:lstStyle>
+          <a:p>
+            <a:pPr algn="just">
+              <a:spcBef>
+                <a:spcPts val="300"/>
+              </a:spcBef>
+              <a:buFont typeface="Courier New" panose="02070309020205020404" pitchFamily="49" charset="0"/>
+              <a:buChar char="o"/>
+            </a:pPr>
+            <a:endParaRPr lang="en-US" b="1" dirty="0"/>
+          </a:p>
+        </p:txBody>
+      </p:sp>
+    </p:spTree>
+    <p:extLst>
+      <p:ext uri="{BB962C8B-B14F-4D97-AF65-F5344CB8AC3E}">
+        <p14:creationId xmlns:p14="http://schemas.microsoft.com/office/powerpoint/2010/main" val="3885579370"/>
       </p:ext>
     </p:extLst>
   </p:cSld>

--- a/ICWMM2018/poster.pptx
+++ b/ICWMM2018/poster.pptx
@@ -12,7 +12,7 @@
   </p:handoutMasterIdLst>
   <p:sldIdLst>
     <p:sldId id="256" r:id="rId3"/>
-    <p:sldId id="257" r:id="rId4"/>
+    <p:sldId id="258" r:id="rId4"/>
   </p:sldIdLst>
   <p:sldSz cx="27432000" cy="16459200"/>
   <p:notesSz cx="26974800" cy="16002000"/>
@@ -208,7 +208,7 @@
           <a:p>
             <a:fld id="{F1C0B079-A316-4C9B-B165-DF9EA8325D2C}" type="datetimeFigureOut">
               <a:rPr lang="en-US" smtClean="0"/>
-              <a:t>2/20/2018</a:t>
+              <a:t>2/27/2018</a:t>
             </a:fld>
             <a:endParaRPr lang="en-US"/>
           </a:p>
@@ -373,7 +373,7 @@
           <a:p>
             <a:fld id="{38F28AB8-57D1-494F-9851-055AD867E790}" type="datetimeFigureOut">
               <a:rPr lang="en-US" smtClean="0"/>
-              <a:t>2/20/2018</a:t>
+              <a:t>2/27/2018</a:t>
             </a:fld>
             <a:endParaRPr lang="en-US"/>
           </a:p>
@@ -831,7 +831,7 @@
           <a:p>
             <a:fld id="{ECAA57DF-1C19-4726-AB84-014692BAD8F5}" type="datetimeFigureOut">
               <a:rPr lang="en-US" smtClean="0"/>
-              <a:t>2/20/2018</a:t>
+              <a:t>2/27/2018</a:t>
             </a:fld>
             <a:endParaRPr lang="en-US"/>
           </a:p>
@@ -3485,7 +3485,7 @@
             <a:fld id="{ECAA57DF-1C19-4726-AB84-014692BAD8F5}" type="datetimeFigureOut">
               <a:rPr lang="en-US" smtClean="0"/>
               <a:pPr/>
-              <a:t>2/20/2018</a:t>
+              <a:t>2/27/2018</a:t>
             </a:fld>
             <a:endParaRPr lang="en-US"/>
           </a:p>
@@ -3918,7 +3918,7 @@
 </file>
 
 <file path=ppt/slides/slide1.xml><?xml version="1.0" encoding="utf-8"?>
-<p:sld xmlns:a="http://schemas.openxmlformats.org/drawingml/2006/main" xmlns:r="http://schemas.openxmlformats.org/officeDocument/2006/relationships" xmlns:p="http://schemas.openxmlformats.org/presentationml/2006/main">
+<p:sld xmlns:a="http://schemas.openxmlformats.org/drawingml/2006/main" xmlns:r="http://schemas.openxmlformats.org/officeDocument/2006/relationships" xmlns:p="http://schemas.openxmlformats.org/presentationml/2006/main" show="0">
   <p:cSld>
     <p:spTree>
       <p:nvGrpSpPr>
@@ -6713,7 +6713,7 @@
 </file>
 
 <file path=ppt/slides/slide2.xml><?xml version="1.0" encoding="utf-8"?>
-<p:sld xmlns:a="http://schemas.openxmlformats.org/drawingml/2006/main" xmlns:r="http://schemas.openxmlformats.org/officeDocument/2006/relationships" xmlns:p="http://schemas.openxmlformats.org/presentationml/2006/main" show="0">
+<p:sld xmlns:a="http://schemas.openxmlformats.org/drawingml/2006/main" xmlns:r="http://schemas.openxmlformats.org/officeDocument/2006/relationships" xmlns:p="http://schemas.openxmlformats.org/presentationml/2006/main">
   <p:cSld>
     <p:spTree>
       <p:nvGrpSpPr>
@@ -6811,33 +6811,6 @@
       </p:sp>
       <p:sp>
         <p:nvSpPr>
-          <p:cNvPr id="7" name="Text Placeholder 6"/>
-          <p:cNvSpPr>
-            <a:spLocks noGrp="1"/>
-          </p:cNvSpPr>
-          <p:nvPr>
-            <p:ph type="body" sz="quarter" idx="17"/>
-          </p:nvPr>
-        </p:nvSpPr>
-        <p:spPr>
-          <a:xfrm>
-            <a:off x="755846" y="8186073"/>
-            <a:ext cx="8001000" cy="609600"/>
-          </a:xfrm>
-        </p:spPr>
-        <p:txBody>
-          <a:bodyPr/>
-          <a:lstStyle/>
-          <a:p>
-            <a:r>
-              <a:rPr lang="en-US" dirty="0"/>
-              <a:t>Motivation</a:t>
-            </a:r>
-          </a:p>
-        </p:txBody>
-      </p:sp>
-      <p:sp>
-        <p:nvSpPr>
           <p:cNvPr id="12" name="Content Placeholder 11"/>
           <p:cNvSpPr>
             <a:spLocks noGrp="1"/>
@@ -6848,8 +6821,8 @@
         </p:nvSpPr>
         <p:spPr>
           <a:xfrm>
-            <a:off x="767032" y="3605946"/>
-            <a:ext cx="4617461" cy="4408785"/>
+            <a:off x="767032" y="3441771"/>
+            <a:ext cx="4475529" cy="4726870"/>
           </a:xfrm>
         </p:spPr>
         <p:txBody>
@@ -6866,8 +6839,11 @@
               <a:buChar char="o"/>
             </a:pPr>
             <a:r>
-              <a:rPr lang="en-US" b="1" dirty="0"/>
-              <a:t>PWD maintains hydrologic and hydraulic (H&amp;H) models of the combined sewer collection system for planning, management and compliance purposes</a:t>
+              <a:rPr lang="en-US" dirty="0">
+                <a:latin typeface="Times New Roman" panose="02020603050405020304" pitchFamily="18" charset="0"/>
+                <a:cs typeface="Times New Roman" panose="02020603050405020304" pitchFamily="18" charset="0"/>
+              </a:rPr>
+              <a:t>The Philadelphia Water Department (PWD) maintains hydrologic and hydraulic (H&amp;H) models of the combined sewer collection system for planning, management and compliance purposes</a:t>
             </a:r>
           </a:p>
           <a:p>
@@ -6879,8 +6855,11 @@
               <a:buChar char="o"/>
             </a:pPr>
             <a:r>
-              <a:rPr lang="en-US" b="1" dirty="0"/>
-              <a:t>For model calibration/validation purposes, sewerage level and velocity at over 400 manholes have been monitored since the 2000s</a:t>
+              <a:rPr lang="en-US" dirty="0">
+                <a:latin typeface="Times New Roman" panose="02020603050405020304" pitchFamily="18" charset="0"/>
+                <a:cs typeface="Times New Roman" panose="02020603050405020304" pitchFamily="18" charset="0"/>
+              </a:rPr>
+              <a:t>For model calibration/validation, sewerage level and velocity at over 400 manholes have been monitored since the 2000s, with a monitoring period of at least one year </a:t>
             </a:r>
           </a:p>
           <a:p>
@@ -6892,8 +6871,11 @@
               <a:buChar char="o"/>
             </a:pPr>
             <a:r>
-              <a:rPr lang="en-US" b="1" dirty="0"/>
-              <a:t>A stringent Quality Control (QC) protocol is conducted before the data can be used for Hydrologic &amp; Hydraulic modeling tasks</a:t>
+              <a:rPr lang="en-US" dirty="0">
+                <a:latin typeface="Times New Roman" panose="02020603050405020304" pitchFamily="18" charset="0"/>
+                <a:cs typeface="Times New Roman" panose="02020603050405020304" pitchFamily="18" charset="0"/>
+              </a:rPr>
+              <a:t>A stringent Quality Control (QC) protocol is conducted before the data can be used for H&amp;H modeling tasks</a:t>
             </a:r>
           </a:p>
           <a:p>
@@ -6905,7 +6887,10 @@
               <a:buChar char="o"/>
             </a:pPr>
             <a:r>
-              <a:rPr lang="en-US" b="1" dirty="0"/>
+              <a:rPr lang="en-US" dirty="0">
+                <a:latin typeface="Times New Roman" panose="02020603050405020304" pitchFamily="18" charset="0"/>
+                <a:cs typeface="Times New Roman" panose="02020603050405020304" pitchFamily="18" charset="0"/>
+              </a:rPr>
               <a:t>Due to the high solid content in sewage, monitored data may suffered from breakouts caused by</a:t>
             </a:r>
           </a:p>
@@ -6918,8 +6903,11 @@
               <a:buChar char="o"/>
             </a:pPr>
             <a:r>
-              <a:rPr lang="en-US" sz="1400" b="1" dirty="0"/>
-              <a:t>sensor ragging, clogging</a:t>
+              <a:rPr lang="en-US" sz="1400" dirty="0">
+                <a:latin typeface="Times New Roman" panose="02020603050405020304" pitchFamily="18" charset="0"/>
+                <a:cs typeface="Times New Roman" panose="02020603050405020304" pitchFamily="18" charset="0"/>
+              </a:rPr>
+              <a:t>ragging, clogging</a:t>
             </a:r>
           </a:p>
           <a:p>
@@ -6931,8 +6919,11 @@
               <a:buChar char="o"/>
             </a:pPr>
             <a:r>
-              <a:rPr lang="en-US" sz="1400" b="1" dirty="0"/>
-              <a:t>pipe surcharging, etc.</a:t>
+              <a:rPr lang="en-US" sz="1400" dirty="0">
+                <a:latin typeface="Times New Roman" panose="02020603050405020304" pitchFamily="18" charset="0"/>
+                <a:cs typeface="Times New Roman" panose="02020603050405020304" pitchFamily="18" charset="0"/>
+              </a:rPr>
+              <a:t>surcharging, etc.</a:t>
             </a:r>
           </a:p>
           <a:p>
@@ -6944,8 +6935,11 @@
               <a:buChar char="o"/>
             </a:pPr>
             <a:r>
-              <a:rPr lang="en-US" b="1" dirty="0"/>
-              <a:t>Since a breakout isn’t always obvious due to the range of the observed values, visual detection of breakouts may not be sufficient, and thus a programmatic approach that can automatically detect breakouts is imperative. </a:t>
+              <a:rPr lang="en-US" dirty="0">
+                <a:latin typeface="Times New Roman" panose="02020603050405020304" pitchFamily="18" charset="0"/>
+                <a:cs typeface="Times New Roman" panose="02020603050405020304" pitchFamily="18" charset="0"/>
+              </a:rPr>
+              <a:t>Visual breakout detection may not be feasible as some breakouts are not obvious. Thus, a programmatic approach that can automatically detect breakouts is imperative for modeling data quality control. </a:t>
             </a:r>
           </a:p>
           <a:p>
@@ -6956,7 +6950,13 @@
               <a:buFont typeface="Courier New" panose="02070309020205020404" pitchFamily="49" charset="0"/>
               <a:buChar char="o"/>
             </a:pPr>
-            <a:endParaRPr lang="en-US" b="1" dirty="0"/>
+            <a:r>
+              <a:rPr lang="en-US" dirty="0">
+                <a:latin typeface="Times New Roman" panose="02020603050405020304" pitchFamily="18" charset="0"/>
+                <a:cs typeface="Times New Roman" panose="02020603050405020304" pitchFamily="18" charset="0"/>
+              </a:rPr>
+              <a:t>Also, field crew (monitoring, Operation &amp; Maintenance, etc.) can be notified for quickly responding to field issues</a:t>
+            </a:r>
           </a:p>
         </p:txBody>
       </p:sp>
@@ -6972,7 +6972,7 @@
         </p:nvSpPr>
         <p:spPr>
           <a:xfrm>
-            <a:off x="714375" y="11410108"/>
+            <a:off x="763082" y="8232046"/>
             <a:ext cx="8001000" cy="609600"/>
           </a:xfrm>
         </p:spPr>
@@ -6999,13 +6999,13 @@
         </p:nvSpPr>
         <p:spPr>
           <a:xfrm>
-            <a:off x="714375" y="12022724"/>
-            <a:ext cx="8001000" cy="2516236"/>
+            <a:off x="763082" y="8774101"/>
+            <a:ext cx="8001000" cy="3314754"/>
           </a:xfrm>
         </p:spPr>
         <p:txBody>
           <a:bodyPr lIns="91440">
-            <a:normAutofit fontScale="92500" lnSpcReduction="20000"/>
+            <a:noAutofit/>
           </a:bodyPr>
           <a:lstStyle/>
           <a:p>
@@ -7013,19 +7013,27 @@
               <a:buNone/>
             </a:pPr>
             <a:r>
-              <a:rPr lang="en-US" b="1" dirty="0"/>
-              <a:t>Measurement Accuracy determines the overall model quality. This study aims to develop a workflow as a quality control (QC) measure for flow monitoring data by utilizing a sound breakout detection algorithm.</a:t>
-            </a:r>
-          </a:p>
-          <a:p>
-            <a:pPr algn="just"/>
-            <a:r>
-              <a:rPr lang="en-US" dirty="0"/>
-              <a:t>First, select a breakout detection algorithm from major breakout detection algorithms that is:</a:t>
-            </a:r>
-          </a:p>
-          <a:p>
-            <a:pPr marL="320034" lvl="1" algn="just">
+              <a:rPr lang="en-US" dirty="0">
+                <a:latin typeface="Times New Roman" panose="02020603050405020304" pitchFamily="18" charset="0"/>
+                <a:cs typeface="Times New Roman" panose="02020603050405020304" pitchFamily="18" charset="0"/>
+              </a:rPr>
+              <a:t>Monitored data quality determines model quality. This study aims to develop a workflow as a quality control (QC) measure for detecting various types of breakouts in flow monitoring data by utilizing a sound breakout detection algorithm.</a:t>
+            </a:r>
+          </a:p>
+          <a:p>
+            <a:pPr marL="0" indent="0" algn="just">
+              <a:buNone/>
+            </a:pPr>
+            <a:r>
+              <a:rPr lang="en-US" dirty="0">
+                <a:latin typeface="Times New Roman" panose="02020603050405020304" pitchFamily="18" charset="0"/>
+                <a:cs typeface="Times New Roman" panose="02020603050405020304" pitchFamily="18" charset="0"/>
+              </a:rPr>
+              <a:t>First, select a breakout detection algorithm that is:</a:t>
+            </a:r>
+          </a:p>
+          <a:p>
+            <a:pPr marL="114305" indent="-342900" algn="just">
               <a:spcBef>
                 <a:spcPts val="300"/>
               </a:spcBef>
@@ -7033,12 +7041,15 @@
               <a:buChar char="o"/>
             </a:pPr>
             <a:r>
-              <a:rPr lang="en-US" sz="1400" b="1" dirty="0"/>
-              <a:t>Able to detect various types of change (mean shift, ramp up, variance change, etc.)</a:t>
-            </a:r>
-          </a:p>
-          <a:p>
-            <a:pPr marL="320034" lvl="1" algn="just">
+              <a:rPr lang="en-US" dirty="0">
+                <a:latin typeface="Times New Roman" panose="02020603050405020304" pitchFamily="18" charset="0"/>
+                <a:cs typeface="Times New Roman" panose="02020603050405020304" pitchFamily="18" charset="0"/>
+              </a:rPr>
+              <a:t>able to detect various types of change (mean shift, ramp up/down, variance change, etc.)</a:t>
+            </a:r>
+          </a:p>
+          <a:p>
+            <a:pPr marL="114305" indent="-342900" algn="just">
               <a:spcBef>
                 <a:spcPts val="300"/>
               </a:spcBef>
@@ -7046,12 +7057,15 @@
               <a:buChar char="o"/>
             </a:pPr>
             <a:r>
-              <a:rPr lang="en-US" sz="1400" b="1" dirty="0"/>
-              <a:t>robust against the presence of anomalies (as runoff response tends to interfere with the breakout detection)</a:t>
-            </a:r>
-          </a:p>
-          <a:p>
-            <a:pPr marL="320034" lvl="1" algn="just">
+              <a:rPr lang="en-US" dirty="0">
+                <a:latin typeface="Times New Roman" panose="02020603050405020304" pitchFamily="18" charset="0"/>
+                <a:cs typeface="Times New Roman" panose="02020603050405020304" pitchFamily="18" charset="0"/>
+              </a:rPr>
+              <a:t>robust against the presence of anomalies (as the runoff component tends to be the interference)</a:t>
+            </a:r>
+          </a:p>
+          <a:p>
+            <a:pPr marL="114305" indent="-342900" algn="just">
               <a:spcBef>
                 <a:spcPts val="300"/>
               </a:spcBef>
@@ -7059,12 +7073,15 @@
               <a:buChar char="o"/>
             </a:pPr>
             <a:r>
-              <a:rPr lang="en-US" sz="1400" b="1" dirty="0"/>
-              <a:t>Able to detect multiple breakouts</a:t>
-            </a:r>
-          </a:p>
-          <a:p>
-            <a:pPr marL="320034" lvl="1" algn="just">
+              <a:rPr lang="en-US" dirty="0">
+                <a:latin typeface="Times New Roman" panose="02020603050405020304" pitchFamily="18" charset="0"/>
+                <a:cs typeface="Times New Roman" panose="02020603050405020304" pitchFamily="18" charset="0"/>
+              </a:rPr>
+              <a:t>able to detect multiple breakouts in a time-series</a:t>
+            </a:r>
+          </a:p>
+          <a:p>
+            <a:pPr marL="114305" indent="-342900" algn="just">
               <a:spcBef>
                 <a:spcPts val="300"/>
               </a:spcBef>
@@ -7072,12 +7089,15 @@
               <a:buChar char="o"/>
             </a:pPr>
             <a:r>
-              <a:rPr lang="en-US" sz="1400" b="1" dirty="0"/>
-              <a:t>no assumption on sample distribution (as it is usually unknown a-priori)</a:t>
-            </a:r>
-          </a:p>
-          <a:p>
-            <a:pPr marL="320034" lvl="1" algn="just">
+              <a:rPr lang="en-US" dirty="0">
+                <a:latin typeface="Times New Roman" panose="02020603050405020304" pitchFamily="18" charset="0"/>
+                <a:cs typeface="Times New Roman" panose="02020603050405020304" pitchFamily="18" charset="0"/>
+              </a:rPr>
+              <a:t>not rely on sample distribution (as it is usually unknown a-priori)</a:t>
+            </a:r>
+          </a:p>
+          <a:p>
+            <a:pPr marL="114305" indent="-342900" algn="just">
               <a:spcBef>
                 <a:spcPts val="300"/>
               </a:spcBef>
@@ -7085,47 +7105,36 @@
               <a:buChar char="o"/>
             </a:pPr>
             <a:r>
-              <a:rPr lang="en-US" sz="1400" b="1" dirty="0"/>
-              <a:t>Fast enough for routine tasks</a:t>
-            </a:r>
-            <a:endParaRPr lang="en-US" dirty="0"/>
-          </a:p>
-          <a:p>
-            <a:pPr algn="just"/>
-            <a:r>
-              <a:rPr lang="en-US" dirty="0"/>
-              <a:t>Then, tune the parameters to match the expected outcome</a:t>
-            </a:r>
-          </a:p>
-          <a:p>
-            <a:pPr algn="just"/>
-            <a:r>
-              <a:rPr lang="en-US" dirty="0"/>
-              <a:t>Finally, develop an application using the R statistical programming language to analyze flow monitoring data, and generate quarterly reports. Set up a routine workflow for this process</a:t>
-            </a:r>
-          </a:p>
-        </p:txBody>
-      </p:sp>
-      <p:sp>
-        <p:nvSpPr>
-          <p:cNvPr id="9" name="Text Placeholder 8"/>
-          <p:cNvSpPr>
-            <a:spLocks noGrp="1"/>
-          </p:cNvSpPr>
-          <p:nvPr>
-            <p:ph type="body" sz="quarter" idx="21"/>
-          </p:nvPr>
-        </p:nvSpPr>
-        <p:spPr/>
-        <p:txBody>
-          <a:bodyPr/>
-          <a:lstStyle/>
-          <a:p>
-            <a:r>
-              <a:rPr lang="en-US"/>
-              <a:t>methods</a:t>
-            </a:r>
-            <a:endParaRPr lang="en-US" dirty="0"/>
+              <a:rPr lang="en-US" dirty="0">
+                <a:latin typeface="Times New Roman" panose="02020603050405020304" pitchFamily="18" charset="0"/>
+                <a:cs typeface="Times New Roman" panose="02020603050405020304" pitchFamily="18" charset="0"/>
+              </a:rPr>
+              <a:t>fast enough for routine tasks</a:t>
+            </a:r>
+          </a:p>
+          <a:p>
+            <a:pPr marL="0" indent="0" algn="just">
+              <a:buNone/>
+            </a:pPr>
+            <a:r>
+              <a:rPr lang="en-US" dirty="0">
+                <a:latin typeface="Times New Roman" panose="02020603050405020304" pitchFamily="18" charset="0"/>
+                <a:cs typeface="Times New Roman" panose="02020603050405020304" pitchFamily="18" charset="0"/>
+              </a:rPr>
+              <a:t>Next, tune the argument of selected breakout detection algorithm to optimize the outcome</a:t>
+            </a:r>
+          </a:p>
+          <a:p>
+            <a:pPr marL="0" indent="0" algn="just">
+              <a:buNone/>
+            </a:pPr>
+            <a:r>
+              <a:rPr lang="en-US" dirty="0">
+                <a:latin typeface="Times New Roman" panose="02020603050405020304" pitchFamily="18" charset="0"/>
+                <a:cs typeface="Times New Roman" panose="02020603050405020304" pitchFamily="18" charset="0"/>
+              </a:rPr>
+              <a:t>Finally, develop an application using the R statistical programming language to analyze flow monitoring data, and generate quarterly reports. Set up a routine workflow for this process.</a:t>
+            </a:r>
           </a:p>
         </p:txBody>
       </p:sp>
@@ -7141,8 +7150,8 @@
         </p:nvSpPr>
         <p:spPr>
           <a:xfrm>
-            <a:off x="9715500" y="3535679"/>
-            <a:ext cx="8001000" cy="8958105"/>
+            <a:off x="9715500" y="3535680"/>
+            <a:ext cx="8001000" cy="12059920"/>
           </a:xfrm>
         </p:spPr>
         <p:txBody>
@@ -7153,454 +7162,650 @@
           <a:p>
             <a:pPr algn="just"/>
             <a:r>
-              <a:rPr lang="en-US" b="1" dirty="0"/>
-              <a:t>Major change point analyses, e.g., PELT, binary segmentation, etc. all have their limitations. </a:t>
-            </a:r>
-          </a:p>
-          <a:p>
-            <a:pPr lvl="1" algn="just"/>
-            <a:r>
-              <a:rPr lang="en-US" sz="1400" b="1" dirty="0"/>
-              <a:t>PELT can only detect one change point, and the data distribution must be specified;</a:t>
-            </a:r>
-          </a:p>
-          <a:p>
-            <a:pPr lvl="1" algn="just"/>
-            <a:r>
-              <a:rPr lang="en-US" sz="1400" b="1" dirty="0"/>
-              <a:t>E-divisive is computational intensive, and it may take hours to execute</a:t>
-            </a:r>
-          </a:p>
-          <a:p>
-            <a:pPr algn="just"/>
-            <a:r>
-              <a:rPr lang="en-US" b="1" dirty="0"/>
-              <a:t>A novel statistical technique, E-divisive with medians (EDM), is utilized for this study. Compared to the other algorithms, EDM has the following advantages:</a:t>
-            </a:r>
-          </a:p>
-          <a:p>
-            <a:pPr marL="548634" lvl="2" indent="-228600" algn="just">
-              <a:buFont typeface="+mj-lt"/>
-              <a:buAutoNum type="arabicPeriod"/>
-            </a:pPr>
-            <a:r>
-              <a:rPr lang="en-US" sz="1400" b="1" dirty="0"/>
-              <a:t>EDM utilizes a local smoother (rolling median) to raw data, and therefore is robust to the presence of anomalies; </a:t>
-            </a:r>
-          </a:p>
-          <a:p>
-            <a:pPr marL="548634" lvl="2" indent="-228600" algn="just">
-              <a:buAutoNum type="arabicPeriod" startAt="2"/>
-            </a:pPr>
-            <a:r>
-              <a:rPr lang="en-US" sz="1400" b="1" dirty="0"/>
-              <a:t>EDM employs energy statistics (E-divisive) to detect divergence of means that can detect 'mean shift' (sudden change), 'ramping' (gradual change), and distribution changes at multiple change points. This method is proven to be comparable or better in efficacy </a:t>
-            </a:r>
-          </a:p>
-          <a:p>
-            <a:pPr marL="548634" lvl="2" indent="-228600" algn="just">
-              <a:buAutoNum type="arabicPeriod" startAt="2"/>
-            </a:pPr>
-            <a:r>
-              <a:rPr lang="en-US" sz="1400" b="1" dirty="0"/>
-              <a:t>EDM is non-parametric, the method will adapt to the data's underlying distribution, and therefore can detect when distribution changes;</a:t>
-            </a:r>
-          </a:p>
-          <a:p>
-            <a:pPr marL="548634" lvl="2" indent="-228600" algn="just">
-              <a:buAutoNum type="arabicPeriod" startAt="4"/>
-            </a:pPr>
-            <a:r>
-              <a:rPr lang="en-US" sz="1400" b="1" dirty="0"/>
-              <a:t>EDM is 3.5x faster due to the usage of interval trees to approximate median. Since the median is approximated, the breakout location is a roughly estimate.</a:t>
-            </a:r>
-          </a:p>
-          <a:p>
-            <a:pPr algn="just"/>
-            <a:r>
-              <a:rPr lang="en-US" b="1" dirty="0"/>
-              <a:t>The </a:t>
-            </a:r>
-            <a:r>
-              <a:rPr lang="en-US" b="1" dirty="0" err="1">
+              <a:rPr lang="en-US" dirty="0">
+                <a:latin typeface="Times New Roman" panose="02020603050405020304" pitchFamily="18" charset="0"/>
+                <a:cs typeface="Times New Roman" panose="02020603050405020304" pitchFamily="18" charset="0"/>
+              </a:rPr>
+              <a:t>The EDM algorithm is implemented by </a:t>
+            </a:r>
+            <a:r>
+              <a:rPr lang="en-US" dirty="0" err="1">
                 <a:latin typeface="Consolas" panose="020B0609020204030204" pitchFamily="49" charset="0"/>
                 <a:cs typeface="Consolas" panose="020B0609020204030204" pitchFamily="49" charset="0"/>
               </a:rPr>
               <a:t>BreakoutDetection</a:t>
             </a:r>
             <a:r>
-              <a:rPr lang="en-US" b="1" dirty="0"/>
-              <a:t> is an open-source R package that implements the EDM algorithm for detecting breakouts. The package is developed by Twitter Engineers and has been used for analyzing cloud metrices on a daily basis at Twitter. </a:t>
-            </a:r>
-          </a:p>
-          <a:p>
-            <a:pPr lvl="1" algn="just"/>
-            <a:r>
-              <a:rPr lang="en-US" sz="1400" b="1" dirty="0"/>
-              <a:t>The </a:t>
-            </a:r>
-            <a:r>
-              <a:rPr lang="en-US" sz="1400" b="1" dirty="0">
+              <a:rPr lang="en-US" dirty="0">
+                <a:latin typeface="Times New Roman" panose="02020603050405020304" pitchFamily="18" charset="0"/>
+                <a:cs typeface="Times New Roman" panose="02020603050405020304" pitchFamily="18" charset="0"/>
+              </a:rPr>
+              <a:t>, an open-source R package developed by Twitter Engineers, which has been used for analyzing cloud data on a daily basis at Twitter </a:t>
+            </a:r>
+          </a:p>
+          <a:p>
+            <a:pPr algn="just"/>
+            <a:r>
+              <a:rPr lang="en-US" dirty="0">
                 <a:latin typeface="Consolas" panose="020B0609020204030204" pitchFamily="49" charset="0"/>
                 <a:cs typeface="Consolas" panose="020B0609020204030204" pitchFamily="49" charset="0"/>
               </a:rPr>
               <a:t>breakout()</a:t>
             </a:r>
             <a:r>
-              <a:rPr lang="en-US" sz="1400" b="1" dirty="0"/>
-              <a:t> function contains a few non-trivial parameters.</a:t>
+              <a:rPr lang="en-US" dirty="0">
+                <a:latin typeface="Times New Roman" panose="02020603050405020304" pitchFamily="18" charset="0"/>
+                <a:cs typeface="Times New Roman" panose="02020603050405020304" pitchFamily="18" charset="0"/>
+              </a:rPr>
+              <a:t>: the detector function, includes several non-trivial argument:</a:t>
             </a:r>
           </a:p>
           <a:p>
             <a:pPr lvl="7" algn="just"/>
             <a:r>
-              <a:rPr lang="en-US" sz="1400" b="1" dirty="0">
+              <a:rPr lang="en-US" sz="1400" dirty="0">
                 <a:latin typeface="Consolas" panose="020B0609020204030204" pitchFamily="49" charset="0"/>
                 <a:cs typeface="Consolas" panose="020B0609020204030204" pitchFamily="49" charset="0"/>
               </a:rPr>
               <a:t>Z</a:t>
             </a:r>
             <a:r>
-              <a:rPr lang="en-US" sz="1400" b="1" dirty="0"/>
-              <a:t>: The input time series. This is either a numeric vector or a data frame which has 'timestamp' and 'count' components.</a:t>
-            </a:r>
-          </a:p>
-          <a:p>
-            <a:pPr lvl="1" algn="just"/>
-            <a:r>
-              <a:rPr lang="en-US" sz="1400" b="1" dirty="0" err="1">
+              <a:rPr lang="en-US" sz="1400" dirty="0">
+                <a:latin typeface="Times New Roman" panose="02020603050405020304" pitchFamily="18" charset="0"/>
+                <a:cs typeface="Times New Roman" panose="02020603050405020304" pitchFamily="18" charset="0"/>
+              </a:rPr>
+              <a:t>: The input time series. In this study, </a:t>
+            </a:r>
+            <a:r>
+              <a:rPr lang="en-US" sz="1400" dirty="0">
                 <a:latin typeface="Consolas" panose="020B0609020204030204" pitchFamily="49" charset="0"/>
                 <a:cs typeface="Consolas" panose="020B0609020204030204" pitchFamily="49" charset="0"/>
               </a:rPr>
-              <a:t>min.size</a:t>
-            </a:r>
-            <a:r>
-              <a:rPr lang="en-US" sz="1400" b="1" dirty="0"/>
-              <a:t>: The minimum number of observations between change points.</a:t>
-            </a:r>
-          </a:p>
-          <a:p>
-            <a:pPr lvl="1" algn="just"/>
-            <a:r>
-              <a:rPr lang="en-US" sz="1400" b="1" dirty="0">
+              <a:t>Z =</a:t>
+            </a:r>
+            <a:r>
+              <a:rPr lang="en-US" sz="1400" dirty="0">
+                <a:latin typeface="Times New Roman" panose="02020603050405020304" pitchFamily="18" charset="0"/>
+                <a:cs typeface="Times New Roman" panose="02020603050405020304" pitchFamily="18" charset="0"/>
+              </a:rPr>
+              <a:t> quarterly time-series @ 1 hour interval </a:t>
+            </a:r>
+          </a:p>
+          <a:p>
+            <a:pPr lvl="7" algn="just"/>
+            <a:r>
+              <a:rPr lang="en-US" sz="1400" dirty="0" err="1">
                 <a:latin typeface="Consolas" panose="020B0609020204030204" pitchFamily="49" charset="0"/>
                 <a:cs typeface="Consolas" panose="020B0609020204030204" pitchFamily="49" charset="0"/>
               </a:rPr>
-              <a:t>method</a:t>
-            </a:r>
-            <a:r>
-              <a:rPr lang="en-US" sz="1400" b="1" dirty="0"/>
-              <a:t>: either '</a:t>
-            </a:r>
-            <a:r>
-              <a:rPr lang="en-US" sz="1400" b="1" dirty="0" err="1">
+              <a:t>min.size</a:t>
+            </a:r>
+            <a:r>
+              <a:rPr lang="en-US" sz="1400" dirty="0">
+                <a:latin typeface="Times New Roman" panose="02020603050405020304" pitchFamily="18" charset="0"/>
+                <a:cs typeface="Times New Roman" panose="02020603050405020304" pitchFamily="18" charset="0"/>
+              </a:rPr>
+              <a:t>: The minimum number of observations between change points. In this study, </a:t>
+            </a:r>
+            <a:r>
+              <a:rPr lang="en-US" sz="1400" dirty="0" err="1">
                 <a:latin typeface="Consolas" panose="020B0609020204030204" pitchFamily="49" charset="0"/>
                 <a:cs typeface="Consolas" panose="020B0609020204030204" pitchFamily="49" charset="0"/>
               </a:rPr>
-              <a:t>amoc</a:t>
-            </a:r>
-            <a:r>
-              <a:rPr lang="en-US" sz="1400" b="1" dirty="0"/>
-              <a:t>' (At Most One Change) or '</a:t>
-            </a:r>
-            <a:r>
-              <a:rPr lang="en-US" sz="1400" b="1" dirty="0">
+              <a:t>min.size</a:t>
+            </a:r>
+            <a:r>
+              <a:rPr lang="en-US" sz="1400" dirty="0">
                 <a:latin typeface="Consolas" panose="020B0609020204030204" pitchFamily="49" charset="0"/>
                 <a:cs typeface="Consolas" panose="020B0609020204030204" pitchFamily="49" charset="0"/>
               </a:rPr>
-              <a:t>multi</a:t>
-            </a:r>
-            <a:r>
-              <a:rPr lang="en-US" sz="1400" b="1" dirty="0"/>
-              <a:t>' (Multiple Changes). For '</a:t>
-            </a:r>
-            <a:r>
-              <a:rPr lang="en-US" sz="1400" b="1" dirty="0" err="1"/>
-              <a:t>amoc</a:t>
-            </a:r>
-            <a:r>
-              <a:rPr lang="en-US" sz="1400" b="1" dirty="0"/>
-              <a:t>' at most one change point location will be returned.</a:t>
-            </a:r>
-          </a:p>
-          <a:p>
-            <a:pPr marL="320034" lvl="1" indent="0" algn="just">
-              <a:buNone/>
-            </a:pPr>
-            <a:r>
-              <a:rPr lang="en-US" sz="1400" b="1" dirty="0"/>
-              <a:t>For multiple change analysis (method='multi"):</a:t>
+              <a:t> = 120</a:t>
+            </a:r>
+            <a:r>
+              <a:rPr lang="en-US" sz="1400" dirty="0">
+                <a:latin typeface="Times New Roman" panose="02020603050405020304" pitchFamily="18" charset="0"/>
+                <a:cs typeface="Times New Roman" panose="02020603050405020304" pitchFamily="18" charset="0"/>
+              </a:rPr>
+              <a:t>, i.e., 5 days (5 x 24 = 120)</a:t>
             </a:r>
           </a:p>
           <a:p>
             <a:pPr lvl="1" algn="just"/>
             <a:r>
-              <a:rPr lang="en-US" sz="1400" b="1" dirty="0">
+              <a:rPr lang="en-US" sz="1400" dirty="0">
                 <a:latin typeface="Consolas" panose="020B0609020204030204" pitchFamily="49" charset="0"/>
                 <a:cs typeface="Consolas" panose="020B0609020204030204" pitchFamily="49" charset="0"/>
               </a:rPr>
-              <a:t>degree</a:t>
-            </a:r>
-            <a:r>
-              <a:rPr lang="en-US" sz="1400" b="1" dirty="0"/>
-              <a:t>: The degree of the penalization polynomial; can be 0, 1, or 2</a:t>
-            </a:r>
-          </a:p>
-          <a:p>
-            <a:pPr lvl="1" algn="just"/>
-            <a:r>
-              <a:rPr lang="en-US" sz="1400" b="1" dirty="0">
+              <a:t>method</a:t>
+            </a:r>
+            <a:r>
+              <a:rPr lang="en-US" sz="1400" dirty="0">
+                <a:latin typeface="Times New Roman" panose="02020603050405020304" pitchFamily="18" charset="0"/>
+                <a:cs typeface="Times New Roman" panose="02020603050405020304" pitchFamily="18" charset="0"/>
+              </a:rPr>
+              <a:t>: '</a:t>
+            </a:r>
+            <a:r>
+              <a:rPr lang="en-US" sz="1400" dirty="0" err="1">
                 <a:latin typeface="Consolas" panose="020B0609020204030204" pitchFamily="49" charset="0"/>
                 <a:cs typeface="Consolas" panose="020B0609020204030204" pitchFamily="49" charset="0"/>
               </a:rPr>
-              <a:t>beta</a:t>
-            </a:r>
-            <a:r>
-              <a:rPr lang="en-US" sz="1400" b="1" dirty="0"/>
-              <a:t>: the default form of penalization</a:t>
-            </a:r>
-          </a:p>
-          <a:p>
-            <a:pPr lvl="1" algn="just"/>
-            <a:r>
-              <a:rPr lang="en-US" sz="1400" b="1" dirty="0">
+              <a:t>amoc</a:t>
+            </a:r>
+            <a:r>
+              <a:rPr lang="en-US" sz="1400" dirty="0">
+                <a:latin typeface="Times New Roman" panose="02020603050405020304" pitchFamily="18" charset="0"/>
+                <a:cs typeface="Times New Roman" panose="02020603050405020304" pitchFamily="18" charset="0"/>
+              </a:rPr>
+              <a:t>' (At Most One Change) or '</a:t>
+            </a:r>
+            <a:r>
+              <a:rPr lang="en-US" sz="1400" dirty="0">
                 <a:latin typeface="Consolas" panose="020B0609020204030204" pitchFamily="49" charset="0"/>
                 <a:cs typeface="Consolas" panose="020B0609020204030204" pitchFamily="49" charset="0"/>
               </a:rPr>
-              <a:t>percent</a:t>
-            </a:r>
-            <a:r>
-              <a:rPr lang="en-US" sz="1400" b="1" dirty="0"/>
-              <a:t>: the minimum percent change in the goodness of fit statistic to consider adding an additional change point.</a:t>
-            </a:r>
-          </a:p>
-        </p:txBody>
-      </p:sp>
-      <p:sp>
-        <p:nvSpPr>
-          <p:cNvPr id="16" name="Text Placeholder 15"/>
-          <p:cNvSpPr>
-            <a:spLocks noGrp="1"/>
-          </p:cNvSpPr>
-          <p:nvPr>
-            <p:ph type="body" sz="quarter" idx="29"/>
-          </p:nvPr>
-        </p:nvSpPr>
-        <p:spPr>
-          <a:xfrm>
-            <a:off x="9830923" y="11410108"/>
-            <a:ext cx="8001000" cy="609600"/>
-          </a:xfrm>
-        </p:spPr>
-        <p:txBody>
-          <a:bodyPr/>
-          <a:lstStyle/>
-          <a:p>
-            <a:r>
-              <a:rPr lang="en-US" dirty="0"/>
-              <a:t>results</a:t>
-            </a:r>
-          </a:p>
-        </p:txBody>
-      </p:sp>
-      <p:sp>
-        <p:nvSpPr>
-          <p:cNvPr id="17" name="Content Placeholder 16"/>
-          <p:cNvSpPr>
-            <a:spLocks noGrp="1"/>
-          </p:cNvSpPr>
-          <p:nvPr>
-            <p:ph sz="quarter" idx="30"/>
-          </p:nvPr>
-        </p:nvSpPr>
-        <p:spPr>
-          <a:xfrm>
-            <a:off x="9830923" y="12083916"/>
-            <a:ext cx="8001000" cy="4024764"/>
-          </a:xfrm>
-        </p:spPr>
-        <p:txBody>
-          <a:bodyPr lIns="91440">
-            <a:noAutofit/>
-          </a:bodyPr>
-          <a:lstStyle/>
-          <a:p>
-            <a:pPr marL="0" indent="0">
-              <a:buNone/>
-            </a:pPr>
-            <a:r>
-              <a:rPr lang="en-US" sz="1600" b="1" dirty="0"/>
-              <a:t>Model parameters:</a:t>
-            </a:r>
-          </a:p>
-          <a:p>
-            <a:pPr marL="0" lvl="7"/>
-            <a:r>
-              <a:rPr lang="en-US" sz="1600" b="1" dirty="0">
+              <a:t>multi</a:t>
+            </a:r>
+            <a:r>
+              <a:rPr lang="en-US" sz="1400" dirty="0">
+                <a:latin typeface="Times New Roman" panose="02020603050405020304" pitchFamily="18" charset="0"/>
+                <a:cs typeface="Times New Roman" panose="02020603050405020304" pitchFamily="18" charset="0"/>
+              </a:rPr>
+              <a:t>' (Multiple Changes). In this study, </a:t>
+            </a:r>
+            <a:r>
+              <a:rPr lang="en-US" sz="1400" dirty="0">
                 <a:latin typeface="Consolas" panose="020B0609020204030204" pitchFamily="49" charset="0"/>
                 <a:cs typeface="Consolas" panose="020B0609020204030204" pitchFamily="49" charset="0"/>
               </a:rPr>
-              <a:t>Z </a:t>
-            </a:r>
-            <a:r>
-              <a:rPr lang="en-US" sz="1600" b="1" dirty="0"/>
-              <a:t>: </a:t>
-            </a:r>
-            <a:r>
-              <a:rPr lang="en-US" sz="1600" dirty="0"/>
-              <a:t>hourly averaged data is used for runtime efficiency</a:t>
-            </a:r>
-          </a:p>
-          <a:p>
-            <a:pPr marL="0" lvl="7"/>
-            <a:r>
-              <a:rPr lang="en-US" sz="1600" b="1" dirty="0" err="1">
+              <a:t>method = </a:t>
+            </a:r>
+            <a:r>
+              <a:rPr lang="en-US" sz="1400" dirty="0">
+                <a:latin typeface="Times New Roman" panose="02020603050405020304" pitchFamily="18" charset="0"/>
+                <a:cs typeface="Times New Roman" panose="02020603050405020304" pitchFamily="18" charset="0"/>
+              </a:rPr>
+              <a:t>‘</a:t>
+            </a:r>
+            <a:r>
+              <a:rPr lang="en-US" sz="1400" dirty="0">
                 <a:latin typeface="Consolas" panose="020B0609020204030204" pitchFamily="49" charset="0"/>
                 <a:cs typeface="Consolas" panose="020B0609020204030204" pitchFamily="49" charset="0"/>
               </a:rPr>
-              <a:t>min.size</a:t>
-            </a:r>
-            <a:r>
-              <a:rPr lang="en-US" sz="1600" b="1" dirty="0">
+              <a:t>multi</a:t>
+            </a:r>
+            <a:r>
+              <a:rPr lang="en-US" sz="1400" dirty="0">
+                <a:latin typeface="Times New Roman" panose="02020603050405020304" pitchFamily="18" charset="0"/>
+                <a:cs typeface="Times New Roman" panose="02020603050405020304" pitchFamily="18" charset="0"/>
+              </a:rPr>
+              <a:t>’ </a:t>
+            </a:r>
+          </a:p>
+          <a:p>
+            <a:pPr lvl="1" algn="just"/>
+            <a:r>
+              <a:rPr lang="en-US" sz="1400" dirty="0">
                 <a:latin typeface="Consolas" panose="020B0609020204030204" pitchFamily="49" charset="0"/>
                 <a:cs typeface="Consolas" panose="020B0609020204030204" pitchFamily="49" charset="0"/>
               </a:rPr>
-              <a:t> = 240</a:t>
-            </a:r>
-            <a:r>
-              <a:rPr lang="en-US" sz="1600" b="1" dirty="0"/>
-              <a:t>:  </a:t>
-            </a:r>
-            <a:r>
-              <a:rPr lang="en-US" sz="1600" dirty="0"/>
-              <a:t>the steady states must be at least 10 days (10 x 24 = 240)</a:t>
-            </a:r>
-          </a:p>
-          <a:p>
-            <a:pPr marL="0" lvl="7"/>
-            <a:r>
-              <a:rPr lang="en-US" sz="1600" b="1" dirty="0">
+              <a:t>degree</a:t>
+            </a:r>
+            <a:r>
+              <a:rPr lang="en-US" sz="1400" dirty="0">
+                <a:latin typeface="Times New Roman" panose="02020603050405020304" pitchFamily="18" charset="0"/>
+                <a:cs typeface="Times New Roman" panose="02020603050405020304" pitchFamily="18" charset="0"/>
+              </a:rPr>
+              <a:t>: The degree (0, 1, or 2) of the penalization polynomial. In this study, </a:t>
+            </a:r>
+            <a:r>
+              <a:rPr lang="en-US" sz="1400" dirty="0">
                 <a:latin typeface="Consolas" panose="020B0609020204030204" pitchFamily="49" charset="0"/>
                 <a:cs typeface="Consolas" panose="020B0609020204030204" pitchFamily="49" charset="0"/>
               </a:rPr>
-              <a:t>method = 'multi’</a:t>
-            </a:r>
-            <a:r>
-              <a:rPr lang="en-US" sz="1600" b="1" dirty="0"/>
-              <a:t>: </a:t>
-            </a:r>
-            <a:r>
-              <a:rPr lang="en-US" sz="1600" dirty="0"/>
-              <a:t>multiple breakouts detection is desired</a:t>
-            </a:r>
-          </a:p>
-          <a:p>
-            <a:pPr marL="0" lvl="7"/>
-            <a:r>
-              <a:rPr lang="en-US" sz="1600" b="1" dirty="0">
+              <a:t>degree = 1</a:t>
+            </a:r>
+          </a:p>
+          <a:p>
+            <a:pPr lvl="1" algn="just"/>
+            <a:r>
+              <a:rPr lang="en-US" sz="1400" dirty="0">
                 <a:latin typeface="Consolas" panose="020B0609020204030204" pitchFamily="49" charset="0"/>
                 <a:cs typeface="Consolas" panose="020B0609020204030204" pitchFamily="49" charset="0"/>
               </a:rPr>
-              <a:t>degree=1</a:t>
-            </a:r>
-            <a:r>
-              <a:rPr lang="en-US" sz="1600" b="1" dirty="0"/>
-              <a:t>:</a:t>
-            </a:r>
-            <a:r>
-              <a:rPr lang="en-US" sz="1600" dirty="0"/>
-              <a:t> set the penalization polynomial to 1 (default)</a:t>
-            </a:r>
-          </a:p>
-          <a:p>
-            <a:pPr marL="0" lvl="7"/>
-            <a:r>
-              <a:rPr lang="en-US" sz="1600" b="1" dirty="0">
+              <a:t>beta</a:t>
+            </a:r>
+            <a:r>
+              <a:rPr lang="en-US" sz="1400" dirty="0">
+                <a:latin typeface="Times New Roman" panose="02020603050405020304" pitchFamily="18" charset="0"/>
+                <a:cs typeface="Times New Roman" panose="02020603050405020304" pitchFamily="18" charset="0"/>
+              </a:rPr>
+              <a:t>: the default form of penalization. In this study, </a:t>
+            </a:r>
+            <a:r>
+              <a:rPr lang="en-US" sz="1400" dirty="0">
                 <a:latin typeface="Consolas" panose="020B0609020204030204" pitchFamily="49" charset="0"/>
                 <a:cs typeface="Consolas" panose="020B0609020204030204" pitchFamily="49" charset="0"/>
               </a:rPr>
-              <a:t>beta=0.008</a:t>
-            </a:r>
-            <a:r>
-              <a:rPr lang="en-US" sz="1600" dirty="0"/>
-              <a:t>: determined via elbow plot</a:t>
-            </a:r>
-          </a:p>
-          <a:p>
-            <a:pPr marL="0" lvl="7"/>
-            <a:r>
-              <a:rPr lang="en-US" sz="1600" b="1" dirty="0">
+              <a:t>beta = 0.008 </a:t>
+            </a:r>
+            <a:r>
+              <a:rPr lang="en-US" sz="1400" dirty="0">
+                <a:latin typeface="Times New Roman" panose="02020603050405020304" pitchFamily="18" charset="0"/>
+                <a:cs typeface="Times New Roman" panose="02020603050405020304" pitchFamily="18" charset="0"/>
+              </a:rPr>
+              <a:t>for velocity, </a:t>
+            </a:r>
+            <a:r>
+              <a:rPr lang="en-US" sz="1400" dirty="0">
                 <a:latin typeface="Consolas" panose="020B0609020204030204" pitchFamily="49" charset="0"/>
                 <a:cs typeface="Consolas" panose="020B0609020204030204" pitchFamily="49" charset="0"/>
               </a:rPr>
-              <a:t>percent=0.10</a:t>
-            </a:r>
-            <a:r>
-              <a:rPr lang="en-US" sz="1600" b="1" dirty="0"/>
-              <a:t>: </a:t>
-            </a:r>
-            <a:r>
-              <a:rPr lang="en-US" sz="1600" dirty="0"/>
-              <a:t>determined via elbow plot </a:t>
-            </a:r>
+              <a:t> 0.002</a:t>
+            </a:r>
+            <a:r>
+              <a:rPr lang="en-US" sz="1400" dirty="0">
+                <a:latin typeface="Times New Roman" panose="02020603050405020304" pitchFamily="18" charset="0"/>
+                <a:cs typeface="Times New Roman" panose="02020603050405020304" pitchFamily="18" charset="0"/>
+              </a:rPr>
+              <a:t> for level</a:t>
+            </a:r>
+          </a:p>
+          <a:p>
+            <a:pPr marL="285750" lvl="7" indent="-285750"/>
+            <a:r>
+              <a:rPr lang="en-US" sz="1400" dirty="0">
+                <a:latin typeface="Times New Roman" panose="02020603050405020304" pitchFamily="18" charset="0"/>
+                <a:cs typeface="Times New Roman" panose="02020603050405020304" pitchFamily="18" charset="0"/>
+              </a:rPr>
+              <a:t>The values of argument are determined through a series of trials with the assistance of elbow plots:</a:t>
+            </a:r>
+          </a:p>
+          <a:p>
+            <a:pPr marL="285750" lvl="7" indent="-285750"/>
+            <a:endParaRPr lang="en-US" sz="1400" dirty="0">
+              <a:latin typeface="Times New Roman" panose="02020603050405020304" pitchFamily="18" charset="0"/>
+              <a:cs typeface="Times New Roman" panose="02020603050405020304" pitchFamily="18" charset="0"/>
+            </a:endParaRPr>
+          </a:p>
+          <a:p>
+            <a:pPr marL="285750" lvl="7" indent="-285750"/>
+            <a:endParaRPr lang="en-US" sz="1400" dirty="0">
+              <a:latin typeface="Times New Roman" panose="02020603050405020304" pitchFamily="18" charset="0"/>
+              <a:cs typeface="Times New Roman" panose="02020603050405020304" pitchFamily="18" charset="0"/>
+            </a:endParaRPr>
+          </a:p>
+          <a:p>
+            <a:pPr marL="285750" lvl="7" indent="-285750"/>
+            <a:endParaRPr lang="en-US" sz="1400" dirty="0">
+              <a:latin typeface="Times New Roman" panose="02020603050405020304" pitchFamily="18" charset="0"/>
+              <a:cs typeface="Times New Roman" panose="02020603050405020304" pitchFamily="18" charset="0"/>
+            </a:endParaRPr>
+          </a:p>
+          <a:p>
+            <a:pPr marL="285750" lvl="7" indent="-285750"/>
+            <a:endParaRPr lang="en-US" sz="1400" dirty="0">
+              <a:latin typeface="Times New Roman" panose="02020603050405020304" pitchFamily="18" charset="0"/>
+              <a:cs typeface="Times New Roman" panose="02020603050405020304" pitchFamily="18" charset="0"/>
+            </a:endParaRPr>
+          </a:p>
+          <a:p>
+            <a:pPr marL="285750" lvl="7" indent="-285750"/>
+            <a:endParaRPr lang="en-US" sz="1400" dirty="0">
+              <a:latin typeface="Times New Roman" panose="02020603050405020304" pitchFamily="18" charset="0"/>
+              <a:cs typeface="Times New Roman" panose="02020603050405020304" pitchFamily="18" charset="0"/>
+            </a:endParaRPr>
+          </a:p>
+          <a:p>
+            <a:pPr marL="285750" lvl="7" indent="-285750"/>
+            <a:endParaRPr lang="en-US" sz="1400" dirty="0">
+              <a:latin typeface="Times New Roman" panose="02020603050405020304" pitchFamily="18" charset="0"/>
+              <a:cs typeface="Times New Roman" panose="02020603050405020304" pitchFamily="18" charset="0"/>
+            </a:endParaRPr>
+          </a:p>
+          <a:p>
+            <a:pPr marL="285750" lvl="7" indent="-285750"/>
+            <a:endParaRPr lang="en-US" sz="1400" dirty="0">
+              <a:latin typeface="Times New Roman" panose="02020603050405020304" pitchFamily="18" charset="0"/>
+              <a:cs typeface="Times New Roman" panose="02020603050405020304" pitchFamily="18" charset="0"/>
+            </a:endParaRPr>
+          </a:p>
+          <a:p>
+            <a:pPr marL="285750" lvl="7" indent="-285750"/>
+            <a:endParaRPr lang="en-US" sz="1400" dirty="0">
+              <a:latin typeface="Times New Roman" panose="02020603050405020304" pitchFamily="18" charset="0"/>
+              <a:cs typeface="Times New Roman" panose="02020603050405020304" pitchFamily="18" charset="0"/>
+            </a:endParaRPr>
+          </a:p>
+          <a:p>
+            <a:pPr marL="285750" lvl="7" indent="-285750"/>
+            <a:endParaRPr lang="en-US" sz="1400" dirty="0">
+              <a:latin typeface="Times New Roman" panose="02020603050405020304" pitchFamily="18" charset="0"/>
+              <a:cs typeface="Times New Roman" panose="02020603050405020304" pitchFamily="18" charset="0"/>
+            </a:endParaRPr>
+          </a:p>
+          <a:p>
+            <a:pPr marL="285750" lvl="7" indent="-285750"/>
+            <a:endParaRPr lang="en-US" sz="1400" dirty="0">
+              <a:latin typeface="Times New Roman" panose="02020603050405020304" pitchFamily="18" charset="0"/>
+              <a:cs typeface="Times New Roman" panose="02020603050405020304" pitchFamily="18" charset="0"/>
+            </a:endParaRPr>
+          </a:p>
+          <a:p>
+            <a:pPr marL="285750" lvl="7" indent="-285750"/>
+            <a:endParaRPr lang="en-US" sz="1400" dirty="0">
+              <a:latin typeface="Times New Roman" panose="02020603050405020304" pitchFamily="18" charset="0"/>
+              <a:cs typeface="Times New Roman" panose="02020603050405020304" pitchFamily="18" charset="0"/>
+            </a:endParaRPr>
+          </a:p>
+          <a:p>
+            <a:pPr marL="285750" lvl="7" indent="-285750"/>
+            <a:endParaRPr lang="en-US" sz="1400" dirty="0">
+              <a:latin typeface="Times New Roman" panose="02020603050405020304" pitchFamily="18" charset="0"/>
+              <a:cs typeface="Times New Roman" panose="02020603050405020304" pitchFamily="18" charset="0"/>
+            </a:endParaRPr>
+          </a:p>
+          <a:p>
+            <a:pPr marL="285750" lvl="7" indent="-285750"/>
+            <a:endParaRPr lang="en-US" sz="1400" dirty="0">
+              <a:latin typeface="Times New Roman" panose="02020603050405020304" pitchFamily="18" charset="0"/>
+              <a:cs typeface="Times New Roman" panose="02020603050405020304" pitchFamily="18" charset="0"/>
+            </a:endParaRPr>
+          </a:p>
+          <a:p>
+            <a:pPr marL="285750" lvl="7" indent="-285750"/>
+            <a:endParaRPr lang="en-US" sz="1400" dirty="0">
+              <a:latin typeface="Times New Roman" panose="02020603050405020304" pitchFamily="18" charset="0"/>
+              <a:cs typeface="Times New Roman" panose="02020603050405020304" pitchFamily="18" charset="0"/>
+            </a:endParaRPr>
+          </a:p>
+          <a:p>
+            <a:pPr marL="285750" lvl="7" indent="-285750"/>
+            <a:endParaRPr lang="en-US" sz="1400" dirty="0">
+              <a:latin typeface="Times New Roman" panose="02020603050405020304" pitchFamily="18" charset="0"/>
+              <a:cs typeface="Times New Roman" panose="02020603050405020304" pitchFamily="18" charset="0"/>
+            </a:endParaRPr>
+          </a:p>
+          <a:p>
+            <a:pPr marL="285750" lvl="7" indent="-285750"/>
+            <a:endParaRPr lang="en-US" sz="1400" dirty="0">
+              <a:latin typeface="Times New Roman" panose="02020603050405020304" pitchFamily="18" charset="0"/>
+              <a:cs typeface="Times New Roman" panose="02020603050405020304" pitchFamily="18" charset="0"/>
+            </a:endParaRPr>
+          </a:p>
+          <a:p>
+            <a:pPr marL="285750" lvl="7" indent="-285750"/>
+            <a:endParaRPr lang="en-US" sz="1400" dirty="0">
+              <a:latin typeface="Times New Roman" panose="02020603050405020304" pitchFamily="18" charset="0"/>
+              <a:cs typeface="Times New Roman" panose="02020603050405020304" pitchFamily="18" charset="0"/>
+            </a:endParaRPr>
+          </a:p>
+          <a:p>
+            <a:pPr marL="285750" lvl="7" indent="-285750"/>
+            <a:endParaRPr lang="en-US" sz="1400" dirty="0">
+              <a:latin typeface="Times New Roman" panose="02020603050405020304" pitchFamily="18" charset="0"/>
+              <a:cs typeface="Times New Roman" panose="02020603050405020304" pitchFamily="18" charset="0"/>
+            </a:endParaRPr>
+          </a:p>
+          <a:p>
+            <a:pPr marL="285750" lvl="7" indent="-285750"/>
+            <a:endParaRPr lang="en-US" sz="1400" dirty="0">
+              <a:latin typeface="Times New Roman" panose="02020603050405020304" pitchFamily="18" charset="0"/>
+              <a:cs typeface="Times New Roman" panose="02020603050405020304" pitchFamily="18" charset="0"/>
+            </a:endParaRPr>
+          </a:p>
+          <a:p>
+            <a:pPr marL="285750" lvl="7" indent="-285750"/>
+            <a:endParaRPr lang="en-US" sz="1400" dirty="0">
+              <a:latin typeface="Times New Roman" panose="02020603050405020304" pitchFamily="18" charset="0"/>
+              <a:cs typeface="Times New Roman" panose="02020603050405020304" pitchFamily="18" charset="0"/>
+            </a:endParaRPr>
+          </a:p>
+          <a:p>
+            <a:pPr marL="285750" lvl="7" indent="-285750"/>
+            <a:endParaRPr lang="en-US" sz="1400" dirty="0">
+              <a:latin typeface="Times New Roman" panose="02020603050405020304" pitchFamily="18" charset="0"/>
+              <a:cs typeface="Times New Roman" panose="02020603050405020304" pitchFamily="18" charset="0"/>
+            </a:endParaRPr>
+          </a:p>
+          <a:p>
+            <a:pPr marL="285750" lvl="7" indent="-285750"/>
+            <a:endParaRPr lang="en-US" sz="1400" dirty="0">
+              <a:latin typeface="Times New Roman" panose="02020603050405020304" pitchFamily="18" charset="0"/>
+              <a:cs typeface="Times New Roman" panose="02020603050405020304" pitchFamily="18" charset="0"/>
+            </a:endParaRPr>
           </a:p>
           <a:p>
             <a:pPr marL="0" lvl="7" indent="0">
               <a:buNone/>
             </a:pPr>
-            <a:r>
-              <a:rPr lang="en-US" sz="1600" b="1" dirty="0"/>
+            <a:endParaRPr lang="en-US" sz="1400" dirty="0">
+              <a:latin typeface="Times New Roman" panose="02020603050405020304" pitchFamily="18" charset="0"/>
+              <a:cs typeface="Times New Roman" panose="02020603050405020304" pitchFamily="18" charset="0"/>
+            </a:endParaRPr>
+          </a:p>
+          <a:p>
+            <a:pPr marL="0" lvl="7" indent="0">
+              <a:buNone/>
+            </a:pPr>
+            <a:endParaRPr lang="en-US" sz="1400" dirty="0">
+              <a:latin typeface="Times New Roman" panose="02020603050405020304" pitchFamily="18" charset="0"/>
+              <a:cs typeface="Times New Roman" panose="02020603050405020304" pitchFamily="18" charset="0"/>
+            </a:endParaRPr>
+          </a:p>
+          <a:p>
+            <a:pPr marL="285750" lvl="7" indent="-285750"/>
+            <a:r>
+              <a:rPr lang="en-US" sz="1400" dirty="0">
+                <a:latin typeface="Times New Roman" panose="02020603050405020304" pitchFamily="18" charset="0"/>
+                <a:cs typeface="Times New Roman" panose="02020603050405020304" pitchFamily="18" charset="0"/>
+              </a:rPr>
               <a:t>Implementation: </a:t>
             </a:r>
           </a:p>
           <a:p>
-            <a:r>
-              <a:rPr lang="en-US" sz="1600" dirty="0"/>
-              <a:t>Breakout detection through breakout() from the </a:t>
-            </a:r>
-            <a:r>
-              <a:rPr lang="en-US" sz="1600" dirty="0" err="1"/>
+            <a:pPr lvl="1"/>
+            <a:r>
+              <a:rPr lang="en-US" sz="1400" dirty="0">
+                <a:latin typeface="Times New Roman" panose="02020603050405020304" pitchFamily="18" charset="0"/>
+                <a:cs typeface="Times New Roman" panose="02020603050405020304" pitchFamily="18" charset="0"/>
+              </a:rPr>
+              <a:t>Breakouts are detected by the </a:t>
+            </a:r>
+            <a:r>
+              <a:rPr lang="en-US" sz="1400" dirty="0">
+                <a:latin typeface="Consolas" panose="020B0609020204030204" pitchFamily="49" charset="0"/>
+                <a:cs typeface="Consolas" panose="020B0609020204030204" pitchFamily="49" charset="0"/>
+              </a:rPr>
+              <a:t>breakout()</a:t>
+            </a:r>
+            <a:r>
+              <a:rPr lang="en-US" sz="1400" dirty="0">
+                <a:latin typeface="Times New Roman" panose="02020603050405020304" pitchFamily="18" charset="0"/>
+                <a:cs typeface="Times New Roman" panose="02020603050405020304" pitchFamily="18" charset="0"/>
+              </a:rPr>
+              <a:t> function in the </a:t>
+            </a:r>
+            <a:r>
+              <a:rPr lang="en-US" sz="1400" dirty="0" err="1">
+                <a:latin typeface="Consolas" panose="020B0609020204030204" pitchFamily="49" charset="0"/>
+                <a:cs typeface="Consolas" panose="020B0609020204030204" pitchFamily="49" charset="0"/>
+              </a:rPr>
               <a:t>BreakoutDetection</a:t>
             </a:r>
             <a:r>
-              <a:rPr lang="en-US" sz="1600" dirty="0"/>
-              <a:t> package;</a:t>
-            </a:r>
-          </a:p>
-          <a:p>
-            <a:r>
-              <a:rPr lang="en-US" sz="1600" dirty="0"/>
-              <a:t>A custom plot showing the breakouts are developed using the ggplot2 package;</a:t>
-            </a:r>
-          </a:p>
-          <a:p>
-            <a:r>
-              <a:rPr lang="en-US" sz="1600" dirty="0"/>
-              <a:t>The R script is embed into a R markdown template, which generates a quarterly report when rendered.</a:t>
-            </a:r>
-          </a:p>
-        </p:txBody>
-      </p:sp>
-      <p:sp>
-        <p:nvSpPr>
-          <p:cNvPr id="18" name="Text Placeholder 17"/>
-          <p:cNvSpPr>
-            <a:spLocks noGrp="1"/>
-          </p:cNvSpPr>
-          <p:nvPr>
-            <p:ph type="body" sz="quarter" idx="31"/>
-          </p:nvPr>
-        </p:nvSpPr>
-        <p:spPr/>
-        <p:txBody>
-          <a:bodyPr/>
-          <a:lstStyle/>
-          <a:p>
-            <a:r>
-              <a:rPr lang="en-US"/>
-              <a:t>results</a:t>
-            </a:r>
-            <a:endParaRPr lang="en-US" dirty="0"/>
+              <a:rPr lang="en-US" sz="1400" dirty="0">
+                <a:latin typeface="Times New Roman" panose="02020603050405020304" pitchFamily="18" charset="0"/>
+                <a:cs typeface="Times New Roman" panose="02020603050405020304" pitchFamily="18" charset="0"/>
+              </a:rPr>
+              <a:t> package in R</a:t>
+            </a:r>
+          </a:p>
+          <a:p>
+            <a:pPr lvl="1"/>
+            <a:r>
+              <a:rPr lang="en-US" sz="1400" dirty="0">
+                <a:latin typeface="Times New Roman" panose="02020603050405020304" pitchFamily="18" charset="0"/>
+                <a:cs typeface="Times New Roman" panose="02020603050405020304" pitchFamily="18" charset="0"/>
+              </a:rPr>
+              <a:t>A custom function to plot breakouts with time-series is developed using the </a:t>
+            </a:r>
+            <a:r>
+              <a:rPr lang="en-US" sz="1400" dirty="0">
+                <a:latin typeface="Consolas" panose="020B0609020204030204" pitchFamily="49" charset="0"/>
+                <a:cs typeface="Consolas" panose="020B0609020204030204" pitchFamily="49" charset="0"/>
+              </a:rPr>
+              <a:t>ggplot2</a:t>
+            </a:r>
+            <a:r>
+              <a:rPr lang="en-US" sz="1400" dirty="0">
+                <a:latin typeface="Times New Roman" panose="02020603050405020304" pitchFamily="18" charset="0"/>
+                <a:cs typeface="Times New Roman" panose="02020603050405020304" pitchFamily="18" charset="0"/>
+              </a:rPr>
+              <a:t> package</a:t>
+            </a:r>
+          </a:p>
+          <a:p>
+            <a:pPr lvl="1"/>
+            <a:r>
+              <a:rPr lang="en-US" sz="1400" dirty="0">
+                <a:latin typeface="Times New Roman" panose="02020603050405020304" pitchFamily="18" charset="0"/>
+                <a:cs typeface="Times New Roman" panose="02020603050405020304" pitchFamily="18" charset="0"/>
+              </a:rPr>
+              <a:t>A R markdown template is created for generating quarterly reports</a:t>
+            </a:r>
+          </a:p>
+          <a:p>
+            <a:pPr lvl="1"/>
+            <a:r>
+              <a:rPr lang="en-US" sz="1400" dirty="0">
+                <a:latin typeface="Times New Roman" panose="02020603050405020304" pitchFamily="18" charset="0"/>
+                <a:cs typeface="Times New Roman" panose="02020603050405020304" pitchFamily="18" charset="0"/>
+              </a:rPr>
+              <a:t>The report is updated bi-weekly when new data becomes available</a:t>
+            </a:r>
+            <a:endParaRPr lang="en-US" dirty="0">
+              <a:latin typeface="Times New Roman" panose="02020603050405020304" pitchFamily="18" charset="0"/>
+              <a:cs typeface="Times New Roman" panose="02020603050405020304" pitchFamily="18" charset="0"/>
+            </a:endParaRPr>
+          </a:p>
+          <a:p>
+            <a:pPr marL="171450" indent="-171450"/>
+            <a:endParaRPr lang="en-US" dirty="0">
+              <a:latin typeface="Times New Roman" panose="02020603050405020304" pitchFamily="18" charset="0"/>
+              <a:cs typeface="Times New Roman" panose="02020603050405020304" pitchFamily="18" charset="0"/>
+            </a:endParaRPr>
+          </a:p>
+          <a:p>
+            <a:pPr marL="171450" indent="-171450"/>
+            <a:endParaRPr lang="en-US" dirty="0">
+              <a:latin typeface="Times New Roman" panose="02020603050405020304" pitchFamily="18" charset="0"/>
+              <a:cs typeface="Times New Roman" panose="02020603050405020304" pitchFamily="18" charset="0"/>
+            </a:endParaRPr>
+          </a:p>
+          <a:p>
+            <a:pPr marL="171450" indent="-171450"/>
+            <a:endParaRPr lang="en-US" dirty="0">
+              <a:latin typeface="Times New Roman" panose="02020603050405020304" pitchFamily="18" charset="0"/>
+              <a:cs typeface="Times New Roman" panose="02020603050405020304" pitchFamily="18" charset="0"/>
+            </a:endParaRPr>
+          </a:p>
+          <a:p>
+            <a:pPr marL="171450" indent="-171450"/>
+            <a:endParaRPr lang="en-US" dirty="0">
+              <a:latin typeface="Times New Roman" panose="02020603050405020304" pitchFamily="18" charset="0"/>
+              <a:cs typeface="Times New Roman" panose="02020603050405020304" pitchFamily="18" charset="0"/>
+            </a:endParaRPr>
+          </a:p>
+          <a:p>
+            <a:pPr marL="171450" indent="-171450"/>
+            <a:endParaRPr lang="en-US" dirty="0">
+              <a:latin typeface="Times New Roman" panose="02020603050405020304" pitchFamily="18" charset="0"/>
+              <a:cs typeface="Times New Roman" panose="02020603050405020304" pitchFamily="18" charset="0"/>
+            </a:endParaRPr>
+          </a:p>
+          <a:p>
+            <a:pPr marL="171450" indent="-171450"/>
+            <a:endParaRPr lang="en-US" dirty="0">
+              <a:latin typeface="Times New Roman" panose="02020603050405020304" pitchFamily="18" charset="0"/>
+              <a:cs typeface="Times New Roman" panose="02020603050405020304" pitchFamily="18" charset="0"/>
+            </a:endParaRPr>
+          </a:p>
+          <a:p>
+            <a:pPr marL="171450" indent="-171450"/>
+            <a:endParaRPr lang="en-US" dirty="0">
+              <a:latin typeface="Times New Roman" panose="02020603050405020304" pitchFamily="18" charset="0"/>
+              <a:cs typeface="Times New Roman" panose="02020603050405020304" pitchFamily="18" charset="0"/>
+            </a:endParaRPr>
+          </a:p>
+          <a:p>
+            <a:pPr marL="171450" indent="-171450"/>
+            <a:endParaRPr lang="en-US" dirty="0">
+              <a:latin typeface="Times New Roman" panose="02020603050405020304" pitchFamily="18" charset="0"/>
+              <a:cs typeface="Times New Roman" panose="02020603050405020304" pitchFamily="18" charset="0"/>
+            </a:endParaRPr>
+          </a:p>
+          <a:p>
+            <a:pPr marL="171450" indent="-171450"/>
+            <a:endParaRPr lang="en-US" dirty="0">
+              <a:latin typeface="Times New Roman" panose="02020603050405020304" pitchFamily="18" charset="0"/>
+              <a:cs typeface="Times New Roman" panose="02020603050405020304" pitchFamily="18" charset="0"/>
+            </a:endParaRPr>
+          </a:p>
+          <a:p>
+            <a:pPr marL="171450" indent="-171450"/>
+            <a:endParaRPr lang="en-US" dirty="0">
+              <a:latin typeface="Times New Roman" panose="02020603050405020304" pitchFamily="18" charset="0"/>
+              <a:cs typeface="Times New Roman" panose="02020603050405020304" pitchFamily="18" charset="0"/>
+            </a:endParaRPr>
+          </a:p>
+          <a:p>
+            <a:pPr marL="171450" indent="-171450"/>
+            <a:endParaRPr lang="en-US" dirty="0">
+              <a:latin typeface="Times New Roman" panose="02020603050405020304" pitchFamily="18" charset="0"/>
+              <a:cs typeface="Times New Roman" panose="02020603050405020304" pitchFamily="18" charset="0"/>
+            </a:endParaRPr>
+          </a:p>
+          <a:p>
+            <a:pPr marL="171450" indent="-171450"/>
+            <a:endParaRPr lang="en-US" dirty="0">
+              <a:latin typeface="Times New Roman" panose="02020603050405020304" pitchFamily="18" charset="0"/>
+              <a:cs typeface="Times New Roman" panose="02020603050405020304" pitchFamily="18" charset="0"/>
+            </a:endParaRPr>
+          </a:p>
+          <a:p>
+            <a:pPr marL="171450" indent="-171450"/>
+            <a:endParaRPr lang="en-US" dirty="0">
+              <a:latin typeface="Times New Roman" panose="02020603050405020304" pitchFamily="18" charset="0"/>
+              <a:cs typeface="Times New Roman" panose="02020603050405020304" pitchFamily="18" charset="0"/>
+            </a:endParaRPr>
+          </a:p>
+          <a:p>
+            <a:pPr marL="171450" indent="-171450"/>
+            <a:endParaRPr lang="en-US" dirty="0">
+              <a:latin typeface="Times New Roman" panose="02020603050405020304" pitchFamily="18" charset="0"/>
+              <a:cs typeface="Times New Roman" panose="02020603050405020304" pitchFamily="18" charset="0"/>
+            </a:endParaRPr>
+          </a:p>
+          <a:p>
+            <a:pPr marL="171450" indent="-171450"/>
+            <a:endParaRPr lang="en-US" dirty="0">
+              <a:latin typeface="Times New Roman" panose="02020603050405020304" pitchFamily="18" charset="0"/>
+              <a:cs typeface="Times New Roman" panose="02020603050405020304" pitchFamily="18" charset="0"/>
+            </a:endParaRPr>
+          </a:p>
+          <a:p>
+            <a:endParaRPr lang="en-US" dirty="0">
+              <a:latin typeface="Times New Roman" panose="02020603050405020304" pitchFamily="18" charset="0"/>
+              <a:cs typeface="Times New Roman" panose="02020603050405020304" pitchFamily="18" charset="0"/>
+            </a:endParaRPr>
+          </a:p>
+          <a:p>
+            <a:pPr lvl="1" algn="just"/>
+            <a:endParaRPr lang="en-US" sz="1400" dirty="0">
+              <a:latin typeface="Times New Roman" panose="02020603050405020304" pitchFamily="18" charset="0"/>
+              <a:cs typeface="Times New Roman" panose="02020603050405020304" pitchFamily="18" charset="0"/>
+            </a:endParaRPr>
           </a:p>
         </p:txBody>
       </p:sp>
@@ -7616,7 +7821,7 @@
         </p:nvSpPr>
         <p:spPr>
           <a:xfrm>
-            <a:off x="18688050" y="13040658"/>
+            <a:off x="18675153" y="11105211"/>
             <a:ext cx="8001000" cy="609600"/>
           </a:xfrm>
         </p:spPr>
@@ -7643,56 +7848,33 @@
         </p:nvSpPr>
         <p:spPr>
           <a:xfrm>
-            <a:off x="18688050" y="13650257"/>
-            <a:ext cx="8001000" cy="1945343"/>
+            <a:off x="18667918" y="11730987"/>
+            <a:ext cx="8001000" cy="1437309"/>
           </a:xfrm>
         </p:spPr>
         <p:txBody>
           <a:bodyPr lIns="91440">
-            <a:normAutofit/>
+            <a:noAutofit/>
           </a:bodyPr>
           <a:lstStyle/>
           <a:p>
             <a:pPr marL="0" algn="just"/>
             <a:r>
-              <a:rPr lang="en-US" sz="1600" dirty="0"/>
-              <a:t>EDM can satisfactorily detect multiple breakouts in the time-series</a:t>
+              <a:rPr lang="en-US" dirty="0">
+                <a:latin typeface="Times New Roman" panose="02020603050405020304" pitchFamily="18" charset="0"/>
+                <a:cs typeface="Times New Roman" panose="02020603050405020304" pitchFamily="18" charset="0"/>
+              </a:rPr>
+              <a:t>With properly tuned argument, the E-divisive with Median (EDM) method can effectively detect multiple breakouts in sewage level and velocity time-series with known anomalies (runoff), and is expected to be applicable for other monitored time-series data.</a:t>
             </a:r>
           </a:p>
           <a:p>
             <a:pPr marL="0" algn="just"/>
             <a:r>
-              <a:rPr lang="en-US" sz="1600" dirty="0"/>
-              <a:t>Parameter selection (</a:t>
-            </a:r>
-            <a:r>
-              <a:rPr lang="en-US" sz="1600" dirty="0" err="1"/>
-              <a:t>min.size</a:t>
-            </a:r>
-            <a:r>
-              <a:rPr lang="en-US" sz="1600" dirty="0"/>
-              <a:t>, degree, beta, percent) is critical for optimizing the outcome</a:t>
-            </a:r>
-          </a:p>
-          <a:p>
-            <a:pPr marL="0" algn="just"/>
-            <a:r>
-              <a:rPr lang="en-US" sz="1600" dirty="0"/>
-              <a:t>Velocity measurements tends to show more breakouts</a:t>
-            </a:r>
-          </a:p>
-          <a:p>
-            <a:pPr marL="0" algn="just"/>
-            <a:r>
-              <a:rPr lang="en-US" sz="1600" dirty="0"/>
-              <a:t>Breakouts at the end of the time series could not be determined</a:t>
-            </a:r>
-          </a:p>
-          <a:p>
-            <a:pPr marL="0" algn="just"/>
-            <a:r>
-              <a:rPr lang="en-US" sz="1600" dirty="0"/>
-              <a:t>EDM may recognize large runoff response as breakouts</a:t>
+              <a:rPr lang="en-US" dirty="0">
+                <a:latin typeface="Times New Roman" panose="02020603050405020304" pitchFamily="18" charset="0"/>
+                <a:cs typeface="Times New Roman" panose="02020603050405020304" pitchFamily="18" charset="0"/>
+              </a:rPr>
+              <a:t>This application provides Quality Control (QC) to the modeling data, and can be used as an early warning system for field issues. </a:t>
             </a:r>
           </a:p>
         </p:txBody>
@@ -7760,432 +7942,14 @@
         </p:blipFill>
         <p:spPr>
           <a:xfrm>
-            <a:off x="5384493" y="3535679"/>
-            <a:ext cx="3372353" cy="4496471"/>
+            <a:off x="5242561" y="3535679"/>
+            <a:ext cx="3514286" cy="4685715"/>
           </a:xfrm>
           <a:prstGeom prst="rect">
             <a:avLst/>
           </a:prstGeom>
         </p:spPr>
       </p:pic>
-      <p:pic>
-        <p:nvPicPr>
-          <p:cNvPr id="3" name="Picture 2">
-            <a:extLst>
-              <a:ext uri="{FF2B5EF4-FFF2-40B4-BE49-F238E27FC236}">
-                <a16:creationId xmlns:a16="http://schemas.microsoft.com/office/drawing/2014/main" id="{AA2644B0-CFE5-4100-94C9-0737680F339D}"/>
-              </a:ext>
-            </a:extLst>
-          </p:cNvPr>
-          <p:cNvPicPr>
-            <a:picLocks noChangeAspect="1"/>
-          </p:cNvPicPr>
-          <p:nvPr/>
-        </p:nvPicPr>
-        <p:blipFill>
-          <a:blip r:embed="rId4" cstate="print">
-            <a:extLst>
-              <a:ext uri="{28A0092B-C50C-407E-A947-70E740481C1C}">
-                <a14:useLocalDpi xmlns:a14="http://schemas.microsoft.com/office/drawing/2010/main" val="0"/>
-              </a:ext>
-            </a:extLst>
-          </a:blip>
-          <a:stretch>
-            <a:fillRect/>
-          </a:stretch>
-        </p:blipFill>
-        <p:spPr>
-          <a:xfrm>
-            <a:off x="21691600" y="3558376"/>
-            <a:ext cx="4577948" cy="2288975"/>
-          </a:xfrm>
-          <a:prstGeom prst="rect">
-            <a:avLst/>
-          </a:prstGeom>
-        </p:spPr>
-      </p:pic>
-      <p:pic>
-        <p:nvPicPr>
-          <p:cNvPr id="20" name="Picture 19">
-            <a:extLst>
-              <a:ext uri="{FF2B5EF4-FFF2-40B4-BE49-F238E27FC236}">
-                <a16:creationId xmlns:a16="http://schemas.microsoft.com/office/drawing/2014/main" id="{D2C92289-382A-46AA-B019-17E804AECC75}"/>
-              </a:ext>
-            </a:extLst>
-          </p:cNvPr>
-          <p:cNvPicPr>
-            <a:picLocks noChangeAspect="1"/>
-          </p:cNvPicPr>
-          <p:nvPr/>
-        </p:nvPicPr>
-        <p:blipFill>
-          <a:blip r:embed="rId5" cstate="print">
-            <a:extLst>
-              <a:ext uri="{28A0092B-C50C-407E-A947-70E740481C1C}">
-                <a14:useLocalDpi xmlns:a14="http://schemas.microsoft.com/office/drawing/2010/main" val="0"/>
-              </a:ext>
-            </a:extLst>
-          </a:blip>
-          <a:stretch>
-            <a:fillRect/>
-          </a:stretch>
-        </p:blipFill>
-        <p:spPr>
-          <a:xfrm>
-            <a:off x="21691600" y="5847351"/>
-            <a:ext cx="4577948" cy="2288974"/>
-          </a:xfrm>
-          <a:prstGeom prst="rect">
-            <a:avLst/>
-          </a:prstGeom>
-        </p:spPr>
-      </p:pic>
-      <p:pic>
-        <p:nvPicPr>
-          <p:cNvPr id="26" name="Picture 25">
-            <a:extLst>
-              <a:ext uri="{FF2B5EF4-FFF2-40B4-BE49-F238E27FC236}">
-                <a16:creationId xmlns:a16="http://schemas.microsoft.com/office/drawing/2014/main" id="{5E5229C4-B81D-4E19-860F-93240DCFBAC0}"/>
-              </a:ext>
-            </a:extLst>
-          </p:cNvPr>
-          <p:cNvPicPr>
-            <a:picLocks noChangeAspect="1"/>
-          </p:cNvPicPr>
-          <p:nvPr/>
-        </p:nvPicPr>
-        <p:blipFill>
-          <a:blip r:embed="rId6" cstate="print">
-            <a:extLst>
-              <a:ext uri="{28A0092B-C50C-407E-A947-70E740481C1C}">
-                <a14:useLocalDpi xmlns:a14="http://schemas.microsoft.com/office/drawing/2010/main" val="0"/>
-              </a:ext>
-            </a:extLst>
-          </a:blip>
-          <a:stretch>
-            <a:fillRect/>
-          </a:stretch>
-        </p:blipFill>
-        <p:spPr>
-          <a:xfrm>
-            <a:off x="21691598" y="10543622"/>
-            <a:ext cx="4577950" cy="2288975"/>
-          </a:xfrm>
-          <a:prstGeom prst="rect">
-            <a:avLst/>
-          </a:prstGeom>
-        </p:spPr>
-      </p:pic>
-      <p:pic>
-        <p:nvPicPr>
-          <p:cNvPr id="28" name="Picture 27">
-            <a:extLst>
-              <a:ext uri="{FF2B5EF4-FFF2-40B4-BE49-F238E27FC236}">
-                <a16:creationId xmlns:a16="http://schemas.microsoft.com/office/drawing/2014/main" id="{EEF53704-4ED8-4D66-9908-E23412DF684E}"/>
-              </a:ext>
-            </a:extLst>
-          </p:cNvPr>
-          <p:cNvPicPr>
-            <a:picLocks noChangeAspect="1"/>
-          </p:cNvPicPr>
-          <p:nvPr/>
-        </p:nvPicPr>
-        <p:blipFill rotWithShape="1">
-          <a:blip r:embed="rId7" cstate="print">
-            <a:extLst>
-              <a:ext uri="{28A0092B-C50C-407E-A947-70E740481C1C}">
-                <a14:useLocalDpi xmlns:a14="http://schemas.microsoft.com/office/drawing/2010/main" val="0"/>
-              </a:ext>
-            </a:extLst>
-          </a:blip>
-          <a:srcRect l="50200" t="6047"/>
-          <a:stretch/>
-        </p:blipFill>
-        <p:spPr>
-          <a:xfrm>
-            <a:off x="21691598" y="10681929"/>
-            <a:ext cx="2353879" cy="2220422"/>
-          </a:xfrm>
-          <a:prstGeom prst="rect">
-            <a:avLst/>
-          </a:prstGeom>
-        </p:spPr>
-      </p:pic>
-      <p:pic>
-        <p:nvPicPr>
-          <p:cNvPr id="33" name="Picture 32">
-            <a:extLst>
-              <a:ext uri="{FF2B5EF4-FFF2-40B4-BE49-F238E27FC236}">
-                <a16:creationId xmlns:a16="http://schemas.microsoft.com/office/drawing/2014/main" id="{63BE5A09-88F9-4352-959B-167F3BB9BCA1}"/>
-              </a:ext>
-            </a:extLst>
-          </p:cNvPr>
-          <p:cNvPicPr>
-            <a:picLocks noChangeAspect="1"/>
-          </p:cNvPicPr>
-          <p:nvPr/>
-        </p:nvPicPr>
-        <p:blipFill>
-          <a:blip r:embed="rId8" cstate="print">
-            <a:extLst>
-              <a:ext uri="{28A0092B-C50C-407E-A947-70E740481C1C}">
-                <a14:useLocalDpi xmlns:a14="http://schemas.microsoft.com/office/drawing/2010/main" val="0"/>
-              </a:ext>
-            </a:extLst>
-          </a:blip>
-          <a:stretch>
-            <a:fillRect/>
-          </a:stretch>
-        </p:blipFill>
-        <p:spPr>
-          <a:xfrm>
-            <a:off x="21691598" y="8136325"/>
-            <a:ext cx="4577950" cy="2288975"/>
-          </a:xfrm>
-          <a:prstGeom prst="rect">
-            <a:avLst/>
-          </a:prstGeom>
-        </p:spPr>
-      </p:pic>
-      <p:sp>
-        <p:nvSpPr>
-          <p:cNvPr id="35" name="TextBox 34">
-            <a:extLst>
-              <a:ext uri="{FF2B5EF4-FFF2-40B4-BE49-F238E27FC236}">
-                <a16:creationId xmlns:a16="http://schemas.microsoft.com/office/drawing/2014/main" id="{E25A3E42-286E-4A75-B6E7-FD8F80A25DEF}"/>
-              </a:ext>
-            </a:extLst>
-          </p:cNvPr>
-          <p:cNvSpPr txBox="1"/>
-          <p:nvPr/>
-        </p:nvSpPr>
-        <p:spPr>
-          <a:xfrm>
-            <a:off x="18852515" y="3605946"/>
-            <a:ext cx="2723660" cy="9202519"/>
-          </a:xfrm>
-          <a:prstGeom prst="rect">
-            <a:avLst/>
-          </a:prstGeom>
-          <a:noFill/>
-        </p:spPr>
-        <p:txBody>
-          <a:bodyPr wrap="square" rtlCol="0">
-            <a:spAutoFit/>
-          </a:bodyPr>
-          <a:lstStyle/>
-          <a:p>
-            <a:pPr marL="171450" indent="-171450">
-              <a:buFont typeface="Arial" panose="020B0604020202020204" pitchFamily="34" charset="0"/>
-              <a:buChar char="•"/>
-            </a:pPr>
-            <a:r>
-              <a:rPr lang="en-US" sz="1600" b="1" dirty="0"/>
-              <a:t>Ramping</a:t>
-            </a:r>
-          </a:p>
-          <a:p>
-            <a:pPr marL="171450" indent="-171450">
-              <a:buFont typeface="Arial" panose="020B0604020202020204" pitchFamily="34" charset="0"/>
-              <a:buChar char="•"/>
-            </a:pPr>
-            <a:endParaRPr lang="en-US" sz="1600" b="1" dirty="0"/>
-          </a:p>
-          <a:p>
-            <a:pPr marL="171450" indent="-171450">
-              <a:buFont typeface="Arial" panose="020B0604020202020204" pitchFamily="34" charset="0"/>
-              <a:buChar char="•"/>
-            </a:pPr>
-            <a:endParaRPr lang="en-US" sz="1600" b="1" dirty="0"/>
-          </a:p>
-          <a:p>
-            <a:pPr marL="171450" indent="-171450">
-              <a:buFont typeface="Arial" panose="020B0604020202020204" pitchFamily="34" charset="0"/>
-              <a:buChar char="•"/>
-            </a:pPr>
-            <a:endParaRPr lang="en-US" sz="1600" b="1" dirty="0"/>
-          </a:p>
-          <a:p>
-            <a:pPr marL="171450" indent="-171450">
-              <a:buFont typeface="Arial" panose="020B0604020202020204" pitchFamily="34" charset="0"/>
-              <a:buChar char="•"/>
-            </a:pPr>
-            <a:endParaRPr lang="en-US" sz="1600" b="1" dirty="0"/>
-          </a:p>
-          <a:p>
-            <a:pPr marL="171450" indent="-171450">
-              <a:buFont typeface="Arial" panose="020B0604020202020204" pitchFamily="34" charset="0"/>
-              <a:buChar char="•"/>
-            </a:pPr>
-            <a:endParaRPr lang="en-US" sz="1600" b="1" dirty="0"/>
-          </a:p>
-          <a:p>
-            <a:pPr marL="171450" indent="-171450">
-              <a:buFont typeface="Arial" panose="020B0604020202020204" pitchFamily="34" charset="0"/>
-              <a:buChar char="•"/>
-            </a:pPr>
-            <a:endParaRPr lang="en-US" sz="1600" b="1" dirty="0"/>
-          </a:p>
-          <a:p>
-            <a:pPr marL="171450" indent="-171450">
-              <a:buFont typeface="Arial" panose="020B0604020202020204" pitchFamily="34" charset="0"/>
-              <a:buChar char="•"/>
-            </a:pPr>
-            <a:endParaRPr lang="en-US" sz="1600" b="1" dirty="0"/>
-          </a:p>
-          <a:p>
-            <a:pPr marL="171450" indent="-171450">
-              <a:buFont typeface="Arial" panose="020B0604020202020204" pitchFamily="34" charset="0"/>
-              <a:buChar char="•"/>
-            </a:pPr>
-            <a:endParaRPr lang="en-US" sz="1600" b="1" dirty="0"/>
-          </a:p>
-          <a:p>
-            <a:pPr marL="171450" indent="-171450">
-              <a:buFont typeface="Arial" panose="020B0604020202020204" pitchFamily="34" charset="0"/>
-              <a:buChar char="•"/>
-            </a:pPr>
-            <a:r>
-              <a:rPr lang="en-US" sz="1600" b="1" dirty="0"/>
-              <a:t>Multiple breakouts </a:t>
-            </a:r>
-          </a:p>
-          <a:p>
-            <a:pPr marL="548640" lvl="1" indent="-171450">
-              <a:buFont typeface="Arial" panose="020B0604020202020204" pitchFamily="34" charset="0"/>
-              <a:buChar char="•"/>
-            </a:pPr>
-            <a:r>
-              <a:rPr lang="en-US" sz="1600" b="1" dirty="0"/>
-              <a:t>pipe-surcharging</a:t>
-            </a:r>
-          </a:p>
-          <a:p>
-            <a:pPr marL="171450" indent="-171450">
-              <a:buFont typeface="Arial" panose="020B0604020202020204" pitchFamily="34" charset="0"/>
-              <a:buChar char="•"/>
-            </a:pPr>
-            <a:endParaRPr lang="en-US" sz="1600" b="1" dirty="0"/>
-          </a:p>
-          <a:p>
-            <a:pPr marL="171450" indent="-171450">
-              <a:buFont typeface="Arial" panose="020B0604020202020204" pitchFamily="34" charset="0"/>
-              <a:buChar char="•"/>
-            </a:pPr>
-            <a:endParaRPr lang="en-US" sz="1600" b="1" dirty="0"/>
-          </a:p>
-          <a:p>
-            <a:pPr marL="171450" indent="-171450">
-              <a:buFont typeface="Arial" panose="020B0604020202020204" pitchFamily="34" charset="0"/>
-              <a:buChar char="•"/>
-            </a:pPr>
-            <a:endParaRPr lang="en-US" sz="1600" b="1" dirty="0"/>
-          </a:p>
-          <a:p>
-            <a:endParaRPr lang="en-US" sz="1600" b="1" dirty="0"/>
-          </a:p>
-          <a:p>
-            <a:endParaRPr lang="en-US" sz="1600" b="1" dirty="0"/>
-          </a:p>
-          <a:p>
-            <a:endParaRPr lang="en-US" sz="1600" b="1" dirty="0"/>
-          </a:p>
-          <a:p>
-            <a:endParaRPr lang="en-US" sz="1600" b="1" dirty="0"/>
-          </a:p>
-          <a:p>
-            <a:endParaRPr lang="en-US" sz="1600" b="1" dirty="0"/>
-          </a:p>
-          <a:p>
-            <a:pPr marL="171450" indent="-171450">
-              <a:buFont typeface="Arial" panose="020B0604020202020204" pitchFamily="34" charset="0"/>
-              <a:buChar char="•"/>
-            </a:pPr>
-            <a:r>
-              <a:rPr lang="en-US" sz="1600" b="1" dirty="0"/>
-              <a:t>Velocity meter clogging</a:t>
-            </a:r>
-          </a:p>
-          <a:p>
-            <a:pPr marL="171450" indent="-171450">
-              <a:buFont typeface="Arial" panose="020B0604020202020204" pitchFamily="34" charset="0"/>
-              <a:buChar char="•"/>
-            </a:pPr>
-            <a:endParaRPr lang="en-US" sz="1600" b="1" dirty="0"/>
-          </a:p>
-          <a:p>
-            <a:pPr marL="171450" indent="-171450">
-              <a:buFont typeface="Arial" panose="020B0604020202020204" pitchFamily="34" charset="0"/>
-              <a:buChar char="•"/>
-            </a:pPr>
-            <a:endParaRPr lang="en-US" sz="1600" b="1" dirty="0"/>
-          </a:p>
-          <a:p>
-            <a:pPr marL="171450" indent="-171450">
-              <a:buFont typeface="Arial" panose="020B0604020202020204" pitchFamily="34" charset="0"/>
-              <a:buChar char="•"/>
-            </a:pPr>
-            <a:endParaRPr lang="en-US" sz="1600" b="1" dirty="0"/>
-          </a:p>
-          <a:p>
-            <a:endParaRPr lang="en-US" sz="1600" b="1" dirty="0"/>
-          </a:p>
-          <a:p>
-            <a:endParaRPr lang="en-US" sz="1600" b="1" dirty="0"/>
-          </a:p>
-          <a:p>
-            <a:endParaRPr lang="en-US" sz="1600" b="1" dirty="0"/>
-          </a:p>
-          <a:p>
-            <a:pPr marL="171450" indent="-171450">
-              <a:buFont typeface="Arial" panose="020B0604020202020204" pitchFamily="34" charset="0"/>
-              <a:buChar char="•"/>
-            </a:pPr>
-            <a:endParaRPr lang="en-US" sz="1600" b="1" dirty="0"/>
-          </a:p>
-          <a:p>
-            <a:pPr marL="171450" indent="-171450">
-              <a:buFont typeface="Arial" panose="020B0604020202020204" pitchFamily="34" charset="0"/>
-              <a:buChar char="•"/>
-            </a:pPr>
-            <a:endParaRPr lang="en-US" sz="1600" b="1" dirty="0"/>
-          </a:p>
-          <a:p>
-            <a:pPr marL="171450" indent="-171450">
-              <a:buFont typeface="Arial" panose="020B0604020202020204" pitchFamily="34" charset="0"/>
-              <a:buChar char="•"/>
-            </a:pPr>
-            <a:r>
-              <a:rPr lang="en-US" sz="1600" b="1" dirty="0"/>
-              <a:t>Mean shift (up, down)</a:t>
-            </a:r>
-          </a:p>
-          <a:p>
-            <a:endParaRPr lang="en-US" sz="1600" b="1" dirty="0"/>
-          </a:p>
-          <a:p>
-            <a:endParaRPr lang="en-US" sz="1600" b="1" dirty="0"/>
-          </a:p>
-          <a:p>
-            <a:endParaRPr lang="en-US" sz="1600" b="1" dirty="0"/>
-          </a:p>
-          <a:p>
-            <a:endParaRPr lang="en-US" sz="1600" b="1" dirty="0"/>
-          </a:p>
-          <a:p>
-            <a:endParaRPr lang="en-US" sz="1600" b="1" dirty="0"/>
-          </a:p>
-          <a:p>
-            <a:endParaRPr lang="en-US" sz="1600" b="1" dirty="0"/>
-          </a:p>
-          <a:p>
-            <a:endParaRPr lang="en-US" sz="1600" b="1" dirty="0"/>
-          </a:p>
-          <a:p>
-            <a:endParaRPr lang="en-US" sz="1600" b="1" dirty="0"/>
-          </a:p>
-        </p:txBody>
-      </p:sp>
       <p:sp>
         <p:nvSpPr>
           <p:cNvPr id="42" name="Content Placeholder 11">
@@ -8416,10 +8180,1419 @@
           </a:p>
         </p:txBody>
       </p:sp>
+      <p:sp>
+        <p:nvSpPr>
+          <p:cNvPr id="47" name="Text Placeholder 8">
+            <a:extLst>
+              <a:ext uri="{FF2B5EF4-FFF2-40B4-BE49-F238E27FC236}">
+                <a16:creationId xmlns:a16="http://schemas.microsoft.com/office/drawing/2014/main" id="{5B6C52D6-AC29-4EAD-9AE5-964EDEF280AA}"/>
+              </a:ext>
+            </a:extLst>
+          </p:cNvPr>
+          <p:cNvSpPr txBox="1">
+            <a:spLocks/>
+          </p:cNvSpPr>
+          <p:nvPr/>
+        </p:nvSpPr>
+        <p:spPr>
+          <a:xfrm>
+            <a:off x="763082" y="12021310"/>
+            <a:ext cx="8001000" cy="609600"/>
+          </a:xfrm>
+          <a:prstGeom prst="round1Rect">
+            <a:avLst/>
+          </a:prstGeom>
+          <a:solidFill>
+            <a:schemeClr val="accent5"/>
+          </a:solidFill>
+        </p:spPr>
+        <p:txBody>
+          <a:bodyPr vert="horz" lIns="365760" tIns="45720" rIns="91440" bIns="45720" rtlCol="0" anchor="ctr">
+            <a:noAutofit/>
+          </a:bodyPr>
+          <a:lstStyle>
+            <a:lvl1pPr marL="0" indent="0" algn="l" defTabSz="2194513" rtl="0" eaLnBrk="1" latinLnBrk="0" hangingPunct="1">
+              <a:lnSpc>
+                <a:spcPct val="100000"/>
+              </a:lnSpc>
+              <a:spcBef>
+                <a:spcPts val="0"/>
+              </a:spcBef>
+              <a:buClr>
+                <a:schemeClr val="accent2"/>
+              </a:buClr>
+              <a:buFont typeface="Arial" panose="020B0604020202020204" pitchFamily="34" charset="0"/>
+              <a:buNone/>
+              <a:defRPr sz="3000" kern="1200" cap="all" baseline="0">
+                <a:solidFill>
+                  <a:schemeClr val="bg1"/>
+                </a:solidFill>
+                <a:latin typeface="+mj-lt"/>
+                <a:ea typeface="+mn-ea"/>
+                <a:cs typeface="+mn-cs"/>
+              </a:defRPr>
+            </a:lvl1pPr>
+            <a:lvl2pPr marL="0" indent="0" algn="l" defTabSz="2194513" rtl="0" eaLnBrk="1" latinLnBrk="0" hangingPunct="1">
+              <a:lnSpc>
+                <a:spcPct val="100000"/>
+              </a:lnSpc>
+              <a:spcBef>
+                <a:spcPts val="0"/>
+              </a:spcBef>
+              <a:buClr>
+                <a:schemeClr val="accent2"/>
+              </a:buClr>
+              <a:buFont typeface="Arial" panose="020B0604020202020204" pitchFamily="34" charset="0"/>
+              <a:buNone/>
+              <a:defRPr sz="3000" kern="1200" cap="all" baseline="0">
+                <a:solidFill>
+                  <a:schemeClr val="bg1"/>
+                </a:solidFill>
+                <a:latin typeface="+mj-lt"/>
+                <a:ea typeface="+mn-ea"/>
+                <a:cs typeface="+mn-cs"/>
+              </a:defRPr>
+            </a:lvl2pPr>
+            <a:lvl3pPr marL="0" indent="0" algn="l" defTabSz="2194513" rtl="0" eaLnBrk="1" latinLnBrk="0" hangingPunct="1">
+              <a:lnSpc>
+                <a:spcPct val="100000"/>
+              </a:lnSpc>
+              <a:spcBef>
+                <a:spcPts val="0"/>
+              </a:spcBef>
+              <a:buClr>
+                <a:schemeClr val="accent2"/>
+              </a:buClr>
+              <a:buFont typeface="Arial" panose="020B0604020202020204" pitchFamily="34" charset="0"/>
+              <a:buNone/>
+              <a:defRPr sz="3000" kern="1200" cap="all" baseline="0">
+                <a:solidFill>
+                  <a:schemeClr val="bg1"/>
+                </a:solidFill>
+                <a:latin typeface="+mj-lt"/>
+                <a:ea typeface="+mn-ea"/>
+                <a:cs typeface="+mn-cs"/>
+              </a:defRPr>
+            </a:lvl3pPr>
+            <a:lvl4pPr marL="0" indent="0" algn="l" defTabSz="2194513" rtl="0" eaLnBrk="1" latinLnBrk="0" hangingPunct="1">
+              <a:lnSpc>
+                <a:spcPct val="100000"/>
+              </a:lnSpc>
+              <a:spcBef>
+                <a:spcPts val="0"/>
+              </a:spcBef>
+              <a:buClr>
+                <a:schemeClr val="accent2"/>
+              </a:buClr>
+              <a:buFont typeface="Arial" panose="020B0604020202020204" pitchFamily="34" charset="0"/>
+              <a:buNone/>
+              <a:defRPr sz="3000" kern="1200" cap="all" baseline="0">
+                <a:solidFill>
+                  <a:schemeClr val="bg1"/>
+                </a:solidFill>
+                <a:latin typeface="+mj-lt"/>
+                <a:ea typeface="+mn-ea"/>
+                <a:cs typeface="+mn-cs"/>
+              </a:defRPr>
+            </a:lvl4pPr>
+            <a:lvl5pPr marL="0" indent="0" algn="l" defTabSz="2194513" rtl="0" eaLnBrk="1" latinLnBrk="0" hangingPunct="1">
+              <a:lnSpc>
+                <a:spcPct val="100000"/>
+              </a:lnSpc>
+              <a:spcBef>
+                <a:spcPts val="0"/>
+              </a:spcBef>
+              <a:buClr>
+                <a:schemeClr val="accent2"/>
+              </a:buClr>
+              <a:buFont typeface="Arial" panose="020B0604020202020204" pitchFamily="34" charset="0"/>
+              <a:buNone/>
+              <a:defRPr sz="3000" kern="1200" cap="all" baseline="0">
+                <a:solidFill>
+                  <a:schemeClr val="bg1"/>
+                </a:solidFill>
+                <a:latin typeface="+mj-lt"/>
+                <a:ea typeface="+mn-ea"/>
+                <a:cs typeface="+mn-cs"/>
+              </a:defRPr>
+            </a:lvl5pPr>
+            <a:lvl6pPr marL="0" indent="0" algn="l" defTabSz="2194513" rtl="0" eaLnBrk="1" latinLnBrk="0" hangingPunct="1">
+              <a:lnSpc>
+                <a:spcPct val="100000"/>
+              </a:lnSpc>
+              <a:spcBef>
+                <a:spcPts val="0"/>
+              </a:spcBef>
+              <a:buClr>
+                <a:schemeClr val="accent2"/>
+              </a:buClr>
+              <a:buFont typeface="Arial" panose="020B0604020202020204" pitchFamily="34" charset="0"/>
+              <a:buNone/>
+              <a:defRPr sz="3000" kern="1200" cap="all" baseline="0">
+                <a:solidFill>
+                  <a:schemeClr val="bg1"/>
+                </a:solidFill>
+                <a:latin typeface="+mj-lt"/>
+                <a:ea typeface="+mn-ea"/>
+                <a:cs typeface="+mn-cs"/>
+              </a:defRPr>
+            </a:lvl6pPr>
+            <a:lvl7pPr marL="0" indent="0" algn="l" defTabSz="2194513" rtl="0" eaLnBrk="1" latinLnBrk="0" hangingPunct="1">
+              <a:lnSpc>
+                <a:spcPct val="100000"/>
+              </a:lnSpc>
+              <a:spcBef>
+                <a:spcPts val="0"/>
+              </a:spcBef>
+              <a:buClr>
+                <a:schemeClr val="accent2"/>
+              </a:buClr>
+              <a:buFont typeface="Arial" panose="020B0604020202020204" pitchFamily="34" charset="0"/>
+              <a:buNone/>
+              <a:defRPr sz="3000" kern="1200" cap="all" baseline="0">
+                <a:solidFill>
+                  <a:schemeClr val="bg1"/>
+                </a:solidFill>
+                <a:latin typeface="+mj-lt"/>
+                <a:ea typeface="+mn-ea"/>
+                <a:cs typeface="+mn-cs"/>
+              </a:defRPr>
+            </a:lvl7pPr>
+            <a:lvl8pPr marL="0" indent="0" algn="l" defTabSz="2194513" rtl="0" eaLnBrk="1" latinLnBrk="0" hangingPunct="1">
+              <a:lnSpc>
+                <a:spcPct val="100000"/>
+              </a:lnSpc>
+              <a:spcBef>
+                <a:spcPts val="0"/>
+              </a:spcBef>
+              <a:buClr>
+                <a:schemeClr val="accent2"/>
+              </a:buClr>
+              <a:buFont typeface="Arial" panose="020B0604020202020204" pitchFamily="34" charset="0"/>
+              <a:buNone/>
+              <a:defRPr sz="3000" kern="1200" cap="all" baseline="0">
+                <a:solidFill>
+                  <a:schemeClr val="bg1"/>
+                </a:solidFill>
+                <a:latin typeface="+mj-lt"/>
+                <a:ea typeface="+mn-ea"/>
+                <a:cs typeface="+mn-cs"/>
+              </a:defRPr>
+            </a:lvl8pPr>
+            <a:lvl9pPr marL="0" indent="0" algn="l" defTabSz="2194513" rtl="0" eaLnBrk="1" latinLnBrk="0" hangingPunct="1">
+              <a:lnSpc>
+                <a:spcPct val="100000"/>
+              </a:lnSpc>
+              <a:spcBef>
+                <a:spcPts val="0"/>
+              </a:spcBef>
+              <a:buClr>
+                <a:schemeClr val="accent2"/>
+              </a:buClr>
+              <a:buFont typeface="Arial" panose="020B0604020202020204" pitchFamily="34" charset="0"/>
+              <a:buNone/>
+              <a:defRPr sz="3000" kern="1200" cap="all" baseline="0">
+                <a:solidFill>
+                  <a:schemeClr val="bg1"/>
+                </a:solidFill>
+                <a:latin typeface="+mj-lt"/>
+                <a:ea typeface="+mn-ea"/>
+                <a:cs typeface="+mn-cs"/>
+              </a:defRPr>
+            </a:lvl9pPr>
+          </a:lstStyle>
+          <a:p>
+            <a:r>
+              <a:rPr lang="en-US"/>
+              <a:t>methods</a:t>
+            </a:r>
+            <a:endParaRPr lang="en-US" dirty="0"/>
+          </a:p>
+        </p:txBody>
+      </p:sp>
+      <p:sp>
+        <p:nvSpPr>
+          <p:cNvPr id="48" name="Content Placeholder 13">
+            <a:extLst>
+              <a:ext uri="{FF2B5EF4-FFF2-40B4-BE49-F238E27FC236}">
+                <a16:creationId xmlns:a16="http://schemas.microsoft.com/office/drawing/2014/main" id="{B98A5391-F4F6-41F1-8F45-1617C0E72369}"/>
+              </a:ext>
+            </a:extLst>
+          </p:cNvPr>
+          <p:cNvSpPr txBox="1">
+            <a:spLocks/>
+          </p:cNvSpPr>
+          <p:nvPr/>
+        </p:nvSpPr>
+        <p:spPr>
+          <a:xfrm>
+            <a:off x="763082" y="12573688"/>
+            <a:ext cx="8001000" cy="3123512"/>
+          </a:xfrm>
+          <a:prstGeom prst="rect">
+            <a:avLst/>
+          </a:prstGeom>
+        </p:spPr>
+        <p:txBody>
+          <a:bodyPr vert="horz" lIns="91440" tIns="182880" rIns="91440" bIns="45720" rtlCol="0">
+            <a:noAutofit/>
+          </a:bodyPr>
+          <a:lstStyle>
+            <a:lvl1pPr marL="228595" indent="-228595" algn="l" defTabSz="2194513" rtl="0" eaLnBrk="1" latinLnBrk="0" hangingPunct="1">
+              <a:lnSpc>
+                <a:spcPct val="100000"/>
+              </a:lnSpc>
+              <a:spcBef>
+                <a:spcPts val="600"/>
+              </a:spcBef>
+              <a:buClr>
+                <a:schemeClr val="accent2"/>
+              </a:buClr>
+              <a:buFont typeface="Arial" panose="020B0604020202020204" pitchFamily="34" charset="0"/>
+              <a:buChar char="•"/>
+              <a:defRPr sz="1400" kern="1200" baseline="0">
+                <a:solidFill>
+                  <a:schemeClr val="tx1"/>
+                </a:solidFill>
+                <a:latin typeface="+mn-lt"/>
+                <a:ea typeface="+mn-ea"/>
+                <a:cs typeface="+mn-cs"/>
+              </a:defRPr>
+            </a:lvl1pPr>
+            <a:lvl2pPr marL="548629" indent="-228595" algn="l" defTabSz="2194513" rtl="0" eaLnBrk="1" latinLnBrk="0" hangingPunct="1">
+              <a:lnSpc>
+                <a:spcPct val="100000"/>
+              </a:lnSpc>
+              <a:spcBef>
+                <a:spcPts val="600"/>
+              </a:spcBef>
+              <a:buClr>
+                <a:schemeClr val="accent2"/>
+              </a:buClr>
+              <a:buFont typeface="Arial" panose="020B0604020202020204" pitchFamily="34" charset="0"/>
+              <a:buChar char="•"/>
+              <a:defRPr sz="1200" kern="1200">
+                <a:solidFill>
+                  <a:schemeClr val="tx1"/>
+                </a:solidFill>
+                <a:latin typeface="+mn-lt"/>
+                <a:ea typeface="+mn-ea"/>
+                <a:cs typeface="+mn-cs"/>
+              </a:defRPr>
+            </a:lvl2pPr>
+            <a:lvl3pPr marL="548629" indent="-228595" algn="l" defTabSz="2194513" rtl="0" eaLnBrk="1" latinLnBrk="0" hangingPunct="1">
+              <a:lnSpc>
+                <a:spcPct val="100000"/>
+              </a:lnSpc>
+              <a:spcBef>
+                <a:spcPts val="600"/>
+              </a:spcBef>
+              <a:buClr>
+                <a:schemeClr val="accent2"/>
+              </a:buClr>
+              <a:buFont typeface="Arial" panose="020B0604020202020204" pitchFamily="34" charset="0"/>
+              <a:buChar char="•"/>
+              <a:defRPr sz="1200" kern="1200">
+                <a:solidFill>
+                  <a:schemeClr val="tx1"/>
+                </a:solidFill>
+                <a:latin typeface="+mn-lt"/>
+                <a:ea typeface="+mn-ea"/>
+                <a:cs typeface="+mn-cs"/>
+              </a:defRPr>
+            </a:lvl3pPr>
+            <a:lvl4pPr marL="548629" indent="-228595" algn="l" defTabSz="2194513" rtl="0" eaLnBrk="1" latinLnBrk="0" hangingPunct="1">
+              <a:lnSpc>
+                <a:spcPct val="100000"/>
+              </a:lnSpc>
+              <a:spcBef>
+                <a:spcPts val="600"/>
+              </a:spcBef>
+              <a:buClr>
+                <a:schemeClr val="accent2"/>
+              </a:buClr>
+              <a:buFont typeface="Arial" panose="020B0604020202020204" pitchFamily="34" charset="0"/>
+              <a:buChar char="•"/>
+              <a:defRPr sz="1200" kern="1200">
+                <a:solidFill>
+                  <a:schemeClr val="tx1"/>
+                </a:solidFill>
+                <a:latin typeface="+mn-lt"/>
+                <a:ea typeface="+mn-ea"/>
+                <a:cs typeface="+mn-cs"/>
+              </a:defRPr>
+            </a:lvl4pPr>
+            <a:lvl5pPr marL="548629" indent="-228595" algn="l" defTabSz="2194513" rtl="0" eaLnBrk="1" latinLnBrk="0" hangingPunct="1">
+              <a:lnSpc>
+                <a:spcPct val="100000"/>
+              </a:lnSpc>
+              <a:spcBef>
+                <a:spcPts val="600"/>
+              </a:spcBef>
+              <a:buClr>
+                <a:schemeClr val="accent2"/>
+              </a:buClr>
+              <a:buFont typeface="Arial" panose="020B0604020202020204" pitchFamily="34" charset="0"/>
+              <a:buChar char="•"/>
+              <a:defRPr sz="1200" kern="1200">
+                <a:solidFill>
+                  <a:schemeClr val="tx1"/>
+                </a:solidFill>
+                <a:latin typeface="+mn-lt"/>
+                <a:ea typeface="+mn-ea"/>
+                <a:cs typeface="+mn-cs"/>
+              </a:defRPr>
+            </a:lvl5pPr>
+            <a:lvl6pPr marL="548629" indent="-228595" algn="l" defTabSz="2194513" rtl="0" eaLnBrk="1" latinLnBrk="0" hangingPunct="1">
+              <a:lnSpc>
+                <a:spcPct val="100000"/>
+              </a:lnSpc>
+              <a:spcBef>
+                <a:spcPts val="600"/>
+              </a:spcBef>
+              <a:buClr>
+                <a:schemeClr val="accent2"/>
+              </a:buClr>
+              <a:buFont typeface="Arial" panose="020B0604020202020204" pitchFamily="34" charset="0"/>
+              <a:buChar char="•"/>
+              <a:defRPr sz="1200" kern="1200">
+                <a:solidFill>
+                  <a:schemeClr val="tx1"/>
+                </a:solidFill>
+                <a:latin typeface="+mn-lt"/>
+                <a:ea typeface="+mn-ea"/>
+                <a:cs typeface="+mn-cs"/>
+              </a:defRPr>
+            </a:lvl6pPr>
+            <a:lvl7pPr marL="548629" indent="-228595" algn="l" defTabSz="2194513" rtl="0" eaLnBrk="1" latinLnBrk="0" hangingPunct="1">
+              <a:lnSpc>
+                <a:spcPct val="100000"/>
+              </a:lnSpc>
+              <a:spcBef>
+                <a:spcPts val="600"/>
+              </a:spcBef>
+              <a:buClr>
+                <a:schemeClr val="accent2"/>
+              </a:buClr>
+              <a:buFont typeface="Arial" panose="020B0604020202020204" pitchFamily="34" charset="0"/>
+              <a:buChar char="•"/>
+              <a:defRPr sz="1200" kern="1200">
+                <a:solidFill>
+                  <a:schemeClr val="tx1"/>
+                </a:solidFill>
+                <a:latin typeface="+mn-lt"/>
+                <a:ea typeface="+mn-ea"/>
+                <a:cs typeface="+mn-cs"/>
+              </a:defRPr>
+            </a:lvl7pPr>
+            <a:lvl8pPr marL="548629" indent="-228595" algn="l" defTabSz="2194513" rtl="0" eaLnBrk="1" latinLnBrk="0" hangingPunct="1">
+              <a:lnSpc>
+                <a:spcPct val="100000"/>
+              </a:lnSpc>
+              <a:spcBef>
+                <a:spcPts val="600"/>
+              </a:spcBef>
+              <a:buClr>
+                <a:schemeClr val="accent2"/>
+              </a:buClr>
+              <a:buFont typeface="Arial" panose="020B0604020202020204" pitchFamily="34" charset="0"/>
+              <a:buChar char="•"/>
+              <a:defRPr sz="1200" kern="1200">
+                <a:solidFill>
+                  <a:schemeClr val="tx1"/>
+                </a:solidFill>
+                <a:latin typeface="+mn-lt"/>
+                <a:ea typeface="+mn-ea"/>
+                <a:cs typeface="+mn-cs"/>
+              </a:defRPr>
+            </a:lvl8pPr>
+            <a:lvl9pPr marL="548629" indent="-228595" algn="l" defTabSz="2194513" rtl="0" eaLnBrk="1" latinLnBrk="0" hangingPunct="1">
+              <a:lnSpc>
+                <a:spcPct val="100000"/>
+              </a:lnSpc>
+              <a:spcBef>
+                <a:spcPts val="600"/>
+              </a:spcBef>
+              <a:buClr>
+                <a:schemeClr val="accent2"/>
+              </a:buClr>
+              <a:buFont typeface="Arial" panose="020B0604020202020204" pitchFamily="34" charset="0"/>
+              <a:buChar char="•"/>
+              <a:defRPr sz="1200" kern="1200">
+                <a:solidFill>
+                  <a:schemeClr val="tx1"/>
+                </a:solidFill>
+                <a:latin typeface="+mn-lt"/>
+                <a:ea typeface="+mn-ea"/>
+                <a:cs typeface="+mn-cs"/>
+              </a:defRPr>
+            </a:lvl9pPr>
+          </a:lstStyle>
+          <a:p>
+            <a:pPr algn="just"/>
+            <a:r>
+              <a:rPr lang="en-US" dirty="0">
+                <a:latin typeface="Times New Roman" panose="02020603050405020304" pitchFamily="18" charset="0"/>
+                <a:cs typeface="Times New Roman" panose="02020603050405020304" pitchFamily="18" charset="0"/>
+              </a:rPr>
+              <a:t>A novel statistical technique, E-divisive with medians (EDM), is utilized for this study. </a:t>
+            </a:r>
+          </a:p>
+          <a:p>
+            <a:pPr algn="just"/>
+            <a:r>
+              <a:rPr lang="en-US" dirty="0">
+                <a:latin typeface="Times New Roman" panose="02020603050405020304" pitchFamily="18" charset="0"/>
+                <a:cs typeface="Times New Roman" panose="02020603050405020304" pitchFamily="18" charset="0"/>
+              </a:rPr>
+              <a:t>As compared to the other algorithms, EDM has the following advantages:</a:t>
+            </a:r>
+          </a:p>
+          <a:p>
+            <a:pPr marL="548634" lvl="2" indent="-228600" algn="just">
+              <a:buFont typeface="+mj-lt"/>
+              <a:buAutoNum type="arabicPeriod"/>
+            </a:pPr>
+            <a:r>
+              <a:rPr lang="en-US" sz="1400" dirty="0">
+                <a:latin typeface="Times New Roman" panose="02020603050405020304" pitchFamily="18" charset="0"/>
+                <a:cs typeface="Times New Roman" panose="02020603050405020304" pitchFamily="18" charset="0"/>
+              </a:rPr>
+              <a:t>EDM utilizes a local smoother (rolling median) to raw data, and therefore is robust against the presence of anomalies; </a:t>
+            </a:r>
+          </a:p>
+          <a:p>
+            <a:pPr marL="548634" lvl="2" indent="-228600" algn="just">
+              <a:buFont typeface="Arial" panose="020B0604020202020204" pitchFamily="34" charset="0"/>
+              <a:buAutoNum type="arabicPeriod" startAt="2"/>
+            </a:pPr>
+            <a:r>
+              <a:rPr lang="en-US" sz="1400" dirty="0">
+                <a:latin typeface="Times New Roman" panose="02020603050405020304" pitchFamily="18" charset="0"/>
+                <a:cs typeface="Times New Roman" panose="02020603050405020304" pitchFamily="18" charset="0"/>
+              </a:rPr>
+              <a:t>EDM employs energy statistics (E-divisive) to detect divergence of means that can detect 'mean shift' (sudden change), 'ramping' (gradual change), and distribution changes at multiple change points. </a:t>
+            </a:r>
+          </a:p>
+          <a:p>
+            <a:pPr marL="548634" lvl="2" indent="-228600" algn="just">
+              <a:buFont typeface="Arial" panose="020B0604020202020204" pitchFamily="34" charset="0"/>
+              <a:buAutoNum type="arabicPeriod" startAt="2"/>
+            </a:pPr>
+            <a:r>
+              <a:rPr lang="en-US" sz="1400" dirty="0">
+                <a:latin typeface="Times New Roman" panose="02020603050405020304" pitchFamily="18" charset="0"/>
+                <a:cs typeface="Times New Roman" panose="02020603050405020304" pitchFamily="18" charset="0"/>
+              </a:rPr>
+              <a:t>EDM is non-parametric, which will adapt to the data's underlying distribution, and can detect when the distribution changes</a:t>
+            </a:r>
+          </a:p>
+          <a:p>
+            <a:pPr marL="548634" lvl="2" indent="-228600" algn="just">
+              <a:buFont typeface="Arial" panose="020B0604020202020204" pitchFamily="34" charset="0"/>
+              <a:buAutoNum type="arabicPeriod" startAt="4"/>
+            </a:pPr>
+            <a:r>
+              <a:rPr lang="en-US" sz="1400" dirty="0">
+                <a:latin typeface="Times New Roman" panose="02020603050405020304" pitchFamily="18" charset="0"/>
+                <a:cs typeface="Times New Roman" panose="02020603050405020304" pitchFamily="18" charset="0"/>
+              </a:rPr>
+              <a:t>EDM is proven to have comparable or better efficacy, and it is 3.5x faster due to the usage of interval trees to approximate median. </a:t>
+            </a:r>
+          </a:p>
+        </p:txBody>
+      </p:sp>
+      <p:pic>
+        <p:nvPicPr>
+          <p:cNvPr id="55" name="Picture 54">
+            <a:extLst>
+              <a:ext uri="{FF2B5EF4-FFF2-40B4-BE49-F238E27FC236}">
+                <a16:creationId xmlns:a16="http://schemas.microsoft.com/office/drawing/2014/main" id="{27A14A85-E0C0-4C06-8002-56D820F37216}"/>
+              </a:ext>
+            </a:extLst>
+          </p:cNvPr>
+          <p:cNvPicPr>
+            <a:picLocks noChangeAspect="1"/>
+          </p:cNvPicPr>
+          <p:nvPr/>
+        </p:nvPicPr>
+        <p:blipFill>
+          <a:blip r:embed="rId4" cstate="print">
+            <a:extLst>
+              <a:ext uri="{28A0092B-C50C-407E-A947-70E740481C1C}">
+                <a14:useLocalDpi xmlns:a14="http://schemas.microsoft.com/office/drawing/2010/main" val="0"/>
+              </a:ext>
+            </a:extLst>
+          </a:blip>
+          <a:stretch>
+            <a:fillRect/>
+          </a:stretch>
+        </p:blipFill>
+        <p:spPr>
+          <a:xfrm>
+            <a:off x="19187270" y="3580100"/>
+            <a:ext cx="6962295" cy="3481149"/>
+          </a:xfrm>
+          <a:prstGeom prst="rect">
+            <a:avLst/>
+          </a:prstGeom>
+        </p:spPr>
+      </p:pic>
+      <p:sp>
+        <p:nvSpPr>
+          <p:cNvPr id="57" name="Text Placeholder 6">
+            <a:extLst>
+              <a:ext uri="{FF2B5EF4-FFF2-40B4-BE49-F238E27FC236}">
+                <a16:creationId xmlns:a16="http://schemas.microsoft.com/office/drawing/2014/main" id="{E8BB549A-91E4-4388-94A6-CC8532977EFD}"/>
+              </a:ext>
+            </a:extLst>
+          </p:cNvPr>
+          <p:cNvSpPr>
+            <a:spLocks noGrp="1"/>
+          </p:cNvSpPr>
+          <p:nvPr>
+            <p:ph type="body" sz="quarter" idx="17"/>
+          </p:nvPr>
+        </p:nvSpPr>
+        <p:spPr>
+          <a:xfrm>
+            <a:off x="18675153" y="13283250"/>
+            <a:ext cx="8001000" cy="609600"/>
+          </a:xfrm>
+        </p:spPr>
+        <p:txBody>
+          <a:bodyPr/>
+          <a:lstStyle/>
+          <a:p>
+            <a:r>
+              <a:rPr lang="en-US" dirty="0"/>
+              <a:t>REFERENCES</a:t>
+            </a:r>
+          </a:p>
+        </p:txBody>
+      </p:sp>
+      <p:sp>
+        <p:nvSpPr>
+          <p:cNvPr id="58" name="Content Placeholder 21">
+            <a:extLst>
+              <a:ext uri="{FF2B5EF4-FFF2-40B4-BE49-F238E27FC236}">
+                <a16:creationId xmlns:a16="http://schemas.microsoft.com/office/drawing/2014/main" id="{B69BAE7F-9DE9-49EE-9509-F82B7754B0C2}"/>
+              </a:ext>
+            </a:extLst>
+          </p:cNvPr>
+          <p:cNvSpPr txBox="1">
+            <a:spLocks/>
+          </p:cNvSpPr>
+          <p:nvPr/>
+        </p:nvSpPr>
+        <p:spPr>
+          <a:xfrm>
+            <a:off x="18667918" y="13788587"/>
+            <a:ext cx="8001000" cy="1492053"/>
+          </a:xfrm>
+          <a:prstGeom prst="rect">
+            <a:avLst/>
+          </a:prstGeom>
+        </p:spPr>
+        <p:txBody>
+          <a:bodyPr vert="horz" lIns="91440" tIns="182880" rIns="91440" bIns="45720" rtlCol="0">
+            <a:normAutofit/>
+          </a:bodyPr>
+          <a:lstStyle>
+            <a:lvl1pPr marL="228595" indent="-228595" algn="l" defTabSz="2194513" rtl="0" eaLnBrk="1" latinLnBrk="0" hangingPunct="1">
+              <a:lnSpc>
+                <a:spcPct val="100000"/>
+              </a:lnSpc>
+              <a:spcBef>
+                <a:spcPts val="600"/>
+              </a:spcBef>
+              <a:buClr>
+                <a:schemeClr val="accent2"/>
+              </a:buClr>
+              <a:buFont typeface="Arial" panose="020B0604020202020204" pitchFamily="34" charset="0"/>
+              <a:buChar char="•"/>
+              <a:defRPr sz="1400" kern="1200" baseline="0">
+                <a:solidFill>
+                  <a:schemeClr val="tx1"/>
+                </a:solidFill>
+                <a:latin typeface="+mn-lt"/>
+                <a:ea typeface="+mn-ea"/>
+                <a:cs typeface="+mn-cs"/>
+              </a:defRPr>
+            </a:lvl1pPr>
+            <a:lvl2pPr marL="548629" indent="-228595" algn="l" defTabSz="2194513" rtl="0" eaLnBrk="1" latinLnBrk="0" hangingPunct="1">
+              <a:lnSpc>
+                <a:spcPct val="100000"/>
+              </a:lnSpc>
+              <a:spcBef>
+                <a:spcPts val="600"/>
+              </a:spcBef>
+              <a:buClr>
+                <a:schemeClr val="accent2"/>
+              </a:buClr>
+              <a:buFont typeface="Arial" panose="020B0604020202020204" pitchFamily="34" charset="0"/>
+              <a:buChar char="•"/>
+              <a:defRPr sz="1200" kern="1200">
+                <a:solidFill>
+                  <a:schemeClr val="tx1"/>
+                </a:solidFill>
+                <a:latin typeface="+mn-lt"/>
+                <a:ea typeface="+mn-ea"/>
+                <a:cs typeface="+mn-cs"/>
+              </a:defRPr>
+            </a:lvl2pPr>
+            <a:lvl3pPr marL="548629" indent="-228595" algn="l" defTabSz="2194513" rtl="0" eaLnBrk="1" latinLnBrk="0" hangingPunct="1">
+              <a:lnSpc>
+                <a:spcPct val="100000"/>
+              </a:lnSpc>
+              <a:spcBef>
+                <a:spcPts val="600"/>
+              </a:spcBef>
+              <a:buClr>
+                <a:schemeClr val="accent2"/>
+              </a:buClr>
+              <a:buFont typeface="Arial" panose="020B0604020202020204" pitchFamily="34" charset="0"/>
+              <a:buChar char="•"/>
+              <a:defRPr sz="1200" kern="1200">
+                <a:solidFill>
+                  <a:schemeClr val="tx1"/>
+                </a:solidFill>
+                <a:latin typeface="+mn-lt"/>
+                <a:ea typeface="+mn-ea"/>
+                <a:cs typeface="+mn-cs"/>
+              </a:defRPr>
+            </a:lvl3pPr>
+            <a:lvl4pPr marL="548629" indent="-228595" algn="l" defTabSz="2194513" rtl="0" eaLnBrk="1" latinLnBrk="0" hangingPunct="1">
+              <a:lnSpc>
+                <a:spcPct val="100000"/>
+              </a:lnSpc>
+              <a:spcBef>
+                <a:spcPts val="600"/>
+              </a:spcBef>
+              <a:buClr>
+                <a:schemeClr val="accent2"/>
+              </a:buClr>
+              <a:buFont typeface="Arial" panose="020B0604020202020204" pitchFamily="34" charset="0"/>
+              <a:buChar char="•"/>
+              <a:defRPr sz="1200" kern="1200">
+                <a:solidFill>
+                  <a:schemeClr val="tx1"/>
+                </a:solidFill>
+                <a:latin typeface="+mn-lt"/>
+                <a:ea typeface="+mn-ea"/>
+                <a:cs typeface="+mn-cs"/>
+              </a:defRPr>
+            </a:lvl4pPr>
+            <a:lvl5pPr marL="548629" indent="-228595" algn="l" defTabSz="2194513" rtl="0" eaLnBrk="1" latinLnBrk="0" hangingPunct="1">
+              <a:lnSpc>
+                <a:spcPct val="100000"/>
+              </a:lnSpc>
+              <a:spcBef>
+                <a:spcPts val="600"/>
+              </a:spcBef>
+              <a:buClr>
+                <a:schemeClr val="accent2"/>
+              </a:buClr>
+              <a:buFont typeface="Arial" panose="020B0604020202020204" pitchFamily="34" charset="0"/>
+              <a:buChar char="•"/>
+              <a:defRPr sz="1200" kern="1200">
+                <a:solidFill>
+                  <a:schemeClr val="tx1"/>
+                </a:solidFill>
+                <a:latin typeface="+mn-lt"/>
+                <a:ea typeface="+mn-ea"/>
+                <a:cs typeface="+mn-cs"/>
+              </a:defRPr>
+            </a:lvl5pPr>
+            <a:lvl6pPr marL="548629" indent="-228595" algn="l" defTabSz="2194513" rtl="0" eaLnBrk="1" latinLnBrk="0" hangingPunct="1">
+              <a:lnSpc>
+                <a:spcPct val="100000"/>
+              </a:lnSpc>
+              <a:spcBef>
+                <a:spcPts val="600"/>
+              </a:spcBef>
+              <a:buClr>
+                <a:schemeClr val="accent2"/>
+              </a:buClr>
+              <a:buFont typeface="Arial" panose="020B0604020202020204" pitchFamily="34" charset="0"/>
+              <a:buChar char="•"/>
+              <a:defRPr sz="1200" kern="1200">
+                <a:solidFill>
+                  <a:schemeClr val="tx1"/>
+                </a:solidFill>
+                <a:latin typeface="+mn-lt"/>
+                <a:ea typeface="+mn-ea"/>
+                <a:cs typeface="+mn-cs"/>
+              </a:defRPr>
+            </a:lvl6pPr>
+            <a:lvl7pPr marL="548629" indent="-228595" algn="l" defTabSz="2194513" rtl="0" eaLnBrk="1" latinLnBrk="0" hangingPunct="1">
+              <a:lnSpc>
+                <a:spcPct val="100000"/>
+              </a:lnSpc>
+              <a:spcBef>
+                <a:spcPts val="600"/>
+              </a:spcBef>
+              <a:buClr>
+                <a:schemeClr val="accent2"/>
+              </a:buClr>
+              <a:buFont typeface="Arial" panose="020B0604020202020204" pitchFamily="34" charset="0"/>
+              <a:buChar char="•"/>
+              <a:defRPr sz="1200" kern="1200">
+                <a:solidFill>
+                  <a:schemeClr val="tx1"/>
+                </a:solidFill>
+                <a:latin typeface="+mn-lt"/>
+                <a:ea typeface="+mn-ea"/>
+                <a:cs typeface="+mn-cs"/>
+              </a:defRPr>
+            </a:lvl7pPr>
+            <a:lvl8pPr marL="548629" indent="-228595" algn="l" defTabSz="2194513" rtl="0" eaLnBrk="1" latinLnBrk="0" hangingPunct="1">
+              <a:lnSpc>
+                <a:spcPct val="100000"/>
+              </a:lnSpc>
+              <a:spcBef>
+                <a:spcPts val="600"/>
+              </a:spcBef>
+              <a:buClr>
+                <a:schemeClr val="accent2"/>
+              </a:buClr>
+              <a:buFont typeface="Arial" panose="020B0604020202020204" pitchFamily="34" charset="0"/>
+              <a:buChar char="•"/>
+              <a:defRPr sz="1200" kern="1200">
+                <a:solidFill>
+                  <a:schemeClr val="tx1"/>
+                </a:solidFill>
+                <a:latin typeface="+mn-lt"/>
+                <a:ea typeface="+mn-ea"/>
+                <a:cs typeface="+mn-cs"/>
+              </a:defRPr>
+            </a:lvl8pPr>
+            <a:lvl9pPr marL="548629" indent="-228595" algn="l" defTabSz="2194513" rtl="0" eaLnBrk="1" latinLnBrk="0" hangingPunct="1">
+              <a:lnSpc>
+                <a:spcPct val="100000"/>
+              </a:lnSpc>
+              <a:spcBef>
+                <a:spcPts val="600"/>
+              </a:spcBef>
+              <a:buClr>
+                <a:schemeClr val="accent2"/>
+              </a:buClr>
+              <a:buFont typeface="Arial" panose="020B0604020202020204" pitchFamily="34" charset="0"/>
+              <a:buChar char="•"/>
+              <a:defRPr sz="1200" kern="1200">
+                <a:solidFill>
+                  <a:schemeClr val="tx1"/>
+                </a:solidFill>
+                <a:latin typeface="+mn-lt"/>
+                <a:ea typeface="+mn-ea"/>
+                <a:cs typeface="+mn-cs"/>
+              </a:defRPr>
+            </a:lvl9pPr>
+          </a:lstStyle>
+          <a:p>
+            <a:r>
+              <a:rPr lang="en-GB" dirty="0">
+                <a:latin typeface="Times New Roman" panose="02020603050405020304" pitchFamily="18" charset="0"/>
+                <a:cs typeface="Times New Roman" panose="02020603050405020304" pitchFamily="18" charset="0"/>
+              </a:rPr>
+              <a:t>James, Nicholas A., </a:t>
+            </a:r>
+            <a:r>
+              <a:rPr lang="en-US" dirty="0" err="1">
+                <a:latin typeface="Times New Roman" panose="02020603050405020304" pitchFamily="18" charset="0"/>
+                <a:cs typeface="Times New Roman" panose="02020603050405020304" pitchFamily="18" charset="0"/>
+              </a:rPr>
+              <a:t>Kejariwal</a:t>
+            </a:r>
+            <a:r>
+              <a:rPr lang="en-US" dirty="0">
+                <a:latin typeface="Times New Roman" panose="02020603050405020304" pitchFamily="18" charset="0"/>
+                <a:cs typeface="Times New Roman" panose="02020603050405020304" pitchFamily="18" charset="0"/>
+              </a:rPr>
+              <a:t>, </a:t>
+            </a:r>
+            <a:r>
+              <a:rPr lang="en-US" dirty="0" err="1">
+                <a:latin typeface="Times New Roman" panose="02020603050405020304" pitchFamily="18" charset="0"/>
+                <a:cs typeface="Times New Roman" panose="02020603050405020304" pitchFamily="18" charset="0"/>
+              </a:rPr>
+              <a:t>Arun</a:t>
+            </a:r>
+            <a:r>
+              <a:rPr lang="en-US" dirty="0">
+                <a:latin typeface="Times New Roman" panose="02020603050405020304" pitchFamily="18" charset="0"/>
+                <a:cs typeface="Times New Roman" panose="02020603050405020304" pitchFamily="18" charset="0"/>
+              </a:rPr>
+              <a:t>, and Matteson, David S</a:t>
+            </a:r>
+            <a:r>
+              <a:rPr lang="en-GB" dirty="0">
+                <a:latin typeface="Times New Roman" panose="02020603050405020304" pitchFamily="18" charset="0"/>
+                <a:cs typeface="Times New Roman" panose="02020603050405020304" pitchFamily="18" charset="0"/>
+              </a:rPr>
+              <a:t>. 2016.“Leveraging cloud data to mitigate user experience from ‘Breaking Bad’: The Twitter Approach.” </a:t>
+            </a:r>
+            <a:r>
+              <a:rPr lang="en-GB" i="1" dirty="0">
+                <a:latin typeface="Times New Roman" panose="02020603050405020304" pitchFamily="18" charset="0"/>
+                <a:cs typeface="Times New Roman" panose="02020603050405020304" pitchFamily="18" charset="0"/>
+              </a:rPr>
+              <a:t>2016 IEEE International Conference on Big Data</a:t>
+            </a:r>
+            <a:r>
+              <a:rPr lang="en-GB" dirty="0">
+                <a:latin typeface="Times New Roman" panose="02020603050405020304" pitchFamily="18" charset="0"/>
+                <a:cs typeface="Times New Roman" panose="02020603050405020304" pitchFamily="18" charset="0"/>
+              </a:rPr>
+              <a:t> 3499-3508.</a:t>
+            </a:r>
+            <a:endParaRPr lang="en-US" dirty="0">
+              <a:latin typeface="Times New Roman" panose="02020603050405020304" pitchFamily="18" charset="0"/>
+              <a:cs typeface="Times New Roman" panose="02020603050405020304" pitchFamily="18" charset="0"/>
+            </a:endParaRPr>
+          </a:p>
+          <a:p>
+            <a:r>
+              <a:rPr lang="en-GB" dirty="0">
+                <a:latin typeface="Times New Roman" panose="02020603050405020304" pitchFamily="18" charset="0"/>
+                <a:cs typeface="Times New Roman" panose="02020603050405020304" pitchFamily="18" charset="0"/>
+              </a:rPr>
+              <a:t>Matteson, David S., and James, Nicholas A. 2014. “A non-parametric approach for multiple change point analysis of multivariate data.” </a:t>
+            </a:r>
+            <a:r>
+              <a:rPr lang="en-GB" i="1" dirty="0">
+                <a:latin typeface="Times New Roman" panose="02020603050405020304" pitchFamily="18" charset="0"/>
+                <a:cs typeface="Times New Roman" panose="02020603050405020304" pitchFamily="18" charset="0"/>
+              </a:rPr>
+              <a:t>Journal of the American Statistical Association</a:t>
+            </a:r>
+            <a:r>
+              <a:rPr lang="en-GB" dirty="0">
+                <a:latin typeface="Times New Roman" panose="02020603050405020304" pitchFamily="18" charset="0"/>
+                <a:cs typeface="Times New Roman" panose="02020603050405020304" pitchFamily="18" charset="0"/>
+              </a:rPr>
+              <a:t> 109(505): 334-345.</a:t>
+            </a:r>
+            <a:endParaRPr lang="en-US" dirty="0">
+              <a:latin typeface="Times New Roman" panose="02020603050405020304" pitchFamily="18" charset="0"/>
+              <a:cs typeface="Times New Roman" panose="02020603050405020304" pitchFamily="18" charset="0"/>
+            </a:endParaRPr>
+          </a:p>
+        </p:txBody>
+      </p:sp>
+      <p:sp>
+        <p:nvSpPr>
+          <p:cNvPr id="61" name="Text Placeholder 17">
+            <a:extLst>
+              <a:ext uri="{FF2B5EF4-FFF2-40B4-BE49-F238E27FC236}">
+                <a16:creationId xmlns:a16="http://schemas.microsoft.com/office/drawing/2014/main" id="{9EB9154D-EFCE-47B8-BB9E-DE396DB5A1ED}"/>
+              </a:ext>
+            </a:extLst>
+          </p:cNvPr>
+          <p:cNvSpPr txBox="1">
+            <a:spLocks/>
+          </p:cNvSpPr>
+          <p:nvPr/>
+        </p:nvSpPr>
+        <p:spPr>
+          <a:xfrm>
+            <a:off x="9728397" y="2926079"/>
+            <a:ext cx="8001000" cy="609600"/>
+          </a:xfrm>
+          <a:prstGeom prst="round1Rect">
+            <a:avLst/>
+          </a:prstGeom>
+          <a:solidFill>
+            <a:schemeClr val="accent6"/>
+          </a:solidFill>
+        </p:spPr>
+        <p:txBody>
+          <a:bodyPr vert="horz" lIns="365760" tIns="45720" rIns="91440" bIns="45720" rtlCol="0" anchor="ctr">
+            <a:noAutofit/>
+          </a:bodyPr>
+          <a:lstStyle>
+            <a:lvl1pPr marL="0" indent="0" algn="l" defTabSz="2194513" rtl="0" eaLnBrk="1" latinLnBrk="0" hangingPunct="1">
+              <a:lnSpc>
+                <a:spcPct val="100000"/>
+              </a:lnSpc>
+              <a:spcBef>
+                <a:spcPts val="0"/>
+              </a:spcBef>
+              <a:buClr>
+                <a:schemeClr val="accent2"/>
+              </a:buClr>
+              <a:buFont typeface="Arial" panose="020B0604020202020204" pitchFamily="34" charset="0"/>
+              <a:buNone/>
+              <a:defRPr sz="3000" kern="1200" cap="all" baseline="0">
+                <a:solidFill>
+                  <a:schemeClr val="bg1"/>
+                </a:solidFill>
+                <a:latin typeface="+mj-lt"/>
+                <a:ea typeface="+mn-ea"/>
+                <a:cs typeface="+mn-cs"/>
+              </a:defRPr>
+            </a:lvl1pPr>
+            <a:lvl2pPr marL="0" indent="0" algn="l" defTabSz="2194513" rtl="0" eaLnBrk="1" latinLnBrk="0" hangingPunct="1">
+              <a:lnSpc>
+                <a:spcPct val="100000"/>
+              </a:lnSpc>
+              <a:spcBef>
+                <a:spcPts val="0"/>
+              </a:spcBef>
+              <a:buClr>
+                <a:schemeClr val="accent2"/>
+              </a:buClr>
+              <a:buFont typeface="Arial" panose="020B0604020202020204" pitchFamily="34" charset="0"/>
+              <a:buNone/>
+              <a:defRPr sz="3000" kern="1200" cap="all" baseline="0">
+                <a:solidFill>
+                  <a:schemeClr val="bg1"/>
+                </a:solidFill>
+                <a:latin typeface="+mj-lt"/>
+                <a:ea typeface="+mn-ea"/>
+                <a:cs typeface="+mn-cs"/>
+              </a:defRPr>
+            </a:lvl2pPr>
+            <a:lvl3pPr marL="0" indent="0" algn="l" defTabSz="2194513" rtl="0" eaLnBrk="1" latinLnBrk="0" hangingPunct="1">
+              <a:lnSpc>
+                <a:spcPct val="100000"/>
+              </a:lnSpc>
+              <a:spcBef>
+                <a:spcPts val="0"/>
+              </a:spcBef>
+              <a:buClr>
+                <a:schemeClr val="accent2"/>
+              </a:buClr>
+              <a:buFont typeface="Arial" panose="020B0604020202020204" pitchFamily="34" charset="0"/>
+              <a:buNone/>
+              <a:defRPr sz="3000" kern="1200" cap="all" baseline="0">
+                <a:solidFill>
+                  <a:schemeClr val="bg1"/>
+                </a:solidFill>
+                <a:latin typeface="+mj-lt"/>
+                <a:ea typeface="+mn-ea"/>
+                <a:cs typeface="+mn-cs"/>
+              </a:defRPr>
+            </a:lvl3pPr>
+            <a:lvl4pPr marL="0" indent="0" algn="l" defTabSz="2194513" rtl="0" eaLnBrk="1" latinLnBrk="0" hangingPunct="1">
+              <a:lnSpc>
+                <a:spcPct val="100000"/>
+              </a:lnSpc>
+              <a:spcBef>
+                <a:spcPts val="0"/>
+              </a:spcBef>
+              <a:buClr>
+                <a:schemeClr val="accent2"/>
+              </a:buClr>
+              <a:buFont typeface="Arial" panose="020B0604020202020204" pitchFamily="34" charset="0"/>
+              <a:buNone/>
+              <a:defRPr sz="3000" kern="1200" cap="all" baseline="0">
+                <a:solidFill>
+                  <a:schemeClr val="bg1"/>
+                </a:solidFill>
+                <a:latin typeface="+mj-lt"/>
+                <a:ea typeface="+mn-ea"/>
+                <a:cs typeface="+mn-cs"/>
+              </a:defRPr>
+            </a:lvl4pPr>
+            <a:lvl5pPr marL="0" indent="0" algn="l" defTabSz="2194513" rtl="0" eaLnBrk="1" latinLnBrk="0" hangingPunct="1">
+              <a:lnSpc>
+                <a:spcPct val="100000"/>
+              </a:lnSpc>
+              <a:spcBef>
+                <a:spcPts val="0"/>
+              </a:spcBef>
+              <a:buClr>
+                <a:schemeClr val="accent2"/>
+              </a:buClr>
+              <a:buFont typeface="Arial" panose="020B0604020202020204" pitchFamily="34" charset="0"/>
+              <a:buNone/>
+              <a:defRPr sz="3000" kern="1200" cap="all" baseline="0">
+                <a:solidFill>
+                  <a:schemeClr val="bg1"/>
+                </a:solidFill>
+                <a:latin typeface="+mj-lt"/>
+                <a:ea typeface="+mn-ea"/>
+                <a:cs typeface="+mn-cs"/>
+              </a:defRPr>
+            </a:lvl5pPr>
+            <a:lvl6pPr marL="0" indent="0" algn="l" defTabSz="2194513" rtl="0" eaLnBrk="1" latinLnBrk="0" hangingPunct="1">
+              <a:lnSpc>
+                <a:spcPct val="100000"/>
+              </a:lnSpc>
+              <a:spcBef>
+                <a:spcPts val="0"/>
+              </a:spcBef>
+              <a:buClr>
+                <a:schemeClr val="accent2"/>
+              </a:buClr>
+              <a:buFont typeface="Arial" panose="020B0604020202020204" pitchFamily="34" charset="0"/>
+              <a:buNone/>
+              <a:defRPr sz="3000" kern="1200" cap="all" baseline="0">
+                <a:solidFill>
+                  <a:schemeClr val="bg1"/>
+                </a:solidFill>
+                <a:latin typeface="+mj-lt"/>
+                <a:ea typeface="+mn-ea"/>
+                <a:cs typeface="+mn-cs"/>
+              </a:defRPr>
+            </a:lvl6pPr>
+            <a:lvl7pPr marL="0" indent="0" algn="l" defTabSz="2194513" rtl="0" eaLnBrk="1" latinLnBrk="0" hangingPunct="1">
+              <a:lnSpc>
+                <a:spcPct val="100000"/>
+              </a:lnSpc>
+              <a:spcBef>
+                <a:spcPts val="0"/>
+              </a:spcBef>
+              <a:buClr>
+                <a:schemeClr val="accent2"/>
+              </a:buClr>
+              <a:buFont typeface="Arial" panose="020B0604020202020204" pitchFamily="34" charset="0"/>
+              <a:buNone/>
+              <a:defRPr sz="3000" kern="1200" cap="all" baseline="0">
+                <a:solidFill>
+                  <a:schemeClr val="bg1"/>
+                </a:solidFill>
+                <a:latin typeface="+mj-lt"/>
+                <a:ea typeface="+mn-ea"/>
+                <a:cs typeface="+mn-cs"/>
+              </a:defRPr>
+            </a:lvl7pPr>
+            <a:lvl8pPr marL="0" indent="0" algn="l" defTabSz="2194513" rtl="0" eaLnBrk="1" latinLnBrk="0" hangingPunct="1">
+              <a:lnSpc>
+                <a:spcPct val="100000"/>
+              </a:lnSpc>
+              <a:spcBef>
+                <a:spcPts val="0"/>
+              </a:spcBef>
+              <a:buClr>
+                <a:schemeClr val="accent2"/>
+              </a:buClr>
+              <a:buFont typeface="Arial" panose="020B0604020202020204" pitchFamily="34" charset="0"/>
+              <a:buNone/>
+              <a:defRPr sz="3000" kern="1200" cap="all" baseline="0">
+                <a:solidFill>
+                  <a:schemeClr val="bg1"/>
+                </a:solidFill>
+                <a:latin typeface="+mj-lt"/>
+                <a:ea typeface="+mn-ea"/>
+                <a:cs typeface="+mn-cs"/>
+              </a:defRPr>
+            </a:lvl8pPr>
+            <a:lvl9pPr marL="0" indent="0" algn="l" defTabSz="2194513" rtl="0" eaLnBrk="1" latinLnBrk="0" hangingPunct="1">
+              <a:lnSpc>
+                <a:spcPct val="100000"/>
+              </a:lnSpc>
+              <a:spcBef>
+                <a:spcPts val="0"/>
+              </a:spcBef>
+              <a:buClr>
+                <a:schemeClr val="accent2"/>
+              </a:buClr>
+              <a:buFont typeface="Arial" panose="020B0604020202020204" pitchFamily="34" charset="0"/>
+              <a:buNone/>
+              <a:defRPr sz="3000" kern="1200" cap="all" baseline="0">
+                <a:solidFill>
+                  <a:schemeClr val="bg1"/>
+                </a:solidFill>
+                <a:latin typeface="+mj-lt"/>
+                <a:ea typeface="+mn-ea"/>
+                <a:cs typeface="+mn-cs"/>
+              </a:defRPr>
+            </a:lvl9pPr>
+          </a:lstStyle>
+          <a:p>
+            <a:r>
+              <a:rPr lang="en-US" dirty="0"/>
+              <a:t>results</a:t>
+            </a:r>
+          </a:p>
+        </p:txBody>
+      </p:sp>
+      <p:pic>
+        <p:nvPicPr>
+          <p:cNvPr id="7" name="Picture 6">
+            <a:extLst>
+              <a:ext uri="{FF2B5EF4-FFF2-40B4-BE49-F238E27FC236}">
+                <a16:creationId xmlns:a16="http://schemas.microsoft.com/office/drawing/2014/main" id="{F21E3EAF-DBB2-4694-A032-1B9A1021AFAD}"/>
+              </a:ext>
+            </a:extLst>
+          </p:cNvPr>
+          <p:cNvPicPr>
+            <a:picLocks noChangeAspect="1"/>
+          </p:cNvPicPr>
+          <p:nvPr/>
+        </p:nvPicPr>
+        <p:blipFill>
+          <a:blip r:embed="rId5" cstate="print">
+            <a:extLst>
+              <a:ext uri="{28A0092B-C50C-407E-A947-70E740481C1C}">
+                <a14:useLocalDpi xmlns:a14="http://schemas.microsoft.com/office/drawing/2010/main" val="0"/>
+              </a:ext>
+            </a:extLst>
+          </a:blip>
+          <a:stretch>
+            <a:fillRect/>
+          </a:stretch>
+        </p:blipFill>
+        <p:spPr>
+          <a:xfrm>
+            <a:off x="19194505" y="7524350"/>
+            <a:ext cx="6962295" cy="3481148"/>
+          </a:xfrm>
+          <a:prstGeom prst="rect">
+            <a:avLst/>
+          </a:prstGeom>
+        </p:spPr>
+      </p:pic>
+      <p:sp>
+        <p:nvSpPr>
+          <p:cNvPr id="11" name="Rectangle 10">
+            <a:extLst>
+              <a:ext uri="{FF2B5EF4-FFF2-40B4-BE49-F238E27FC236}">
+                <a16:creationId xmlns:a16="http://schemas.microsoft.com/office/drawing/2014/main" id="{828201C3-CCF6-4CFD-A08D-4DC6C1A731B4}"/>
+              </a:ext>
+            </a:extLst>
+          </p:cNvPr>
+          <p:cNvSpPr/>
+          <p:nvPr/>
+        </p:nvSpPr>
+        <p:spPr>
+          <a:xfrm>
+            <a:off x="18700947" y="3077960"/>
+            <a:ext cx="4173871" cy="4493538"/>
+          </a:xfrm>
+          <a:prstGeom prst="rect">
+            <a:avLst/>
+          </a:prstGeom>
+        </p:spPr>
+        <p:txBody>
+          <a:bodyPr wrap="square">
+            <a:spAutoFit/>
+          </a:bodyPr>
+          <a:lstStyle/>
+          <a:p>
+            <a:pPr marL="228595" indent="-228595" algn="just" defTabSz="2194513">
+              <a:spcBef>
+                <a:spcPts val="600"/>
+              </a:spcBef>
+              <a:buClr>
+                <a:schemeClr val="accent2"/>
+              </a:buClr>
+              <a:buFont typeface="Arial" panose="020B0604020202020204" pitchFamily="34" charset="0"/>
+              <a:buChar char="•"/>
+            </a:pPr>
+            <a:r>
+              <a:rPr lang="en-US" sz="2000" dirty="0">
+                <a:latin typeface="Times New Roman" panose="02020603050405020304" pitchFamily="18" charset="0"/>
+                <a:cs typeface="Times New Roman" panose="02020603050405020304" pitchFamily="18" charset="0"/>
+              </a:rPr>
+              <a:t>Example: Ramp (up, down)</a:t>
+            </a:r>
+          </a:p>
+          <a:p>
+            <a:pPr marL="228595" indent="-228595" algn="just" defTabSz="2194513">
+              <a:spcBef>
+                <a:spcPts val="600"/>
+              </a:spcBef>
+              <a:buClr>
+                <a:schemeClr val="accent2"/>
+              </a:buClr>
+              <a:buFont typeface="Arial" panose="020B0604020202020204" pitchFamily="34" charset="0"/>
+              <a:buChar char="•"/>
+            </a:pPr>
+            <a:endParaRPr lang="en-US" sz="2000" dirty="0">
+              <a:latin typeface="Times New Roman" panose="02020603050405020304" pitchFamily="18" charset="0"/>
+              <a:cs typeface="Times New Roman" panose="02020603050405020304" pitchFamily="18" charset="0"/>
+            </a:endParaRPr>
+          </a:p>
+          <a:p>
+            <a:pPr marL="228595" indent="-228595" algn="just" defTabSz="2194513">
+              <a:spcBef>
+                <a:spcPts val="600"/>
+              </a:spcBef>
+              <a:buClr>
+                <a:schemeClr val="accent2"/>
+              </a:buClr>
+              <a:buFont typeface="Arial" panose="020B0604020202020204" pitchFamily="34" charset="0"/>
+              <a:buChar char="•"/>
+            </a:pPr>
+            <a:endParaRPr lang="en-US" sz="2000" dirty="0">
+              <a:latin typeface="Times New Roman" panose="02020603050405020304" pitchFamily="18" charset="0"/>
+              <a:cs typeface="Times New Roman" panose="02020603050405020304" pitchFamily="18" charset="0"/>
+            </a:endParaRPr>
+          </a:p>
+          <a:p>
+            <a:pPr marL="228595" indent="-228595" algn="just" defTabSz="2194513">
+              <a:spcBef>
+                <a:spcPts val="600"/>
+              </a:spcBef>
+              <a:buClr>
+                <a:schemeClr val="accent2"/>
+              </a:buClr>
+              <a:buFont typeface="Arial" panose="020B0604020202020204" pitchFamily="34" charset="0"/>
+              <a:buChar char="•"/>
+            </a:pPr>
+            <a:endParaRPr lang="en-US" sz="2000" dirty="0">
+              <a:latin typeface="Times New Roman" panose="02020603050405020304" pitchFamily="18" charset="0"/>
+              <a:cs typeface="Times New Roman" panose="02020603050405020304" pitchFamily="18" charset="0"/>
+            </a:endParaRPr>
+          </a:p>
+          <a:p>
+            <a:pPr marL="228595" indent="-228595" algn="just" defTabSz="2194513">
+              <a:spcBef>
+                <a:spcPts val="600"/>
+              </a:spcBef>
+              <a:buClr>
+                <a:schemeClr val="accent2"/>
+              </a:buClr>
+              <a:buFont typeface="Arial" panose="020B0604020202020204" pitchFamily="34" charset="0"/>
+              <a:buChar char="•"/>
+            </a:pPr>
+            <a:endParaRPr lang="en-US" sz="2000" dirty="0">
+              <a:latin typeface="Times New Roman" panose="02020603050405020304" pitchFamily="18" charset="0"/>
+              <a:cs typeface="Times New Roman" panose="02020603050405020304" pitchFamily="18" charset="0"/>
+            </a:endParaRPr>
+          </a:p>
+          <a:p>
+            <a:pPr marL="228595" indent="-228595" algn="just" defTabSz="2194513">
+              <a:spcBef>
+                <a:spcPts val="600"/>
+              </a:spcBef>
+              <a:buClr>
+                <a:schemeClr val="accent2"/>
+              </a:buClr>
+              <a:buFont typeface="Arial" panose="020B0604020202020204" pitchFamily="34" charset="0"/>
+              <a:buChar char="•"/>
+            </a:pPr>
+            <a:endParaRPr lang="en-US" sz="2000" dirty="0">
+              <a:latin typeface="Times New Roman" panose="02020603050405020304" pitchFamily="18" charset="0"/>
+              <a:cs typeface="Times New Roman" panose="02020603050405020304" pitchFamily="18" charset="0"/>
+            </a:endParaRPr>
+          </a:p>
+          <a:p>
+            <a:pPr marL="228595" indent="-228595" algn="just" defTabSz="2194513">
+              <a:spcBef>
+                <a:spcPts val="600"/>
+              </a:spcBef>
+              <a:buClr>
+                <a:schemeClr val="accent2"/>
+              </a:buClr>
+              <a:buFont typeface="Arial" panose="020B0604020202020204" pitchFamily="34" charset="0"/>
+              <a:buChar char="•"/>
+            </a:pPr>
+            <a:endParaRPr lang="en-US" sz="2000" dirty="0">
+              <a:latin typeface="Times New Roman" panose="02020603050405020304" pitchFamily="18" charset="0"/>
+              <a:cs typeface="Times New Roman" panose="02020603050405020304" pitchFamily="18" charset="0"/>
+            </a:endParaRPr>
+          </a:p>
+          <a:p>
+            <a:pPr marL="228595" indent="-228595" algn="just" defTabSz="2194513">
+              <a:spcBef>
+                <a:spcPts val="600"/>
+              </a:spcBef>
+              <a:buClr>
+                <a:schemeClr val="accent2"/>
+              </a:buClr>
+              <a:buFont typeface="Arial" panose="020B0604020202020204" pitchFamily="34" charset="0"/>
+              <a:buChar char="•"/>
+            </a:pPr>
+            <a:endParaRPr lang="en-US" sz="2000" dirty="0">
+              <a:latin typeface="Times New Roman" panose="02020603050405020304" pitchFamily="18" charset="0"/>
+              <a:cs typeface="Times New Roman" panose="02020603050405020304" pitchFamily="18" charset="0"/>
+            </a:endParaRPr>
+          </a:p>
+          <a:p>
+            <a:pPr marL="228595" indent="-228595" algn="just" defTabSz="2194513">
+              <a:spcBef>
+                <a:spcPts val="600"/>
+              </a:spcBef>
+              <a:buClr>
+                <a:schemeClr val="accent2"/>
+              </a:buClr>
+              <a:buFont typeface="Arial" panose="020B0604020202020204" pitchFamily="34" charset="0"/>
+              <a:buChar char="•"/>
+            </a:pPr>
+            <a:endParaRPr lang="en-US" sz="2000" dirty="0">
+              <a:latin typeface="Times New Roman" panose="02020603050405020304" pitchFamily="18" charset="0"/>
+              <a:cs typeface="Times New Roman" panose="02020603050405020304" pitchFamily="18" charset="0"/>
+            </a:endParaRPr>
+          </a:p>
+          <a:p>
+            <a:pPr algn="just" defTabSz="2194513">
+              <a:spcBef>
+                <a:spcPts val="600"/>
+              </a:spcBef>
+              <a:buClr>
+                <a:schemeClr val="accent2"/>
+              </a:buClr>
+            </a:pPr>
+            <a:endParaRPr lang="en-US" sz="3600" dirty="0">
+              <a:latin typeface="Times New Roman" panose="02020603050405020304" pitchFamily="18" charset="0"/>
+              <a:cs typeface="Times New Roman" panose="02020603050405020304" pitchFamily="18" charset="0"/>
+            </a:endParaRPr>
+          </a:p>
+          <a:p>
+            <a:pPr marL="228595" indent="-228595" algn="just" defTabSz="2194513">
+              <a:spcBef>
+                <a:spcPts val="600"/>
+              </a:spcBef>
+              <a:buClr>
+                <a:schemeClr val="accent2"/>
+              </a:buClr>
+              <a:buFont typeface="Arial" panose="020B0604020202020204" pitchFamily="34" charset="0"/>
+              <a:buChar char="•"/>
+            </a:pPr>
+            <a:r>
+              <a:rPr lang="en-US" sz="2000" dirty="0">
+                <a:latin typeface="Times New Roman" panose="02020603050405020304" pitchFamily="18" charset="0"/>
+                <a:cs typeface="Times New Roman" panose="02020603050405020304" pitchFamily="18" charset="0"/>
+              </a:rPr>
+              <a:t>Example: Mean shift</a:t>
+            </a:r>
+          </a:p>
+        </p:txBody>
+      </p:sp>
+      <p:pic>
+        <p:nvPicPr>
+          <p:cNvPr id="3" name="Picture 2">
+            <a:extLst>
+              <a:ext uri="{FF2B5EF4-FFF2-40B4-BE49-F238E27FC236}">
+                <a16:creationId xmlns:a16="http://schemas.microsoft.com/office/drawing/2014/main" id="{11423897-1DBA-4DB0-BB3E-7111CF5FB160}"/>
+              </a:ext>
+            </a:extLst>
+          </p:cNvPr>
+          <p:cNvPicPr>
+            <a:picLocks noChangeAspect="1"/>
+          </p:cNvPicPr>
+          <p:nvPr/>
+        </p:nvPicPr>
+        <p:blipFill>
+          <a:blip r:embed="rId6">
+            <a:extLst>
+              <a:ext uri="{28A0092B-C50C-407E-A947-70E740481C1C}">
+                <a14:useLocalDpi xmlns:a14="http://schemas.microsoft.com/office/drawing/2010/main" val="0"/>
+              </a:ext>
+            </a:extLst>
+          </a:blip>
+          <a:stretch>
+            <a:fillRect/>
+          </a:stretch>
+        </p:blipFill>
+        <p:spPr>
+          <a:xfrm>
+            <a:off x="10459284" y="6789723"/>
+            <a:ext cx="6539225" cy="6539225"/>
+          </a:xfrm>
+          <a:prstGeom prst="rect">
+            <a:avLst/>
+          </a:prstGeom>
+        </p:spPr>
+      </p:pic>
     </p:spTree>
     <p:extLst>
       <p:ext uri="{BB962C8B-B14F-4D97-AF65-F5344CB8AC3E}">
-        <p14:creationId xmlns:p14="http://schemas.microsoft.com/office/powerpoint/2010/main" val="3885579370"/>
+        <p14:creationId xmlns:p14="http://schemas.microsoft.com/office/powerpoint/2010/main" val="342176532"/>
       </p:ext>
     </p:extLst>
   </p:cSld>
